--- a/reports/report_presentation.pptx
+++ b/reports/report_presentation.pptx
@@ -5,10 +5,10 @@
     <p:sldMasterId id="2147483648" r:id="rId4"/>
   </p:sldMasterIdLst>
   <p:notesMasterIdLst>
-    <p:notesMasterId r:id="rId25"/>
+    <p:notesMasterId r:id="rId29"/>
   </p:notesMasterIdLst>
   <p:handoutMasterIdLst>
-    <p:handoutMasterId r:id="rId26"/>
+    <p:handoutMasterId r:id="rId30"/>
   </p:handoutMasterIdLst>
   <p:sldIdLst>
     <p:sldId id="256" r:id="rId5"/>
@@ -19,18 +19,22 @@
     <p:sldId id="285" r:id="rId10"/>
     <p:sldId id="260" r:id="rId11"/>
     <p:sldId id="291" r:id="rId12"/>
-    <p:sldId id="289" r:id="rId13"/>
-    <p:sldId id="286" r:id="rId14"/>
-    <p:sldId id="290" r:id="rId15"/>
-    <p:sldId id="292" r:id="rId16"/>
-    <p:sldId id="287" r:id="rId17"/>
-    <p:sldId id="294" r:id="rId18"/>
-    <p:sldId id="262" r:id="rId19"/>
-    <p:sldId id="283" r:id="rId20"/>
-    <p:sldId id="264" r:id="rId21"/>
-    <p:sldId id="266" r:id="rId22"/>
-    <p:sldId id="284" r:id="rId23"/>
-    <p:sldId id="269" r:id="rId24"/>
+    <p:sldId id="295" r:id="rId13"/>
+    <p:sldId id="296" r:id="rId14"/>
+    <p:sldId id="297" r:id="rId15"/>
+    <p:sldId id="298" r:id="rId16"/>
+    <p:sldId id="289" r:id="rId17"/>
+    <p:sldId id="286" r:id="rId18"/>
+    <p:sldId id="290" r:id="rId19"/>
+    <p:sldId id="292" r:id="rId20"/>
+    <p:sldId id="287" r:id="rId21"/>
+    <p:sldId id="294" r:id="rId22"/>
+    <p:sldId id="262" r:id="rId23"/>
+    <p:sldId id="283" r:id="rId24"/>
+    <p:sldId id="264" r:id="rId25"/>
+    <p:sldId id="266" r:id="rId26"/>
+    <p:sldId id="284" r:id="rId27"/>
+    <p:sldId id="269" r:id="rId28"/>
   </p:sldIdLst>
   <p:sldSz cx="12192000" cy="6858000"/>
   <p:notesSz cx="6858000" cy="9144000"/>
@@ -554,7 +558,7 @@
 <file path=ppt/charts/chart1.xml><?xml version="1.0" encoding="utf-8"?>
 <c:chartSpace xmlns:c="http://schemas.openxmlformats.org/drawingml/2006/chart" xmlns:a="http://schemas.openxmlformats.org/drawingml/2006/main" xmlns:r="http://schemas.openxmlformats.org/officeDocument/2006/relationships" xmlns:c16r2="http://schemas.microsoft.com/office/drawing/2015/06/chart">
   <c:date1904 val="0"/>
-  <c:lang val="en-US"/>
+  <c:lang val="el-GR"/>
   <c:roundedCorners val="0"/>
   <mc:AlternateContent xmlns:mc="http://schemas.openxmlformats.org/markup-compatibility/2006">
     <mc:Choice xmlns:c14="http://schemas.microsoft.com/office/drawing/2007/8/2/chart" Requires="c14">
@@ -826,7 +830,7 @@
                 <a:cs typeface="+mn-cs"/>
               </a:defRPr>
             </a:pPr>
-            <a:endParaRPr lang="en-150"/>
+            <a:endParaRPr lang="el-GR"/>
           </a:p>
         </c:txPr>
         <c:crossAx val="1000041744"/>
@@ -868,7 +872,7 @@
                 <a:cs typeface="+mn-cs"/>
               </a:defRPr>
             </a:pPr>
-            <a:endParaRPr lang="en-150"/>
+            <a:endParaRPr lang="el-GR"/>
           </a:p>
         </c:txPr>
         <c:crossAx val="1000041416"/>
@@ -910,7 +914,7 @@
           <a:latin typeface="+mn-lt"/>
         </a:defRPr>
       </a:pPr>
-      <a:endParaRPr lang="en-150"/>
+      <a:endParaRPr lang="el-GR"/>
     </a:p>
   </c:txPr>
   <c:externalData r:id="rId3">
@@ -1556,7 +1560,7 @@
           <a:p>
             <a:fld id="{1CA5457B-CDAE-4DEB-AEC8-C82DE2312E37}" type="datetimeFigureOut">
               <a:rPr lang="en-US" smtClean="0"/>
-              <a:t>1/21/2023</a:t>
+              <a:t>1/22/2023</a:t>
             </a:fld>
             <a:endParaRPr lang="en-US" dirty="0"/>
           </a:p>
@@ -1733,7 +1737,7 @@
           <a:p>
             <a:fld id="{090B78EA-28CE-41D8-9043-90E391E5F567}" type="datetimeFigureOut">
               <a:rPr lang="en-US" noProof="0" smtClean="0"/>
-              <a:t>1/21/2023</a:t>
+              <a:t>1/22/2023</a:t>
             </a:fld>
             <a:endParaRPr lang="en-US" noProof="0" dirty="0"/>
           </a:p>
@@ -26900,10 +26904,44 @@
       </p:grpSpPr>
       <p:sp>
         <p:nvSpPr>
-          <p:cNvPr id="2" name="Slide Number Placeholder 1">
+          <p:cNvPr id="2" name="Τίτλος 1">
             <a:extLst>
               <a:ext uri="{FF2B5EF4-FFF2-40B4-BE49-F238E27FC236}">
-                <a16:creationId xmlns:a16="http://schemas.microsoft.com/office/drawing/2014/main" id="{ED5D82C7-8910-CEE9-A138-FEAA3F66FEC7}"/>
+                <a16:creationId xmlns:a16="http://schemas.microsoft.com/office/drawing/2014/main" id="{A6F23DA2-8C28-CC7D-B19C-5A54995DFB0A}"/>
+              </a:ext>
+            </a:extLst>
+          </p:cNvPr>
+          <p:cNvSpPr>
+            <a:spLocks noGrp="1"/>
+          </p:cNvSpPr>
+          <p:nvPr>
+            <p:ph type="title"/>
+          </p:nvPr>
+        </p:nvSpPr>
+        <p:spPr>
+          <a:xfrm>
+            <a:off x="444500" y="542925"/>
+            <a:ext cx="11214100" cy="535531"/>
+          </a:xfrm>
+        </p:spPr>
+        <p:txBody>
+          <a:bodyPr/>
+          <a:lstStyle/>
+          <a:p>
+            <a:r>
+              <a:rPr lang="en-US" dirty="0"/>
+              <a:t>Top 3 points example</a:t>
+            </a:r>
+            <a:endParaRPr lang="el-GR" dirty="0"/>
+          </a:p>
+        </p:txBody>
+      </p:sp>
+      <p:sp>
+        <p:nvSpPr>
+          <p:cNvPr id="3" name="Θέση αριθμού διαφάνειας 2">
+            <a:extLst>
+              <a:ext uri="{FF2B5EF4-FFF2-40B4-BE49-F238E27FC236}">
+                <a16:creationId xmlns:a16="http://schemas.microsoft.com/office/drawing/2014/main" id="{D641B237-C610-F2A4-99F9-5C44C21A7B66}"/>
               </a:ext>
             </a:extLst>
           </p:cNvPr>
@@ -26928,10 +26966,597 @@
           </a:p>
         </p:txBody>
       </p:sp>
+      <p:pic>
+        <p:nvPicPr>
+          <p:cNvPr id="9" name="Εικόνα 8">
+            <a:extLst>
+              <a:ext uri="{FF2B5EF4-FFF2-40B4-BE49-F238E27FC236}">
+                <a16:creationId xmlns:a16="http://schemas.microsoft.com/office/drawing/2014/main" id="{0D157B8C-BFA1-28D7-B5FE-ACD766EC772A}"/>
+              </a:ext>
+            </a:extLst>
+          </p:cNvPr>
+          <p:cNvPicPr>
+            <a:picLocks noChangeAspect="1"/>
+          </p:cNvPicPr>
+          <p:nvPr/>
+        </p:nvPicPr>
+        <p:blipFill>
+          <a:blip r:embed="rId2"/>
+          <a:srcRect/>
+          <a:stretch/>
+        </p:blipFill>
+        <p:spPr>
+          <a:xfrm>
+            <a:off x="444500" y="1350793"/>
+            <a:ext cx="6703357" cy="5433248"/>
+          </a:xfrm>
+          <a:prstGeom prst="rect">
+            <a:avLst/>
+          </a:prstGeom>
+        </p:spPr>
+      </p:pic>
+      <p:sp>
+        <p:nvSpPr>
+          <p:cNvPr id="10" name="TextBox 9">
+            <a:extLst>
+              <a:ext uri="{FF2B5EF4-FFF2-40B4-BE49-F238E27FC236}">
+                <a16:creationId xmlns:a16="http://schemas.microsoft.com/office/drawing/2014/main" id="{9CEF2B1F-6A04-E030-3B9B-D56E893BAF76}"/>
+              </a:ext>
+            </a:extLst>
+          </p:cNvPr>
+          <p:cNvSpPr txBox="1"/>
+          <p:nvPr/>
+        </p:nvSpPr>
+        <p:spPr>
+          <a:xfrm>
+            <a:off x="7496734" y="1350793"/>
+            <a:ext cx="4623548" cy="4803879"/>
+          </a:xfrm>
+          <a:prstGeom prst="rect">
+            <a:avLst/>
+          </a:prstGeom>
+          <a:noFill/>
+        </p:spPr>
+        <p:txBody>
+          <a:bodyPr wrap="square" rtlCol="0">
+            <a:spAutoFit/>
+          </a:bodyPr>
+          <a:lstStyle/>
+          <a:p>
+            <a:pPr marL="342900" lvl="0" indent="-342900" algn="just">
+              <a:spcBef>
+                <a:spcPts val="900"/>
+              </a:spcBef>
+              <a:spcAft>
+                <a:spcPts val="400"/>
+              </a:spcAft>
+              <a:buFont typeface="+mj-lt"/>
+              <a:buAutoNum type="arabicPeriod" startAt="6"/>
+            </a:pPr>
+            <a:r>
+              <a:rPr lang="en-US" sz="1400" b="0" dirty="0">
+                <a:solidFill>
+                  <a:schemeClr val="bg1"/>
+                </a:solidFill>
+                <a:effectLst/>
+                <a:ea typeface="Times New Roman" panose="02020603050405020304" pitchFamily="18" charset="0"/>
+              </a:rPr>
+              <a:t>Sort the </a:t>
+            </a:r>
+            <a:r>
+              <a:rPr lang="en-US" sz="1400" b="0" i="1" dirty="0">
+                <a:solidFill>
+                  <a:schemeClr val="accent1">
+                    <a:lumMod val="40000"/>
+                    <a:lumOff val="60000"/>
+                  </a:schemeClr>
+                </a:solidFill>
+                <a:effectLst/>
+                <a:ea typeface="Times New Roman" panose="02020603050405020304" pitchFamily="18" charset="0"/>
+              </a:rPr>
+              <a:t>candidate_points</a:t>
+            </a:r>
+            <a:r>
+              <a:rPr lang="en-US" sz="1400" b="0" dirty="0">
+                <a:solidFill>
+                  <a:schemeClr val="accent1">
+                    <a:lumMod val="40000"/>
+                    <a:lumOff val="60000"/>
+                  </a:schemeClr>
+                </a:solidFill>
+                <a:effectLst/>
+                <a:ea typeface="Times New Roman" panose="02020603050405020304" pitchFamily="18" charset="0"/>
+              </a:rPr>
+              <a:t> </a:t>
+            </a:r>
+            <a:r>
+              <a:rPr lang="en-US" sz="1400" b="0" dirty="0">
+                <a:solidFill>
+                  <a:schemeClr val="bg1"/>
+                </a:solidFill>
+                <a:effectLst/>
+                <a:ea typeface="Times New Roman" panose="02020603050405020304" pitchFamily="18" charset="0"/>
+              </a:rPr>
+              <a:t>list by the number of dominations in descending order</a:t>
+            </a:r>
+            <a:endParaRPr lang="el-GR" sz="1400" b="1" dirty="0">
+              <a:solidFill>
+                <a:schemeClr val="bg1"/>
+              </a:solidFill>
+              <a:effectLst/>
+              <a:ea typeface="Times New Roman" panose="02020603050405020304" pitchFamily="18" charset="0"/>
+            </a:endParaRPr>
+          </a:p>
+          <a:p>
+            <a:pPr marL="342900" lvl="0" indent="-342900" algn="just">
+              <a:spcBef>
+                <a:spcPts val="900"/>
+              </a:spcBef>
+              <a:spcAft>
+                <a:spcPts val="400"/>
+              </a:spcAft>
+              <a:buFont typeface="+mj-lt"/>
+              <a:buAutoNum type="arabicPeriod" startAt="6"/>
+            </a:pPr>
+            <a:r>
+              <a:rPr lang="en-US" sz="1400" b="0" dirty="0">
+                <a:solidFill>
+                  <a:schemeClr val="bg1"/>
+                </a:solidFill>
+                <a:effectLst/>
+                <a:ea typeface="Times New Roman" panose="02020603050405020304" pitchFamily="18" charset="0"/>
+              </a:rPr>
+              <a:t>Get the first element </a:t>
+            </a:r>
+            <a:r>
+              <a:rPr lang="en-US" sz="1400" b="0" i="1" dirty="0">
+                <a:solidFill>
+                  <a:schemeClr val="bg1"/>
+                </a:solidFill>
+                <a:effectLst/>
+                <a:ea typeface="Times New Roman" panose="02020603050405020304" pitchFamily="18" charset="0"/>
+              </a:rPr>
+              <a:t>top_point</a:t>
+            </a:r>
+            <a:r>
+              <a:rPr lang="en-US" sz="1400" b="0" dirty="0">
+                <a:solidFill>
+                  <a:schemeClr val="bg1"/>
+                </a:solidFill>
+                <a:effectLst/>
+                <a:ea typeface="Times New Roman" panose="02020603050405020304" pitchFamily="18" charset="0"/>
+              </a:rPr>
+              <a:t> of the </a:t>
+            </a:r>
+            <a:r>
+              <a:rPr lang="en-US" sz="1400" b="0" i="1" dirty="0">
+                <a:solidFill>
+                  <a:schemeClr val="accent1">
+                    <a:lumMod val="40000"/>
+                    <a:lumOff val="60000"/>
+                  </a:schemeClr>
+                </a:solidFill>
+                <a:effectLst/>
+                <a:ea typeface="Times New Roman" panose="02020603050405020304" pitchFamily="18" charset="0"/>
+              </a:rPr>
+              <a:t>candidate_points</a:t>
+            </a:r>
+            <a:r>
+              <a:rPr lang="en-US" sz="1400" b="0" dirty="0">
+                <a:solidFill>
+                  <a:schemeClr val="accent1">
+                    <a:lumMod val="40000"/>
+                    <a:lumOff val="60000"/>
+                  </a:schemeClr>
+                </a:solidFill>
+                <a:effectLst/>
+                <a:ea typeface="Times New Roman" panose="02020603050405020304" pitchFamily="18" charset="0"/>
+              </a:rPr>
+              <a:t> </a:t>
+            </a:r>
+            <a:r>
+              <a:rPr lang="en-US" sz="1400" b="0" dirty="0">
+                <a:solidFill>
+                  <a:schemeClr val="bg1"/>
+                </a:solidFill>
+                <a:effectLst/>
+                <a:ea typeface="Times New Roman" panose="02020603050405020304" pitchFamily="18" charset="0"/>
+              </a:rPr>
+              <a:t>list, add it to the </a:t>
+            </a:r>
+            <a:r>
+              <a:rPr lang="en-US" sz="1400" b="0" i="1" dirty="0">
+                <a:solidFill>
+                  <a:srgbClr val="92D050"/>
+                </a:solidFill>
+                <a:effectLst/>
+                <a:ea typeface="Times New Roman" panose="02020603050405020304" pitchFamily="18" charset="0"/>
+              </a:rPr>
+              <a:t>top_points</a:t>
+            </a:r>
+            <a:r>
+              <a:rPr lang="en-US" sz="1400" b="0" dirty="0">
+                <a:solidFill>
+                  <a:srgbClr val="92D050"/>
+                </a:solidFill>
+                <a:effectLst/>
+                <a:ea typeface="Times New Roman" panose="02020603050405020304" pitchFamily="18" charset="0"/>
+              </a:rPr>
+              <a:t> </a:t>
+            </a:r>
+            <a:r>
+              <a:rPr lang="en-US" sz="1400" b="0" dirty="0">
+                <a:solidFill>
+                  <a:schemeClr val="bg1"/>
+                </a:solidFill>
+                <a:effectLst/>
+                <a:ea typeface="Times New Roman" panose="02020603050405020304" pitchFamily="18" charset="0"/>
+              </a:rPr>
+              <a:t>list and remove it from the dataset </a:t>
+            </a:r>
+            <a:r>
+              <a:rPr lang="en-US" sz="1400" b="0" i="1" dirty="0">
+                <a:solidFill>
+                  <a:schemeClr val="bg1"/>
+                </a:solidFill>
+                <a:effectLst/>
+                <a:ea typeface="Times New Roman" panose="02020603050405020304" pitchFamily="18" charset="0"/>
+              </a:rPr>
+              <a:t>points</a:t>
+            </a:r>
+            <a:endParaRPr lang="el-GR" sz="1400" b="1" dirty="0">
+              <a:solidFill>
+                <a:schemeClr val="bg1"/>
+              </a:solidFill>
+              <a:effectLst/>
+              <a:ea typeface="Times New Roman" panose="02020603050405020304" pitchFamily="18" charset="0"/>
+            </a:endParaRPr>
+          </a:p>
+          <a:p>
+            <a:pPr marL="342900" lvl="0" indent="-342900" algn="just">
+              <a:spcBef>
+                <a:spcPts val="900"/>
+              </a:spcBef>
+              <a:spcAft>
+                <a:spcPts val="400"/>
+              </a:spcAft>
+              <a:buFont typeface="+mj-lt"/>
+              <a:buAutoNum type="arabicPeriod" startAt="6"/>
+            </a:pPr>
+            <a:r>
+              <a:rPr lang="en-US" sz="1400" b="0" dirty="0">
+                <a:solidFill>
+                  <a:schemeClr val="bg1"/>
+                </a:solidFill>
+                <a:effectLst/>
+                <a:ea typeface="Times New Roman" panose="02020603050405020304" pitchFamily="18" charset="0"/>
+              </a:rPr>
+              <a:t>Create a list </a:t>
+            </a:r>
+            <a:r>
+              <a:rPr lang="en-US" sz="1400" b="0" i="1" dirty="0">
+                <a:solidFill>
+                  <a:schemeClr val="accent6">
+                    <a:lumMod val="60000"/>
+                    <a:lumOff val="40000"/>
+                  </a:schemeClr>
+                </a:solidFill>
+                <a:effectLst/>
+                <a:ea typeface="Times New Roman" panose="02020603050405020304" pitchFamily="18" charset="0"/>
+              </a:rPr>
+              <a:t>dominated_points (red rectangle)</a:t>
+            </a:r>
+            <a:r>
+              <a:rPr lang="en-US" sz="1400" b="0" dirty="0">
+                <a:solidFill>
+                  <a:schemeClr val="accent6">
+                    <a:lumMod val="60000"/>
+                    <a:lumOff val="40000"/>
+                  </a:schemeClr>
+                </a:solidFill>
+                <a:effectLst/>
+                <a:ea typeface="Times New Roman" panose="02020603050405020304" pitchFamily="18" charset="0"/>
+              </a:rPr>
+              <a:t> </a:t>
+            </a:r>
+            <a:r>
+              <a:rPr lang="en-US" sz="1400" b="0" dirty="0">
+                <a:solidFill>
+                  <a:schemeClr val="bg1"/>
+                </a:solidFill>
+                <a:effectLst/>
+                <a:ea typeface="Times New Roman" panose="02020603050405020304" pitchFamily="18" charset="0"/>
+              </a:rPr>
+              <a:t>that contains all the points dominated by the </a:t>
+            </a:r>
+            <a:r>
+              <a:rPr lang="en-US" sz="1400" b="0" i="1" dirty="0">
+                <a:solidFill>
+                  <a:schemeClr val="bg1"/>
+                </a:solidFill>
+                <a:effectLst/>
+                <a:ea typeface="Times New Roman" panose="02020603050405020304" pitchFamily="18" charset="0"/>
+              </a:rPr>
+              <a:t>top_point</a:t>
+            </a:r>
+            <a:r>
+              <a:rPr lang="en-US" sz="1400" b="0" dirty="0">
+                <a:solidFill>
+                  <a:schemeClr val="bg1"/>
+                </a:solidFill>
+                <a:effectLst/>
+                <a:ea typeface="Times New Roman" panose="02020603050405020304" pitchFamily="18" charset="0"/>
+              </a:rPr>
+              <a:t> excluding itself and the points in the list </a:t>
+            </a:r>
+            <a:r>
+              <a:rPr lang="en-US" sz="1400" b="0" i="1" dirty="0">
+                <a:solidFill>
+                  <a:srgbClr val="92D050"/>
+                </a:solidFill>
+                <a:effectLst/>
+                <a:ea typeface="Times New Roman" panose="02020603050405020304" pitchFamily="18" charset="0"/>
+              </a:rPr>
+              <a:t>top_points</a:t>
+            </a:r>
+            <a:r>
+              <a:rPr lang="en-US" sz="1400" b="0" dirty="0">
+                <a:solidFill>
+                  <a:schemeClr val="bg1"/>
+                </a:solidFill>
+                <a:effectLst/>
+                <a:ea typeface="Times New Roman" panose="02020603050405020304" pitchFamily="18" charset="0"/>
+              </a:rPr>
+              <a:t>.</a:t>
+            </a:r>
+            <a:endParaRPr lang="el-GR" sz="1400" b="1" dirty="0">
+              <a:solidFill>
+                <a:schemeClr val="bg1"/>
+              </a:solidFill>
+              <a:effectLst/>
+              <a:ea typeface="Times New Roman" panose="02020603050405020304" pitchFamily="18" charset="0"/>
+            </a:endParaRPr>
+          </a:p>
+          <a:p>
+            <a:pPr marL="342900" lvl="0" indent="-342900" algn="just">
+              <a:spcBef>
+                <a:spcPts val="900"/>
+              </a:spcBef>
+              <a:spcAft>
+                <a:spcPts val="400"/>
+              </a:spcAft>
+              <a:buFont typeface="+mj-lt"/>
+              <a:buAutoNum type="arabicPeriod" startAt="6"/>
+            </a:pPr>
+            <a:r>
+              <a:rPr lang="en-US" sz="1400" b="0" dirty="0">
+                <a:solidFill>
+                  <a:schemeClr val="bg1"/>
+                </a:solidFill>
+                <a:effectLst/>
+                <a:ea typeface="Times New Roman" panose="02020603050405020304" pitchFamily="18" charset="0"/>
+              </a:rPr>
+              <a:t>Compute the skyline points of the </a:t>
+            </a:r>
+            <a:r>
+              <a:rPr lang="en-US" sz="1400" b="0" i="1" dirty="0">
+                <a:solidFill>
+                  <a:schemeClr val="accent6">
+                    <a:lumMod val="60000"/>
+                    <a:lumOff val="40000"/>
+                  </a:schemeClr>
+                </a:solidFill>
+                <a:effectLst/>
+                <a:ea typeface="Times New Roman" panose="02020603050405020304" pitchFamily="18" charset="0"/>
+              </a:rPr>
+              <a:t>dominated_points</a:t>
+            </a:r>
+            <a:r>
+              <a:rPr lang="en-US" sz="1400" b="0" dirty="0">
+                <a:solidFill>
+                  <a:schemeClr val="accent6">
+                    <a:lumMod val="60000"/>
+                    <a:lumOff val="40000"/>
+                  </a:schemeClr>
+                </a:solidFill>
+                <a:effectLst/>
+                <a:ea typeface="Times New Roman" panose="02020603050405020304" pitchFamily="18" charset="0"/>
+              </a:rPr>
+              <a:t> </a:t>
+            </a:r>
+            <a:r>
+              <a:rPr lang="en-US" sz="1400" b="0" dirty="0">
+                <a:solidFill>
+                  <a:schemeClr val="bg1"/>
+                </a:solidFill>
+                <a:effectLst/>
+                <a:ea typeface="Times New Roman" panose="02020603050405020304" pitchFamily="18" charset="0"/>
+              </a:rPr>
+              <a:t>list, using the algorithm described on task 1 and count the number of dominations for each one of them</a:t>
+            </a:r>
+            <a:endParaRPr lang="el-GR" sz="1400" b="1" dirty="0">
+              <a:solidFill>
+                <a:schemeClr val="bg1"/>
+              </a:solidFill>
+              <a:effectLst/>
+              <a:ea typeface="Times New Roman" panose="02020603050405020304" pitchFamily="18" charset="0"/>
+            </a:endParaRPr>
+          </a:p>
+          <a:p>
+            <a:pPr marL="342900" lvl="0" indent="-342900" algn="just">
+              <a:spcBef>
+                <a:spcPts val="900"/>
+              </a:spcBef>
+              <a:spcAft>
+                <a:spcPts val="400"/>
+              </a:spcAft>
+              <a:buFont typeface="+mj-lt"/>
+              <a:buAutoNum type="arabicPeriod" startAt="6"/>
+            </a:pPr>
+            <a:r>
+              <a:rPr lang="en-US" sz="1400" b="0" dirty="0">
+                <a:solidFill>
+                  <a:schemeClr val="bg1"/>
+                </a:solidFill>
+                <a:effectLst/>
+                <a:ea typeface="Times New Roman" panose="02020603050405020304" pitchFamily="18" charset="0"/>
+              </a:rPr>
+              <a:t>Add the skylines points of the </a:t>
+            </a:r>
+            <a:r>
+              <a:rPr lang="en-US" sz="1400" b="0" i="1" dirty="0">
+                <a:solidFill>
+                  <a:schemeClr val="accent6">
+                    <a:lumMod val="60000"/>
+                    <a:lumOff val="40000"/>
+                  </a:schemeClr>
+                </a:solidFill>
+                <a:effectLst/>
+                <a:ea typeface="Times New Roman" panose="02020603050405020304" pitchFamily="18" charset="0"/>
+              </a:rPr>
+              <a:t>dominated_points </a:t>
+            </a:r>
+            <a:r>
+              <a:rPr lang="en-US" sz="1400" b="0" dirty="0">
+                <a:solidFill>
+                  <a:schemeClr val="bg1"/>
+                </a:solidFill>
+                <a:effectLst/>
+                <a:ea typeface="Times New Roman" panose="02020603050405020304" pitchFamily="18" charset="0"/>
+              </a:rPr>
+              <a:t>list along with their dominations in the </a:t>
+            </a:r>
+            <a:r>
+              <a:rPr lang="en-US" sz="1400" b="0" i="1" dirty="0">
+                <a:solidFill>
+                  <a:schemeClr val="accent1">
+                    <a:lumMod val="40000"/>
+                    <a:lumOff val="60000"/>
+                  </a:schemeClr>
+                </a:solidFill>
+                <a:effectLst/>
+                <a:ea typeface="Times New Roman" panose="02020603050405020304" pitchFamily="18" charset="0"/>
+              </a:rPr>
+              <a:t>candidate_points</a:t>
+            </a:r>
+            <a:r>
+              <a:rPr lang="en-US" sz="1400" b="0" dirty="0">
+                <a:solidFill>
+                  <a:schemeClr val="accent1">
+                    <a:lumMod val="40000"/>
+                    <a:lumOff val="60000"/>
+                  </a:schemeClr>
+                </a:solidFill>
+                <a:effectLst/>
+                <a:ea typeface="Times New Roman" panose="02020603050405020304" pitchFamily="18" charset="0"/>
+              </a:rPr>
+              <a:t> </a:t>
+            </a:r>
+            <a:r>
+              <a:rPr lang="en-US" sz="1400" b="0" dirty="0">
+                <a:solidFill>
+                  <a:schemeClr val="bg1"/>
+                </a:solidFill>
+                <a:effectLst/>
+                <a:ea typeface="Times New Roman" panose="02020603050405020304" pitchFamily="18" charset="0"/>
+              </a:rPr>
+              <a:t>list</a:t>
+            </a:r>
+          </a:p>
+          <a:p>
+            <a:pPr marL="342900" indent="-342900" algn="just">
+              <a:spcBef>
+                <a:spcPts val="900"/>
+              </a:spcBef>
+              <a:spcAft>
+                <a:spcPts val="400"/>
+              </a:spcAft>
+              <a:buFont typeface="+mj-lt"/>
+              <a:buAutoNum type="arabicPeriod" startAt="6"/>
+            </a:pPr>
+            <a:r>
+              <a:rPr lang="en-US" sz="1400" b="0" dirty="0">
+                <a:solidFill>
+                  <a:schemeClr val="bg1"/>
+                </a:solidFill>
+                <a:effectLst/>
+                <a:ea typeface="Times New Roman" panose="02020603050405020304" pitchFamily="18" charset="0"/>
+              </a:rPr>
+              <a:t>If the length of the </a:t>
+            </a:r>
+            <a:r>
+              <a:rPr lang="en-US" sz="1400" b="0" i="1" dirty="0">
+                <a:solidFill>
+                  <a:schemeClr val="accent1">
+                    <a:lumMod val="40000"/>
+                    <a:lumOff val="60000"/>
+                  </a:schemeClr>
+                </a:solidFill>
+                <a:effectLst/>
+                <a:ea typeface="Times New Roman" panose="02020603050405020304" pitchFamily="18" charset="0"/>
+              </a:rPr>
+              <a:t>candidate_points</a:t>
+            </a:r>
+            <a:r>
+              <a:rPr lang="en-US" sz="1400" b="0" dirty="0">
+                <a:solidFill>
+                  <a:schemeClr val="accent1">
+                    <a:lumMod val="40000"/>
+                    <a:lumOff val="60000"/>
+                  </a:schemeClr>
+                </a:solidFill>
+                <a:effectLst/>
+                <a:ea typeface="Times New Roman" panose="02020603050405020304" pitchFamily="18" charset="0"/>
+              </a:rPr>
+              <a:t> </a:t>
+            </a:r>
+            <a:r>
+              <a:rPr lang="en-US" sz="1400" b="0" dirty="0">
+                <a:solidFill>
+                  <a:schemeClr val="bg1"/>
+                </a:solidFill>
+                <a:effectLst/>
+                <a:ea typeface="Times New Roman" panose="02020603050405020304" pitchFamily="18" charset="0"/>
+              </a:rPr>
+              <a:t>list is zero or we got the top k points then return </a:t>
+            </a:r>
+            <a:r>
+              <a:rPr lang="en-US" sz="1400" b="0" i="1" dirty="0">
+                <a:solidFill>
+                  <a:srgbClr val="92D050"/>
+                </a:solidFill>
+                <a:effectLst/>
+                <a:ea typeface="Times New Roman" panose="02020603050405020304" pitchFamily="18" charset="0"/>
+              </a:rPr>
+              <a:t>top_points</a:t>
+            </a:r>
+            <a:r>
+              <a:rPr lang="en-US" sz="1400" b="0" dirty="0">
+                <a:solidFill>
+                  <a:srgbClr val="92D050"/>
+                </a:solidFill>
+                <a:effectLst/>
+                <a:ea typeface="Times New Roman" panose="02020603050405020304" pitchFamily="18" charset="0"/>
+              </a:rPr>
+              <a:t> </a:t>
+            </a:r>
+            <a:r>
+              <a:rPr lang="en-US" sz="1400" b="0" dirty="0">
+                <a:solidFill>
+                  <a:schemeClr val="bg1"/>
+                </a:solidFill>
+                <a:effectLst/>
+                <a:ea typeface="Times New Roman" panose="02020603050405020304" pitchFamily="18" charset="0"/>
+              </a:rPr>
+              <a:t>list else go to step 6</a:t>
+            </a:r>
+          </a:p>
+        </p:txBody>
+      </p:sp>
     </p:spTree>
     <p:extLst>
       <p:ext uri="{BB962C8B-B14F-4D97-AF65-F5344CB8AC3E}">
-        <p14:creationId xmlns:p14="http://schemas.microsoft.com/office/powerpoint/2010/main" val="1592003877"/>
+        <p14:creationId xmlns:p14="http://schemas.microsoft.com/office/powerpoint/2010/main" val="1382447623"/>
       </p:ext>
     </p:extLst>
   </p:cSld>
@@ -26960,10 +27585,10 @@
       </p:grpSpPr>
       <p:sp>
         <p:nvSpPr>
-          <p:cNvPr id="4" name="Title 3">
+          <p:cNvPr id="2" name="Τίτλος 1">
             <a:extLst>
               <a:ext uri="{FF2B5EF4-FFF2-40B4-BE49-F238E27FC236}">
-                <a16:creationId xmlns:a16="http://schemas.microsoft.com/office/drawing/2014/main" id="{BD179B88-D43C-4A31-9A52-3498E9430782}"/>
+                <a16:creationId xmlns:a16="http://schemas.microsoft.com/office/drawing/2014/main" id="{A6F23DA2-8C28-CC7D-B19C-5A54995DFB0A}"/>
               </a:ext>
             </a:extLst>
           </p:cNvPr>
@@ -26974,31 +27599,30 @@
             <p:ph type="title"/>
           </p:nvPr>
         </p:nvSpPr>
-        <p:spPr/>
+        <p:spPr>
+          <a:xfrm>
+            <a:off x="444500" y="542925"/>
+            <a:ext cx="11214100" cy="535531"/>
+          </a:xfrm>
+        </p:spPr>
         <p:txBody>
-          <a:bodyPr>
-            <a:noAutofit/>
-          </a:bodyPr>
+          <a:bodyPr/>
           <a:lstStyle/>
           <a:p>
             <a:r>
-              <a:rPr lang="en-US" i="1" dirty="0"/>
-              <a:t>Top-k </a:t>
+              <a:rPr lang="en-US" dirty="0"/>
+              <a:t>Top 3 points example</a:t>
             </a:r>
-            <a:r>
-              <a:rPr lang="en-US" dirty="0"/>
-              <a:t>skyline domination query</a:t>
-            </a:r>
-            <a:endParaRPr lang="en-US" i="1" dirty="0"/>
+            <a:endParaRPr lang="el-GR" dirty="0"/>
           </a:p>
         </p:txBody>
       </p:sp>
       <p:sp>
         <p:nvSpPr>
-          <p:cNvPr id="2" name="Slide Number Placeholder 1">
+          <p:cNvPr id="3" name="Θέση αριθμού διαφάνειας 2">
             <a:extLst>
               <a:ext uri="{FF2B5EF4-FFF2-40B4-BE49-F238E27FC236}">
-                <a16:creationId xmlns:a16="http://schemas.microsoft.com/office/drawing/2014/main" id="{8B065C75-272B-4BB5-BA23-D80E8654D621}"/>
+                <a16:creationId xmlns:a16="http://schemas.microsoft.com/office/drawing/2014/main" id="{D641B237-C610-F2A4-99F9-5C44C21A7B66}"/>
               </a:ext>
             </a:extLst>
           </p:cNvPr>
@@ -27015,36 +27639,636 @@
           <a:lstStyle/>
           <a:p>
             <a:fld id="{C263D6C4-4840-40CC-AC84-17E24B3B7BDE}" type="slidenum">
-              <a:rPr lang="en-US" smtClean="0"/>
+              <a:rPr lang="en-US" noProof="0" smtClean="0"/>
               <a:pPr/>
               <a:t>11</a:t>
             </a:fld>
-            <a:endParaRPr lang="en-US" dirty="0"/>
+            <a:endParaRPr lang="en-US" noProof="0" dirty="0"/>
+          </a:p>
+        </p:txBody>
+      </p:sp>
+      <p:pic>
+        <p:nvPicPr>
+          <p:cNvPr id="9" name="Εικόνα 8">
+            <a:extLst>
+              <a:ext uri="{FF2B5EF4-FFF2-40B4-BE49-F238E27FC236}">
+                <a16:creationId xmlns:a16="http://schemas.microsoft.com/office/drawing/2014/main" id="{0D157B8C-BFA1-28D7-B5FE-ACD766EC772A}"/>
+              </a:ext>
+            </a:extLst>
+          </p:cNvPr>
+          <p:cNvPicPr>
+            <a:picLocks noChangeAspect="1"/>
+          </p:cNvPicPr>
+          <p:nvPr/>
+        </p:nvPicPr>
+        <p:blipFill>
+          <a:blip r:embed="rId2"/>
+          <a:srcRect/>
+          <a:stretch/>
+        </p:blipFill>
+        <p:spPr>
+          <a:xfrm>
+            <a:off x="444500" y="1350793"/>
+            <a:ext cx="6703357" cy="5433247"/>
+          </a:xfrm>
+          <a:prstGeom prst="rect">
+            <a:avLst/>
+          </a:prstGeom>
+        </p:spPr>
+      </p:pic>
+      <p:sp>
+        <p:nvSpPr>
+          <p:cNvPr id="10" name="TextBox 9">
+            <a:extLst>
+              <a:ext uri="{FF2B5EF4-FFF2-40B4-BE49-F238E27FC236}">
+                <a16:creationId xmlns:a16="http://schemas.microsoft.com/office/drawing/2014/main" id="{9CEF2B1F-6A04-E030-3B9B-D56E893BAF76}"/>
+              </a:ext>
+            </a:extLst>
+          </p:cNvPr>
+          <p:cNvSpPr txBox="1"/>
+          <p:nvPr/>
+        </p:nvSpPr>
+        <p:spPr>
+          <a:xfrm>
+            <a:off x="7496734" y="1350793"/>
+            <a:ext cx="4623548" cy="5186035"/>
+          </a:xfrm>
+          <a:prstGeom prst="rect">
+            <a:avLst/>
+          </a:prstGeom>
+          <a:noFill/>
+        </p:spPr>
+        <p:txBody>
+          <a:bodyPr wrap="square" rtlCol="0">
+            <a:spAutoFit/>
+          </a:bodyPr>
+          <a:lstStyle/>
+          <a:p>
+            <a:pPr marL="342900" lvl="0" indent="-342900" algn="just">
+              <a:spcBef>
+                <a:spcPts val="900"/>
+              </a:spcBef>
+              <a:spcAft>
+                <a:spcPts val="400"/>
+              </a:spcAft>
+              <a:buFont typeface="+mj-lt"/>
+              <a:buAutoNum type="arabicPeriod" startAt="6"/>
+            </a:pPr>
+            <a:r>
+              <a:rPr lang="en-US" sz="1400" b="0" dirty="0">
+                <a:solidFill>
+                  <a:schemeClr val="bg1"/>
+                </a:solidFill>
+                <a:effectLst/>
+                <a:ea typeface="Times New Roman" panose="02020603050405020304" pitchFamily="18" charset="0"/>
+              </a:rPr>
+              <a:t>Sort the </a:t>
+            </a:r>
+            <a:r>
+              <a:rPr lang="en-US" sz="1400" b="0" i="1" dirty="0">
+                <a:solidFill>
+                  <a:schemeClr val="accent1">
+                    <a:lumMod val="40000"/>
+                    <a:lumOff val="60000"/>
+                  </a:schemeClr>
+                </a:solidFill>
+                <a:effectLst/>
+                <a:ea typeface="Times New Roman" panose="02020603050405020304" pitchFamily="18" charset="0"/>
+              </a:rPr>
+              <a:t>candidate_points</a:t>
+            </a:r>
+            <a:r>
+              <a:rPr lang="en-US" sz="1400" b="0" dirty="0">
+                <a:solidFill>
+                  <a:schemeClr val="accent1">
+                    <a:lumMod val="40000"/>
+                    <a:lumOff val="60000"/>
+                  </a:schemeClr>
+                </a:solidFill>
+                <a:effectLst/>
+                <a:ea typeface="Times New Roman" panose="02020603050405020304" pitchFamily="18" charset="0"/>
+              </a:rPr>
+              <a:t> </a:t>
+            </a:r>
+            <a:r>
+              <a:rPr lang="en-US" sz="1400" b="0" dirty="0">
+                <a:solidFill>
+                  <a:schemeClr val="bg1"/>
+                </a:solidFill>
+                <a:effectLst/>
+                <a:ea typeface="Times New Roman" panose="02020603050405020304" pitchFamily="18" charset="0"/>
+              </a:rPr>
+              <a:t>list by the number of dominations in descending order</a:t>
+            </a:r>
+            <a:endParaRPr lang="el-GR" sz="1400" b="1" dirty="0">
+              <a:solidFill>
+                <a:schemeClr val="bg1"/>
+              </a:solidFill>
+              <a:effectLst/>
+              <a:ea typeface="Times New Roman" panose="02020603050405020304" pitchFamily="18" charset="0"/>
+            </a:endParaRPr>
+          </a:p>
+          <a:p>
+            <a:pPr marL="342900" lvl="0" indent="-342900" algn="just">
+              <a:spcBef>
+                <a:spcPts val="900"/>
+              </a:spcBef>
+              <a:spcAft>
+                <a:spcPts val="400"/>
+              </a:spcAft>
+              <a:buFont typeface="+mj-lt"/>
+              <a:buAutoNum type="arabicPeriod" startAt="6"/>
+            </a:pPr>
+            <a:r>
+              <a:rPr lang="en-US" sz="1400" b="0" dirty="0">
+                <a:solidFill>
+                  <a:schemeClr val="bg1"/>
+                </a:solidFill>
+                <a:effectLst/>
+                <a:ea typeface="Times New Roman" panose="02020603050405020304" pitchFamily="18" charset="0"/>
+              </a:rPr>
+              <a:t>Get the first element </a:t>
+            </a:r>
+            <a:r>
+              <a:rPr lang="en-US" sz="1400" b="0" i="1" dirty="0">
+                <a:solidFill>
+                  <a:schemeClr val="bg1"/>
+                </a:solidFill>
+                <a:effectLst/>
+                <a:ea typeface="Times New Roman" panose="02020603050405020304" pitchFamily="18" charset="0"/>
+              </a:rPr>
+              <a:t>top_point</a:t>
+            </a:r>
+            <a:r>
+              <a:rPr lang="en-US" sz="1400" b="0" dirty="0">
+                <a:solidFill>
+                  <a:schemeClr val="bg1"/>
+                </a:solidFill>
+                <a:effectLst/>
+                <a:ea typeface="Times New Roman" panose="02020603050405020304" pitchFamily="18" charset="0"/>
+              </a:rPr>
+              <a:t> of the </a:t>
+            </a:r>
+            <a:r>
+              <a:rPr lang="en-US" sz="1400" b="0" i="1" dirty="0">
+                <a:solidFill>
+                  <a:schemeClr val="accent1">
+                    <a:lumMod val="40000"/>
+                    <a:lumOff val="60000"/>
+                  </a:schemeClr>
+                </a:solidFill>
+                <a:effectLst/>
+                <a:ea typeface="Times New Roman" panose="02020603050405020304" pitchFamily="18" charset="0"/>
+              </a:rPr>
+              <a:t>candidate_points</a:t>
+            </a:r>
+            <a:r>
+              <a:rPr lang="en-US" sz="1400" b="0" dirty="0">
+                <a:solidFill>
+                  <a:schemeClr val="accent1">
+                    <a:lumMod val="40000"/>
+                    <a:lumOff val="60000"/>
+                  </a:schemeClr>
+                </a:solidFill>
+                <a:effectLst/>
+                <a:ea typeface="Times New Roman" panose="02020603050405020304" pitchFamily="18" charset="0"/>
+              </a:rPr>
+              <a:t> </a:t>
+            </a:r>
+            <a:r>
+              <a:rPr lang="en-US" sz="1400" b="0" dirty="0">
+                <a:solidFill>
+                  <a:schemeClr val="bg1"/>
+                </a:solidFill>
+                <a:effectLst/>
+                <a:ea typeface="Times New Roman" panose="02020603050405020304" pitchFamily="18" charset="0"/>
+              </a:rPr>
+              <a:t>list, add it to the </a:t>
+            </a:r>
+            <a:r>
+              <a:rPr lang="en-US" sz="1400" b="0" i="1" dirty="0">
+                <a:solidFill>
+                  <a:srgbClr val="92D050"/>
+                </a:solidFill>
+                <a:effectLst/>
+                <a:ea typeface="Times New Roman" panose="02020603050405020304" pitchFamily="18" charset="0"/>
+              </a:rPr>
+              <a:t>top_points</a:t>
+            </a:r>
+            <a:r>
+              <a:rPr lang="en-US" sz="1400" b="0" dirty="0">
+                <a:solidFill>
+                  <a:srgbClr val="92D050"/>
+                </a:solidFill>
+                <a:effectLst/>
+                <a:ea typeface="Times New Roman" panose="02020603050405020304" pitchFamily="18" charset="0"/>
+              </a:rPr>
+              <a:t> </a:t>
+            </a:r>
+            <a:r>
+              <a:rPr lang="en-US" sz="1400" b="0" dirty="0">
+                <a:solidFill>
+                  <a:schemeClr val="bg1"/>
+                </a:solidFill>
+                <a:effectLst/>
+                <a:ea typeface="Times New Roman" panose="02020603050405020304" pitchFamily="18" charset="0"/>
+              </a:rPr>
+              <a:t>list and remove it from the dataset </a:t>
+            </a:r>
+            <a:r>
+              <a:rPr lang="en-US" sz="1400" b="0" i="1" dirty="0">
+                <a:solidFill>
+                  <a:schemeClr val="bg1"/>
+                </a:solidFill>
+                <a:effectLst/>
+                <a:ea typeface="Times New Roman" panose="02020603050405020304" pitchFamily="18" charset="0"/>
+              </a:rPr>
+              <a:t>points</a:t>
+            </a:r>
+            <a:endParaRPr lang="el-GR" sz="1400" b="1" dirty="0">
+              <a:solidFill>
+                <a:schemeClr val="bg1"/>
+              </a:solidFill>
+              <a:effectLst/>
+              <a:ea typeface="Times New Roman" panose="02020603050405020304" pitchFamily="18" charset="0"/>
+            </a:endParaRPr>
+          </a:p>
+          <a:p>
+            <a:pPr marL="342900" lvl="0" indent="-342900" algn="just">
+              <a:spcBef>
+                <a:spcPts val="900"/>
+              </a:spcBef>
+              <a:spcAft>
+                <a:spcPts val="400"/>
+              </a:spcAft>
+              <a:buFont typeface="+mj-lt"/>
+              <a:buAutoNum type="arabicPeriod" startAt="6"/>
+            </a:pPr>
+            <a:r>
+              <a:rPr lang="en-US" sz="1400" b="0" dirty="0">
+                <a:solidFill>
+                  <a:schemeClr val="bg1"/>
+                </a:solidFill>
+                <a:effectLst/>
+                <a:ea typeface="Times New Roman" panose="02020603050405020304" pitchFamily="18" charset="0"/>
+              </a:rPr>
+              <a:t>Create a list </a:t>
+            </a:r>
+            <a:r>
+              <a:rPr lang="en-US" sz="1400" b="0" i="1" dirty="0">
+                <a:solidFill>
+                  <a:schemeClr val="accent6">
+                    <a:lumMod val="60000"/>
+                    <a:lumOff val="40000"/>
+                  </a:schemeClr>
+                </a:solidFill>
+                <a:effectLst/>
+                <a:ea typeface="Times New Roman" panose="02020603050405020304" pitchFamily="18" charset="0"/>
+              </a:rPr>
+              <a:t>dominated_points (red rectangle)</a:t>
+            </a:r>
+            <a:r>
+              <a:rPr lang="en-US" sz="1400" b="0" dirty="0">
+                <a:solidFill>
+                  <a:schemeClr val="accent6">
+                    <a:lumMod val="60000"/>
+                    <a:lumOff val="40000"/>
+                  </a:schemeClr>
+                </a:solidFill>
+                <a:effectLst/>
+                <a:ea typeface="Times New Roman" panose="02020603050405020304" pitchFamily="18" charset="0"/>
+              </a:rPr>
+              <a:t> </a:t>
+            </a:r>
+            <a:r>
+              <a:rPr lang="en-US" sz="1400" b="0" dirty="0">
+                <a:solidFill>
+                  <a:schemeClr val="bg1"/>
+                </a:solidFill>
+                <a:effectLst/>
+                <a:ea typeface="Times New Roman" panose="02020603050405020304" pitchFamily="18" charset="0"/>
+              </a:rPr>
+              <a:t>that contains all the points dominated by the </a:t>
+            </a:r>
+            <a:r>
+              <a:rPr lang="en-US" sz="1400" b="0" i="1" dirty="0">
+                <a:solidFill>
+                  <a:schemeClr val="bg1"/>
+                </a:solidFill>
+                <a:effectLst/>
+                <a:ea typeface="Times New Roman" panose="02020603050405020304" pitchFamily="18" charset="0"/>
+              </a:rPr>
+              <a:t>top_point</a:t>
+            </a:r>
+            <a:r>
+              <a:rPr lang="en-US" sz="1400" b="0" dirty="0">
+                <a:solidFill>
+                  <a:schemeClr val="bg1"/>
+                </a:solidFill>
+                <a:effectLst/>
+                <a:ea typeface="Times New Roman" panose="02020603050405020304" pitchFamily="18" charset="0"/>
+              </a:rPr>
+              <a:t> excluding itself and the points in the list </a:t>
+            </a:r>
+            <a:r>
+              <a:rPr lang="en-US" sz="1400" b="0" i="1" dirty="0">
+                <a:solidFill>
+                  <a:srgbClr val="92D050"/>
+                </a:solidFill>
+                <a:effectLst/>
+                <a:ea typeface="Times New Roman" panose="02020603050405020304" pitchFamily="18" charset="0"/>
+              </a:rPr>
+              <a:t>top_points</a:t>
+            </a:r>
+            <a:r>
+              <a:rPr lang="en-US" sz="1400" b="0" dirty="0">
+                <a:solidFill>
+                  <a:schemeClr val="bg1"/>
+                </a:solidFill>
+                <a:effectLst/>
+                <a:ea typeface="Times New Roman" panose="02020603050405020304" pitchFamily="18" charset="0"/>
+              </a:rPr>
+              <a:t>.</a:t>
+            </a:r>
+            <a:endParaRPr lang="el-GR" sz="1400" b="1" dirty="0">
+              <a:solidFill>
+                <a:schemeClr val="bg1"/>
+              </a:solidFill>
+              <a:effectLst/>
+              <a:ea typeface="Times New Roman" panose="02020603050405020304" pitchFamily="18" charset="0"/>
+            </a:endParaRPr>
+          </a:p>
+          <a:p>
+            <a:pPr marL="342900" lvl="0" indent="-342900" algn="just">
+              <a:spcBef>
+                <a:spcPts val="900"/>
+              </a:spcBef>
+              <a:spcAft>
+                <a:spcPts val="400"/>
+              </a:spcAft>
+              <a:buFont typeface="+mj-lt"/>
+              <a:buAutoNum type="arabicPeriod" startAt="6"/>
+            </a:pPr>
+            <a:r>
+              <a:rPr lang="en-US" sz="1400" b="0" dirty="0">
+                <a:solidFill>
+                  <a:schemeClr val="bg1"/>
+                </a:solidFill>
+                <a:effectLst/>
+                <a:ea typeface="Times New Roman" panose="02020603050405020304" pitchFamily="18" charset="0"/>
+              </a:rPr>
+              <a:t>Compute the skyline points of the </a:t>
+            </a:r>
+            <a:r>
+              <a:rPr lang="en-US" sz="1400" b="0" i="1" dirty="0">
+                <a:solidFill>
+                  <a:schemeClr val="accent6">
+                    <a:lumMod val="60000"/>
+                    <a:lumOff val="40000"/>
+                  </a:schemeClr>
+                </a:solidFill>
+                <a:effectLst/>
+                <a:ea typeface="Times New Roman" panose="02020603050405020304" pitchFamily="18" charset="0"/>
+              </a:rPr>
+              <a:t>dominated_points</a:t>
+            </a:r>
+            <a:r>
+              <a:rPr lang="en-US" sz="1400" b="0" dirty="0">
+                <a:solidFill>
+                  <a:schemeClr val="accent6">
+                    <a:lumMod val="60000"/>
+                    <a:lumOff val="40000"/>
+                  </a:schemeClr>
+                </a:solidFill>
+                <a:effectLst/>
+                <a:ea typeface="Times New Roman" panose="02020603050405020304" pitchFamily="18" charset="0"/>
+              </a:rPr>
+              <a:t> </a:t>
+            </a:r>
+            <a:r>
+              <a:rPr lang="en-US" sz="1400" b="0" dirty="0">
+                <a:solidFill>
+                  <a:schemeClr val="bg1"/>
+                </a:solidFill>
+                <a:effectLst/>
+                <a:ea typeface="Times New Roman" panose="02020603050405020304" pitchFamily="18" charset="0"/>
+              </a:rPr>
+              <a:t>list, using the algorithm described on task 1 and count the number of dominations for each one of them</a:t>
+            </a:r>
+            <a:endParaRPr lang="el-GR" sz="1400" b="1" dirty="0">
+              <a:solidFill>
+                <a:schemeClr val="bg1"/>
+              </a:solidFill>
+              <a:effectLst/>
+              <a:ea typeface="Times New Roman" panose="02020603050405020304" pitchFamily="18" charset="0"/>
+            </a:endParaRPr>
+          </a:p>
+          <a:p>
+            <a:pPr marL="342900" lvl="0" indent="-342900" algn="just">
+              <a:spcBef>
+                <a:spcPts val="900"/>
+              </a:spcBef>
+              <a:spcAft>
+                <a:spcPts val="400"/>
+              </a:spcAft>
+              <a:buFont typeface="+mj-lt"/>
+              <a:buAutoNum type="arabicPeriod" startAt="6"/>
+            </a:pPr>
+            <a:r>
+              <a:rPr lang="en-US" sz="1400" b="0" dirty="0">
+                <a:solidFill>
+                  <a:schemeClr val="bg1"/>
+                </a:solidFill>
+                <a:effectLst/>
+                <a:ea typeface="Times New Roman" panose="02020603050405020304" pitchFamily="18" charset="0"/>
+              </a:rPr>
+              <a:t>Add the skylines points of the </a:t>
+            </a:r>
+            <a:r>
+              <a:rPr lang="en-US" sz="1400" b="0" i="1" dirty="0">
+                <a:solidFill>
+                  <a:schemeClr val="accent6">
+                    <a:lumMod val="60000"/>
+                    <a:lumOff val="40000"/>
+                  </a:schemeClr>
+                </a:solidFill>
+                <a:effectLst/>
+                <a:ea typeface="Times New Roman" panose="02020603050405020304" pitchFamily="18" charset="0"/>
+              </a:rPr>
+              <a:t>dominated_points </a:t>
+            </a:r>
+            <a:r>
+              <a:rPr lang="en-US" sz="1400" b="0" dirty="0">
+                <a:solidFill>
+                  <a:schemeClr val="bg1"/>
+                </a:solidFill>
+                <a:effectLst/>
+                <a:ea typeface="Times New Roman" panose="02020603050405020304" pitchFamily="18" charset="0"/>
+              </a:rPr>
+              <a:t>list along with their dominations in the </a:t>
+            </a:r>
+            <a:r>
+              <a:rPr lang="en-US" sz="1400" b="0" i="1" dirty="0">
+                <a:solidFill>
+                  <a:schemeClr val="accent1">
+                    <a:lumMod val="40000"/>
+                    <a:lumOff val="60000"/>
+                  </a:schemeClr>
+                </a:solidFill>
+                <a:effectLst/>
+                <a:ea typeface="Times New Roman" panose="02020603050405020304" pitchFamily="18" charset="0"/>
+              </a:rPr>
+              <a:t>candidate_points</a:t>
+            </a:r>
+            <a:r>
+              <a:rPr lang="en-US" sz="1400" b="0" dirty="0">
+                <a:solidFill>
+                  <a:schemeClr val="accent1">
+                    <a:lumMod val="40000"/>
+                    <a:lumOff val="60000"/>
+                  </a:schemeClr>
+                </a:solidFill>
+                <a:effectLst/>
+                <a:ea typeface="Times New Roman" panose="02020603050405020304" pitchFamily="18" charset="0"/>
+              </a:rPr>
+              <a:t> </a:t>
+            </a:r>
+            <a:r>
+              <a:rPr lang="en-US" sz="1400" b="0" dirty="0">
+                <a:solidFill>
+                  <a:schemeClr val="bg1"/>
+                </a:solidFill>
+                <a:effectLst/>
+                <a:ea typeface="Times New Roman" panose="02020603050405020304" pitchFamily="18" charset="0"/>
+              </a:rPr>
+              <a:t>list</a:t>
+            </a:r>
+            <a:endParaRPr lang="en-US" sz="1400" b="1" dirty="0">
+              <a:solidFill>
+                <a:schemeClr val="bg1"/>
+              </a:solidFill>
+              <a:ea typeface="Times New Roman" panose="02020603050405020304" pitchFamily="18" charset="0"/>
+            </a:endParaRPr>
+          </a:p>
+          <a:p>
+            <a:pPr marL="342900" indent="-342900" algn="just">
+              <a:spcBef>
+                <a:spcPts val="900"/>
+              </a:spcBef>
+              <a:spcAft>
+                <a:spcPts val="400"/>
+              </a:spcAft>
+              <a:buFont typeface="+mj-lt"/>
+              <a:buAutoNum type="arabicPeriod" startAt="6"/>
+            </a:pPr>
+            <a:r>
+              <a:rPr lang="en-US" sz="1400" b="0" dirty="0">
+                <a:solidFill>
+                  <a:schemeClr val="bg1"/>
+                </a:solidFill>
+                <a:effectLst/>
+                <a:ea typeface="Times New Roman" panose="02020603050405020304" pitchFamily="18" charset="0"/>
+              </a:rPr>
+              <a:t>If the length of the </a:t>
+            </a:r>
+            <a:r>
+              <a:rPr lang="en-US" sz="1400" b="0" i="1" dirty="0">
+                <a:solidFill>
+                  <a:schemeClr val="accent1">
+                    <a:lumMod val="40000"/>
+                    <a:lumOff val="60000"/>
+                  </a:schemeClr>
+                </a:solidFill>
+                <a:effectLst/>
+                <a:ea typeface="Times New Roman" panose="02020603050405020304" pitchFamily="18" charset="0"/>
+              </a:rPr>
+              <a:t>candidate_points</a:t>
+            </a:r>
+            <a:r>
+              <a:rPr lang="en-US" sz="1400" b="0" dirty="0">
+                <a:solidFill>
+                  <a:schemeClr val="accent1">
+                    <a:lumMod val="40000"/>
+                    <a:lumOff val="60000"/>
+                  </a:schemeClr>
+                </a:solidFill>
+                <a:effectLst/>
+                <a:ea typeface="Times New Roman" panose="02020603050405020304" pitchFamily="18" charset="0"/>
+              </a:rPr>
+              <a:t> </a:t>
+            </a:r>
+            <a:r>
+              <a:rPr lang="en-US" sz="1400" b="0" dirty="0">
+                <a:solidFill>
+                  <a:schemeClr val="bg1"/>
+                </a:solidFill>
+                <a:effectLst/>
+                <a:ea typeface="Times New Roman" panose="02020603050405020304" pitchFamily="18" charset="0"/>
+              </a:rPr>
+              <a:t>list is zero or we got the top k points then return </a:t>
+            </a:r>
+            <a:r>
+              <a:rPr lang="en-US" sz="1400" b="0" i="1" dirty="0">
+                <a:solidFill>
+                  <a:srgbClr val="92D050"/>
+                </a:solidFill>
+                <a:effectLst/>
+                <a:ea typeface="Times New Roman" panose="02020603050405020304" pitchFamily="18" charset="0"/>
+              </a:rPr>
+              <a:t>top_points</a:t>
+            </a:r>
+            <a:r>
+              <a:rPr lang="en-US" sz="1400" b="0" dirty="0">
+                <a:solidFill>
+                  <a:srgbClr val="92D050"/>
+                </a:solidFill>
+                <a:effectLst/>
+                <a:ea typeface="Times New Roman" panose="02020603050405020304" pitchFamily="18" charset="0"/>
+              </a:rPr>
+              <a:t> </a:t>
+            </a:r>
+            <a:r>
+              <a:rPr lang="en-US" sz="1400" b="0" dirty="0">
+                <a:solidFill>
+                  <a:schemeClr val="bg1"/>
+                </a:solidFill>
+                <a:effectLst/>
+                <a:ea typeface="Times New Roman" panose="02020603050405020304" pitchFamily="18" charset="0"/>
+              </a:rPr>
+              <a:t>list else go to step 6</a:t>
+            </a:r>
+          </a:p>
+          <a:p>
+            <a:pPr marL="342900" lvl="0" indent="-342900" algn="just">
+              <a:spcBef>
+                <a:spcPts val="900"/>
+              </a:spcBef>
+              <a:spcAft>
+                <a:spcPts val="400"/>
+              </a:spcAft>
+              <a:buFont typeface="+mj-lt"/>
+              <a:buAutoNum type="arabicPeriod" startAt="6"/>
+            </a:pPr>
+            <a:endParaRPr lang="en-US" sz="1400" b="0" dirty="0">
+              <a:solidFill>
+                <a:schemeClr val="bg1"/>
+              </a:solidFill>
+              <a:effectLst/>
+              <a:ea typeface="Times New Roman" panose="02020603050405020304" pitchFamily="18" charset="0"/>
+            </a:endParaRPr>
           </a:p>
         </p:txBody>
       </p:sp>
     </p:spTree>
     <p:extLst>
       <p:ext uri="{BB962C8B-B14F-4D97-AF65-F5344CB8AC3E}">
-        <p14:creationId xmlns:p14="http://schemas.microsoft.com/office/powerpoint/2010/main" val="660312521"/>
+        <p14:creationId xmlns:p14="http://schemas.microsoft.com/office/powerpoint/2010/main" val="1076984916"/>
       </p:ext>
     </p:extLst>
   </p:cSld>
   <p:clrMapOvr>
     <a:masterClrMapping/>
   </p:clrMapOvr>
-  <mc:AlternateContent xmlns:mc="http://schemas.openxmlformats.org/markup-compatibility/2006" xmlns:p14="http://schemas.microsoft.com/office/powerpoint/2010/main">
-    <mc:Choice Requires="p14">
-      <p:transition spd="med" p14:dur="700">
-        <p:fade/>
-      </p:transition>
-    </mc:Choice>
-    <mc:Fallback xmlns="">
-      <p:transition spd="med">
-        <p:fade/>
-      </p:transition>
-    </mc:Fallback>
-  </mc:AlternateContent>
 </p:sld>
 </file>
 
@@ -27067,10 +28291,10 @@
       </p:grpSpPr>
       <p:sp>
         <p:nvSpPr>
-          <p:cNvPr id="4" name="Title 3">
+          <p:cNvPr id="2" name="Τίτλος 1">
             <a:extLst>
               <a:ext uri="{FF2B5EF4-FFF2-40B4-BE49-F238E27FC236}">
-                <a16:creationId xmlns:a16="http://schemas.microsoft.com/office/drawing/2014/main" id="{315E3981-F0D7-482C-A8E0-6A57700BECA7}"/>
+                <a16:creationId xmlns:a16="http://schemas.microsoft.com/office/drawing/2014/main" id="{A6F23DA2-8C28-CC7D-B19C-5A54995DFB0A}"/>
               </a:ext>
             </a:extLst>
           </p:cNvPr>
@@ -27081,24 +28305,30 @@
             <p:ph type="title"/>
           </p:nvPr>
         </p:nvSpPr>
-        <p:spPr/>
+        <p:spPr>
+          <a:xfrm>
+            <a:off x="444500" y="542925"/>
+            <a:ext cx="11214100" cy="535531"/>
+          </a:xfrm>
+        </p:spPr>
         <p:txBody>
           <a:bodyPr/>
           <a:lstStyle/>
           <a:p>
             <a:r>
               <a:rPr lang="en-US" dirty="0"/>
-              <a:t>Task 3</a:t>
+              <a:t>Top 3 points example</a:t>
             </a:r>
+            <a:endParaRPr lang="el-GR" dirty="0"/>
           </a:p>
         </p:txBody>
       </p:sp>
       <p:sp>
         <p:nvSpPr>
-          <p:cNvPr id="2" name="Slide Number Placeholder 1">
+          <p:cNvPr id="3" name="Θέση αριθμού διαφάνειας 2">
             <a:extLst>
               <a:ext uri="{FF2B5EF4-FFF2-40B4-BE49-F238E27FC236}">
-                <a16:creationId xmlns:a16="http://schemas.microsoft.com/office/drawing/2014/main" id="{520FC4EE-F318-4344-9E3C-B950ADB63865}"/>
+                <a16:creationId xmlns:a16="http://schemas.microsoft.com/office/drawing/2014/main" id="{D641B237-C610-F2A4-99F9-5C44C21A7B66}"/>
               </a:ext>
             </a:extLst>
           </p:cNvPr>
@@ -27115,137 +28345,611 @@
           <a:lstStyle/>
           <a:p>
             <a:fld id="{C263D6C4-4840-40CC-AC84-17E24B3B7BDE}" type="slidenum">
-              <a:rPr lang="en-US" smtClean="0"/>
+              <a:rPr lang="en-US" noProof="0" smtClean="0"/>
               <a:pPr/>
               <a:t>12</a:t>
             </a:fld>
-            <a:endParaRPr lang="en-US" dirty="0"/>
+            <a:endParaRPr lang="en-US" noProof="0" dirty="0"/>
           </a:p>
         </p:txBody>
       </p:sp>
-      <p:sp>
-        <p:nvSpPr>
-          <p:cNvPr id="7" name="Text Placeholder 6">
+      <p:pic>
+        <p:nvPicPr>
+          <p:cNvPr id="9" name="Εικόνα 8">
             <a:extLst>
               <a:ext uri="{FF2B5EF4-FFF2-40B4-BE49-F238E27FC236}">
-                <a16:creationId xmlns:a16="http://schemas.microsoft.com/office/drawing/2014/main" id="{B74126B4-1E6C-4FFF-9282-40E18A85A07F}"/>
+                <a16:creationId xmlns:a16="http://schemas.microsoft.com/office/drawing/2014/main" id="{0D157B8C-BFA1-28D7-B5FE-ACD766EC772A}"/>
               </a:ext>
             </a:extLst>
           </p:cNvPr>
-          <p:cNvSpPr>
-            <a:spLocks noGrp="1"/>
-          </p:cNvSpPr>
-          <p:nvPr>
-            <p:ph type="body" sz="quarter" idx="1"/>
-          </p:nvPr>
+          <p:cNvPicPr>
+            <a:picLocks noChangeAspect="1"/>
+          </p:cNvPicPr>
+          <p:nvPr/>
+        </p:nvPicPr>
+        <p:blipFill>
+          <a:blip r:embed="rId2"/>
+          <a:srcRect/>
+          <a:stretch/>
+        </p:blipFill>
+        <p:spPr>
+          <a:xfrm>
+            <a:off x="444500" y="1350793"/>
+            <a:ext cx="6703356" cy="5433247"/>
+          </a:xfrm>
+          <a:prstGeom prst="rect">
+            <a:avLst/>
+          </a:prstGeom>
+        </p:spPr>
+      </p:pic>
+      <p:sp>
+        <p:nvSpPr>
+          <p:cNvPr id="10" name="TextBox 9">
+            <a:extLst>
+              <a:ext uri="{FF2B5EF4-FFF2-40B4-BE49-F238E27FC236}">
+                <a16:creationId xmlns:a16="http://schemas.microsoft.com/office/drawing/2014/main" id="{9CEF2B1F-6A04-E030-3B9B-D56E893BAF76}"/>
+              </a:ext>
+            </a:extLst>
+          </p:cNvPr>
+          <p:cNvSpPr txBox="1"/>
+          <p:nvPr/>
         </p:nvSpPr>
         <p:spPr>
           <a:xfrm>
-            <a:off x="386526" y="1681163"/>
-            <a:ext cx="11418949" cy="823912"/>
+            <a:off x="7496734" y="1350793"/>
+            <a:ext cx="4623548" cy="4803879"/>
           </a:xfrm>
+          <a:prstGeom prst="rect">
+            <a:avLst/>
+          </a:prstGeom>
+          <a:noFill/>
         </p:spPr>
         <p:txBody>
-          <a:bodyPr>
-            <a:normAutofit/>
+          <a:bodyPr wrap="square" rtlCol="0">
+            <a:spAutoFit/>
           </a:bodyPr>
           <a:lstStyle/>
           <a:p>
-            <a:pPr algn="just"/>
+            <a:pPr marL="342900" lvl="0" indent="-342900" algn="just">
+              <a:spcBef>
+                <a:spcPts val="900"/>
+              </a:spcBef>
+              <a:spcAft>
+                <a:spcPts val="400"/>
+              </a:spcAft>
+              <a:buFont typeface="+mj-lt"/>
+              <a:buAutoNum type="arabicPeriod" startAt="6"/>
+            </a:pPr>
             <a:r>
-              <a:rPr lang="en-US" b="0" dirty="0"/>
-              <a:t>In Task 3, our work was to find the </a:t>
+              <a:rPr lang="en-US" sz="1400" b="0" dirty="0">
+                <a:solidFill>
+                  <a:schemeClr val="bg1"/>
+                </a:solidFill>
+                <a:effectLst/>
+                <a:ea typeface="Times New Roman" panose="02020603050405020304" pitchFamily="18" charset="0"/>
+              </a:rPr>
+              <a:t>Sort the </a:t>
             </a:r>
             <a:r>
-              <a:rPr lang="en-US" i="1" dirty="0"/>
-              <a:t>top-k </a:t>
+              <a:rPr lang="en-US" sz="1400" b="0" i="1" dirty="0">
+                <a:solidFill>
+                  <a:schemeClr val="accent1">
+                    <a:lumMod val="40000"/>
+                    <a:lumOff val="60000"/>
+                  </a:schemeClr>
+                </a:solidFill>
+                <a:effectLst/>
+                <a:ea typeface="Times New Roman" panose="02020603050405020304" pitchFamily="18" charset="0"/>
+              </a:rPr>
+              <a:t>candidate_points</a:t>
             </a:r>
             <a:r>
-              <a:rPr lang="en-US" dirty="0"/>
-              <a:t>dominating</a:t>
+              <a:rPr lang="en-US" sz="1400" b="0" dirty="0">
+                <a:solidFill>
+                  <a:schemeClr val="accent1">
+                    <a:lumMod val="40000"/>
+                    <a:lumOff val="60000"/>
+                  </a:schemeClr>
+                </a:solidFill>
+                <a:effectLst/>
+                <a:ea typeface="Times New Roman" panose="02020603050405020304" pitchFamily="18" charset="0"/>
+              </a:rPr>
+              <a:t> </a:t>
             </a:r>
             <a:r>
-              <a:rPr lang="en-US" b="0" dirty="0"/>
-              <a:t> points that belong to the </a:t>
+              <a:rPr lang="en-US" sz="1400" b="0" dirty="0">
+                <a:solidFill>
+                  <a:schemeClr val="bg1"/>
+                </a:solidFill>
+                <a:effectLst/>
+                <a:ea typeface="Times New Roman" panose="02020603050405020304" pitchFamily="18" charset="0"/>
+              </a:rPr>
+              <a:t>list by the number of dominations in descending order</a:t>
+            </a:r>
+            <a:endParaRPr lang="el-GR" sz="1400" b="1" dirty="0">
+              <a:solidFill>
+                <a:schemeClr val="bg1"/>
+              </a:solidFill>
+              <a:effectLst/>
+              <a:ea typeface="Times New Roman" panose="02020603050405020304" pitchFamily="18" charset="0"/>
+            </a:endParaRPr>
+          </a:p>
+          <a:p>
+            <a:pPr marL="342900" lvl="0" indent="-342900" algn="just">
+              <a:spcBef>
+                <a:spcPts val="900"/>
+              </a:spcBef>
+              <a:spcAft>
+                <a:spcPts val="400"/>
+              </a:spcAft>
+              <a:buFont typeface="+mj-lt"/>
+              <a:buAutoNum type="arabicPeriod" startAt="6"/>
+            </a:pPr>
+            <a:r>
+              <a:rPr lang="en-US" sz="1400" b="0" dirty="0">
+                <a:solidFill>
+                  <a:schemeClr val="bg1"/>
+                </a:solidFill>
+                <a:effectLst/>
+                <a:ea typeface="Times New Roman" panose="02020603050405020304" pitchFamily="18" charset="0"/>
+              </a:rPr>
+              <a:t>Get the first element </a:t>
             </a:r>
             <a:r>
-              <a:rPr lang="en-US" i="1" dirty="0"/>
-              <a:t>skyline</a:t>
+              <a:rPr lang="en-US" sz="1400" b="0" i="1" dirty="0">
+                <a:solidFill>
+                  <a:schemeClr val="bg1"/>
+                </a:solidFill>
+                <a:effectLst/>
+                <a:ea typeface="Times New Roman" panose="02020603050405020304" pitchFamily="18" charset="0"/>
+              </a:rPr>
+              <a:t>top_point</a:t>
             </a:r>
             <a:r>
-              <a:rPr lang="en-US" b="0" dirty="0"/>
-              <a:t> set.</a:t>
+              <a:rPr lang="en-US" sz="1400" b="0" dirty="0">
+                <a:solidFill>
+                  <a:schemeClr val="bg1"/>
+                </a:solidFill>
+                <a:effectLst/>
+                <a:ea typeface="Times New Roman" panose="02020603050405020304" pitchFamily="18" charset="0"/>
+              </a:rPr>
+              <a:t> of the </a:t>
             </a:r>
+            <a:r>
+              <a:rPr lang="en-US" sz="1400" b="0" i="1" dirty="0">
+                <a:solidFill>
+                  <a:schemeClr val="accent1">
+                    <a:lumMod val="40000"/>
+                    <a:lumOff val="60000"/>
+                  </a:schemeClr>
+                </a:solidFill>
+                <a:effectLst/>
+                <a:ea typeface="Times New Roman" panose="02020603050405020304" pitchFamily="18" charset="0"/>
+              </a:rPr>
+              <a:t>candidate_points</a:t>
+            </a:r>
+            <a:r>
+              <a:rPr lang="en-US" sz="1400" b="0" dirty="0">
+                <a:solidFill>
+                  <a:schemeClr val="accent1">
+                    <a:lumMod val="40000"/>
+                    <a:lumOff val="60000"/>
+                  </a:schemeClr>
+                </a:solidFill>
+                <a:effectLst/>
+                <a:ea typeface="Times New Roman" panose="02020603050405020304" pitchFamily="18" charset="0"/>
+              </a:rPr>
+              <a:t> </a:t>
+            </a:r>
+            <a:r>
+              <a:rPr lang="en-US" sz="1400" b="0" dirty="0">
+                <a:solidFill>
+                  <a:schemeClr val="bg1"/>
+                </a:solidFill>
+                <a:effectLst/>
+                <a:ea typeface="Times New Roman" panose="02020603050405020304" pitchFamily="18" charset="0"/>
+              </a:rPr>
+              <a:t>list, add it to the </a:t>
+            </a:r>
+            <a:r>
+              <a:rPr lang="en-US" sz="1400" b="0" i="1" dirty="0">
+                <a:solidFill>
+                  <a:srgbClr val="92D050"/>
+                </a:solidFill>
+                <a:effectLst/>
+                <a:ea typeface="Times New Roman" panose="02020603050405020304" pitchFamily="18" charset="0"/>
+              </a:rPr>
+              <a:t>top_points</a:t>
+            </a:r>
+            <a:r>
+              <a:rPr lang="en-US" sz="1400" b="0" dirty="0">
+                <a:solidFill>
+                  <a:srgbClr val="92D050"/>
+                </a:solidFill>
+                <a:effectLst/>
+                <a:ea typeface="Times New Roman" panose="02020603050405020304" pitchFamily="18" charset="0"/>
+              </a:rPr>
+              <a:t> </a:t>
+            </a:r>
+            <a:r>
+              <a:rPr lang="en-US" sz="1400" b="0" dirty="0">
+                <a:solidFill>
+                  <a:schemeClr val="bg1"/>
+                </a:solidFill>
+                <a:effectLst/>
+                <a:ea typeface="Times New Roman" panose="02020603050405020304" pitchFamily="18" charset="0"/>
+              </a:rPr>
+              <a:t>list and remove it from the dataset </a:t>
+            </a:r>
+            <a:r>
+              <a:rPr lang="en-US" sz="1400" b="0" i="1" dirty="0">
+                <a:solidFill>
+                  <a:schemeClr val="bg1"/>
+                </a:solidFill>
+                <a:effectLst/>
+                <a:ea typeface="Times New Roman" panose="02020603050405020304" pitchFamily="18" charset="0"/>
+              </a:rPr>
+              <a:t>points</a:t>
+            </a:r>
+            <a:endParaRPr lang="el-GR" sz="1400" b="1" dirty="0">
+              <a:solidFill>
+                <a:schemeClr val="bg1"/>
+              </a:solidFill>
+              <a:effectLst/>
+              <a:ea typeface="Times New Roman" panose="02020603050405020304" pitchFamily="18" charset="0"/>
+            </a:endParaRPr>
           </a:p>
-        </p:txBody>
-      </p:sp>
-      <p:sp>
-        <p:nvSpPr>
-          <p:cNvPr id="8" name="Text Placeholder 7">
-            <a:extLst>
-              <a:ext uri="{FF2B5EF4-FFF2-40B4-BE49-F238E27FC236}">
-                <a16:creationId xmlns:a16="http://schemas.microsoft.com/office/drawing/2014/main" id="{47DC4E62-1A34-4F98-A451-214F1808519C}"/>
-              </a:ext>
-            </a:extLst>
-          </p:cNvPr>
-          <p:cNvSpPr>
-            <a:spLocks noGrp="1"/>
-          </p:cNvSpPr>
-          <p:nvPr>
-            <p:ph type="body" sz="quarter" idx="2"/>
-          </p:nvPr>
-        </p:nvSpPr>
-        <p:spPr>
-          <a:xfrm>
-            <a:off x="6892801" y="2567781"/>
-            <a:ext cx="5157787" cy="3684588"/>
-          </a:xfrm>
-        </p:spPr>
-        <p:txBody>
-          <a:bodyPr/>
-          <a:lstStyle/>
           <a:p>
+            <a:pPr marL="342900" lvl="0" indent="-342900" algn="just">
+              <a:spcBef>
+                <a:spcPts val="900"/>
+              </a:spcBef>
+              <a:spcAft>
+                <a:spcPts val="400"/>
+              </a:spcAft>
+              <a:buFont typeface="+mj-lt"/>
+              <a:buAutoNum type="arabicPeriod" startAt="6"/>
+            </a:pPr>
             <a:r>
-              <a:rPr lang="en-US" dirty="0"/>
-              <a:t>Lorem ipsum dolor sit amet, consectetuer adipiscing elit. Maecenas porttitor congue massa. Fusce posuere, magna sed pulvinar ultricies, purus lectus malesuada libero, sit amet commodo magna eros quis urna. Nunc viverra imperdiet enim. Fusce est. Vivamus a tellus.</a:t>
+              <a:rPr lang="en-US" sz="1400" b="0" dirty="0">
+                <a:solidFill>
+                  <a:schemeClr val="bg1"/>
+                </a:solidFill>
+                <a:effectLst/>
+                <a:ea typeface="Times New Roman" panose="02020603050405020304" pitchFamily="18" charset="0"/>
+              </a:rPr>
+              <a:t>Create a list </a:t>
+            </a:r>
+            <a:r>
+              <a:rPr lang="en-US" sz="1400" b="0" i="1" dirty="0">
+                <a:solidFill>
+                  <a:schemeClr val="accent6">
+                    <a:lumMod val="60000"/>
+                    <a:lumOff val="40000"/>
+                  </a:schemeClr>
+                </a:solidFill>
+                <a:effectLst/>
+                <a:ea typeface="Times New Roman" panose="02020603050405020304" pitchFamily="18" charset="0"/>
+              </a:rPr>
+              <a:t>dominated_points (red rectangle)</a:t>
+            </a:r>
+            <a:r>
+              <a:rPr lang="en-US" sz="1400" b="0" dirty="0">
+                <a:solidFill>
+                  <a:schemeClr val="accent6">
+                    <a:lumMod val="60000"/>
+                    <a:lumOff val="40000"/>
+                  </a:schemeClr>
+                </a:solidFill>
+                <a:effectLst/>
+                <a:ea typeface="Times New Roman" panose="02020603050405020304" pitchFamily="18" charset="0"/>
+              </a:rPr>
+              <a:t> </a:t>
+            </a:r>
+            <a:r>
+              <a:rPr lang="en-US" sz="1400" b="0" dirty="0">
+                <a:solidFill>
+                  <a:schemeClr val="bg1"/>
+                </a:solidFill>
+                <a:effectLst/>
+                <a:ea typeface="Times New Roman" panose="02020603050405020304" pitchFamily="18" charset="0"/>
+              </a:rPr>
+              <a:t>that contains all the points dominated by the </a:t>
+            </a:r>
+            <a:r>
+              <a:rPr lang="en-US" sz="1400" b="0" i="1" dirty="0">
+                <a:solidFill>
+                  <a:schemeClr val="bg1"/>
+                </a:solidFill>
+                <a:effectLst/>
+                <a:ea typeface="Times New Roman" panose="02020603050405020304" pitchFamily="18" charset="0"/>
+              </a:rPr>
+              <a:t>top_point</a:t>
+            </a:r>
+            <a:r>
+              <a:rPr lang="en-US" sz="1400" b="0" dirty="0">
+                <a:solidFill>
+                  <a:schemeClr val="bg1"/>
+                </a:solidFill>
+                <a:effectLst/>
+                <a:ea typeface="Times New Roman" panose="02020603050405020304" pitchFamily="18" charset="0"/>
+              </a:rPr>
+              <a:t> excluding itself and the points in the list </a:t>
+            </a:r>
+            <a:r>
+              <a:rPr lang="en-US" sz="1400" b="0" i="1" dirty="0">
+                <a:solidFill>
+                  <a:srgbClr val="92D050"/>
+                </a:solidFill>
+                <a:effectLst/>
+                <a:ea typeface="Times New Roman" panose="02020603050405020304" pitchFamily="18" charset="0"/>
+              </a:rPr>
+              <a:t>top_points</a:t>
+            </a:r>
+            <a:r>
+              <a:rPr lang="en-US" sz="1400" b="0" dirty="0">
+                <a:solidFill>
+                  <a:schemeClr val="bg1"/>
+                </a:solidFill>
+                <a:effectLst/>
+                <a:ea typeface="Times New Roman" panose="02020603050405020304" pitchFamily="18" charset="0"/>
+              </a:rPr>
+              <a:t>.</a:t>
+            </a:r>
+            <a:endParaRPr lang="el-GR" sz="1400" b="1" dirty="0">
+              <a:solidFill>
+                <a:schemeClr val="bg1"/>
+              </a:solidFill>
+              <a:effectLst/>
+              <a:ea typeface="Times New Roman" panose="02020603050405020304" pitchFamily="18" charset="0"/>
+            </a:endParaRPr>
+          </a:p>
+          <a:p>
+            <a:pPr marL="342900" lvl="0" indent="-342900" algn="just">
+              <a:spcBef>
+                <a:spcPts val="900"/>
+              </a:spcBef>
+              <a:spcAft>
+                <a:spcPts val="400"/>
+              </a:spcAft>
+              <a:buFont typeface="+mj-lt"/>
+              <a:buAutoNum type="arabicPeriod" startAt="6"/>
+            </a:pPr>
+            <a:r>
+              <a:rPr lang="en-US" sz="1400" b="0" dirty="0">
+                <a:solidFill>
+                  <a:schemeClr val="bg1"/>
+                </a:solidFill>
+                <a:effectLst/>
+                <a:ea typeface="Times New Roman" panose="02020603050405020304" pitchFamily="18" charset="0"/>
+              </a:rPr>
+              <a:t>Compute the skyline points of the </a:t>
+            </a:r>
+            <a:r>
+              <a:rPr lang="en-US" sz="1400" b="0" i="1" dirty="0">
+                <a:solidFill>
+                  <a:schemeClr val="accent6">
+                    <a:lumMod val="60000"/>
+                    <a:lumOff val="40000"/>
+                  </a:schemeClr>
+                </a:solidFill>
+                <a:effectLst/>
+                <a:ea typeface="Times New Roman" panose="02020603050405020304" pitchFamily="18" charset="0"/>
+              </a:rPr>
+              <a:t>dominated_points</a:t>
+            </a:r>
+            <a:r>
+              <a:rPr lang="en-US" sz="1400" b="0" dirty="0">
+                <a:solidFill>
+                  <a:schemeClr val="accent6">
+                    <a:lumMod val="60000"/>
+                    <a:lumOff val="40000"/>
+                  </a:schemeClr>
+                </a:solidFill>
+                <a:effectLst/>
+                <a:ea typeface="Times New Roman" panose="02020603050405020304" pitchFamily="18" charset="0"/>
+              </a:rPr>
+              <a:t> </a:t>
+            </a:r>
+            <a:r>
+              <a:rPr lang="en-US" sz="1400" b="0" dirty="0">
+                <a:solidFill>
+                  <a:schemeClr val="bg1"/>
+                </a:solidFill>
+                <a:effectLst/>
+                <a:ea typeface="Times New Roman" panose="02020603050405020304" pitchFamily="18" charset="0"/>
+              </a:rPr>
+              <a:t>list, using the algorithm described on task 1 and count the number of dominations for each one of them</a:t>
+            </a:r>
+            <a:endParaRPr lang="el-GR" sz="1400" b="1" dirty="0">
+              <a:solidFill>
+                <a:schemeClr val="bg1"/>
+              </a:solidFill>
+              <a:effectLst/>
+              <a:ea typeface="Times New Roman" panose="02020603050405020304" pitchFamily="18" charset="0"/>
+            </a:endParaRPr>
+          </a:p>
+          <a:p>
+            <a:pPr marL="342900" lvl="0" indent="-342900" algn="just">
+              <a:spcBef>
+                <a:spcPts val="900"/>
+              </a:spcBef>
+              <a:spcAft>
+                <a:spcPts val="400"/>
+              </a:spcAft>
+              <a:buFont typeface="+mj-lt"/>
+              <a:buAutoNum type="arabicPeriod" startAt="6"/>
+            </a:pPr>
+            <a:r>
+              <a:rPr lang="en-US" sz="1400" b="0" dirty="0">
+                <a:solidFill>
+                  <a:schemeClr val="bg1"/>
+                </a:solidFill>
+                <a:effectLst/>
+                <a:ea typeface="Times New Roman" panose="02020603050405020304" pitchFamily="18" charset="0"/>
+              </a:rPr>
+              <a:t>Add the skylines points of the </a:t>
+            </a:r>
+            <a:r>
+              <a:rPr lang="en-US" sz="1400" b="0" i="1" dirty="0">
+                <a:solidFill>
+                  <a:schemeClr val="accent6">
+                    <a:lumMod val="60000"/>
+                    <a:lumOff val="40000"/>
+                  </a:schemeClr>
+                </a:solidFill>
+                <a:effectLst/>
+                <a:ea typeface="Times New Roman" panose="02020603050405020304" pitchFamily="18" charset="0"/>
+              </a:rPr>
+              <a:t>dominated_points </a:t>
+            </a:r>
+            <a:r>
+              <a:rPr lang="en-US" sz="1400" b="0" dirty="0">
+                <a:solidFill>
+                  <a:schemeClr val="bg1"/>
+                </a:solidFill>
+                <a:effectLst/>
+                <a:ea typeface="Times New Roman" panose="02020603050405020304" pitchFamily="18" charset="0"/>
+              </a:rPr>
+              <a:t>list along with their dominations in the </a:t>
+            </a:r>
+            <a:r>
+              <a:rPr lang="en-US" sz="1400" b="0" i="1" dirty="0">
+                <a:solidFill>
+                  <a:schemeClr val="accent1">
+                    <a:lumMod val="40000"/>
+                    <a:lumOff val="60000"/>
+                  </a:schemeClr>
+                </a:solidFill>
+                <a:effectLst/>
+                <a:ea typeface="Times New Roman" panose="02020603050405020304" pitchFamily="18" charset="0"/>
+              </a:rPr>
+              <a:t>candidate_points</a:t>
+            </a:r>
+            <a:r>
+              <a:rPr lang="en-US" sz="1400" b="0" dirty="0">
+                <a:solidFill>
+                  <a:schemeClr val="accent1">
+                    <a:lumMod val="40000"/>
+                    <a:lumOff val="60000"/>
+                  </a:schemeClr>
+                </a:solidFill>
+                <a:effectLst/>
+                <a:ea typeface="Times New Roman" panose="02020603050405020304" pitchFamily="18" charset="0"/>
+              </a:rPr>
+              <a:t> </a:t>
+            </a:r>
+            <a:r>
+              <a:rPr lang="en-US" sz="1400" b="0" dirty="0">
+                <a:solidFill>
+                  <a:schemeClr val="bg1"/>
+                </a:solidFill>
+                <a:effectLst/>
+                <a:ea typeface="Times New Roman" panose="02020603050405020304" pitchFamily="18" charset="0"/>
+              </a:rPr>
+              <a:t>list</a:t>
             </a:r>
           </a:p>
           <a:p>
+            <a:pPr marL="342900" indent="-342900" algn="just">
+              <a:spcBef>
+                <a:spcPts val="900"/>
+              </a:spcBef>
+              <a:spcAft>
+                <a:spcPts val="400"/>
+              </a:spcAft>
+              <a:buFont typeface="+mj-lt"/>
+              <a:buAutoNum type="arabicPeriod" startAt="6"/>
+            </a:pPr>
             <a:r>
-              <a:rPr lang="en-US" dirty="0"/>
-              <a:t>Pellentesque habitant morbi tristique senectus et netus et malesuada fames ac turpis egestas. Proin pharetra nonummy pede. Mauris et orci.</a:t>
+              <a:rPr lang="en-US" sz="1400" b="0" dirty="0">
+                <a:solidFill>
+                  <a:schemeClr val="bg1"/>
+                </a:solidFill>
+                <a:effectLst/>
+                <a:ea typeface="Times New Roman" panose="02020603050405020304" pitchFamily="18" charset="0"/>
+              </a:rPr>
+              <a:t>If the length of the </a:t>
             </a:r>
-          </a:p>
-          <a:p>
-            <a:endParaRPr lang="en-US" dirty="0"/>
-          </a:p>
-          <a:p>
-            <a:endParaRPr lang="en-US" dirty="0"/>
+            <a:r>
+              <a:rPr lang="en-US" sz="1400" b="0" i="1" dirty="0">
+                <a:solidFill>
+                  <a:schemeClr val="accent1">
+                    <a:lumMod val="40000"/>
+                    <a:lumOff val="60000"/>
+                  </a:schemeClr>
+                </a:solidFill>
+                <a:effectLst/>
+                <a:ea typeface="Times New Roman" panose="02020603050405020304" pitchFamily="18" charset="0"/>
+              </a:rPr>
+              <a:t>candidate_points</a:t>
+            </a:r>
+            <a:r>
+              <a:rPr lang="en-US" sz="1400" b="0" dirty="0">
+                <a:solidFill>
+                  <a:schemeClr val="accent1">
+                    <a:lumMod val="40000"/>
+                    <a:lumOff val="60000"/>
+                  </a:schemeClr>
+                </a:solidFill>
+                <a:effectLst/>
+                <a:ea typeface="Times New Roman" panose="02020603050405020304" pitchFamily="18" charset="0"/>
+              </a:rPr>
+              <a:t> </a:t>
+            </a:r>
+            <a:r>
+              <a:rPr lang="en-US" sz="1400" b="0" dirty="0">
+                <a:solidFill>
+                  <a:schemeClr val="bg1"/>
+                </a:solidFill>
+                <a:effectLst/>
+                <a:ea typeface="Times New Roman" panose="02020603050405020304" pitchFamily="18" charset="0"/>
+              </a:rPr>
+              <a:t>list is zero or we got the top k points then return </a:t>
+            </a:r>
+            <a:r>
+              <a:rPr lang="en-US" sz="1400" b="0" i="1" dirty="0">
+                <a:solidFill>
+                  <a:srgbClr val="92D050"/>
+                </a:solidFill>
+                <a:effectLst/>
+                <a:ea typeface="Times New Roman" panose="02020603050405020304" pitchFamily="18" charset="0"/>
+              </a:rPr>
+              <a:t>top_points</a:t>
+            </a:r>
+            <a:r>
+              <a:rPr lang="en-US" sz="1400" b="0" dirty="0">
+                <a:solidFill>
+                  <a:srgbClr val="92D050"/>
+                </a:solidFill>
+                <a:effectLst/>
+                <a:ea typeface="Times New Roman" panose="02020603050405020304" pitchFamily="18" charset="0"/>
+              </a:rPr>
+              <a:t> </a:t>
+            </a:r>
+            <a:r>
+              <a:rPr lang="en-US" sz="1400" b="0" dirty="0">
+                <a:solidFill>
+                  <a:schemeClr val="bg1"/>
+                </a:solidFill>
+                <a:effectLst/>
+                <a:ea typeface="Times New Roman" panose="02020603050405020304" pitchFamily="18" charset="0"/>
+              </a:rPr>
+              <a:t>list else go to step 6</a:t>
+            </a:r>
           </a:p>
         </p:txBody>
       </p:sp>
     </p:spTree>
     <p:extLst>
       <p:ext uri="{BB962C8B-B14F-4D97-AF65-F5344CB8AC3E}">
-        <p14:creationId xmlns:p14="http://schemas.microsoft.com/office/powerpoint/2010/main" val="905488132"/>
+        <p14:creationId xmlns:p14="http://schemas.microsoft.com/office/powerpoint/2010/main" val="1820242964"/>
       </p:ext>
     </p:extLst>
   </p:cSld>
   <p:clrMapOvr>
     <a:masterClrMapping/>
   </p:clrMapOvr>
-  <mc:AlternateContent xmlns:mc="http://schemas.openxmlformats.org/markup-compatibility/2006" xmlns:p14="http://schemas.microsoft.com/office/powerpoint/2010/main">
-    <mc:Choice Requires="p14">
-      <p:transition spd="med" p14:dur="700">
-        <p:fade/>
-      </p:transition>
-    </mc:Choice>
-    <mc:Fallback xmlns="">
-      <p:transition spd="med">
-        <p:fade/>
-      </p:transition>
-    </mc:Fallback>
-  </mc:AlternateContent>
 </p:sld>
 </file>
 
@@ -27289,7 +28993,7 @@
           <a:p>
             <a:r>
               <a:rPr lang="en-US" dirty="0"/>
-              <a:t>Task 3</a:t>
+              <a:t>Task 2</a:t>
             </a:r>
           </a:p>
         </p:txBody>
@@ -27460,6 +29164,607 @@
     </p:spTree>
     <p:extLst>
       <p:ext uri="{BB962C8B-B14F-4D97-AF65-F5344CB8AC3E}">
+        <p14:creationId xmlns:p14="http://schemas.microsoft.com/office/powerpoint/2010/main" val="458156879"/>
+      </p:ext>
+    </p:extLst>
+  </p:cSld>
+  <p:clrMapOvr>
+    <a:masterClrMapping/>
+  </p:clrMapOvr>
+  <mc:AlternateContent xmlns:mc="http://schemas.openxmlformats.org/markup-compatibility/2006" xmlns:p14="http://schemas.microsoft.com/office/powerpoint/2010/main">
+    <mc:Choice Requires="p14">
+      <p:transition spd="med" p14:dur="700">
+        <p:fade/>
+      </p:transition>
+    </mc:Choice>
+    <mc:Fallback xmlns="">
+      <p:transition spd="med">
+        <p:fade/>
+      </p:transition>
+    </mc:Fallback>
+  </mc:AlternateContent>
+</p:sld>
+</file>
+
+<file path=ppt/slides/slide14.xml><?xml version="1.0" encoding="utf-8"?>
+<p:sld xmlns:a="http://schemas.openxmlformats.org/drawingml/2006/main" xmlns:r="http://schemas.openxmlformats.org/officeDocument/2006/relationships" xmlns:p="http://schemas.openxmlformats.org/presentationml/2006/main">
+  <p:cSld>
+    <p:spTree>
+      <p:nvGrpSpPr>
+        <p:cNvPr id="1" name=""/>
+        <p:cNvGrpSpPr/>
+        <p:nvPr/>
+      </p:nvGrpSpPr>
+      <p:grpSpPr>
+        <a:xfrm>
+          <a:off x="0" y="0"/>
+          <a:ext cx="0" cy="0"/>
+          <a:chOff x="0" y="0"/>
+          <a:chExt cx="0" cy="0"/>
+        </a:xfrm>
+      </p:grpSpPr>
+      <p:sp>
+        <p:nvSpPr>
+          <p:cNvPr id="2" name="Slide Number Placeholder 1">
+            <a:extLst>
+              <a:ext uri="{FF2B5EF4-FFF2-40B4-BE49-F238E27FC236}">
+                <a16:creationId xmlns:a16="http://schemas.microsoft.com/office/drawing/2014/main" id="{ED5D82C7-8910-CEE9-A138-FEAA3F66FEC7}"/>
+              </a:ext>
+            </a:extLst>
+          </p:cNvPr>
+          <p:cNvSpPr>
+            <a:spLocks noGrp="1"/>
+          </p:cNvSpPr>
+          <p:nvPr>
+            <p:ph type="sldNum" sz="quarter" idx="12"/>
+          </p:nvPr>
+        </p:nvSpPr>
+        <p:spPr/>
+        <p:txBody>
+          <a:bodyPr/>
+          <a:lstStyle/>
+          <a:p>
+            <a:fld id="{C263D6C4-4840-40CC-AC84-17E24B3B7BDE}" type="slidenum">
+              <a:rPr lang="en-US" noProof="0" smtClean="0"/>
+              <a:pPr/>
+              <a:t>14</a:t>
+            </a:fld>
+            <a:endParaRPr lang="en-US" noProof="0" dirty="0"/>
+          </a:p>
+        </p:txBody>
+      </p:sp>
+    </p:spTree>
+    <p:extLst>
+      <p:ext uri="{BB962C8B-B14F-4D97-AF65-F5344CB8AC3E}">
+        <p14:creationId xmlns:p14="http://schemas.microsoft.com/office/powerpoint/2010/main" val="1592003877"/>
+      </p:ext>
+    </p:extLst>
+  </p:cSld>
+  <p:clrMapOvr>
+    <a:masterClrMapping/>
+  </p:clrMapOvr>
+</p:sld>
+</file>
+
+<file path=ppt/slides/slide15.xml><?xml version="1.0" encoding="utf-8"?>
+<p:sld xmlns:a="http://schemas.openxmlformats.org/drawingml/2006/main" xmlns:r="http://schemas.openxmlformats.org/officeDocument/2006/relationships" xmlns:p="http://schemas.openxmlformats.org/presentationml/2006/main">
+  <p:cSld>
+    <p:spTree>
+      <p:nvGrpSpPr>
+        <p:cNvPr id="1" name=""/>
+        <p:cNvGrpSpPr/>
+        <p:nvPr/>
+      </p:nvGrpSpPr>
+      <p:grpSpPr>
+        <a:xfrm>
+          <a:off x="0" y="0"/>
+          <a:ext cx="0" cy="0"/>
+          <a:chOff x="0" y="0"/>
+          <a:chExt cx="0" cy="0"/>
+        </a:xfrm>
+      </p:grpSpPr>
+      <p:sp>
+        <p:nvSpPr>
+          <p:cNvPr id="4" name="Title 3">
+            <a:extLst>
+              <a:ext uri="{FF2B5EF4-FFF2-40B4-BE49-F238E27FC236}">
+                <a16:creationId xmlns:a16="http://schemas.microsoft.com/office/drawing/2014/main" id="{BD179B88-D43C-4A31-9A52-3498E9430782}"/>
+              </a:ext>
+            </a:extLst>
+          </p:cNvPr>
+          <p:cNvSpPr>
+            <a:spLocks noGrp="1"/>
+          </p:cNvSpPr>
+          <p:nvPr>
+            <p:ph type="title"/>
+          </p:nvPr>
+        </p:nvSpPr>
+        <p:spPr/>
+        <p:txBody>
+          <a:bodyPr>
+            <a:noAutofit/>
+          </a:bodyPr>
+          <a:lstStyle/>
+          <a:p>
+            <a:r>
+              <a:rPr lang="en-US" i="1" dirty="0"/>
+              <a:t>Top-k </a:t>
+            </a:r>
+            <a:r>
+              <a:rPr lang="en-US" dirty="0"/>
+              <a:t>skyline domination query</a:t>
+            </a:r>
+            <a:endParaRPr lang="en-US" i="1" dirty="0"/>
+          </a:p>
+        </p:txBody>
+      </p:sp>
+      <p:sp>
+        <p:nvSpPr>
+          <p:cNvPr id="2" name="Slide Number Placeholder 1">
+            <a:extLst>
+              <a:ext uri="{FF2B5EF4-FFF2-40B4-BE49-F238E27FC236}">
+                <a16:creationId xmlns:a16="http://schemas.microsoft.com/office/drawing/2014/main" id="{8B065C75-272B-4BB5-BA23-D80E8654D621}"/>
+              </a:ext>
+            </a:extLst>
+          </p:cNvPr>
+          <p:cNvSpPr>
+            <a:spLocks noGrp="1"/>
+          </p:cNvSpPr>
+          <p:nvPr>
+            <p:ph type="sldNum" sz="quarter" idx="12"/>
+          </p:nvPr>
+        </p:nvSpPr>
+        <p:spPr/>
+        <p:txBody>
+          <a:bodyPr/>
+          <a:lstStyle/>
+          <a:p>
+            <a:fld id="{C263D6C4-4840-40CC-AC84-17E24B3B7BDE}" type="slidenum">
+              <a:rPr lang="en-US" smtClean="0"/>
+              <a:pPr/>
+              <a:t>15</a:t>
+            </a:fld>
+            <a:endParaRPr lang="en-US" dirty="0"/>
+          </a:p>
+        </p:txBody>
+      </p:sp>
+    </p:spTree>
+    <p:extLst>
+      <p:ext uri="{BB962C8B-B14F-4D97-AF65-F5344CB8AC3E}">
+        <p14:creationId xmlns:p14="http://schemas.microsoft.com/office/powerpoint/2010/main" val="660312521"/>
+      </p:ext>
+    </p:extLst>
+  </p:cSld>
+  <p:clrMapOvr>
+    <a:masterClrMapping/>
+  </p:clrMapOvr>
+  <mc:AlternateContent xmlns:mc="http://schemas.openxmlformats.org/markup-compatibility/2006" xmlns:p14="http://schemas.microsoft.com/office/powerpoint/2010/main">
+    <mc:Choice Requires="p14">
+      <p:transition spd="med" p14:dur="700">
+        <p:fade/>
+      </p:transition>
+    </mc:Choice>
+    <mc:Fallback xmlns="">
+      <p:transition spd="med">
+        <p:fade/>
+      </p:transition>
+    </mc:Fallback>
+  </mc:AlternateContent>
+</p:sld>
+</file>
+
+<file path=ppt/slides/slide16.xml><?xml version="1.0" encoding="utf-8"?>
+<p:sld xmlns:a="http://schemas.openxmlformats.org/drawingml/2006/main" xmlns:r="http://schemas.openxmlformats.org/officeDocument/2006/relationships" xmlns:p="http://schemas.openxmlformats.org/presentationml/2006/main">
+  <p:cSld>
+    <p:spTree>
+      <p:nvGrpSpPr>
+        <p:cNvPr id="1" name=""/>
+        <p:cNvGrpSpPr/>
+        <p:nvPr/>
+      </p:nvGrpSpPr>
+      <p:grpSpPr>
+        <a:xfrm>
+          <a:off x="0" y="0"/>
+          <a:ext cx="0" cy="0"/>
+          <a:chOff x="0" y="0"/>
+          <a:chExt cx="0" cy="0"/>
+        </a:xfrm>
+      </p:grpSpPr>
+      <p:sp>
+        <p:nvSpPr>
+          <p:cNvPr id="4" name="Title 3">
+            <a:extLst>
+              <a:ext uri="{FF2B5EF4-FFF2-40B4-BE49-F238E27FC236}">
+                <a16:creationId xmlns:a16="http://schemas.microsoft.com/office/drawing/2014/main" id="{315E3981-F0D7-482C-A8E0-6A57700BECA7}"/>
+              </a:ext>
+            </a:extLst>
+          </p:cNvPr>
+          <p:cNvSpPr>
+            <a:spLocks noGrp="1"/>
+          </p:cNvSpPr>
+          <p:nvPr>
+            <p:ph type="title"/>
+          </p:nvPr>
+        </p:nvSpPr>
+        <p:spPr/>
+        <p:txBody>
+          <a:bodyPr/>
+          <a:lstStyle/>
+          <a:p>
+            <a:r>
+              <a:rPr lang="en-US" dirty="0"/>
+              <a:t>Task 3</a:t>
+            </a:r>
+          </a:p>
+        </p:txBody>
+      </p:sp>
+      <p:sp>
+        <p:nvSpPr>
+          <p:cNvPr id="2" name="Slide Number Placeholder 1">
+            <a:extLst>
+              <a:ext uri="{FF2B5EF4-FFF2-40B4-BE49-F238E27FC236}">
+                <a16:creationId xmlns:a16="http://schemas.microsoft.com/office/drawing/2014/main" id="{520FC4EE-F318-4344-9E3C-B950ADB63865}"/>
+              </a:ext>
+            </a:extLst>
+          </p:cNvPr>
+          <p:cNvSpPr>
+            <a:spLocks noGrp="1"/>
+          </p:cNvSpPr>
+          <p:nvPr>
+            <p:ph type="sldNum" sz="quarter" idx="12"/>
+          </p:nvPr>
+        </p:nvSpPr>
+        <p:spPr/>
+        <p:txBody>
+          <a:bodyPr/>
+          <a:lstStyle/>
+          <a:p>
+            <a:fld id="{C263D6C4-4840-40CC-AC84-17E24B3B7BDE}" type="slidenum">
+              <a:rPr lang="en-US" smtClean="0"/>
+              <a:pPr/>
+              <a:t>16</a:t>
+            </a:fld>
+            <a:endParaRPr lang="en-US" dirty="0"/>
+          </a:p>
+        </p:txBody>
+      </p:sp>
+      <p:sp>
+        <p:nvSpPr>
+          <p:cNvPr id="7" name="Text Placeholder 6">
+            <a:extLst>
+              <a:ext uri="{FF2B5EF4-FFF2-40B4-BE49-F238E27FC236}">
+                <a16:creationId xmlns:a16="http://schemas.microsoft.com/office/drawing/2014/main" id="{B74126B4-1E6C-4FFF-9282-40E18A85A07F}"/>
+              </a:ext>
+            </a:extLst>
+          </p:cNvPr>
+          <p:cNvSpPr>
+            <a:spLocks noGrp="1"/>
+          </p:cNvSpPr>
+          <p:nvPr>
+            <p:ph type="body" sz="quarter" idx="1"/>
+          </p:nvPr>
+        </p:nvSpPr>
+        <p:spPr>
+          <a:xfrm>
+            <a:off x="386526" y="1681163"/>
+            <a:ext cx="11418949" cy="823912"/>
+          </a:xfrm>
+        </p:spPr>
+        <p:txBody>
+          <a:bodyPr>
+            <a:normAutofit/>
+          </a:bodyPr>
+          <a:lstStyle/>
+          <a:p>
+            <a:pPr algn="just"/>
+            <a:r>
+              <a:rPr lang="en-US" b="0" dirty="0"/>
+              <a:t>In Task 3, our work was to find the </a:t>
+            </a:r>
+            <a:r>
+              <a:rPr lang="en-US" i="1" dirty="0"/>
+              <a:t>top-k </a:t>
+            </a:r>
+            <a:r>
+              <a:rPr lang="en-US" dirty="0"/>
+              <a:t>dominating</a:t>
+            </a:r>
+            <a:r>
+              <a:rPr lang="en-US" b="0" dirty="0"/>
+              <a:t> points that belong to the </a:t>
+            </a:r>
+            <a:r>
+              <a:rPr lang="en-US" i="1" dirty="0"/>
+              <a:t>skyline</a:t>
+            </a:r>
+            <a:r>
+              <a:rPr lang="en-US" b="0" dirty="0"/>
+              <a:t> set.</a:t>
+            </a:r>
+          </a:p>
+        </p:txBody>
+      </p:sp>
+      <p:sp>
+        <p:nvSpPr>
+          <p:cNvPr id="8" name="Text Placeholder 7">
+            <a:extLst>
+              <a:ext uri="{FF2B5EF4-FFF2-40B4-BE49-F238E27FC236}">
+                <a16:creationId xmlns:a16="http://schemas.microsoft.com/office/drawing/2014/main" id="{47DC4E62-1A34-4F98-A451-214F1808519C}"/>
+              </a:ext>
+            </a:extLst>
+          </p:cNvPr>
+          <p:cNvSpPr>
+            <a:spLocks noGrp="1"/>
+          </p:cNvSpPr>
+          <p:nvPr>
+            <p:ph type="body" sz="quarter" idx="2"/>
+          </p:nvPr>
+        </p:nvSpPr>
+        <p:spPr>
+          <a:xfrm>
+            <a:off x="6892801" y="2567781"/>
+            <a:ext cx="5157787" cy="3684588"/>
+          </a:xfrm>
+        </p:spPr>
+        <p:txBody>
+          <a:bodyPr/>
+          <a:lstStyle/>
+          <a:p>
+            <a:r>
+              <a:rPr lang="en-US" dirty="0"/>
+              <a:t>Lorem ipsum dolor sit amet, consectetuer adipiscing elit. Maecenas porttitor congue massa. Fusce posuere, magna sed pulvinar ultricies, purus lectus malesuada libero, sit amet commodo magna eros quis urna. Nunc viverra imperdiet enim. Fusce est. Vivamus a tellus.</a:t>
+            </a:r>
+          </a:p>
+          <a:p>
+            <a:r>
+              <a:rPr lang="en-US" dirty="0"/>
+              <a:t>Pellentesque habitant morbi tristique senectus et netus et malesuada fames ac turpis egestas. Proin pharetra nonummy pede. Mauris et orci.</a:t>
+            </a:r>
+          </a:p>
+          <a:p>
+            <a:endParaRPr lang="en-US" dirty="0"/>
+          </a:p>
+          <a:p>
+            <a:endParaRPr lang="en-US" dirty="0"/>
+          </a:p>
+        </p:txBody>
+      </p:sp>
+    </p:spTree>
+    <p:extLst>
+      <p:ext uri="{BB962C8B-B14F-4D97-AF65-F5344CB8AC3E}">
+        <p14:creationId xmlns:p14="http://schemas.microsoft.com/office/powerpoint/2010/main" val="905488132"/>
+      </p:ext>
+    </p:extLst>
+  </p:cSld>
+  <p:clrMapOvr>
+    <a:masterClrMapping/>
+  </p:clrMapOvr>
+  <mc:AlternateContent xmlns:mc="http://schemas.openxmlformats.org/markup-compatibility/2006" xmlns:p14="http://schemas.microsoft.com/office/powerpoint/2010/main">
+    <mc:Choice Requires="p14">
+      <p:transition spd="med" p14:dur="700">
+        <p:fade/>
+      </p:transition>
+    </mc:Choice>
+    <mc:Fallback xmlns="">
+      <p:transition spd="med">
+        <p:fade/>
+      </p:transition>
+    </mc:Fallback>
+  </mc:AlternateContent>
+</p:sld>
+</file>
+
+<file path=ppt/slides/slide17.xml><?xml version="1.0" encoding="utf-8"?>
+<p:sld xmlns:a="http://schemas.openxmlformats.org/drawingml/2006/main" xmlns:r="http://schemas.openxmlformats.org/officeDocument/2006/relationships" xmlns:p="http://schemas.openxmlformats.org/presentationml/2006/main">
+  <p:cSld>
+    <p:spTree>
+      <p:nvGrpSpPr>
+        <p:cNvPr id="1" name=""/>
+        <p:cNvGrpSpPr/>
+        <p:nvPr/>
+      </p:nvGrpSpPr>
+      <p:grpSpPr>
+        <a:xfrm>
+          <a:off x="0" y="0"/>
+          <a:ext cx="0" cy="0"/>
+          <a:chOff x="0" y="0"/>
+          <a:chExt cx="0" cy="0"/>
+        </a:xfrm>
+      </p:grpSpPr>
+      <p:sp>
+        <p:nvSpPr>
+          <p:cNvPr id="4" name="Title 3">
+            <a:extLst>
+              <a:ext uri="{FF2B5EF4-FFF2-40B4-BE49-F238E27FC236}">
+                <a16:creationId xmlns:a16="http://schemas.microsoft.com/office/drawing/2014/main" id="{315E3981-F0D7-482C-A8E0-6A57700BECA7}"/>
+              </a:ext>
+            </a:extLst>
+          </p:cNvPr>
+          <p:cNvSpPr>
+            <a:spLocks noGrp="1"/>
+          </p:cNvSpPr>
+          <p:nvPr>
+            <p:ph type="title"/>
+          </p:nvPr>
+        </p:nvSpPr>
+        <p:spPr/>
+        <p:txBody>
+          <a:bodyPr/>
+          <a:lstStyle/>
+          <a:p>
+            <a:r>
+              <a:rPr lang="en-US" dirty="0"/>
+              <a:t>Task 3</a:t>
+            </a:r>
+          </a:p>
+        </p:txBody>
+      </p:sp>
+      <p:sp>
+        <p:nvSpPr>
+          <p:cNvPr id="2" name="Slide Number Placeholder 1">
+            <a:extLst>
+              <a:ext uri="{FF2B5EF4-FFF2-40B4-BE49-F238E27FC236}">
+                <a16:creationId xmlns:a16="http://schemas.microsoft.com/office/drawing/2014/main" id="{520FC4EE-F318-4344-9E3C-B950ADB63865}"/>
+              </a:ext>
+            </a:extLst>
+          </p:cNvPr>
+          <p:cNvSpPr>
+            <a:spLocks noGrp="1"/>
+          </p:cNvSpPr>
+          <p:nvPr>
+            <p:ph type="sldNum" sz="quarter" idx="12"/>
+          </p:nvPr>
+        </p:nvSpPr>
+        <p:spPr/>
+        <p:txBody>
+          <a:bodyPr/>
+          <a:lstStyle/>
+          <a:p>
+            <a:fld id="{C263D6C4-4840-40CC-AC84-17E24B3B7BDE}" type="slidenum">
+              <a:rPr lang="en-US" smtClean="0"/>
+              <a:pPr/>
+              <a:t>17</a:t>
+            </a:fld>
+            <a:endParaRPr lang="en-US" dirty="0"/>
+          </a:p>
+        </p:txBody>
+      </p:sp>
+      <p:sp>
+        <p:nvSpPr>
+          <p:cNvPr id="7" name="Text Placeholder 6">
+            <a:extLst>
+              <a:ext uri="{FF2B5EF4-FFF2-40B4-BE49-F238E27FC236}">
+                <a16:creationId xmlns:a16="http://schemas.microsoft.com/office/drawing/2014/main" id="{B74126B4-1E6C-4FFF-9282-40E18A85A07F}"/>
+              </a:ext>
+            </a:extLst>
+          </p:cNvPr>
+          <p:cNvSpPr>
+            <a:spLocks noGrp="1"/>
+          </p:cNvSpPr>
+          <p:nvPr>
+            <p:ph type="body" sz="quarter" idx="1"/>
+          </p:nvPr>
+        </p:nvSpPr>
+        <p:spPr/>
+        <p:txBody>
+          <a:bodyPr/>
+          <a:lstStyle/>
+          <a:p>
+            <a:r>
+              <a:rPr lang="en-US" dirty="0"/>
+              <a:t>Lorem ipsum dolor sit amet</a:t>
+            </a:r>
+          </a:p>
+        </p:txBody>
+      </p:sp>
+      <p:sp>
+        <p:nvSpPr>
+          <p:cNvPr id="5" name="Text Placeholder 4">
+            <a:extLst>
+              <a:ext uri="{FF2B5EF4-FFF2-40B4-BE49-F238E27FC236}">
+                <a16:creationId xmlns:a16="http://schemas.microsoft.com/office/drawing/2014/main" id="{E0C87788-476B-4620-8002-A5C1177AD6C1}"/>
+              </a:ext>
+            </a:extLst>
+          </p:cNvPr>
+          <p:cNvSpPr>
+            <a:spLocks noGrp="1"/>
+          </p:cNvSpPr>
+          <p:nvPr>
+            <p:ph type="body" sz="quarter" idx="3"/>
+          </p:nvPr>
+        </p:nvSpPr>
+        <p:spPr/>
+        <p:txBody>
+          <a:bodyPr/>
+          <a:lstStyle/>
+          <a:p>
+            <a:r>
+              <a:rPr lang="en-US" dirty="0"/>
+              <a:t>Lorem ipsum dolor sit amet</a:t>
+            </a:r>
+          </a:p>
+        </p:txBody>
+      </p:sp>
+      <p:sp>
+        <p:nvSpPr>
+          <p:cNvPr id="8" name="Text Placeholder 7">
+            <a:extLst>
+              <a:ext uri="{FF2B5EF4-FFF2-40B4-BE49-F238E27FC236}">
+                <a16:creationId xmlns:a16="http://schemas.microsoft.com/office/drawing/2014/main" id="{47DC4E62-1A34-4F98-A451-214F1808519C}"/>
+              </a:ext>
+            </a:extLst>
+          </p:cNvPr>
+          <p:cNvSpPr>
+            <a:spLocks noGrp="1"/>
+          </p:cNvSpPr>
+          <p:nvPr>
+            <p:ph type="body" sz="quarter" idx="2"/>
+          </p:nvPr>
+        </p:nvSpPr>
+        <p:spPr/>
+        <p:txBody>
+          <a:bodyPr/>
+          <a:lstStyle/>
+          <a:p>
+            <a:r>
+              <a:rPr lang="en-US" dirty="0"/>
+              <a:t>Lorem ipsum dolor sit amet, consectetuer adipiscing elit. Maecenas porttitor congue massa. Fusce posuere, magna sed pulvinar ultricies, purus lectus malesuada libero, sit amet commodo magna eros quis urna. Nunc viverra imperdiet enim. Fusce est. Vivamus a tellus.</a:t>
+            </a:r>
+          </a:p>
+          <a:p>
+            <a:r>
+              <a:rPr lang="en-US" dirty="0"/>
+              <a:t>Pellentesque habitant morbi tristique senectus et netus et malesuada fames ac turpis egestas. Proin pharetra nonummy pede. Mauris et orci.</a:t>
+            </a:r>
+          </a:p>
+          <a:p>
+            <a:endParaRPr lang="en-US" dirty="0"/>
+          </a:p>
+          <a:p>
+            <a:endParaRPr lang="en-US" dirty="0"/>
+          </a:p>
+        </p:txBody>
+      </p:sp>
+      <p:sp>
+        <p:nvSpPr>
+          <p:cNvPr id="6" name="Text Placeholder 5">
+            <a:extLst>
+              <a:ext uri="{FF2B5EF4-FFF2-40B4-BE49-F238E27FC236}">
+                <a16:creationId xmlns:a16="http://schemas.microsoft.com/office/drawing/2014/main" id="{000A9570-5EF6-4AFB-9FCA-7C8998E3FEB1}"/>
+              </a:ext>
+            </a:extLst>
+          </p:cNvPr>
+          <p:cNvSpPr>
+            <a:spLocks noGrp="1"/>
+          </p:cNvSpPr>
+          <p:nvPr>
+            <p:ph type="body" sz="quarter" idx="4"/>
+          </p:nvPr>
+        </p:nvSpPr>
+        <p:spPr/>
+        <p:txBody>
+          <a:bodyPr/>
+          <a:lstStyle/>
+          <a:p>
+            <a:r>
+              <a:rPr lang="en-US" dirty="0"/>
+              <a:t>Lorem ipsum dolor sit amet, consectetuer adipiscing elit. Maecenas porttitor congue massa. Fusce posuere, magna sed pulvinar ultricies, purus lectus malesuada libero, sit amet commodo magna eros quis urna. Nunc viverra imperdiet enim. Fusce est. Vivamus a tellus.</a:t>
+            </a:r>
+          </a:p>
+          <a:p>
+            <a:r>
+              <a:rPr lang="en-US" dirty="0"/>
+              <a:t>Pellentesque habitant morbi tristique senectus et netus et malesuada fames ac turpis egestas. Proin pharetra nonummy pede. Mauris et orci.</a:t>
+            </a:r>
+          </a:p>
+          <a:p>
+            <a:endParaRPr lang="en-US" dirty="0"/>
+          </a:p>
+        </p:txBody>
+      </p:sp>
+    </p:spTree>
+    <p:extLst>
+      <p:ext uri="{BB962C8B-B14F-4D97-AF65-F5344CB8AC3E}">
         <p14:creationId xmlns:p14="http://schemas.microsoft.com/office/powerpoint/2010/main" val="2229238531"/>
       </p:ext>
     </p:extLst>
@@ -27482,7 +29787,7 @@
 </p:sld>
 </file>
 
-<file path=ppt/slides/slide14.xml><?xml version="1.0" encoding="utf-8"?>
+<file path=ppt/slides/slide18.xml><?xml version="1.0" encoding="utf-8"?>
 <p:sld xmlns:a="http://schemas.openxmlformats.org/drawingml/2006/main" xmlns:r="http://schemas.openxmlformats.org/officeDocument/2006/relationships" xmlns:p="http://schemas.openxmlformats.org/presentationml/2006/main">
   <p:cSld>
     <p:spTree>
@@ -27553,7 +29858,7 @@
             <a:fld id="{C263D6C4-4840-40CC-AC84-17E24B3B7BDE}" type="slidenum">
               <a:rPr lang="en-US" smtClean="0"/>
               <a:pPr/>
-              <a:t>14</a:t>
+              <a:t>18</a:t>
             </a:fld>
             <a:endParaRPr lang="en-US" dirty="0"/>
           </a:p>
@@ -27584,7 +29889,7 @@
 </p:sld>
 </file>
 
-<file path=ppt/slides/slide15.xml><?xml version="1.0" encoding="utf-8"?>
+<file path=ppt/slides/slide19.xml><?xml version="1.0" encoding="utf-8"?>
 <p:sld xmlns:a="http://schemas.openxmlformats.org/drawingml/2006/main" xmlns:r="http://schemas.openxmlformats.org/officeDocument/2006/relationships" xmlns:p="http://schemas.openxmlformats.org/presentationml/2006/main">
   <p:cSld>
     <p:spTree>
@@ -27968,7 +30273,7 @@
             <a:fld id="{C263D6C4-4840-40CC-AC84-17E24B3B7BDE}" type="slidenum">
               <a:rPr lang="en-US" smtClean="0"/>
               <a:pPr/>
-              <a:t>15</a:t>
+              <a:t>19</a:t>
             </a:fld>
             <a:endParaRPr lang="en-US" dirty="0"/>
           </a:p>
@@ -27999,7 +30304,239 @@
 </p:sld>
 </file>
 
-<file path=ppt/slides/slide16.xml><?xml version="1.0" encoding="utf-8"?>
+<file path=ppt/slides/slide2.xml><?xml version="1.0" encoding="utf-8"?>
+<p:sld xmlns:a="http://schemas.openxmlformats.org/drawingml/2006/main" xmlns:r="http://schemas.openxmlformats.org/officeDocument/2006/relationships" xmlns:p="http://schemas.openxmlformats.org/presentationml/2006/main">
+  <p:cSld>
+    <p:spTree>
+      <p:nvGrpSpPr>
+        <p:cNvPr id="1" name=""/>
+        <p:cNvGrpSpPr/>
+        <p:nvPr/>
+      </p:nvGrpSpPr>
+      <p:grpSpPr>
+        <a:xfrm>
+          <a:off x="0" y="0"/>
+          <a:ext cx="0" cy="0"/>
+          <a:chOff x="0" y="0"/>
+          <a:chExt cx="0" cy="0"/>
+        </a:xfrm>
+      </p:grpSpPr>
+      <p:sp>
+        <p:nvSpPr>
+          <p:cNvPr id="7" name="Title 6">
+            <a:extLst>
+              <a:ext uri="{FF2B5EF4-FFF2-40B4-BE49-F238E27FC236}">
+                <a16:creationId xmlns:a16="http://schemas.microsoft.com/office/drawing/2014/main" id="{7875C19A-1AAE-476A-A316-A2CF92D763D3}"/>
+              </a:ext>
+            </a:extLst>
+          </p:cNvPr>
+          <p:cNvSpPr>
+            <a:spLocks noGrp="1"/>
+          </p:cNvSpPr>
+          <p:nvPr>
+            <p:ph type="title"/>
+          </p:nvPr>
+        </p:nvSpPr>
+        <p:spPr>
+          <a:xfrm>
+            <a:off x="444500" y="542925"/>
+            <a:ext cx="11214100" cy="590931"/>
+          </a:xfrm>
+        </p:spPr>
+        <p:txBody>
+          <a:bodyPr/>
+          <a:lstStyle/>
+          <a:p>
+            <a:r>
+              <a:rPr lang="en-US" sz="3600" dirty="0"/>
+              <a:t>Project Analysis</a:t>
+            </a:r>
+          </a:p>
+        </p:txBody>
+      </p:sp>
+      <p:sp>
+        <p:nvSpPr>
+          <p:cNvPr id="10" name="Text Placeholder 9">
+            <a:extLst>
+              <a:ext uri="{FF2B5EF4-FFF2-40B4-BE49-F238E27FC236}">
+                <a16:creationId xmlns:a16="http://schemas.microsoft.com/office/drawing/2014/main" id="{EF2BC084-E6DB-4DE7-B309-042A85EBA700}"/>
+              </a:ext>
+            </a:extLst>
+          </p:cNvPr>
+          <p:cNvSpPr>
+            <a:spLocks noGrp="1"/>
+          </p:cNvSpPr>
+          <p:nvPr>
+            <p:ph type="body" sz="quarter" idx="13"/>
+          </p:nvPr>
+        </p:nvSpPr>
+        <p:spPr>
+          <a:xfrm>
+            <a:off x="533400" y="3255434"/>
+            <a:ext cx="6718300" cy="4093243"/>
+          </a:xfrm>
+        </p:spPr>
+        <p:txBody>
+          <a:bodyPr/>
+          <a:lstStyle/>
+          <a:p>
+            <a:r>
+              <a:rPr lang="en-US" sz="2400" dirty="0"/>
+              <a:t>Skyline query</a:t>
+            </a:r>
+          </a:p>
+          <a:p>
+            <a:r>
+              <a:rPr lang="en-US" sz="2400" i="1" dirty="0"/>
+              <a:t>Top-k </a:t>
+            </a:r>
+            <a:r>
+              <a:rPr lang="en-US" sz="2400" dirty="0"/>
+              <a:t>domination query</a:t>
+            </a:r>
+            <a:endParaRPr lang="en-US" sz="2400" i="1" dirty="0"/>
+          </a:p>
+          <a:p>
+            <a:r>
+              <a:rPr lang="en-US" sz="2400" i="1" dirty="0"/>
+              <a:t>Top-k </a:t>
+            </a:r>
+            <a:r>
+              <a:rPr lang="en-US" sz="2400" dirty="0"/>
+              <a:t>skyline</a:t>
+            </a:r>
+            <a:r>
+              <a:rPr lang="en-US" sz="2400" i="1" dirty="0"/>
+              <a:t> </a:t>
+            </a:r>
+            <a:r>
+              <a:rPr lang="en-US" sz="2400" dirty="0"/>
+              <a:t>domination query</a:t>
+            </a:r>
+            <a:endParaRPr lang="en-US" sz="2400" i="1" dirty="0"/>
+          </a:p>
+          <a:p>
+            <a:endParaRPr lang="en-US" dirty="0"/>
+          </a:p>
+        </p:txBody>
+      </p:sp>
+      <p:sp>
+        <p:nvSpPr>
+          <p:cNvPr id="2" name="Slide Number Placeholder 1">
+            <a:extLst>
+              <a:ext uri="{FF2B5EF4-FFF2-40B4-BE49-F238E27FC236}">
+                <a16:creationId xmlns:a16="http://schemas.microsoft.com/office/drawing/2014/main" id="{BE9800F6-D571-48C4-8466-12AA1ADB6599}"/>
+              </a:ext>
+            </a:extLst>
+          </p:cNvPr>
+          <p:cNvSpPr>
+            <a:spLocks noGrp="1"/>
+          </p:cNvSpPr>
+          <p:nvPr>
+            <p:ph type="sldNum" sz="quarter" idx="12"/>
+          </p:nvPr>
+        </p:nvSpPr>
+        <p:spPr/>
+        <p:txBody>
+          <a:bodyPr/>
+          <a:lstStyle/>
+          <a:p>
+            <a:fld id="{C263D6C4-4840-40CC-AC84-17E24B3B7BDE}" type="slidenum">
+              <a:rPr lang="en-US" smtClean="0"/>
+              <a:pPr/>
+              <a:t>2</a:t>
+            </a:fld>
+            <a:endParaRPr lang="en-US" dirty="0"/>
+          </a:p>
+        </p:txBody>
+      </p:sp>
+      <p:sp>
+        <p:nvSpPr>
+          <p:cNvPr id="3" name="TextBox 2">
+            <a:extLst>
+              <a:ext uri="{FF2B5EF4-FFF2-40B4-BE49-F238E27FC236}">
+                <a16:creationId xmlns:a16="http://schemas.microsoft.com/office/drawing/2014/main" id="{829FF87A-705E-B625-0420-C66C77A3A161}"/>
+              </a:ext>
+            </a:extLst>
+          </p:cNvPr>
+          <p:cNvSpPr txBox="1"/>
+          <p:nvPr/>
+        </p:nvSpPr>
+        <p:spPr>
+          <a:xfrm>
+            <a:off x="444500" y="1439332"/>
+            <a:ext cx="7222067" cy="1754326"/>
+          </a:xfrm>
+          <a:prstGeom prst="rect">
+            <a:avLst/>
+          </a:prstGeom>
+          <a:noFill/>
+        </p:spPr>
+        <p:txBody>
+          <a:bodyPr wrap="square" rtlCol="0">
+            <a:spAutoFit/>
+          </a:bodyPr>
+          <a:lstStyle/>
+          <a:p>
+            <a:r>
+              <a:rPr lang="en-US" dirty="0">
+                <a:solidFill>
+                  <a:schemeClr val="bg1"/>
+                </a:solidFill>
+              </a:rPr>
+              <a:t>In this project, we will work with multi-dimensional data. Given a potentially large set of d-dimensional points, where each point is represented as a d-dimensional vector, we need to detect interesting points. The project is based on the concept of dominance.</a:t>
+            </a:r>
+          </a:p>
+          <a:p>
+            <a:endParaRPr lang="en-US" dirty="0">
+              <a:solidFill>
+                <a:schemeClr val="bg1"/>
+              </a:solidFill>
+            </a:endParaRPr>
+          </a:p>
+          <a:p>
+            <a:r>
+              <a:rPr lang="en-US" dirty="0">
+                <a:solidFill>
+                  <a:schemeClr val="bg1"/>
+                </a:solidFill>
+              </a:rPr>
+              <a:t>The tasks are:</a:t>
+            </a:r>
+            <a:endParaRPr lang="en-150" dirty="0">
+              <a:solidFill>
+                <a:schemeClr val="bg1"/>
+              </a:solidFill>
+            </a:endParaRPr>
+          </a:p>
+        </p:txBody>
+      </p:sp>
+    </p:spTree>
+    <p:extLst>
+      <p:ext uri="{BB962C8B-B14F-4D97-AF65-F5344CB8AC3E}">
+        <p14:creationId xmlns:p14="http://schemas.microsoft.com/office/powerpoint/2010/main" val="3733486012"/>
+      </p:ext>
+    </p:extLst>
+  </p:cSld>
+  <p:clrMapOvr>
+    <a:masterClrMapping/>
+  </p:clrMapOvr>
+  <mc:AlternateContent xmlns:mc="http://schemas.openxmlformats.org/markup-compatibility/2006" xmlns:p14="http://schemas.microsoft.com/office/powerpoint/2010/main">
+    <mc:Choice Requires="p14">
+      <p:transition spd="med" p14:dur="700">
+        <p:fade/>
+      </p:transition>
+    </mc:Choice>
+    <mc:Fallback xmlns="">
+      <p:transition spd="med">
+        <p:fade/>
+      </p:transition>
+    </mc:Fallback>
+  </mc:AlternateContent>
+</p:sld>
+</file>
+
+<file path=ppt/slides/slide20.xml><?xml version="1.0" encoding="utf-8"?>
 <p:sld xmlns:a="http://schemas.openxmlformats.org/drawingml/2006/main" xmlns:r="http://schemas.openxmlformats.org/officeDocument/2006/relationships" xmlns:p="http://schemas.openxmlformats.org/presentationml/2006/main">
   <p:cSld>
     <p:spTree>
@@ -28183,7 +30720,7 @@
             <a:fld id="{C263D6C4-4840-40CC-AC84-17E24B3B7BDE}" type="slidenum">
               <a:rPr lang="en-US" smtClean="0"/>
               <a:pPr/>
-              <a:t>16</a:t>
+              <a:t>20</a:t>
             </a:fld>
             <a:endParaRPr lang="en-US" dirty="0"/>
           </a:p>
@@ -28214,7 +30751,7 @@
 </p:sld>
 </file>
 
-<file path=ppt/slides/slide17.xml><?xml version="1.0" encoding="utf-8"?>
+<file path=ppt/slides/slide21.xml><?xml version="1.0" encoding="utf-8"?>
 <p:sld xmlns:a="http://schemas.openxmlformats.org/drawingml/2006/main" xmlns:r="http://schemas.openxmlformats.org/officeDocument/2006/relationships" xmlns:p="http://schemas.openxmlformats.org/presentationml/2006/main">
   <p:cSld>
     <p:spTree>
@@ -28351,7 +30888,7 @@
             <a:fld id="{C263D6C4-4840-40CC-AC84-17E24B3B7BDE}" type="slidenum">
               <a:rPr lang="en-US" smtClean="0"/>
               <a:pPr/>
-              <a:t>17</a:t>
+              <a:t>21</a:t>
             </a:fld>
             <a:endParaRPr lang="en-US" dirty="0"/>
           </a:p>
@@ -28382,7 +30919,7 @@
 </p:sld>
 </file>
 
-<file path=ppt/slides/slide18.xml><?xml version="1.0" encoding="utf-8"?>
+<file path=ppt/slides/slide22.xml><?xml version="1.0" encoding="utf-8"?>
 <p:sld xmlns:a="http://schemas.openxmlformats.org/drawingml/2006/main" xmlns:r="http://schemas.openxmlformats.org/officeDocument/2006/relationships" xmlns:p="http://schemas.openxmlformats.org/presentationml/2006/main">
   <p:cSld>
     <p:spTree>
@@ -30272,7 +32809,7 @@
             <a:fld id="{C263D6C4-4840-40CC-AC84-17E24B3B7BDE}" type="slidenum">
               <a:rPr lang="en-US" smtClean="0"/>
               <a:pPr/>
-              <a:t>18</a:t>
+              <a:t>22</a:t>
             </a:fld>
             <a:endParaRPr lang="en-US" dirty="0"/>
           </a:p>
@@ -30303,7 +32840,7 @@
 </p:sld>
 </file>
 
-<file path=ppt/slides/slide19.xml><?xml version="1.0" encoding="utf-8"?>
+<file path=ppt/slides/slide23.xml><?xml version="1.0" encoding="utf-8"?>
 <p:sld xmlns:a="http://schemas.openxmlformats.org/drawingml/2006/main" xmlns:r="http://schemas.openxmlformats.org/officeDocument/2006/relationships" xmlns:p="http://schemas.openxmlformats.org/presentationml/2006/main">
   <p:cSld>
     <p:spTree>
@@ -30400,7 +32937,7 @@
             <a:fld id="{C263D6C4-4840-40CC-AC84-17E24B3B7BDE}" type="slidenum">
               <a:rPr lang="en-US" smtClean="0"/>
               <a:pPr/>
-              <a:t>19</a:t>
+              <a:t>23</a:t>
             </a:fld>
             <a:endParaRPr lang="en-US" dirty="0"/>
           </a:p>
@@ -30431,239 +32968,7 @@
 </p:sld>
 </file>
 
-<file path=ppt/slides/slide2.xml><?xml version="1.0" encoding="utf-8"?>
-<p:sld xmlns:a="http://schemas.openxmlformats.org/drawingml/2006/main" xmlns:r="http://schemas.openxmlformats.org/officeDocument/2006/relationships" xmlns:p="http://schemas.openxmlformats.org/presentationml/2006/main">
-  <p:cSld>
-    <p:spTree>
-      <p:nvGrpSpPr>
-        <p:cNvPr id="1" name=""/>
-        <p:cNvGrpSpPr/>
-        <p:nvPr/>
-      </p:nvGrpSpPr>
-      <p:grpSpPr>
-        <a:xfrm>
-          <a:off x="0" y="0"/>
-          <a:ext cx="0" cy="0"/>
-          <a:chOff x="0" y="0"/>
-          <a:chExt cx="0" cy="0"/>
-        </a:xfrm>
-      </p:grpSpPr>
-      <p:sp>
-        <p:nvSpPr>
-          <p:cNvPr id="7" name="Title 6">
-            <a:extLst>
-              <a:ext uri="{FF2B5EF4-FFF2-40B4-BE49-F238E27FC236}">
-                <a16:creationId xmlns:a16="http://schemas.microsoft.com/office/drawing/2014/main" id="{7875C19A-1AAE-476A-A316-A2CF92D763D3}"/>
-              </a:ext>
-            </a:extLst>
-          </p:cNvPr>
-          <p:cNvSpPr>
-            <a:spLocks noGrp="1"/>
-          </p:cNvSpPr>
-          <p:nvPr>
-            <p:ph type="title"/>
-          </p:nvPr>
-        </p:nvSpPr>
-        <p:spPr>
-          <a:xfrm>
-            <a:off x="444500" y="542925"/>
-            <a:ext cx="11214100" cy="590931"/>
-          </a:xfrm>
-        </p:spPr>
-        <p:txBody>
-          <a:bodyPr/>
-          <a:lstStyle/>
-          <a:p>
-            <a:r>
-              <a:rPr lang="en-US" sz="3600" dirty="0"/>
-              <a:t>Project Analysis</a:t>
-            </a:r>
-          </a:p>
-        </p:txBody>
-      </p:sp>
-      <p:sp>
-        <p:nvSpPr>
-          <p:cNvPr id="10" name="Text Placeholder 9">
-            <a:extLst>
-              <a:ext uri="{FF2B5EF4-FFF2-40B4-BE49-F238E27FC236}">
-                <a16:creationId xmlns:a16="http://schemas.microsoft.com/office/drawing/2014/main" id="{EF2BC084-E6DB-4DE7-B309-042A85EBA700}"/>
-              </a:ext>
-            </a:extLst>
-          </p:cNvPr>
-          <p:cNvSpPr>
-            <a:spLocks noGrp="1"/>
-          </p:cNvSpPr>
-          <p:nvPr>
-            <p:ph type="body" sz="quarter" idx="13"/>
-          </p:nvPr>
-        </p:nvSpPr>
-        <p:spPr>
-          <a:xfrm>
-            <a:off x="533400" y="3255434"/>
-            <a:ext cx="6718300" cy="4093243"/>
-          </a:xfrm>
-        </p:spPr>
-        <p:txBody>
-          <a:bodyPr/>
-          <a:lstStyle/>
-          <a:p>
-            <a:r>
-              <a:rPr lang="en-US" sz="2400" dirty="0"/>
-              <a:t>Skyline query</a:t>
-            </a:r>
-          </a:p>
-          <a:p>
-            <a:r>
-              <a:rPr lang="en-US" sz="2400" i="1" dirty="0"/>
-              <a:t>Top-k </a:t>
-            </a:r>
-            <a:r>
-              <a:rPr lang="en-US" sz="2400" dirty="0"/>
-              <a:t>domination query</a:t>
-            </a:r>
-            <a:endParaRPr lang="en-US" sz="2400" i="1" dirty="0"/>
-          </a:p>
-          <a:p>
-            <a:r>
-              <a:rPr lang="en-US" sz="2400" i="1" dirty="0"/>
-              <a:t>Top-k </a:t>
-            </a:r>
-            <a:r>
-              <a:rPr lang="en-US" sz="2400" dirty="0"/>
-              <a:t>skyline</a:t>
-            </a:r>
-            <a:r>
-              <a:rPr lang="en-US" sz="2400" i="1" dirty="0"/>
-              <a:t> </a:t>
-            </a:r>
-            <a:r>
-              <a:rPr lang="en-US" sz="2400" dirty="0"/>
-              <a:t>domination query</a:t>
-            </a:r>
-            <a:endParaRPr lang="en-US" sz="2400" i="1" dirty="0"/>
-          </a:p>
-          <a:p>
-            <a:endParaRPr lang="en-US" dirty="0"/>
-          </a:p>
-        </p:txBody>
-      </p:sp>
-      <p:sp>
-        <p:nvSpPr>
-          <p:cNvPr id="2" name="Slide Number Placeholder 1">
-            <a:extLst>
-              <a:ext uri="{FF2B5EF4-FFF2-40B4-BE49-F238E27FC236}">
-                <a16:creationId xmlns:a16="http://schemas.microsoft.com/office/drawing/2014/main" id="{BE9800F6-D571-48C4-8466-12AA1ADB6599}"/>
-              </a:ext>
-            </a:extLst>
-          </p:cNvPr>
-          <p:cNvSpPr>
-            <a:spLocks noGrp="1"/>
-          </p:cNvSpPr>
-          <p:nvPr>
-            <p:ph type="sldNum" sz="quarter" idx="12"/>
-          </p:nvPr>
-        </p:nvSpPr>
-        <p:spPr/>
-        <p:txBody>
-          <a:bodyPr/>
-          <a:lstStyle/>
-          <a:p>
-            <a:fld id="{C263D6C4-4840-40CC-AC84-17E24B3B7BDE}" type="slidenum">
-              <a:rPr lang="en-US" smtClean="0"/>
-              <a:pPr/>
-              <a:t>2</a:t>
-            </a:fld>
-            <a:endParaRPr lang="en-US" dirty="0"/>
-          </a:p>
-        </p:txBody>
-      </p:sp>
-      <p:sp>
-        <p:nvSpPr>
-          <p:cNvPr id="3" name="TextBox 2">
-            <a:extLst>
-              <a:ext uri="{FF2B5EF4-FFF2-40B4-BE49-F238E27FC236}">
-                <a16:creationId xmlns:a16="http://schemas.microsoft.com/office/drawing/2014/main" id="{829FF87A-705E-B625-0420-C66C77A3A161}"/>
-              </a:ext>
-            </a:extLst>
-          </p:cNvPr>
-          <p:cNvSpPr txBox="1"/>
-          <p:nvPr/>
-        </p:nvSpPr>
-        <p:spPr>
-          <a:xfrm>
-            <a:off x="444500" y="1439332"/>
-            <a:ext cx="7222067" cy="1754326"/>
-          </a:xfrm>
-          <a:prstGeom prst="rect">
-            <a:avLst/>
-          </a:prstGeom>
-          <a:noFill/>
-        </p:spPr>
-        <p:txBody>
-          <a:bodyPr wrap="square" rtlCol="0">
-            <a:spAutoFit/>
-          </a:bodyPr>
-          <a:lstStyle/>
-          <a:p>
-            <a:r>
-              <a:rPr lang="en-US" dirty="0">
-                <a:solidFill>
-                  <a:schemeClr val="bg1"/>
-                </a:solidFill>
-              </a:rPr>
-              <a:t>In this project, we will work with multi-dimensional data. Given a potentially large set of d-dimensional points, where each point is represented as a d-dimensional vector, we need to detect interesting points. The project is based on the concept of dominance.</a:t>
-            </a:r>
-          </a:p>
-          <a:p>
-            <a:endParaRPr lang="en-US" dirty="0">
-              <a:solidFill>
-                <a:schemeClr val="bg1"/>
-              </a:solidFill>
-            </a:endParaRPr>
-          </a:p>
-          <a:p>
-            <a:r>
-              <a:rPr lang="en-US" dirty="0">
-                <a:solidFill>
-                  <a:schemeClr val="bg1"/>
-                </a:solidFill>
-              </a:rPr>
-              <a:t>The tasks are:</a:t>
-            </a:r>
-            <a:endParaRPr lang="en-150" dirty="0">
-              <a:solidFill>
-                <a:schemeClr val="bg1"/>
-              </a:solidFill>
-            </a:endParaRPr>
-          </a:p>
-        </p:txBody>
-      </p:sp>
-    </p:spTree>
-    <p:extLst>
-      <p:ext uri="{BB962C8B-B14F-4D97-AF65-F5344CB8AC3E}">
-        <p14:creationId xmlns:p14="http://schemas.microsoft.com/office/powerpoint/2010/main" val="3733486012"/>
-      </p:ext>
-    </p:extLst>
-  </p:cSld>
-  <p:clrMapOvr>
-    <a:masterClrMapping/>
-  </p:clrMapOvr>
-  <mc:AlternateContent xmlns:mc="http://schemas.openxmlformats.org/markup-compatibility/2006" xmlns:p14="http://schemas.microsoft.com/office/powerpoint/2010/main">
-    <mc:Choice Requires="p14">
-      <p:transition spd="med" p14:dur="700">
-        <p:fade/>
-      </p:transition>
-    </mc:Choice>
-    <mc:Fallback xmlns="">
-      <p:transition spd="med">
-        <p:fade/>
-      </p:transition>
-    </mc:Fallback>
-  </mc:AlternateContent>
-</p:sld>
-</file>
-
-<file path=ppt/slides/slide20.xml><?xml version="1.0" encoding="utf-8"?>
+<file path=ppt/slides/slide24.xml><?xml version="1.0" encoding="utf-8"?>
 <p:sld xmlns:a="http://schemas.openxmlformats.org/drawingml/2006/main" xmlns:r="http://schemas.openxmlformats.org/officeDocument/2006/relationships" xmlns:p="http://schemas.openxmlformats.org/presentationml/2006/main">
   <p:cSld>
     <p:spTree>
@@ -31870,7 +34175,7 @@
         </p:nvSpPr>
         <p:spPr>
           <a:xfrm>
-            <a:off x="386526" y="1681163"/>
+            <a:off x="386525" y="1438230"/>
             <a:ext cx="11418949" cy="823912"/>
           </a:xfrm>
         </p:spPr>
@@ -31914,30 +34219,509 @@
         </p:nvSpPr>
         <p:spPr>
           <a:xfrm>
-            <a:off x="6892801" y="2567781"/>
-            <a:ext cx="5157787" cy="3684588"/>
+            <a:off x="4223104" y="1967613"/>
+            <a:ext cx="7503778" cy="4037784"/>
           </a:xfrm>
         </p:spPr>
         <p:txBody>
-          <a:bodyPr/>
+          <a:bodyPr>
+            <a:noAutofit/>
+          </a:bodyPr>
           <a:lstStyle/>
           <a:p>
+            <a:pPr marL="0" lvl="0" indent="0" algn="just">
+              <a:spcBef>
+                <a:spcPts val="900"/>
+              </a:spcBef>
+              <a:spcAft>
+                <a:spcPts val="400"/>
+              </a:spcAft>
+              <a:buNone/>
+            </a:pPr>
             <a:r>
-              <a:rPr lang="en-US" dirty="0"/>
-              <a:t>Lorem ipsum dolor sit amet, consectetuer adipiscing elit. Maecenas porttitor congue massa. Fusce posuere, magna sed pulvinar ultricies, purus lectus malesuada libero, sit amet commodo magna eros quis urna. Nunc viverra imperdiet enim. Fusce est. Vivamus a tellus.</a:t>
+              <a:rPr lang="en-US" sz="1100" b="1" dirty="0">
+                <a:effectLst/>
+                <a:ea typeface="Times New Roman" panose="02020603050405020304" pitchFamily="18" charset="0"/>
+              </a:rPr>
+              <a:t>Implemented Algorithm</a:t>
+            </a:r>
+            <a:r>
+              <a:rPr lang="en-US" sz="1100" b="0" dirty="0">
+                <a:effectLst/>
+                <a:ea typeface="Times New Roman" panose="02020603050405020304" pitchFamily="18" charset="0"/>
+              </a:rPr>
+              <a:t> </a:t>
             </a:r>
           </a:p>
           <a:p>
+            <a:pPr marL="342900" lvl="0" indent="-342900" algn="just">
+              <a:spcBef>
+                <a:spcPts val="900"/>
+              </a:spcBef>
+              <a:spcAft>
+                <a:spcPts val="400"/>
+              </a:spcAft>
+              <a:buFont typeface="+mj-lt"/>
+              <a:buAutoNum type="arabicPeriod"/>
+            </a:pPr>
             <a:r>
-              <a:rPr lang="en-US" dirty="0"/>
-              <a:t>Pellentesque habitant morbi tristique senectus et netus et malesuada fames ac turpis egestas. Proin pharetra nonummy pede. Mauris et orci.</a:t>
+              <a:rPr lang="en-US" sz="1100" b="0" dirty="0">
+                <a:effectLst/>
+                <a:ea typeface="Times New Roman" panose="02020603050405020304" pitchFamily="18" charset="0"/>
+              </a:rPr>
+              <a:t>Load the dataset </a:t>
             </a:r>
+            <a:r>
+              <a:rPr lang="en-US" sz="1100" b="0" i="1" dirty="0">
+                <a:effectLst/>
+                <a:ea typeface="Times New Roman" panose="02020603050405020304" pitchFamily="18" charset="0"/>
+              </a:rPr>
+              <a:t>points</a:t>
+            </a:r>
+            <a:endParaRPr lang="el-GR" sz="1100" b="1" dirty="0">
+              <a:effectLst/>
+              <a:ea typeface="Times New Roman" panose="02020603050405020304" pitchFamily="18" charset="0"/>
+            </a:endParaRPr>
           </a:p>
           <a:p>
-            <a:endParaRPr lang="en-US" dirty="0"/>
+            <a:pPr marL="342900" lvl="0" indent="-342900" algn="just">
+              <a:spcBef>
+                <a:spcPts val="900"/>
+              </a:spcBef>
+              <a:spcAft>
+                <a:spcPts val="400"/>
+              </a:spcAft>
+              <a:buFont typeface="+mj-lt"/>
+              <a:buAutoNum type="arabicPeriod"/>
+            </a:pPr>
+            <a:r>
+              <a:rPr lang="en-US" sz="1100" b="0" dirty="0">
+                <a:effectLst/>
+                <a:ea typeface="Times New Roman" panose="02020603050405020304" pitchFamily="18" charset="0"/>
+              </a:rPr>
+              <a:t>Compute the skyline set with the algorithm described on Task 1 given the dataset </a:t>
+            </a:r>
+            <a:r>
+              <a:rPr lang="en-US" sz="1100" b="0" i="1" dirty="0">
+                <a:effectLst/>
+                <a:ea typeface="Times New Roman" panose="02020603050405020304" pitchFamily="18" charset="0"/>
+              </a:rPr>
+              <a:t>points</a:t>
+            </a:r>
+            <a:endParaRPr lang="el-GR" sz="1100" b="1" dirty="0">
+              <a:effectLst/>
+              <a:ea typeface="Times New Roman" panose="02020603050405020304" pitchFamily="18" charset="0"/>
+            </a:endParaRPr>
           </a:p>
           <a:p>
-            <a:endParaRPr lang="en-US" dirty="0"/>
+            <a:pPr marL="342900" lvl="0" indent="-342900" algn="just">
+              <a:spcBef>
+                <a:spcPts val="900"/>
+              </a:spcBef>
+              <a:spcAft>
+                <a:spcPts val="400"/>
+              </a:spcAft>
+              <a:buFont typeface="+mj-lt"/>
+              <a:buAutoNum type="arabicPeriod"/>
+            </a:pPr>
+            <a:r>
+              <a:rPr lang="en-US" sz="1100" b="0" dirty="0">
+                <a:effectLst/>
+                <a:ea typeface="Times New Roman" panose="02020603050405020304" pitchFamily="18" charset="0"/>
+              </a:rPr>
+              <a:t>For each one of the skyline points, calculate the number of points they dominate</a:t>
+            </a:r>
+            <a:endParaRPr lang="el-GR" sz="1100" b="1" dirty="0">
+              <a:effectLst/>
+              <a:ea typeface="Times New Roman" panose="02020603050405020304" pitchFamily="18" charset="0"/>
+            </a:endParaRPr>
+          </a:p>
+          <a:p>
+            <a:pPr marL="342900" lvl="0" indent="-342900" algn="just">
+              <a:spcBef>
+                <a:spcPts val="900"/>
+              </a:spcBef>
+              <a:spcAft>
+                <a:spcPts val="400"/>
+              </a:spcAft>
+              <a:buFont typeface="+mj-lt"/>
+              <a:buAutoNum type="arabicPeriod"/>
+            </a:pPr>
+            <a:r>
+              <a:rPr lang="en-US" sz="1100" b="0" dirty="0">
+                <a:effectLst/>
+                <a:ea typeface="Times New Roman" panose="02020603050405020304" pitchFamily="18" charset="0"/>
+              </a:rPr>
+              <a:t>Create a list </a:t>
+            </a:r>
+            <a:r>
+              <a:rPr lang="en-US" sz="1100" b="0" i="1" dirty="0">
+                <a:effectLst/>
+                <a:ea typeface="Times New Roman" panose="02020603050405020304" pitchFamily="18" charset="0"/>
+              </a:rPr>
+              <a:t>candidate_points</a:t>
+            </a:r>
+            <a:r>
+              <a:rPr lang="en-US" sz="1100" b="0" dirty="0">
+                <a:effectLst/>
+                <a:ea typeface="Times New Roman" panose="02020603050405020304" pitchFamily="18" charset="0"/>
+              </a:rPr>
+              <a:t> of candidate top points that is initialized to be equal to the skyline set gathered at step 2 along with their number of dominations</a:t>
+            </a:r>
+            <a:endParaRPr lang="el-GR" sz="1100" b="1" dirty="0">
+              <a:effectLst/>
+              <a:ea typeface="Times New Roman" panose="02020603050405020304" pitchFamily="18" charset="0"/>
+            </a:endParaRPr>
+          </a:p>
+          <a:p>
+            <a:pPr marL="342900" lvl="0" indent="-342900" algn="just">
+              <a:spcBef>
+                <a:spcPts val="900"/>
+              </a:spcBef>
+              <a:spcAft>
+                <a:spcPts val="400"/>
+              </a:spcAft>
+              <a:buFont typeface="+mj-lt"/>
+              <a:buAutoNum type="arabicPeriod"/>
+            </a:pPr>
+            <a:r>
+              <a:rPr lang="en-US" sz="1100" b="0" dirty="0">
+                <a:effectLst/>
+                <a:ea typeface="Times New Roman" panose="02020603050405020304" pitchFamily="18" charset="0"/>
+              </a:rPr>
+              <a:t>Create an empty list </a:t>
+            </a:r>
+            <a:r>
+              <a:rPr lang="en-US" sz="1100" b="0" i="1" dirty="0">
+                <a:effectLst/>
+                <a:ea typeface="Times New Roman" panose="02020603050405020304" pitchFamily="18" charset="0"/>
+              </a:rPr>
+              <a:t>top_points</a:t>
+            </a:r>
+            <a:r>
+              <a:rPr lang="en-US" sz="1100" b="0" dirty="0">
+                <a:effectLst/>
+                <a:ea typeface="Times New Roman" panose="02020603050405020304" pitchFamily="18" charset="0"/>
+              </a:rPr>
+              <a:t> of the top k points</a:t>
+            </a:r>
+            <a:endParaRPr lang="el-GR" sz="1100" b="1" dirty="0">
+              <a:effectLst/>
+              <a:ea typeface="Times New Roman" panose="02020603050405020304" pitchFamily="18" charset="0"/>
+            </a:endParaRPr>
+          </a:p>
+          <a:p>
+            <a:pPr marL="342900" lvl="0" indent="-342900" algn="just">
+              <a:spcBef>
+                <a:spcPts val="900"/>
+              </a:spcBef>
+              <a:spcAft>
+                <a:spcPts val="400"/>
+              </a:spcAft>
+              <a:buFont typeface="+mj-lt"/>
+              <a:buAutoNum type="arabicPeriod"/>
+            </a:pPr>
+            <a:r>
+              <a:rPr lang="en-US" sz="1100" b="0" dirty="0">
+                <a:effectLst/>
+                <a:ea typeface="Times New Roman" panose="02020603050405020304" pitchFamily="18" charset="0"/>
+              </a:rPr>
+              <a:t>Sort the </a:t>
+            </a:r>
+            <a:r>
+              <a:rPr lang="en-US" sz="1100" b="0" i="1" dirty="0">
+                <a:effectLst/>
+                <a:ea typeface="Times New Roman" panose="02020603050405020304" pitchFamily="18" charset="0"/>
+              </a:rPr>
+              <a:t>candidate_points</a:t>
+            </a:r>
+            <a:r>
+              <a:rPr lang="en-US" sz="1100" b="0" dirty="0">
+                <a:effectLst/>
+                <a:ea typeface="Times New Roman" panose="02020603050405020304" pitchFamily="18" charset="0"/>
+              </a:rPr>
+              <a:t> list by the number of dominations in descending order</a:t>
+            </a:r>
+            <a:endParaRPr lang="el-GR" sz="1100" b="1" dirty="0">
+              <a:effectLst/>
+              <a:ea typeface="Times New Roman" panose="02020603050405020304" pitchFamily="18" charset="0"/>
+            </a:endParaRPr>
+          </a:p>
+          <a:p>
+            <a:pPr marL="342900" lvl="0" indent="-342900" algn="just">
+              <a:spcBef>
+                <a:spcPts val="900"/>
+              </a:spcBef>
+              <a:spcAft>
+                <a:spcPts val="400"/>
+              </a:spcAft>
+              <a:buFont typeface="+mj-lt"/>
+              <a:buAutoNum type="arabicPeriod"/>
+            </a:pPr>
+            <a:r>
+              <a:rPr lang="en-US" sz="1100" b="0" dirty="0">
+                <a:effectLst/>
+                <a:ea typeface="Times New Roman" panose="02020603050405020304" pitchFamily="18" charset="0"/>
+              </a:rPr>
+              <a:t>Get the first element </a:t>
+            </a:r>
+            <a:r>
+              <a:rPr lang="en-US" sz="1100" b="0" i="1" dirty="0">
+                <a:effectLst/>
+                <a:ea typeface="Times New Roman" panose="02020603050405020304" pitchFamily="18" charset="0"/>
+              </a:rPr>
+              <a:t>top_point</a:t>
+            </a:r>
+            <a:r>
+              <a:rPr lang="en-US" sz="1100" b="0" dirty="0">
+                <a:effectLst/>
+                <a:ea typeface="Times New Roman" panose="02020603050405020304" pitchFamily="18" charset="0"/>
+              </a:rPr>
+              <a:t> of the </a:t>
+            </a:r>
+            <a:r>
+              <a:rPr lang="en-US" sz="1100" b="0" i="1" dirty="0">
+                <a:effectLst/>
+                <a:ea typeface="Times New Roman" panose="02020603050405020304" pitchFamily="18" charset="0"/>
+              </a:rPr>
+              <a:t>candidate_points</a:t>
+            </a:r>
+            <a:r>
+              <a:rPr lang="en-US" sz="1100" b="0" dirty="0">
+                <a:effectLst/>
+                <a:ea typeface="Times New Roman" panose="02020603050405020304" pitchFamily="18" charset="0"/>
+              </a:rPr>
+              <a:t> list, add it to the </a:t>
+            </a:r>
+            <a:r>
+              <a:rPr lang="en-US" sz="1100" b="0" i="1" dirty="0">
+                <a:effectLst/>
+                <a:ea typeface="Times New Roman" panose="02020603050405020304" pitchFamily="18" charset="0"/>
+              </a:rPr>
+              <a:t>top_points</a:t>
+            </a:r>
+            <a:r>
+              <a:rPr lang="en-US" sz="1100" b="0" dirty="0">
+                <a:effectLst/>
+                <a:ea typeface="Times New Roman" panose="02020603050405020304" pitchFamily="18" charset="0"/>
+              </a:rPr>
+              <a:t> list and remove it from the dataset </a:t>
+            </a:r>
+            <a:r>
+              <a:rPr lang="en-US" sz="1100" b="0" i="1" dirty="0">
+                <a:effectLst/>
+                <a:ea typeface="Times New Roman" panose="02020603050405020304" pitchFamily="18" charset="0"/>
+              </a:rPr>
+              <a:t>points</a:t>
+            </a:r>
+            <a:endParaRPr lang="el-GR" sz="1100" b="1" dirty="0">
+              <a:effectLst/>
+              <a:ea typeface="Times New Roman" panose="02020603050405020304" pitchFamily="18" charset="0"/>
+            </a:endParaRPr>
+          </a:p>
+          <a:p>
+            <a:pPr marL="342900" lvl="0" indent="-342900" algn="just">
+              <a:spcBef>
+                <a:spcPts val="900"/>
+              </a:spcBef>
+              <a:spcAft>
+                <a:spcPts val="400"/>
+              </a:spcAft>
+              <a:buFont typeface="+mj-lt"/>
+              <a:buAutoNum type="arabicPeriod"/>
+            </a:pPr>
+            <a:r>
+              <a:rPr lang="en-US" sz="1100" b="0" dirty="0">
+                <a:effectLst/>
+                <a:ea typeface="Times New Roman" panose="02020603050405020304" pitchFamily="18" charset="0"/>
+              </a:rPr>
+              <a:t>Create a list </a:t>
+            </a:r>
+            <a:r>
+              <a:rPr lang="en-US" sz="1100" b="0" i="1" dirty="0">
+                <a:effectLst/>
+                <a:ea typeface="Times New Roman" panose="02020603050405020304" pitchFamily="18" charset="0"/>
+              </a:rPr>
+              <a:t>dominated_points</a:t>
+            </a:r>
+            <a:r>
+              <a:rPr lang="en-US" sz="1100" b="0" dirty="0">
+                <a:effectLst/>
+                <a:ea typeface="Times New Roman" panose="02020603050405020304" pitchFamily="18" charset="0"/>
+              </a:rPr>
+              <a:t> that contains all the points dominated by the </a:t>
+            </a:r>
+            <a:r>
+              <a:rPr lang="en-US" sz="1100" b="0" i="1" dirty="0">
+                <a:effectLst/>
+                <a:ea typeface="Times New Roman" panose="02020603050405020304" pitchFamily="18" charset="0"/>
+              </a:rPr>
+              <a:t>top_point</a:t>
+            </a:r>
+            <a:r>
+              <a:rPr lang="en-US" sz="1100" b="0" dirty="0">
+                <a:effectLst/>
+                <a:ea typeface="Times New Roman" panose="02020603050405020304" pitchFamily="18" charset="0"/>
+              </a:rPr>
+              <a:t> excluding itself and the points in the list </a:t>
+            </a:r>
+            <a:r>
+              <a:rPr lang="en-US" sz="1100" b="0" i="1" dirty="0">
+                <a:effectLst/>
+                <a:ea typeface="Times New Roman" panose="02020603050405020304" pitchFamily="18" charset="0"/>
+              </a:rPr>
+              <a:t>top_points</a:t>
+            </a:r>
+            <a:r>
+              <a:rPr lang="en-US" sz="1100" b="0" dirty="0">
+                <a:effectLst/>
+                <a:ea typeface="Times New Roman" panose="02020603050405020304" pitchFamily="18" charset="0"/>
+              </a:rPr>
+              <a:t>.</a:t>
+            </a:r>
+            <a:endParaRPr lang="el-GR" sz="1100" b="1" dirty="0">
+              <a:effectLst/>
+              <a:ea typeface="Times New Roman" panose="02020603050405020304" pitchFamily="18" charset="0"/>
+            </a:endParaRPr>
+          </a:p>
+          <a:p>
+            <a:pPr marL="342900" lvl="0" indent="-342900" algn="just">
+              <a:spcBef>
+                <a:spcPts val="900"/>
+              </a:spcBef>
+              <a:spcAft>
+                <a:spcPts val="400"/>
+              </a:spcAft>
+              <a:buFont typeface="+mj-lt"/>
+              <a:buAutoNum type="arabicPeriod"/>
+            </a:pPr>
+            <a:r>
+              <a:rPr lang="en-US" sz="1100" b="0" dirty="0">
+                <a:effectLst/>
+                <a:ea typeface="Times New Roman" panose="02020603050405020304" pitchFamily="18" charset="0"/>
+              </a:rPr>
+              <a:t>Compute the skyline points of the </a:t>
+            </a:r>
+            <a:r>
+              <a:rPr lang="en-US" sz="1100" b="0" i="1" dirty="0">
+                <a:effectLst/>
+                <a:ea typeface="Times New Roman" panose="02020603050405020304" pitchFamily="18" charset="0"/>
+              </a:rPr>
+              <a:t>dominated_points</a:t>
+            </a:r>
+            <a:r>
+              <a:rPr lang="en-US" sz="1100" b="0" dirty="0">
+                <a:effectLst/>
+                <a:ea typeface="Times New Roman" panose="02020603050405020304" pitchFamily="18" charset="0"/>
+              </a:rPr>
+              <a:t> list, using the algorithm described on task 1 and count the number of dominations for each one of them</a:t>
+            </a:r>
+            <a:endParaRPr lang="el-GR" sz="1100" b="1" dirty="0">
+              <a:effectLst/>
+              <a:ea typeface="Times New Roman" panose="02020603050405020304" pitchFamily="18" charset="0"/>
+            </a:endParaRPr>
+          </a:p>
+          <a:p>
+            <a:pPr marL="342900" lvl="0" indent="-342900" algn="just">
+              <a:spcBef>
+                <a:spcPts val="900"/>
+              </a:spcBef>
+              <a:spcAft>
+                <a:spcPts val="400"/>
+              </a:spcAft>
+              <a:buFont typeface="+mj-lt"/>
+              <a:buAutoNum type="arabicPeriod"/>
+            </a:pPr>
+            <a:r>
+              <a:rPr lang="en-US" sz="1100" b="0" dirty="0">
+                <a:effectLst/>
+                <a:ea typeface="Times New Roman" panose="02020603050405020304" pitchFamily="18" charset="0"/>
+              </a:rPr>
+              <a:t>Add the skylines points of the </a:t>
+            </a:r>
+            <a:r>
+              <a:rPr lang="en-US" sz="1100" b="0" i="1" dirty="0">
+                <a:effectLst/>
+                <a:ea typeface="Times New Roman" panose="02020603050405020304" pitchFamily="18" charset="0"/>
+              </a:rPr>
+              <a:t>dominated_points </a:t>
+            </a:r>
+            <a:r>
+              <a:rPr lang="en-US" sz="1100" b="0" dirty="0">
+                <a:effectLst/>
+                <a:ea typeface="Times New Roman" panose="02020603050405020304" pitchFamily="18" charset="0"/>
+              </a:rPr>
+              <a:t>list along with their dominations in the </a:t>
+            </a:r>
+            <a:r>
+              <a:rPr lang="en-US" sz="1100" b="0" i="1" dirty="0">
+                <a:effectLst/>
+                <a:ea typeface="Times New Roman" panose="02020603050405020304" pitchFamily="18" charset="0"/>
+              </a:rPr>
+              <a:t>candidate_points</a:t>
+            </a:r>
+            <a:r>
+              <a:rPr lang="en-US" sz="1100" b="0" dirty="0">
+                <a:effectLst/>
+                <a:ea typeface="Times New Roman" panose="02020603050405020304" pitchFamily="18" charset="0"/>
+              </a:rPr>
+              <a:t> list</a:t>
+            </a:r>
+            <a:endParaRPr lang="el-GR" sz="1100" b="1" dirty="0">
+              <a:effectLst/>
+              <a:ea typeface="Times New Roman" panose="02020603050405020304" pitchFamily="18" charset="0"/>
+            </a:endParaRPr>
+          </a:p>
+          <a:p>
+            <a:pPr marL="342900" lvl="0" indent="-342900" algn="just">
+              <a:spcBef>
+                <a:spcPts val="900"/>
+              </a:spcBef>
+              <a:spcAft>
+                <a:spcPts val="400"/>
+              </a:spcAft>
+              <a:buFont typeface="+mj-lt"/>
+              <a:buAutoNum type="arabicPeriod"/>
+            </a:pPr>
+            <a:r>
+              <a:rPr lang="en-US" sz="1100" b="0" dirty="0">
+                <a:effectLst/>
+                <a:ea typeface="Times New Roman" panose="02020603050405020304" pitchFamily="18" charset="0"/>
+              </a:rPr>
+              <a:t>If the length of the </a:t>
+            </a:r>
+            <a:r>
+              <a:rPr lang="en-US" sz="1100" b="0" i="1" dirty="0">
+                <a:effectLst/>
+                <a:ea typeface="Times New Roman" panose="02020603050405020304" pitchFamily="18" charset="0"/>
+              </a:rPr>
+              <a:t>candidate_points</a:t>
+            </a:r>
+            <a:r>
+              <a:rPr lang="en-US" sz="1100" b="0" dirty="0">
+                <a:effectLst/>
+                <a:ea typeface="Times New Roman" panose="02020603050405020304" pitchFamily="18" charset="0"/>
+              </a:rPr>
+              <a:t> list is zero or we got the top k points then return </a:t>
+            </a:r>
+            <a:r>
+              <a:rPr lang="en-US" sz="1100" b="0" i="1" dirty="0">
+                <a:effectLst/>
+                <a:ea typeface="Times New Roman" panose="02020603050405020304" pitchFamily="18" charset="0"/>
+              </a:rPr>
+              <a:t>top_points</a:t>
+            </a:r>
+            <a:r>
+              <a:rPr lang="en-US" sz="1100" b="0" dirty="0">
+                <a:effectLst/>
+                <a:ea typeface="Times New Roman" panose="02020603050405020304" pitchFamily="18" charset="0"/>
+              </a:rPr>
+              <a:t> list else go to step 6</a:t>
+            </a:r>
+            <a:endParaRPr lang="el-GR" sz="1100" b="1" dirty="0">
+              <a:effectLst/>
+              <a:ea typeface="Times New Roman" panose="02020603050405020304" pitchFamily="18" charset="0"/>
+            </a:endParaRPr>
           </a:p>
         </p:txBody>
       </p:sp>
@@ -32045,10 +34829,10 @@
       </p:grpSpPr>
       <p:sp>
         <p:nvSpPr>
-          <p:cNvPr id="4" name="Title 3">
+          <p:cNvPr id="2" name="Τίτλος 1">
             <a:extLst>
               <a:ext uri="{FF2B5EF4-FFF2-40B4-BE49-F238E27FC236}">
-                <a16:creationId xmlns:a16="http://schemas.microsoft.com/office/drawing/2014/main" id="{315E3981-F0D7-482C-A8E0-6A57700BECA7}"/>
+                <a16:creationId xmlns:a16="http://schemas.microsoft.com/office/drawing/2014/main" id="{A6F23DA2-8C28-CC7D-B19C-5A54995DFB0A}"/>
               </a:ext>
             </a:extLst>
           </p:cNvPr>
@@ -32059,24 +34843,30 @@
             <p:ph type="title"/>
           </p:nvPr>
         </p:nvSpPr>
-        <p:spPr/>
+        <p:spPr>
+          <a:xfrm>
+            <a:off x="444500" y="542925"/>
+            <a:ext cx="11214100" cy="535531"/>
+          </a:xfrm>
+        </p:spPr>
         <p:txBody>
           <a:bodyPr/>
           <a:lstStyle/>
           <a:p>
             <a:r>
               <a:rPr lang="en-US" dirty="0"/>
-              <a:t>Task 2</a:t>
+              <a:t>Top 2 points example</a:t>
             </a:r>
+            <a:endParaRPr lang="el-GR" dirty="0"/>
           </a:p>
         </p:txBody>
       </p:sp>
       <p:sp>
         <p:nvSpPr>
-          <p:cNvPr id="2" name="Slide Number Placeholder 1">
+          <p:cNvPr id="3" name="Θέση αριθμού διαφάνειας 2">
             <a:extLst>
               <a:ext uri="{FF2B5EF4-FFF2-40B4-BE49-F238E27FC236}">
-                <a16:creationId xmlns:a16="http://schemas.microsoft.com/office/drawing/2014/main" id="{520FC4EE-F318-4344-9E3C-B950ADB63865}"/>
+                <a16:creationId xmlns:a16="http://schemas.microsoft.com/office/drawing/2014/main" id="{D641B237-C610-F2A4-99F9-5C44C21A7B66}"/>
               </a:ext>
             </a:extLst>
           </p:cNvPr>
@@ -32093,169 +34883,300 @@
           <a:lstStyle/>
           <a:p>
             <a:fld id="{C263D6C4-4840-40CC-AC84-17E24B3B7BDE}" type="slidenum">
-              <a:rPr lang="en-US" smtClean="0"/>
+              <a:rPr lang="en-US" noProof="0" smtClean="0"/>
               <a:pPr/>
               <a:t>9</a:t>
             </a:fld>
-            <a:endParaRPr lang="en-US" dirty="0"/>
+            <a:endParaRPr lang="en-US" noProof="0" dirty="0"/>
           </a:p>
         </p:txBody>
       </p:sp>
-      <p:sp>
-        <p:nvSpPr>
-          <p:cNvPr id="7" name="Text Placeholder 6">
+      <p:pic>
+        <p:nvPicPr>
+          <p:cNvPr id="9" name="Εικόνα 8">
             <a:extLst>
               <a:ext uri="{FF2B5EF4-FFF2-40B4-BE49-F238E27FC236}">
-                <a16:creationId xmlns:a16="http://schemas.microsoft.com/office/drawing/2014/main" id="{B74126B4-1E6C-4FFF-9282-40E18A85A07F}"/>
+                <a16:creationId xmlns:a16="http://schemas.microsoft.com/office/drawing/2014/main" id="{0D157B8C-BFA1-28D7-B5FE-ACD766EC772A}"/>
               </a:ext>
             </a:extLst>
           </p:cNvPr>
-          <p:cNvSpPr>
-            <a:spLocks noGrp="1"/>
-          </p:cNvSpPr>
-          <p:nvPr>
-            <p:ph type="body" sz="quarter" idx="1"/>
-          </p:nvPr>
-        </p:nvSpPr>
-        <p:spPr/>
-        <p:txBody>
-          <a:bodyPr/>
-          <a:lstStyle/>
-          <a:p>
-            <a:r>
-              <a:rPr lang="en-US" dirty="0"/>
-              <a:t>Lorem ipsum dolor sit amet</a:t>
-            </a:r>
-          </a:p>
-        </p:txBody>
-      </p:sp>
+          <p:cNvPicPr>
+            <a:picLocks noChangeAspect="1"/>
+          </p:cNvPicPr>
+          <p:nvPr/>
+        </p:nvPicPr>
+        <p:blipFill>
+          <a:blip r:embed="rId2"/>
+          <a:stretch>
+            <a:fillRect/>
+          </a:stretch>
+        </p:blipFill>
+        <p:spPr>
+          <a:xfrm>
+            <a:off x="444500" y="1350793"/>
+            <a:ext cx="6703358" cy="5433248"/>
+          </a:xfrm>
+          <a:prstGeom prst="rect">
+            <a:avLst/>
+          </a:prstGeom>
+        </p:spPr>
+      </p:pic>
       <p:sp>
         <p:nvSpPr>
-          <p:cNvPr id="5" name="Text Placeholder 4">
+          <p:cNvPr id="10" name="TextBox 9">
             <a:extLst>
               <a:ext uri="{FF2B5EF4-FFF2-40B4-BE49-F238E27FC236}">
-                <a16:creationId xmlns:a16="http://schemas.microsoft.com/office/drawing/2014/main" id="{E0C87788-476B-4620-8002-A5C1177AD6C1}"/>
+                <a16:creationId xmlns:a16="http://schemas.microsoft.com/office/drawing/2014/main" id="{9CEF2B1F-6A04-E030-3B9B-D56E893BAF76}"/>
               </a:ext>
             </a:extLst>
           </p:cNvPr>
-          <p:cNvSpPr>
-            <a:spLocks noGrp="1"/>
-          </p:cNvSpPr>
-          <p:nvPr>
-            <p:ph type="body" sz="quarter" idx="3"/>
-          </p:nvPr>
+          <p:cNvSpPr txBox="1"/>
+          <p:nvPr/>
         </p:nvSpPr>
-        <p:spPr/>
+        <p:spPr>
+          <a:xfrm>
+            <a:off x="7371228" y="1693690"/>
+            <a:ext cx="4587690" cy="4637167"/>
+          </a:xfrm>
+          <a:prstGeom prst="rect">
+            <a:avLst/>
+          </a:prstGeom>
+          <a:noFill/>
+        </p:spPr>
         <p:txBody>
-          <a:bodyPr/>
+          <a:bodyPr wrap="square" rtlCol="0">
+            <a:spAutoFit/>
+          </a:bodyPr>
           <a:lstStyle/>
           <a:p>
+            <a:pPr marL="342900" indent="-342900" algn="just">
+              <a:spcBef>
+                <a:spcPts val="900"/>
+              </a:spcBef>
+              <a:spcAft>
+                <a:spcPts val="400"/>
+              </a:spcAft>
+              <a:buFont typeface="+mj-lt"/>
+              <a:buAutoNum type="arabicPeriod"/>
+            </a:pPr>
             <a:r>
-              <a:rPr lang="en-US" dirty="0"/>
-              <a:t>Lorem ipsum dolor sit amet</a:t>
+              <a:rPr lang="en-US" sz="1800" b="0" dirty="0">
+                <a:solidFill>
+                  <a:schemeClr val="bg1"/>
+                </a:solidFill>
+                <a:effectLst/>
+                <a:ea typeface="Times New Roman" panose="02020603050405020304" pitchFamily="18" charset="0"/>
+              </a:rPr>
+              <a:t>Load the dataset </a:t>
             </a:r>
+            <a:r>
+              <a:rPr lang="en-US" sz="1800" b="0" i="1" dirty="0">
+                <a:solidFill>
+                  <a:schemeClr val="bg1"/>
+                </a:solidFill>
+                <a:effectLst/>
+                <a:ea typeface="Times New Roman" panose="02020603050405020304" pitchFamily="18" charset="0"/>
+              </a:rPr>
+              <a:t>points</a:t>
+            </a:r>
+            <a:endParaRPr lang="en-US" sz="1800" b="0" dirty="0">
+              <a:solidFill>
+                <a:schemeClr val="bg1"/>
+              </a:solidFill>
+              <a:effectLst/>
+              <a:ea typeface="Times New Roman" panose="02020603050405020304" pitchFamily="18" charset="0"/>
+            </a:endParaRPr>
           </a:p>
-        </p:txBody>
-      </p:sp>
-      <p:sp>
-        <p:nvSpPr>
-          <p:cNvPr id="8" name="Text Placeholder 7">
-            <a:extLst>
-              <a:ext uri="{FF2B5EF4-FFF2-40B4-BE49-F238E27FC236}">
-                <a16:creationId xmlns:a16="http://schemas.microsoft.com/office/drawing/2014/main" id="{47DC4E62-1A34-4F98-A451-214F1808519C}"/>
-              </a:ext>
-            </a:extLst>
-          </p:cNvPr>
-          <p:cNvSpPr>
-            <a:spLocks noGrp="1"/>
-          </p:cNvSpPr>
-          <p:nvPr>
-            <p:ph type="body" sz="quarter" idx="2"/>
-          </p:nvPr>
-        </p:nvSpPr>
-        <p:spPr/>
-        <p:txBody>
-          <a:bodyPr/>
-          <a:lstStyle/>
           <a:p>
+            <a:pPr marL="342900" lvl="0" indent="-342900" algn="just">
+              <a:spcBef>
+                <a:spcPts val="900"/>
+              </a:spcBef>
+              <a:spcAft>
+                <a:spcPts val="400"/>
+              </a:spcAft>
+              <a:buFont typeface="+mj-lt"/>
+              <a:buAutoNum type="arabicPeriod"/>
+            </a:pPr>
             <a:r>
-              <a:rPr lang="en-US" dirty="0"/>
-              <a:t>Lorem ipsum dolor sit amet, consectetuer adipiscing elit. Maecenas porttitor congue massa. Fusce posuere, magna sed pulvinar ultricies, purus lectus malesuada libero, sit amet commodo magna eros quis urna. Nunc viverra imperdiet enim. Fusce est. Vivamus a tellus.</a:t>
+              <a:rPr lang="en-US" sz="1800" b="0" dirty="0">
+                <a:solidFill>
+                  <a:schemeClr val="bg1"/>
+                </a:solidFill>
+                <a:effectLst/>
+                <a:ea typeface="Times New Roman" panose="02020603050405020304" pitchFamily="18" charset="0"/>
+              </a:rPr>
+              <a:t>Compute the skyline set with the algorithm described on Task 1 given the dataset </a:t>
+            </a:r>
+            <a:r>
+              <a:rPr lang="en-US" sz="1800" b="0" i="1" dirty="0">
+                <a:solidFill>
+                  <a:schemeClr val="bg1"/>
+                </a:solidFill>
+                <a:effectLst/>
+                <a:ea typeface="Times New Roman" panose="02020603050405020304" pitchFamily="18" charset="0"/>
+              </a:rPr>
+              <a:t>points</a:t>
+            </a:r>
+            <a:endParaRPr lang="el-GR" sz="1800" b="1" dirty="0">
+              <a:solidFill>
+                <a:schemeClr val="bg1"/>
+              </a:solidFill>
+              <a:effectLst/>
+              <a:ea typeface="Times New Roman" panose="02020603050405020304" pitchFamily="18" charset="0"/>
+            </a:endParaRPr>
+          </a:p>
+          <a:p>
+            <a:pPr marL="342900" lvl="0" indent="-342900" algn="just">
+              <a:spcBef>
+                <a:spcPts val="900"/>
+              </a:spcBef>
+              <a:spcAft>
+                <a:spcPts val="400"/>
+              </a:spcAft>
+              <a:buFont typeface="+mj-lt"/>
+              <a:buAutoNum type="arabicPeriod"/>
+            </a:pPr>
+            <a:r>
+              <a:rPr lang="en-US" sz="1800" b="0" dirty="0">
+                <a:solidFill>
+                  <a:schemeClr val="bg1"/>
+                </a:solidFill>
+                <a:effectLst/>
+                <a:ea typeface="Times New Roman" panose="02020603050405020304" pitchFamily="18" charset="0"/>
+              </a:rPr>
+              <a:t>For each one of the skyline points, calculate the number of points they dominate</a:t>
             </a:r>
           </a:p>
           <a:p>
+            <a:pPr marL="342900" indent="-342900" algn="just">
+              <a:spcBef>
+                <a:spcPts val="900"/>
+              </a:spcBef>
+              <a:spcAft>
+                <a:spcPts val="400"/>
+              </a:spcAft>
+              <a:buFont typeface="+mj-lt"/>
+              <a:buAutoNum type="arabicPeriod"/>
+            </a:pPr>
             <a:r>
-              <a:rPr lang="en-US" dirty="0"/>
-              <a:t>Pellentesque habitant morbi tristique senectus et netus et malesuada fames ac turpis egestas. Proin pharetra nonummy pede. Mauris et orci.</a:t>
+              <a:rPr lang="en-US" sz="1800" b="0" dirty="0">
+                <a:solidFill>
+                  <a:schemeClr val="bg1"/>
+                </a:solidFill>
+                <a:effectLst/>
+                <a:ea typeface="Times New Roman" panose="02020603050405020304" pitchFamily="18" charset="0"/>
+              </a:rPr>
+              <a:t>Create a list </a:t>
+            </a:r>
+            <a:r>
+              <a:rPr lang="en-US" sz="1800" b="0" i="1" dirty="0">
+                <a:solidFill>
+                  <a:schemeClr val="accent1">
+                    <a:lumMod val="40000"/>
+                    <a:lumOff val="60000"/>
+                  </a:schemeClr>
+                </a:solidFill>
+                <a:effectLst/>
+                <a:ea typeface="Times New Roman" panose="02020603050405020304" pitchFamily="18" charset="0"/>
+              </a:rPr>
+              <a:t>candidate_points </a:t>
+            </a:r>
+            <a:r>
+              <a:rPr lang="en-US" sz="1800" b="0" dirty="0">
+                <a:solidFill>
+                  <a:schemeClr val="accent1">
+                    <a:lumMod val="40000"/>
+                    <a:lumOff val="60000"/>
+                  </a:schemeClr>
+                </a:solidFill>
+                <a:effectLst/>
+                <a:ea typeface="Times New Roman" panose="02020603050405020304" pitchFamily="18" charset="0"/>
+              </a:rPr>
+              <a:t>(blue points) </a:t>
+            </a:r>
+            <a:r>
+              <a:rPr lang="en-US" sz="1800" b="0" dirty="0">
+                <a:solidFill>
+                  <a:schemeClr val="bg1"/>
+                </a:solidFill>
+                <a:effectLst/>
+                <a:ea typeface="Times New Roman" panose="02020603050405020304" pitchFamily="18" charset="0"/>
+              </a:rPr>
+              <a:t>of candidate top points that is initialized to be equal to the skyline set gathered at step 2 along with their number of dominations</a:t>
             </a:r>
           </a:p>
           <a:p>
-            <a:endParaRPr lang="en-US" dirty="0"/>
-          </a:p>
-          <a:p>
-            <a:endParaRPr lang="en-US" dirty="0"/>
-          </a:p>
-        </p:txBody>
-      </p:sp>
-      <p:sp>
-        <p:nvSpPr>
-          <p:cNvPr id="6" name="Text Placeholder 5">
-            <a:extLst>
-              <a:ext uri="{FF2B5EF4-FFF2-40B4-BE49-F238E27FC236}">
-                <a16:creationId xmlns:a16="http://schemas.microsoft.com/office/drawing/2014/main" id="{000A9570-5EF6-4AFB-9FCA-7C8998E3FEB1}"/>
-              </a:ext>
-            </a:extLst>
-          </p:cNvPr>
-          <p:cNvSpPr>
-            <a:spLocks noGrp="1"/>
-          </p:cNvSpPr>
-          <p:nvPr>
-            <p:ph type="body" sz="quarter" idx="4"/>
-          </p:nvPr>
-        </p:nvSpPr>
-        <p:spPr/>
-        <p:txBody>
-          <a:bodyPr/>
-          <a:lstStyle/>
-          <a:p>
+            <a:pPr marL="342900" indent="-342900" algn="just">
+              <a:spcBef>
+                <a:spcPts val="900"/>
+              </a:spcBef>
+              <a:spcAft>
+                <a:spcPts val="400"/>
+              </a:spcAft>
+              <a:buFont typeface="+mj-lt"/>
+              <a:buAutoNum type="arabicPeriod"/>
+            </a:pPr>
             <a:r>
-              <a:rPr lang="en-US" dirty="0"/>
-              <a:t>Lorem ipsum dolor sit amet, consectetuer adipiscing elit. Maecenas porttitor congue massa. Fusce posuere, magna sed pulvinar ultricies, purus lectus malesuada libero, sit amet commodo magna eros quis urna. Nunc viverra imperdiet enim. Fusce est. Vivamus a tellus.</a:t>
+              <a:rPr lang="en-US" sz="1800" b="0" dirty="0">
+                <a:solidFill>
+                  <a:schemeClr val="bg1"/>
+                </a:solidFill>
+                <a:effectLst/>
+                <a:ea typeface="Times New Roman" panose="02020603050405020304" pitchFamily="18" charset="0"/>
+              </a:rPr>
+              <a:t>Create an empty list </a:t>
             </a:r>
-          </a:p>
-          <a:p>
             <a:r>
-              <a:rPr lang="en-US" dirty="0"/>
-              <a:t>Pellentesque habitant morbi tristique senectus et netus et malesuada fames ac turpis egestas. Proin pharetra nonummy pede. Mauris et orci.</a:t>
+              <a:rPr lang="en-US" sz="1800" b="0" i="1" dirty="0">
+                <a:solidFill>
+                  <a:srgbClr val="92D050"/>
+                </a:solidFill>
+                <a:effectLst/>
+                <a:ea typeface="Times New Roman" panose="02020603050405020304" pitchFamily="18" charset="0"/>
+              </a:rPr>
+              <a:t>top_points (green points)</a:t>
             </a:r>
-          </a:p>
-          <a:p>
-            <a:endParaRPr lang="en-US" dirty="0"/>
+            <a:r>
+              <a:rPr lang="en-US" sz="1800" b="0" dirty="0">
+                <a:solidFill>
+                  <a:srgbClr val="92D050"/>
+                </a:solidFill>
+                <a:effectLst/>
+                <a:ea typeface="Times New Roman" panose="02020603050405020304" pitchFamily="18" charset="0"/>
+              </a:rPr>
+              <a:t> </a:t>
+            </a:r>
+            <a:r>
+              <a:rPr lang="en-US" sz="1800" b="0" dirty="0">
+                <a:solidFill>
+                  <a:schemeClr val="bg1"/>
+                </a:solidFill>
+                <a:effectLst/>
+                <a:ea typeface="Times New Roman" panose="02020603050405020304" pitchFamily="18" charset="0"/>
+              </a:rPr>
+              <a:t>of the top k points</a:t>
+            </a:r>
+            <a:endParaRPr lang="el-GR" sz="1800" b="1" dirty="0">
+              <a:solidFill>
+                <a:schemeClr val="bg1"/>
+              </a:solidFill>
+              <a:effectLst/>
+              <a:ea typeface="Times New Roman" panose="02020603050405020304" pitchFamily="18" charset="0"/>
+            </a:endParaRPr>
           </a:p>
         </p:txBody>
       </p:sp>
     </p:spTree>
     <p:extLst>
       <p:ext uri="{BB962C8B-B14F-4D97-AF65-F5344CB8AC3E}">
-        <p14:creationId xmlns:p14="http://schemas.microsoft.com/office/powerpoint/2010/main" val="458156879"/>
+        <p14:creationId xmlns:p14="http://schemas.microsoft.com/office/powerpoint/2010/main" val="3520210473"/>
       </p:ext>
     </p:extLst>
   </p:cSld>
   <p:clrMapOvr>
     <a:masterClrMapping/>
   </p:clrMapOvr>
-  <mc:AlternateContent xmlns:mc="http://schemas.openxmlformats.org/markup-compatibility/2006" xmlns:p14="http://schemas.microsoft.com/office/powerpoint/2010/main">
-    <mc:Choice Requires="p14">
-      <p:transition spd="med" p14:dur="700">
-        <p:fade/>
-      </p:transition>
-    </mc:Choice>
-    <mc:Fallback xmlns="">
-      <p:transition spd="med">
-        <p:fade/>
-      </p:transition>
-    </mc:Fallback>
-  </mc:AlternateContent>
 </p:sld>
 </file>
 
@@ -33051,6 +35972,14 @@
 </file>
 
 <file path=customXml/item1.xml><?xml version="1.0" encoding="utf-8"?>
+<p:properties xmlns:p="http://schemas.microsoft.com/office/2006/metadata/properties" xmlns:xsi="http://www.w3.org/2001/XMLSchema-instance" xmlns:pc="http://schemas.microsoft.com/office/infopath/2007/PartnerControls">
+  <documentManagement>
+    <MediaServiceKeyPoints xmlns="71af3243-3dd4-4a8d-8c0d-dd76da1f02a5" xsi:nil="true"/>
+  </documentManagement>
+</p:properties>
+</file>
+
+<file path=customXml/item2.xml><?xml version="1.0" encoding="utf-8"?>
 <ct:contentTypeSchema xmlns:ct="http://schemas.microsoft.com/office/2006/metadata/contentType" xmlns:ma="http://schemas.microsoft.com/office/2006/metadata/properties/metaAttributes" ct:_="" ma:_="" ma:contentTypeName="Document" ma:contentTypeID="0x01010079F111ED35F8CC479449609E8A0923A6" ma:contentTypeVersion="11" ma:contentTypeDescription="Create a new document." ma:contentTypeScope="" ma:versionID="96291512c1ee715ab617f4c07df79fc1">
   <xsd:schema xmlns:xsd="http://www.w3.org/2001/XMLSchema" xmlns:xs="http://www.w3.org/2001/XMLSchema" xmlns:p="http://schemas.microsoft.com/office/2006/metadata/properties" xmlns:ns2="71af3243-3dd4-4a8d-8c0d-dd76da1f02a5" xmlns:ns3="16c05727-aa75-4e4a-9b5f-8a80a1165891" targetNamespace="http://schemas.microsoft.com/office/2006/metadata/properties" ma:root="true" ma:fieldsID="8256c27c40ca5c40ce1cf6c44f0205df" ns2:_="" ns3:_="">
     <xsd:import namespace="71af3243-3dd4-4a8d-8c0d-dd76da1f02a5"/>
@@ -33261,14 +36190,6 @@
 </ct:contentTypeSchema>
 </file>
 
-<file path=customXml/item2.xml><?xml version="1.0" encoding="utf-8"?>
-<p:properties xmlns:p="http://schemas.microsoft.com/office/2006/metadata/properties" xmlns:xsi="http://www.w3.org/2001/XMLSchema-instance" xmlns:pc="http://schemas.microsoft.com/office/infopath/2007/PartnerControls">
-  <documentManagement>
-    <MediaServiceKeyPoints xmlns="71af3243-3dd4-4a8d-8c0d-dd76da1f02a5" xsi:nil="true"/>
-  </documentManagement>
-</p:properties>
-</file>
-
 <file path=customXml/item3.xml><?xml version="1.0" encoding="utf-8"?>
 <?mso-contentType ?>
 <FormTemplates xmlns="http://schemas.microsoft.com/sharepoint/v3/contenttype/forms">
@@ -33279,6 +36200,23 @@
 </file>
 
 <file path=customXml/itemProps1.xml><?xml version="1.0" encoding="utf-8"?>
+<ds:datastoreItem xmlns:ds="http://schemas.openxmlformats.org/officeDocument/2006/customXml" ds:itemID="{F5757914-1161-4661-9696-421FD6935CDD}">
+  <ds:schemaRefs>
+    <ds:schemaRef ds:uri="http://schemas.microsoft.com/office/2006/documentManagement/types"/>
+    <ds:schemaRef ds:uri="http://schemas.microsoft.com/office/infopath/2007/PartnerControls"/>
+    <ds:schemaRef ds:uri="http://purl.org/dc/terms/"/>
+    <ds:schemaRef ds:uri="http://purl.org/dc/dcmitype/"/>
+    <ds:schemaRef ds:uri="16c05727-aa75-4e4a-9b5f-8a80a1165891"/>
+    <ds:schemaRef ds:uri="http://www.w3.org/XML/1998/namespace"/>
+    <ds:schemaRef ds:uri="71af3243-3dd4-4a8d-8c0d-dd76da1f02a5"/>
+    <ds:schemaRef ds:uri="http://schemas.openxmlformats.org/package/2006/metadata/core-properties"/>
+    <ds:schemaRef ds:uri="http://schemas.microsoft.com/office/2006/metadata/properties"/>
+    <ds:schemaRef ds:uri="http://purl.org/dc/elements/1.1/"/>
+  </ds:schemaRefs>
+</ds:datastoreItem>
+</file>
+
+<file path=customXml/itemProps2.xml><?xml version="1.0" encoding="utf-8"?>
 <ds:datastoreItem xmlns:ds="http://schemas.openxmlformats.org/officeDocument/2006/customXml" ds:itemID="{4C103400-4A22-4E35-B588-4C4D42638959}">
   <ds:schemaRefs>
     <ds:schemaRef ds:uri="http://schemas.microsoft.com/office/2006/metadata/contentType"/>
@@ -33297,23 +36235,6 @@
 </ds:datastoreItem>
 </file>
 
-<file path=customXml/itemProps2.xml><?xml version="1.0" encoding="utf-8"?>
-<ds:datastoreItem xmlns:ds="http://schemas.openxmlformats.org/officeDocument/2006/customXml" ds:itemID="{F5757914-1161-4661-9696-421FD6935CDD}">
-  <ds:schemaRefs>
-    <ds:schemaRef ds:uri="http://schemas.microsoft.com/office/2006/documentManagement/types"/>
-    <ds:schemaRef ds:uri="http://schemas.microsoft.com/office/infopath/2007/PartnerControls"/>
-    <ds:schemaRef ds:uri="http://purl.org/dc/terms/"/>
-    <ds:schemaRef ds:uri="http://purl.org/dc/dcmitype/"/>
-    <ds:schemaRef ds:uri="16c05727-aa75-4e4a-9b5f-8a80a1165891"/>
-    <ds:schemaRef ds:uri="http://www.w3.org/XML/1998/namespace"/>
-    <ds:schemaRef ds:uri="71af3243-3dd4-4a8d-8c0d-dd76da1f02a5"/>
-    <ds:schemaRef ds:uri="http://schemas.openxmlformats.org/package/2006/metadata/core-properties"/>
-    <ds:schemaRef ds:uri="http://schemas.microsoft.com/office/2006/metadata/properties"/>
-    <ds:schemaRef ds:uri="http://purl.org/dc/elements/1.1/"/>
-  </ds:schemaRefs>
-</ds:datastoreItem>
-</file>
-
 <file path=customXml/itemProps3.xml><?xml version="1.0" encoding="utf-8"?>
 <ds:datastoreItem xmlns:ds="http://schemas.openxmlformats.org/officeDocument/2006/customXml" ds:itemID="{5B26E0C9-B2AA-42E6-97B6-E1B7D9EAF129}">
   <ds:schemaRefs>

--- a/reports/report_presentation.pptx
+++ b/reports/report_presentation.pptx
@@ -15,14 +15,14 @@
     <p:sldId id="258" r:id="rId6"/>
     <p:sldId id="293" r:id="rId7"/>
     <p:sldId id="257" r:id="rId8"/>
-    <p:sldId id="261" r:id="rId9"/>
-    <p:sldId id="260" r:id="rId10"/>
-    <p:sldId id="291" r:id="rId11"/>
-    <p:sldId id="295" r:id="rId12"/>
-    <p:sldId id="296" r:id="rId13"/>
-    <p:sldId id="297" r:id="rId14"/>
-    <p:sldId id="298" r:id="rId15"/>
-    <p:sldId id="289" r:id="rId16"/>
+    <p:sldId id="306" r:id="rId9"/>
+    <p:sldId id="307" r:id="rId10"/>
+    <p:sldId id="260" r:id="rId11"/>
+    <p:sldId id="291" r:id="rId12"/>
+    <p:sldId id="295" r:id="rId13"/>
+    <p:sldId id="296" r:id="rId14"/>
+    <p:sldId id="297" r:id="rId15"/>
+    <p:sldId id="298" r:id="rId16"/>
     <p:sldId id="290" r:id="rId17"/>
     <p:sldId id="292" r:id="rId18"/>
     <p:sldId id="294" r:id="rId19"/>
@@ -26077,7 +26077,7 @@
         <p:spPr>
           <a:xfrm>
             <a:off x="444500" y="1350793"/>
-            <a:ext cx="6703357" cy="5433247"/>
+            <a:ext cx="6703357" cy="5433248"/>
           </a:xfrm>
           <a:prstGeom prst="rect">
             <a:avLst/>
@@ -26099,7 +26099,7 @@
         <p:spPr>
           <a:xfrm>
             <a:off x="7496734" y="1350793"/>
-            <a:ext cx="4623548" cy="5186035"/>
+            <a:ext cx="4623548" cy="4803879"/>
           </a:xfrm>
           <a:prstGeom prst="rect">
             <a:avLst/>
@@ -26551,12 +26551,6 @@
               </a:rPr>
               <a:t>list</a:t>
             </a:r>
-            <a:endParaRPr lang="en-US" sz="1400" b="1" dirty="0">
-              <a:solidFill>
-                <a:schemeClr val="bg1"/>
-              </a:solidFill>
-              <a:ea typeface="Times New Roman" panose="02020603050405020304" pitchFamily="18" charset="0"/>
-            </a:endParaRPr>
           </a:p>
           <a:p>
             <a:pPr marL="342900" indent="-342900" algn="just">
@@ -26646,31 +26640,12 @@
               <a:t>list else go to step 6</a:t>
             </a:r>
           </a:p>
-          <a:p>
-            <a:pPr marL="342900" lvl="0" indent="-342900" algn="just">
-              <a:spcBef>
-                <a:spcPts val="900"/>
-              </a:spcBef>
-              <a:spcAft>
-                <a:spcPts val="400"/>
-              </a:spcAft>
-              <a:buFont typeface="+mj-lt"/>
-              <a:buAutoNum type="arabicPeriod" startAt="6"/>
-            </a:pPr>
-            <a:endParaRPr lang="en-US" sz="1400" b="0" dirty="0">
-              <a:solidFill>
-                <a:schemeClr val="bg1"/>
-              </a:solidFill>
-              <a:effectLst/>
-              <a:ea typeface="Times New Roman" panose="02020603050405020304" pitchFamily="18" charset="0"/>
-            </a:endParaRPr>
-          </a:p>
         </p:txBody>
       </p:sp>
     </p:spTree>
     <p:extLst>
       <p:ext uri="{BB962C8B-B14F-4D97-AF65-F5344CB8AC3E}">
-        <p14:creationId xmlns:p14="http://schemas.microsoft.com/office/powerpoint/2010/main" val="1076984916"/>
+        <p14:creationId xmlns:p14="http://schemas.microsoft.com/office/powerpoint/2010/main" val="1382447623"/>
       </p:ext>
     </p:extLst>
   </p:cSld>
@@ -26756,6 +26731,712 @@
               <a:rPr lang="en-US" noProof="0" smtClean="0"/>
               <a:pPr/>
               <a:t>11</a:t>
+            </a:fld>
+            <a:endParaRPr lang="en-US" noProof="0" dirty="0"/>
+          </a:p>
+        </p:txBody>
+      </p:sp>
+      <p:pic>
+        <p:nvPicPr>
+          <p:cNvPr id="9" name="Εικόνα 8">
+            <a:extLst>
+              <a:ext uri="{FF2B5EF4-FFF2-40B4-BE49-F238E27FC236}">
+                <a16:creationId xmlns:a16="http://schemas.microsoft.com/office/drawing/2014/main" id="{0D157B8C-BFA1-28D7-B5FE-ACD766EC772A}"/>
+              </a:ext>
+            </a:extLst>
+          </p:cNvPr>
+          <p:cNvPicPr>
+            <a:picLocks noChangeAspect="1"/>
+          </p:cNvPicPr>
+          <p:nvPr/>
+        </p:nvPicPr>
+        <p:blipFill>
+          <a:blip r:embed="rId2"/>
+          <a:srcRect/>
+          <a:stretch/>
+        </p:blipFill>
+        <p:spPr>
+          <a:xfrm>
+            <a:off x="444500" y="1350793"/>
+            <a:ext cx="6703357" cy="5433247"/>
+          </a:xfrm>
+          <a:prstGeom prst="rect">
+            <a:avLst/>
+          </a:prstGeom>
+        </p:spPr>
+      </p:pic>
+      <p:sp>
+        <p:nvSpPr>
+          <p:cNvPr id="10" name="TextBox 9">
+            <a:extLst>
+              <a:ext uri="{FF2B5EF4-FFF2-40B4-BE49-F238E27FC236}">
+                <a16:creationId xmlns:a16="http://schemas.microsoft.com/office/drawing/2014/main" id="{9CEF2B1F-6A04-E030-3B9B-D56E893BAF76}"/>
+              </a:ext>
+            </a:extLst>
+          </p:cNvPr>
+          <p:cNvSpPr txBox="1"/>
+          <p:nvPr/>
+        </p:nvSpPr>
+        <p:spPr>
+          <a:xfrm>
+            <a:off x="7496734" y="1350793"/>
+            <a:ext cx="4623548" cy="5186035"/>
+          </a:xfrm>
+          <a:prstGeom prst="rect">
+            <a:avLst/>
+          </a:prstGeom>
+          <a:noFill/>
+        </p:spPr>
+        <p:txBody>
+          <a:bodyPr wrap="square" rtlCol="0">
+            <a:spAutoFit/>
+          </a:bodyPr>
+          <a:lstStyle/>
+          <a:p>
+            <a:pPr marL="342900" lvl="0" indent="-342900" algn="just">
+              <a:spcBef>
+                <a:spcPts val="900"/>
+              </a:spcBef>
+              <a:spcAft>
+                <a:spcPts val="400"/>
+              </a:spcAft>
+              <a:buFont typeface="+mj-lt"/>
+              <a:buAutoNum type="arabicPeriod" startAt="6"/>
+            </a:pPr>
+            <a:r>
+              <a:rPr lang="en-US" sz="1400" b="0" dirty="0">
+                <a:solidFill>
+                  <a:schemeClr val="bg1"/>
+                </a:solidFill>
+                <a:effectLst/>
+                <a:ea typeface="Times New Roman" panose="02020603050405020304" pitchFamily="18" charset="0"/>
+              </a:rPr>
+              <a:t>Sort the </a:t>
+            </a:r>
+            <a:r>
+              <a:rPr lang="en-US" sz="1400" b="0" i="1" dirty="0">
+                <a:solidFill>
+                  <a:schemeClr val="accent1">
+                    <a:lumMod val="40000"/>
+                    <a:lumOff val="60000"/>
+                  </a:schemeClr>
+                </a:solidFill>
+                <a:effectLst/>
+                <a:ea typeface="Times New Roman" panose="02020603050405020304" pitchFamily="18" charset="0"/>
+              </a:rPr>
+              <a:t>candidate_points</a:t>
+            </a:r>
+            <a:r>
+              <a:rPr lang="en-US" sz="1400" b="0" dirty="0">
+                <a:solidFill>
+                  <a:schemeClr val="accent1">
+                    <a:lumMod val="40000"/>
+                    <a:lumOff val="60000"/>
+                  </a:schemeClr>
+                </a:solidFill>
+                <a:effectLst/>
+                <a:ea typeface="Times New Roman" panose="02020603050405020304" pitchFamily="18" charset="0"/>
+              </a:rPr>
+              <a:t> </a:t>
+            </a:r>
+            <a:r>
+              <a:rPr lang="en-US" sz="1400" b="0" dirty="0">
+                <a:solidFill>
+                  <a:schemeClr val="bg1"/>
+                </a:solidFill>
+                <a:effectLst/>
+                <a:ea typeface="Times New Roman" panose="02020603050405020304" pitchFamily="18" charset="0"/>
+              </a:rPr>
+              <a:t>list by the number of dominations in descending order</a:t>
+            </a:r>
+            <a:endParaRPr lang="el-GR" sz="1400" b="1" dirty="0">
+              <a:solidFill>
+                <a:schemeClr val="bg1"/>
+              </a:solidFill>
+              <a:effectLst/>
+              <a:ea typeface="Times New Roman" panose="02020603050405020304" pitchFamily="18" charset="0"/>
+            </a:endParaRPr>
+          </a:p>
+          <a:p>
+            <a:pPr marL="342900" lvl="0" indent="-342900" algn="just">
+              <a:spcBef>
+                <a:spcPts val="900"/>
+              </a:spcBef>
+              <a:spcAft>
+                <a:spcPts val="400"/>
+              </a:spcAft>
+              <a:buFont typeface="+mj-lt"/>
+              <a:buAutoNum type="arabicPeriod" startAt="6"/>
+            </a:pPr>
+            <a:r>
+              <a:rPr lang="en-US" sz="1400" b="0" dirty="0">
+                <a:solidFill>
+                  <a:schemeClr val="bg1"/>
+                </a:solidFill>
+                <a:effectLst/>
+                <a:ea typeface="Times New Roman" panose="02020603050405020304" pitchFamily="18" charset="0"/>
+              </a:rPr>
+              <a:t>Get the first element </a:t>
+            </a:r>
+            <a:r>
+              <a:rPr lang="en-US" sz="1400" b="0" i="1" dirty="0">
+                <a:solidFill>
+                  <a:schemeClr val="bg1"/>
+                </a:solidFill>
+                <a:effectLst/>
+                <a:ea typeface="Times New Roman" panose="02020603050405020304" pitchFamily="18" charset="0"/>
+              </a:rPr>
+              <a:t>top_point</a:t>
+            </a:r>
+            <a:r>
+              <a:rPr lang="en-US" sz="1400" b="0" dirty="0">
+                <a:solidFill>
+                  <a:schemeClr val="bg1"/>
+                </a:solidFill>
+                <a:effectLst/>
+                <a:ea typeface="Times New Roman" panose="02020603050405020304" pitchFamily="18" charset="0"/>
+              </a:rPr>
+              <a:t> of the </a:t>
+            </a:r>
+            <a:r>
+              <a:rPr lang="en-US" sz="1400" b="0" i="1" dirty="0">
+                <a:solidFill>
+                  <a:schemeClr val="accent1">
+                    <a:lumMod val="40000"/>
+                    <a:lumOff val="60000"/>
+                  </a:schemeClr>
+                </a:solidFill>
+                <a:effectLst/>
+                <a:ea typeface="Times New Roman" panose="02020603050405020304" pitchFamily="18" charset="0"/>
+              </a:rPr>
+              <a:t>candidate_points</a:t>
+            </a:r>
+            <a:r>
+              <a:rPr lang="en-US" sz="1400" b="0" dirty="0">
+                <a:solidFill>
+                  <a:schemeClr val="accent1">
+                    <a:lumMod val="40000"/>
+                    <a:lumOff val="60000"/>
+                  </a:schemeClr>
+                </a:solidFill>
+                <a:effectLst/>
+                <a:ea typeface="Times New Roman" panose="02020603050405020304" pitchFamily="18" charset="0"/>
+              </a:rPr>
+              <a:t> </a:t>
+            </a:r>
+            <a:r>
+              <a:rPr lang="en-US" sz="1400" b="0" dirty="0">
+                <a:solidFill>
+                  <a:schemeClr val="bg1"/>
+                </a:solidFill>
+                <a:effectLst/>
+                <a:ea typeface="Times New Roman" panose="02020603050405020304" pitchFamily="18" charset="0"/>
+              </a:rPr>
+              <a:t>list, add it to the </a:t>
+            </a:r>
+            <a:r>
+              <a:rPr lang="en-US" sz="1400" b="0" i="1" dirty="0">
+                <a:solidFill>
+                  <a:srgbClr val="92D050"/>
+                </a:solidFill>
+                <a:effectLst/>
+                <a:ea typeface="Times New Roman" panose="02020603050405020304" pitchFamily="18" charset="0"/>
+              </a:rPr>
+              <a:t>top_points</a:t>
+            </a:r>
+            <a:r>
+              <a:rPr lang="en-US" sz="1400" b="0" dirty="0">
+                <a:solidFill>
+                  <a:srgbClr val="92D050"/>
+                </a:solidFill>
+                <a:effectLst/>
+                <a:ea typeface="Times New Roman" panose="02020603050405020304" pitchFamily="18" charset="0"/>
+              </a:rPr>
+              <a:t> </a:t>
+            </a:r>
+            <a:r>
+              <a:rPr lang="en-US" sz="1400" b="0" dirty="0">
+                <a:solidFill>
+                  <a:schemeClr val="bg1"/>
+                </a:solidFill>
+                <a:effectLst/>
+                <a:ea typeface="Times New Roman" panose="02020603050405020304" pitchFamily="18" charset="0"/>
+              </a:rPr>
+              <a:t>list and remove it from the dataset </a:t>
+            </a:r>
+            <a:r>
+              <a:rPr lang="en-US" sz="1400" b="0" i="1" dirty="0">
+                <a:solidFill>
+                  <a:schemeClr val="bg1"/>
+                </a:solidFill>
+                <a:effectLst/>
+                <a:ea typeface="Times New Roman" panose="02020603050405020304" pitchFamily="18" charset="0"/>
+              </a:rPr>
+              <a:t>points</a:t>
+            </a:r>
+            <a:endParaRPr lang="el-GR" sz="1400" b="1" dirty="0">
+              <a:solidFill>
+                <a:schemeClr val="bg1"/>
+              </a:solidFill>
+              <a:effectLst/>
+              <a:ea typeface="Times New Roman" panose="02020603050405020304" pitchFamily="18" charset="0"/>
+            </a:endParaRPr>
+          </a:p>
+          <a:p>
+            <a:pPr marL="342900" lvl="0" indent="-342900" algn="just">
+              <a:spcBef>
+                <a:spcPts val="900"/>
+              </a:spcBef>
+              <a:spcAft>
+                <a:spcPts val="400"/>
+              </a:spcAft>
+              <a:buFont typeface="+mj-lt"/>
+              <a:buAutoNum type="arabicPeriod" startAt="6"/>
+            </a:pPr>
+            <a:r>
+              <a:rPr lang="en-US" sz="1400" b="0" dirty="0">
+                <a:solidFill>
+                  <a:schemeClr val="bg1"/>
+                </a:solidFill>
+                <a:effectLst/>
+                <a:ea typeface="Times New Roman" panose="02020603050405020304" pitchFamily="18" charset="0"/>
+              </a:rPr>
+              <a:t>Create a list </a:t>
+            </a:r>
+            <a:r>
+              <a:rPr lang="en-US" sz="1400" b="0" i="1" dirty="0">
+                <a:solidFill>
+                  <a:schemeClr val="accent6">
+                    <a:lumMod val="60000"/>
+                    <a:lumOff val="40000"/>
+                  </a:schemeClr>
+                </a:solidFill>
+                <a:effectLst/>
+                <a:ea typeface="Times New Roman" panose="02020603050405020304" pitchFamily="18" charset="0"/>
+              </a:rPr>
+              <a:t>dominated_points (red rectangle)</a:t>
+            </a:r>
+            <a:r>
+              <a:rPr lang="en-US" sz="1400" b="0" dirty="0">
+                <a:solidFill>
+                  <a:schemeClr val="accent6">
+                    <a:lumMod val="60000"/>
+                    <a:lumOff val="40000"/>
+                  </a:schemeClr>
+                </a:solidFill>
+                <a:effectLst/>
+                <a:ea typeface="Times New Roman" panose="02020603050405020304" pitchFamily="18" charset="0"/>
+              </a:rPr>
+              <a:t> </a:t>
+            </a:r>
+            <a:r>
+              <a:rPr lang="en-US" sz="1400" b="0" dirty="0">
+                <a:solidFill>
+                  <a:schemeClr val="bg1"/>
+                </a:solidFill>
+                <a:effectLst/>
+                <a:ea typeface="Times New Roman" panose="02020603050405020304" pitchFamily="18" charset="0"/>
+              </a:rPr>
+              <a:t>that contains all the points dominated by the </a:t>
+            </a:r>
+            <a:r>
+              <a:rPr lang="en-US" sz="1400" b="0" i="1" dirty="0">
+                <a:solidFill>
+                  <a:schemeClr val="bg1"/>
+                </a:solidFill>
+                <a:effectLst/>
+                <a:ea typeface="Times New Roman" panose="02020603050405020304" pitchFamily="18" charset="0"/>
+              </a:rPr>
+              <a:t>top_point</a:t>
+            </a:r>
+            <a:r>
+              <a:rPr lang="en-US" sz="1400" b="0" dirty="0">
+                <a:solidFill>
+                  <a:schemeClr val="bg1"/>
+                </a:solidFill>
+                <a:effectLst/>
+                <a:ea typeface="Times New Roman" panose="02020603050405020304" pitchFamily="18" charset="0"/>
+              </a:rPr>
+              <a:t> excluding itself and the points in the list </a:t>
+            </a:r>
+            <a:r>
+              <a:rPr lang="en-US" sz="1400" b="0" i="1" dirty="0">
+                <a:solidFill>
+                  <a:srgbClr val="92D050"/>
+                </a:solidFill>
+                <a:effectLst/>
+                <a:ea typeface="Times New Roman" panose="02020603050405020304" pitchFamily="18" charset="0"/>
+              </a:rPr>
+              <a:t>top_points</a:t>
+            </a:r>
+            <a:r>
+              <a:rPr lang="en-US" sz="1400" b="0" dirty="0">
+                <a:solidFill>
+                  <a:schemeClr val="bg1"/>
+                </a:solidFill>
+                <a:effectLst/>
+                <a:ea typeface="Times New Roman" panose="02020603050405020304" pitchFamily="18" charset="0"/>
+              </a:rPr>
+              <a:t>.</a:t>
+            </a:r>
+            <a:endParaRPr lang="el-GR" sz="1400" b="1" dirty="0">
+              <a:solidFill>
+                <a:schemeClr val="bg1"/>
+              </a:solidFill>
+              <a:effectLst/>
+              <a:ea typeface="Times New Roman" panose="02020603050405020304" pitchFamily="18" charset="0"/>
+            </a:endParaRPr>
+          </a:p>
+          <a:p>
+            <a:pPr marL="342900" lvl="0" indent="-342900" algn="just">
+              <a:spcBef>
+                <a:spcPts val="900"/>
+              </a:spcBef>
+              <a:spcAft>
+                <a:spcPts val="400"/>
+              </a:spcAft>
+              <a:buFont typeface="+mj-lt"/>
+              <a:buAutoNum type="arabicPeriod" startAt="6"/>
+            </a:pPr>
+            <a:r>
+              <a:rPr lang="en-US" sz="1400" b="0" dirty="0">
+                <a:solidFill>
+                  <a:schemeClr val="bg1"/>
+                </a:solidFill>
+                <a:effectLst/>
+                <a:ea typeface="Times New Roman" panose="02020603050405020304" pitchFamily="18" charset="0"/>
+              </a:rPr>
+              <a:t>Compute the skyline points of the </a:t>
+            </a:r>
+            <a:r>
+              <a:rPr lang="en-US" sz="1400" b="0" i="1" dirty="0">
+                <a:solidFill>
+                  <a:schemeClr val="accent6">
+                    <a:lumMod val="60000"/>
+                    <a:lumOff val="40000"/>
+                  </a:schemeClr>
+                </a:solidFill>
+                <a:effectLst/>
+                <a:ea typeface="Times New Roman" panose="02020603050405020304" pitchFamily="18" charset="0"/>
+              </a:rPr>
+              <a:t>dominated_points</a:t>
+            </a:r>
+            <a:r>
+              <a:rPr lang="en-US" sz="1400" b="0" dirty="0">
+                <a:solidFill>
+                  <a:schemeClr val="accent6">
+                    <a:lumMod val="60000"/>
+                    <a:lumOff val="40000"/>
+                  </a:schemeClr>
+                </a:solidFill>
+                <a:effectLst/>
+                <a:ea typeface="Times New Roman" panose="02020603050405020304" pitchFamily="18" charset="0"/>
+              </a:rPr>
+              <a:t> </a:t>
+            </a:r>
+            <a:r>
+              <a:rPr lang="en-US" sz="1400" b="0" dirty="0">
+                <a:solidFill>
+                  <a:schemeClr val="bg1"/>
+                </a:solidFill>
+                <a:effectLst/>
+                <a:ea typeface="Times New Roman" panose="02020603050405020304" pitchFamily="18" charset="0"/>
+              </a:rPr>
+              <a:t>list, using the algorithm described on task 1 and count the number of dominations for each one of them</a:t>
+            </a:r>
+            <a:endParaRPr lang="el-GR" sz="1400" b="1" dirty="0">
+              <a:solidFill>
+                <a:schemeClr val="bg1"/>
+              </a:solidFill>
+              <a:effectLst/>
+              <a:ea typeface="Times New Roman" panose="02020603050405020304" pitchFamily="18" charset="0"/>
+            </a:endParaRPr>
+          </a:p>
+          <a:p>
+            <a:pPr marL="342900" lvl="0" indent="-342900" algn="just">
+              <a:spcBef>
+                <a:spcPts val="900"/>
+              </a:spcBef>
+              <a:spcAft>
+                <a:spcPts val="400"/>
+              </a:spcAft>
+              <a:buFont typeface="+mj-lt"/>
+              <a:buAutoNum type="arabicPeriod" startAt="6"/>
+            </a:pPr>
+            <a:r>
+              <a:rPr lang="en-US" sz="1400" b="0" dirty="0">
+                <a:solidFill>
+                  <a:schemeClr val="bg1"/>
+                </a:solidFill>
+                <a:effectLst/>
+                <a:ea typeface="Times New Roman" panose="02020603050405020304" pitchFamily="18" charset="0"/>
+              </a:rPr>
+              <a:t>Add the skylines points of the </a:t>
+            </a:r>
+            <a:r>
+              <a:rPr lang="en-US" sz="1400" b="0" i="1" dirty="0">
+                <a:solidFill>
+                  <a:schemeClr val="accent6">
+                    <a:lumMod val="60000"/>
+                    <a:lumOff val="40000"/>
+                  </a:schemeClr>
+                </a:solidFill>
+                <a:effectLst/>
+                <a:ea typeface="Times New Roman" panose="02020603050405020304" pitchFamily="18" charset="0"/>
+              </a:rPr>
+              <a:t>dominated_points </a:t>
+            </a:r>
+            <a:r>
+              <a:rPr lang="en-US" sz="1400" b="0" dirty="0">
+                <a:solidFill>
+                  <a:schemeClr val="bg1"/>
+                </a:solidFill>
+                <a:effectLst/>
+                <a:ea typeface="Times New Roman" panose="02020603050405020304" pitchFamily="18" charset="0"/>
+              </a:rPr>
+              <a:t>list along with their dominations in the </a:t>
+            </a:r>
+            <a:r>
+              <a:rPr lang="en-US" sz="1400" b="0" i="1" dirty="0">
+                <a:solidFill>
+                  <a:schemeClr val="accent1">
+                    <a:lumMod val="40000"/>
+                    <a:lumOff val="60000"/>
+                  </a:schemeClr>
+                </a:solidFill>
+                <a:effectLst/>
+                <a:ea typeface="Times New Roman" panose="02020603050405020304" pitchFamily="18" charset="0"/>
+              </a:rPr>
+              <a:t>candidate_points</a:t>
+            </a:r>
+            <a:r>
+              <a:rPr lang="en-US" sz="1400" b="0" dirty="0">
+                <a:solidFill>
+                  <a:schemeClr val="accent1">
+                    <a:lumMod val="40000"/>
+                    <a:lumOff val="60000"/>
+                  </a:schemeClr>
+                </a:solidFill>
+                <a:effectLst/>
+                <a:ea typeface="Times New Roman" panose="02020603050405020304" pitchFamily="18" charset="0"/>
+              </a:rPr>
+              <a:t> </a:t>
+            </a:r>
+            <a:r>
+              <a:rPr lang="en-US" sz="1400" b="0" dirty="0">
+                <a:solidFill>
+                  <a:schemeClr val="bg1"/>
+                </a:solidFill>
+                <a:effectLst/>
+                <a:ea typeface="Times New Roman" panose="02020603050405020304" pitchFamily="18" charset="0"/>
+              </a:rPr>
+              <a:t>list</a:t>
+            </a:r>
+            <a:endParaRPr lang="en-US" sz="1400" b="1" dirty="0">
+              <a:solidFill>
+                <a:schemeClr val="bg1"/>
+              </a:solidFill>
+              <a:ea typeface="Times New Roman" panose="02020603050405020304" pitchFamily="18" charset="0"/>
+            </a:endParaRPr>
+          </a:p>
+          <a:p>
+            <a:pPr marL="342900" indent="-342900" algn="just">
+              <a:spcBef>
+                <a:spcPts val="900"/>
+              </a:spcBef>
+              <a:spcAft>
+                <a:spcPts val="400"/>
+              </a:spcAft>
+              <a:buFont typeface="+mj-lt"/>
+              <a:buAutoNum type="arabicPeriod" startAt="6"/>
+            </a:pPr>
+            <a:r>
+              <a:rPr lang="en-US" sz="1400" b="0" dirty="0">
+                <a:solidFill>
+                  <a:schemeClr val="bg1"/>
+                </a:solidFill>
+                <a:effectLst/>
+                <a:ea typeface="Times New Roman" panose="02020603050405020304" pitchFamily="18" charset="0"/>
+              </a:rPr>
+              <a:t>If the length of the </a:t>
+            </a:r>
+            <a:r>
+              <a:rPr lang="en-US" sz="1400" b="0" i="1" dirty="0">
+                <a:solidFill>
+                  <a:schemeClr val="accent1">
+                    <a:lumMod val="40000"/>
+                    <a:lumOff val="60000"/>
+                  </a:schemeClr>
+                </a:solidFill>
+                <a:effectLst/>
+                <a:ea typeface="Times New Roman" panose="02020603050405020304" pitchFamily="18" charset="0"/>
+              </a:rPr>
+              <a:t>candidate_points</a:t>
+            </a:r>
+            <a:r>
+              <a:rPr lang="en-US" sz="1400" b="0" dirty="0">
+                <a:solidFill>
+                  <a:schemeClr val="accent1">
+                    <a:lumMod val="40000"/>
+                    <a:lumOff val="60000"/>
+                  </a:schemeClr>
+                </a:solidFill>
+                <a:effectLst/>
+                <a:ea typeface="Times New Roman" panose="02020603050405020304" pitchFamily="18" charset="0"/>
+              </a:rPr>
+              <a:t> </a:t>
+            </a:r>
+            <a:r>
+              <a:rPr lang="en-US" sz="1400" b="0" dirty="0">
+                <a:solidFill>
+                  <a:schemeClr val="bg1"/>
+                </a:solidFill>
+                <a:effectLst/>
+                <a:ea typeface="Times New Roman" panose="02020603050405020304" pitchFamily="18" charset="0"/>
+              </a:rPr>
+              <a:t>list is zero or we got the top k points then return </a:t>
+            </a:r>
+            <a:r>
+              <a:rPr lang="en-US" sz="1400" b="0" i="1" dirty="0">
+                <a:solidFill>
+                  <a:srgbClr val="92D050"/>
+                </a:solidFill>
+                <a:effectLst/>
+                <a:ea typeface="Times New Roman" panose="02020603050405020304" pitchFamily="18" charset="0"/>
+              </a:rPr>
+              <a:t>top_points</a:t>
+            </a:r>
+            <a:r>
+              <a:rPr lang="en-US" sz="1400" b="0" dirty="0">
+                <a:solidFill>
+                  <a:srgbClr val="92D050"/>
+                </a:solidFill>
+                <a:effectLst/>
+                <a:ea typeface="Times New Roman" panose="02020603050405020304" pitchFamily="18" charset="0"/>
+              </a:rPr>
+              <a:t> </a:t>
+            </a:r>
+            <a:r>
+              <a:rPr lang="en-US" sz="1400" b="0" dirty="0">
+                <a:solidFill>
+                  <a:schemeClr val="bg1"/>
+                </a:solidFill>
+                <a:effectLst/>
+                <a:ea typeface="Times New Roman" panose="02020603050405020304" pitchFamily="18" charset="0"/>
+              </a:rPr>
+              <a:t>list else go to step 6</a:t>
+            </a:r>
+          </a:p>
+          <a:p>
+            <a:pPr marL="342900" lvl="0" indent="-342900" algn="just">
+              <a:spcBef>
+                <a:spcPts val="900"/>
+              </a:spcBef>
+              <a:spcAft>
+                <a:spcPts val="400"/>
+              </a:spcAft>
+              <a:buFont typeface="+mj-lt"/>
+              <a:buAutoNum type="arabicPeriod" startAt="6"/>
+            </a:pPr>
+            <a:endParaRPr lang="en-US" sz="1400" b="0" dirty="0">
+              <a:solidFill>
+                <a:schemeClr val="bg1"/>
+              </a:solidFill>
+              <a:effectLst/>
+              <a:ea typeface="Times New Roman" panose="02020603050405020304" pitchFamily="18" charset="0"/>
+            </a:endParaRPr>
+          </a:p>
+        </p:txBody>
+      </p:sp>
+    </p:spTree>
+    <p:extLst>
+      <p:ext uri="{BB962C8B-B14F-4D97-AF65-F5344CB8AC3E}">
+        <p14:creationId xmlns:p14="http://schemas.microsoft.com/office/powerpoint/2010/main" val="1076984916"/>
+      </p:ext>
+    </p:extLst>
+  </p:cSld>
+  <p:clrMapOvr>
+    <a:masterClrMapping/>
+  </p:clrMapOvr>
+</p:sld>
+</file>
+
+<file path=ppt/slides/slide12.xml><?xml version="1.0" encoding="utf-8"?>
+<p:sld xmlns:a="http://schemas.openxmlformats.org/drawingml/2006/main" xmlns:r="http://schemas.openxmlformats.org/officeDocument/2006/relationships" xmlns:p="http://schemas.openxmlformats.org/presentationml/2006/main">
+  <p:cSld>
+    <p:spTree>
+      <p:nvGrpSpPr>
+        <p:cNvPr id="1" name=""/>
+        <p:cNvGrpSpPr/>
+        <p:nvPr/>
+      </p:nvGrpSpPr>
+      <p:grpSpPr>
+        <a:xfrm>
+          <a:off x="0" y="0"/>
+          <a:ext cx="0" cy="0"/>
+          <a:chOff x="0" y="0"/>
+          <a:chExt cx="0" cy="0"/>
+        </a:xfrm>
+      </p:grpSpPr>
+      <p:sp>
+        <p:nvSpPr>
+          <p:cNvPr id="2" name="Τίτλος 1">
+            <a:extLst>
+              <a:ext uri="{FF2B5EF4-FFF2-40B4-BE49-F238E27FC236}">
+                <a16:creationId xmlns:a16="http://schemas.microsoft.com/office/drawing/2014/main" id="{A6F23DA2-8C28-CC7D-B19C-5A54995DFB0A}"/>
+              </a:ext>
+            </a:extLst>
+          </p:cNvPr>
+          <p:cNvSpPr>
+            <a:spLocks noGrp="1"/>
+          </p:cNvSpPr>
+          <p:nvPr>
+            <p:ph type="title"/>
+          </p:nvPr>
+        </p:nvSpPr>
+        <p:spPr>
+          <a:xfrm>
+            <a:off x="444500" y="542925"/>
+            <a:ext cx="11214100" cy="535531"/>
+          </a:xfrm>
+        </p:spPr>
+        <p:txBody>
+          <a:bodyPr/>
+          <a:lstStyle/>
+          <a:p>
+            <a:r>
+              <a:rPr lang="en-US" dirty="0"/>
+              <a:t>Top 3 points example</a:t>
+            </a:r>
+            <a:endParaRPr lang="el-GR" dirty="0"/>
+          </a:p>
+        </p:txBody>
+      </p:sp>
+      <p:sp>
+        <p:nvSpPr>
+          <p:cNvPr id="3" name="Θέση αριθμού διαφάνειας 2">
+            <a:extLst>
+              <a:ext uri="{FF2B5EF4-FFF2-40B4-BE49-F238E27FC236}">
+                <a16:creationId xmlns:a16="http://schemas.microsoft.com/office/drawing/2014/main" id="{D641B237-C610-F2A4-99F9-5C44C21A7B66}"/>
+              </a:ext>
+            </a:extLst>
+          </p:cNvPr>
+          <p:cNvSpPr>
+            <a:spLocks noGrp="1"/>
+          </p:cNvSpPr>
+          <p:nvPr>
+            <p:ph type="sldNum" sz="quarter" idx="12"/>
+          </p:nvPr>
+        </p:nvSpPr>
+        <p:spPr/>
+        <p:txBody>
+          <a:bodyPr/>
+          <a:lstStyle/>
+          <a:p>
+            <a:fld id="{C263D6C4-4840-40CC-AC84-17E24B3B7BDE}" type="slidenum">
+              <a:rPr lang="en-US" noProof="0" smtClean="0"/>
+              <a:pPr/>
+              <a:t>12</a:t>
             </a:fld>
             <a:endParaRPr lang="en-US" noProof="0" dirty="0"/>
           </a:p>
@@ -27358,239 +28039,6 @@
   <p:clrMapOvr>
     <a:masterClrMapping/>
   </p:clrMapOvr>
-</p:sld>
-</file>
-
-<file path=ppt/slides/slide12.xml><?xml version="1.0" encoding="utf-8"?>
-<p:sld xmlns:a="http://schemas.openxmlformats.org/drawingml/2006/main" xmlns:r="http://schemas.openxmlformats.org/officeDocument/2006/relationships" xmlns:p="http://schemas.openxmlformats.org/presentationml/2006/main">
-  <p:cSld>
-    <p:spTree>
-      <p:nvGrpSpPr>
-        <p:cNvPr id="1" name=""/>
-        <p:cNvGrpSpPr/>
-        <p:nvPr/>
-      </p:nvGrpSpPr>
-      <p:grpSpPr>
-        <a:xfrm>
-          <a:off x="0" y="0"/>
-          <a:ext cx="0" cy="0"/>
-          <a:chOff x="0" y="0"/>
-          <a:chExt cx="0" cy="0"/>
-        </a:xfrm>
-      </p:grpSpPr>
-      <p:sp>
-        <p:nvSpPr>
-          <p:cNvPr id="4" name="Title 3">
-            <a:extLst>
-              <a:ext uri="{FF2B5EF4-FFF2-40B4-BE49-F238E27FC236}">
-                <a16:creationId xmlns:a16="http://schemas.microsoft.com/office/drawing/2014/main" id="{315E3981-F0D7-482C-A8E0-6A57700BECA7}"/>
-              </a:ext>
-            </a:extLst>
-          </p:cNvPr>
-          <p:cNvSpPr>
-            <a:spLocks noGrp="1"/>
-          </p:cNvSpPr>
-          <p:nvPr>
-            <p:ph type="title"/>
-          </p:nvPr>
-        </p:nvSpPr>
-        <p:spPr/>
-        <p:txBody>
-          <a:bodyPr/>
-          <a:lstStyle/>
-          <a:p>
-            <a:r>
-              <a:rPr lang="en-US" dirty="0"/>
-              <a:t>Task 2</a:t>
-            </a:r>
-          </a:p>
-        </p:txBody>
-      </p:sp>
-      <p:sp>
-        <p:nvSpPr>
-          <p:cNvPr id="2" name="Slide Number Placeholder 1">
-            <a:extLst>
-              <a:ext uri="{FF2B5EF4-FFF2-40B4-BE49-F238E27FC236}">
-                <a16:creationId xmlns:a16="http://schemas.microsoft.com/office/drawing/2014/main" id="{520FC4EE-F318-4344-9E3C-B950ADB63865}"/>
-              </a:ext>
-            </a:extLst>
-          </p:cNvPr>
-          <p:cNvSpPr>
-            <a:spLocks noGrp="1"/>
-          </p:cNvSpPr>
-          <p:nvPr>
-            <p:ph type="sldNum" sz="quarter" idx="12"/>
-          </p:nvPr>
-        </p:nvSpPr>
-        <p:spPr/>
-        <p:txBody>
-          <a:bodyPr/>
-          <a:lstStyle/>
-          <a:p>
-            <a:fld id="{C263D6C4-4840-40CC-AC84-17E24B3B7BDE}" type="slidenum">
-              <a:rPr lang="en-US" smtClean="0"/>
-              <a:pPr/>
-              <a:t>12</a:t>
-            </a:fld>
-            <a:endParaRPr lang="en-US" dirty="0"/>
-          </a:p>
-        </p:txBody>
-      </p:sp>
-      <p:sp>
-        <p:nvSpPr>
-          <p:cNvPr id="7" name="Text Placeholder 6">
-            <a:extLst>
-              <a:ext uri="{FF2B5EF4-FFF2-40B4-BE49-F238E27FC236}">
-                <a16:creationId xmlns:a16="http://schemas.microsoft.com/office/drawing/2014/main" id="{B74126B4-1E6C-4FFF-9282-40E18A85A07F}"/>
-              </a:ext>
-            </a:extLst>
-          </p:cNvPr>
-          <p:cNvSpPr>
-            <a:spLocks noGrp="1"/>
-          </p:cNvSpPr>
-          <p:nvPr>
-            <p:ph type="body" sz="quarter" idx="1"/>
-          </p:nvPr>
-        </p:nvSpPr>
-        <p:spPr/>
-        <p:txBody>
-          <a:bodyPr/>
-          <a:lstStyle/>
-          <a:p>
-            <a:r>
-              <a:rPr lang="en-US" dirty="0"/>
-              <a:t>Lorem ipsum dolor sit amet</a:t>
-            </a:r>
-          </a:p>
-        </p:txBody>
-      </p:sp>
-      <p:sp>
-        <p:nvSpPr>
-          <p:cNvPr id="5" name="Text Placeholder 4">
-            <a:extLst>
-              <a:ext uri="{FF2B5EF4-FFF2-40B4-BE49-F238E27FC236}">
-                <a16:creationId xmlns:a16="http://schemas.microsoft.com/office/drawing/2014/main" id="{E0C87788-476B-4620-8002-A5C1177AD6C1}"/>
-              </a:ext>
-            </a:extLst>
-          </p:cNvPr>
-          <p:cNvSpPr>
-            <a:spLocks noGrp="1"/>
-          </p:cNvSpPr>
-          <p:nvPr>
-            <p:ph type="body" sz="quarter" idx="3"/>
-          </p:nvPr>
-        </p:nvSpPr>
-        <p:spPr/>
-        <p:txBody>
-          <a:bodyPr/>
-          <a:lstStyle/>
-          <a:p>
-            <a:r>
-              <a:rPr lang="en-US" dirty="0"/>
-              <a:t>Lorem ipsum dolor sit amet</a:t>
-            </a:r>
-          </a:p>
-        </p:txBody>
-      </p:sp>
-      <p:sp>
-        <p:nvSpPr>
-          <p:cNvPr id="8" name="Text Placeholder 7">
-            <a:extLst>
-              <a:ext uri="{FF2B5EF4-FFF2-40B4-BE49-F238E27FC236}">
-                <a16:creationId xmlns:a16="http://schemas.microsoft.com/office/drawing/2014/main" id="{47DC4E62-1A34-4F98-A451-214F1808519C}"/>
-              </a:ext>
-            </a:extLst>
-          </p:cNvPr>
-          <p:cNvSpPr>
-            <a:spLocks noGrp="1"/>
-          </p:cNvSpPr>
-          <p:nvPr>
-            <p:ph type="body" sz="quarter" idx="2"/>
-          </p:nvPr>
-        </p:nvSpPr>
-        <p:spPr/>
-        <p:txBody>
-          <a:bodyPr/>
-          <a:lstStyle/>
-          <a:p>
-            <a:r>
-              <a:rPr lang="en-US" dirty="0"/>
-              <a:t>Lorem ipsum dolor sit amet, consectetuer adipiscing elit. Maecenas porttitor congue massa. Fusce posuere, magna sed pulvinar ultricies, purus lectus malesuada libero, sit amet commodo magna eros quis urna. Nunc viverra imperdiet enim. Fusce est. Vivamus a tellus.</a:t>
-            </a:r>
-          </a:p>
-          <a:p>
-            <a:r>
-              <a:rPr lang="en-US" dirty="0"/>
-              <a:t>Pellentesque habitant morbi tristique senectus et netus et malesuada fames ac turpis egestas. Proin pharetra nonummy pede. Mauris et orci.</a:t>
-            </a:r>
-          </a:p>
-          <a:p>
-            <a:endParaRPr lang="en-US" dirty="0"/>
-          </a:p>
-          <a:p>
-            <a:endParaRPr lang="en-US" dirty="0"/>
-          </a:p>
-        </p:txBody>
-      </p:sp>
-      <p:sp>
-        <p:nvSpPr>
-          <p:cNvPr id="6" name="Text Placeholder 5">
-            <a:extLst>
-              <a:ext uri="{FF2B5EF4-FFF2-40B4-BE49-F238E27FC236}">
-                <a16:creationId xmlns:a16="http://schemas.microsoft.com/office/drawing/2014/main" id="{000A9570-5EF6-4AFB-9FCA-7C8998E3FEB1}"/>
-              </a:ext>
-            </a:extLst>
-          </p:cNvPr>
-          <p:cNvSpPr>
-            <a:spLocks noGrp="1"/>
-          </p:cNvSpPr>
-          <p:nvPr>
-            <p:ph type="body" sz="quarter" idx="4"/>
-          </p:nvPr>
-        </p:nvSpPr>
-        <p:spPr/>
-        <p:txBody>
-          <a:bodyPr/>
-          <a:lstStyle/>
-          <a:p>
-            <a:r>
-              <a:rPr lang="en-US" dirty="0"/>
-              <a:t>Lorem ipsum dolor sit amet, consectetuer adipiscing elit. Maecenas porttitor congue massa. Fusce posuere, magna sed pulvinar ultricies, purus lectus malesuada libero, sit amet commodo magna eros quis urna. Nunc viverra imperdiet enim. Fusce est. Vivamus a tellus.</a:t>
-            </a:r>
-          </a:p>
-          <a:p>
-            <a:r>
-              <a:rPr lang="en-US" dirty="0"/>
-              <a:t>Pellentesque habitant morbi tristique senectus et netus et malesuada fames ac turpis egestas. Proin pharetra nonummy pede. Mauris et orci.</a:t>
-            </a:r>
-          </a:p>
-          <a:p>
-            <a:endParaRPr lang="en-US" dirty="0"/>
-          </a:p>
-        </p:txBody>
-      </p:sp>
-    </p:spTree>
-    <p:extLst>
-      <p:ext uri="{BB962C8B-B14F-4D97-AF65-F5344CB8AC3E}">
-        <p14:creationId xmlns:p14="http://schemas.microsoft.com/office/powerpoint/2010/main" val="458156879"/>
-      </p:ext>
-    </p:extLst>
-  </p:cSld>
-  <p:clrMapOvr>
-    <a:masterClrMapping/>
-  </p:clrMapOvr>
-  <mc:AlternateContent xmlns:mc="http://schemas.openxmlformats.org/markup-compatibility/2006" xmlns:p14="http://schemas.microsoft.com/office/powerpoint/2010/main">
-    <mc:Choice Requires="p14">
-      <p:transition spd="med" p14:dur="700">
-        <p:fade/>
-      </p:transition>
-    </mc:Choice>
-    <mc:Fallback xmlns="">
-      <p:transition spd="med">
-        <p:fade/>
-      </p:transition>
-    </mc:Fallback>
-  </mc:AlternateContent>
 </p:sld>
 </file>
 
@@ -27794,7 +28242,7 @@
         </p:nvSpPr>
         <p:spPr>
           <a:xfrm>
-            <a:off x="386526" y="1681163"/>
+            <a:off x="386525" y="1504924"/>
             <a:ext cx="11418949" cy="823912"/>
           </a:xfrm>
         </p:spPr>
@@ -27806,28 +28254,16 @@
           <a:p>
             <a:pPr algn="just"/>
             <a:r>
+              <a:rPr lang="en-US" i="1" dirty="0"/>
+              <a:t>Top-k</a:t>
+            </a:r>
+            <a:r>
+              <a:rPr lang="en-US" dirty="0"/>
+              <a:t> skyline dominating query </a:t>
+            </a:r>
+            <a:r>
               <a:rPr lang="en-US" b="0" dirty="0"/>
-              <a:t>In Task 3, our work was to find the </a:t>
-            </a:r>
-            <a:r>
-              <a:rPr lang="en-US" i="1" dirty="0"/>
-              <a:t>top-k </a:t>
-            </a:r>
-            <a:r>
-              <a:rPr lang="en-US" dirty="0"/>
-              <a:t>dominating</a:t>
-            </a:r>
-            <a:r>
-              <a:rPr lang="en-US" b="0" dirty="0"/>
-              <a:t> points that belong to the </a:t>
-            </a:r>
-            <a:r>
-              <a:rPr lang="en-US" i="1" dirty="0"/>
-              <a:t>skyline</a:t>
-            </a:r>
-            <a:r>
-              <a:rPr lang="en-US" b="0" dirty="0"/>
-              <a:t> set.</a:t>
+              <a:t>retrieve the k skyline points that dominate the highest number of other points</a:t>
             </a:r>
           </a:p>
         </p:txBody>
@@ -27850,33 +28286,85 @@
         </p:nvSpPr>
         <p:spPr>
           <a:xfrm>
-            <a:off x="6892801" y="2567781"/>
-            <a:ext cx="5157787" cy="3684588"/>
+            <a:off x="5942543" y="3377464"/>
+            <a:ext cx="5157787" cy="2254110"/>
           </a:xfrm>
         </p:spPr>
         <p:txBody>
           <a:bodyPr/>
           <a:lstStyle/>
           <a:p>
+            <a:pPr marL="342900" indent="-342900">
+              <a:buFont typeface="+mj-lt"/>
+              <a:buAutoNum type="arabicPeriod"/>
+            </a:pPr>
             <a:r>
               <a:rPr lang="en-US" dirty="0"/>
-              <a:t>Lorem ipsum dolor sit amet, consectetuer adipiscing elit. Maecenas porttitor congue massa. Fusce posuere, magna sed pulvinar ultricies, purus lectus malesuada libero, sit amet commodo magna eros quis urna. Nunc viverra imperdiet enim. Fusce est. Vivamus a tellus.</a:t>
+              <a:t>Get the skyline points as described on task 1</a:t>
             </a:r>
           </a:p>
           <a:p>
+            <a:pPr marL="342900" indent="-342900">
+              <a:buFont typeface="+mj-lt"/>
+              <a:buAutoNum type="arabicPeriod"/>
+            </a:pPr>
             <a:r>
               <a:rPr lang="en-US" dirty="0"/>
-              <a:t>Pellentesque habitant morbi tristique senectus et netus et malesuada fames ac turpis egestas. Proin pharetra nonummy pede. Mauris et orci.</a:t>
+              <a:t>Get the number of dominated points for each one of them</a:t>
             </a:r>
           </a:p>
           <a:p>
-            <a:endParaRPr lang="en-US" dirty="0"/>
+            <a:pPr marL="342900" indent="-342900">
+              <a:buFont typeface="+mj-lt"/>
+              <a:buAutoNum type="arabicPeriod"/>
+            </a:pPr>
+            <a:r>
+              <a:rPr lang="en-US" dirty="0"/>
+              <a:t>Sort by the number of dominations in descending order</a:t>
+            </a:r>
           </a:p>
           <a:p>
-            <a:endParaRPr lang="en-US" dirty="0"/>
+            <a:pPr marL="342900" indent="-342900">
+              <a:buFont typeface="+mj-lt"/>
+              <a:buAutoNum type="arabicPeriod"/>
+            </a:pPr>
+            <a:r>
+              <a:rPr lang="en-US" dirty="0"/>
+              <a:t>Get the first k points</a:t>
+            </a:r>
           </a:p>
         </p:txBody>
       </p:sp>
+      <p:pic>
+        <p:nvPicPr>
+          <p:cNvPr id="5" name="Εικόνα 4">
+            <a:extLst>
+              <a:ext uri="{FF2B5EF4-FFF2-40B4-BE49-F238E27FC236}">
+                <a16:creationId xmlns:a16="http://schemas.microsoft.com/office/drawing/2014/main" id="{E096E044-75C3-A353-D75B-C4AF0C2863AD}"/>
+              </a:ext>
+            </a:extLst>
+          </p:cNvPr>
+          <p:cNvPicPr>
+            <a:picLocks noChangeAspect="1"/>
+          </p:cNvPicPr>
+          <p:nvPr/>
+        </p:nvPicPr>
+        <p:blipFill>
+          <a:blip r:embed="rId2"/>
+          <a:stretch>
+            <a:fillRect/>
+          </a:stretch>
+        </p:blipFill>
+        <p:spPr>
+          <a:xfrm>
+            <a:off x="141412" y="2328837"/>
+            <a:ext cx="5368566" cy="4351364"/>
+          </a:xfrm>
+          <a:prstGeom prst="rect">
+            <a:avLst/>
+          </a:prstGeom>
+        </p:spPr>
+      </p:pic>
     </p:spTree>
     <p:extLst>
       <p:ext uri="{BB962C8B-B14F-4D97-AF65-F5344CB8AC3E}">
@@ -29814,7 +30302,7 @@
         </p:nvSpPr>
         <p:spPr>
           <a:xfrm>
-            <a:off x="7635834" y="1494919"/>
+            <a:off x="7610434" y="3235100"/>
             <a:ext cx="4334494" cy="923330"/>
           </a:xfrm>
           <a:prstGeom prst="rect">
@@ -29989,7 +30477,7 @@
         </p:nvSpPr>
         <p:spPr>
           <a:xfrm>
-            <a:off x="7249885" y="1675410"/>
+            <a:off x="7190619" y="2793347"/>
             <a:ext cx="4868883" cy="2031325"/>
           </a:xfrm>
           <a:prstGeom prst="rect">
@@ -30010,7 +30498,7 @@
                   <a:schemeClr val="bg1"/>
                 </a:solidFill>
               </a:rPr>
-              <a:t>While the sample size increases, we can see that execution time increases too.</a:t>
+              <a:t>We can see that the execution time seems to increase in a linear fashion while the samples increase</a:t>
             </a:r>
           </a:p>
           <a:p>
@@ -30029,16 +30517,7 @@
                   <a:schemeClr val="bg1"/>
                 </a:solidFill>
               </a:rPr>
-              <a:t>Especially for Task 2 (orange line), the execution time increases rapidly (26.633sec for 500k dataset </a:t>
-            </a:r>
-            <a:r>
-              <a:rPr lang="en-US" dirty="0">
-                <a:solidFill>
-                  <a:schemeClr val="bg1"/>
-                </a:solidFill>
-                <a:sym typeface="Wingdings" panose="05000000000000000000" pitchFamily="2" charset="2"/>
-              </a:rPr>
-              <a:t> 90.135sec for 2M dataset).</a:t>
+              <a:t>The most time consuming process is clearly the calculation of the top k points as we would have expected</a:t>
             </a:r>
             <a:endParaRPr lang="en-150" dirty="0">
               <a:solidFill>
@@ -32003,8 +32482,8 @@
         </p:nvSpPr>
         <p:spPr>
           <a:xfrm>
-            <a:off x="7249885" y="1675410"/>
-            <a:ext cx="4868883" cy="646331"/>
+            <a:off x="7165219" y="2681103"/>
+            <a:ext cx="4868883" cy="2031325"/>
           </a:xfrm>
           <a:prstGeom prst="rect">
             <a:avLst/>
@@ -32024,7 +32503,26 @@
                   <a:schemeClr val="bg1"/>
                 </a:solidFill>
               </a:rPr>
-              <a:t>Especially for Task 2, the execution time is almost 50% lower in correlated distribution. </a:t>
+              <a:t>Especially for Task 2, the execution time is almost 50% lower in correlated distribution.</a:t>
+            </a:r>
+          </a:p>
+          <a:p>
+            <a:pPr algn="just"/>
+            <a:endParaRPr lang="en-US" dirty="0">
+              <a:solidFill>
+                <a:schemeClr val="bg1"/>
+              </a:solidFill>
+            </a:endParaRPr>
+          </a:p>
+          <a:p>
+            <a:pPr algn="just"/>
+            <a:r>
+              <a:rPr lang="en-US" dirty="0">
+                <a:solidFill>
+                  <a:schemeClr val="bg1"/>
+                </a:solidFill>
+              </a:rPr>
+              <a:t>This was expected because the top k points in a correlated dataset are at the biggening of the axes and they are found easier by the algorithm</a:t>
             </a:r>
             <a:endParaRPr lang="en-150" dirty="0">
               <a:solidFill>
@@ -33434,7 +33932,7 @@
         </p:nvSpPr>
         <p:spPr>
           <a:xfrm>
-            <a:off x="7107381" y="1471184"/>
+            <a:off x="7107381" y="3046848"/>
             <a:ext cx="4868883" cy="923330"/>
           </a:xfrm>
           <a:prstGeom prst="rect">
@@ -34473,30 +34971,213 @@
         </p:nvSpPr>
         <p:spPr>
           <a:xfrm>
-            <a:off x="6892801" y="2567781"/>
-            <a:ext cx="5157787" cy="3684588"/>
+            <a:off x="4561977" y="2446315"/>
+            <a:ext cx="5157787" cy="3806054"/>
           </a:xfrm>
         </p:spPr>
         <p:txBody>
-          <a:bodyPr/>
+          <a:bodyPr>
+            <a:normAutofit lnSpcReduction="10000"/>
+          </a:bodyPr>
           <a:lstStyle/>
           <a:p>
-            <a:r>
-              <a:rPr lang="en-US" dirty="0"/>
-              <a:t>Lorem ipsum dolor sit amet, consectetuer adipiscing elit. Maecenas porttitor congue massa. Fusce posuere, magna sed pulvinar ultricies, purus lectus malesuada libero, sit amet commodo magna eros quis urna. Nunc viverra imperdiet enim. Fusce est. Vivamus a tellus.</a:t>
+            <a:pPr marL="342900" lvl="0" indent="-342900" algn="just">
+              <a:spcBef>
+                <a:spcPts val="900"/>
+              </a:spcBef>
+              <a:spcAft>
+                <a:spcPts val="400"/>
+              </a:spcAft>
+              <a:buFont typeface="+mj-lt"/>
+              <a:buAutoNum type="arabicPeriod"/>
+            </a:pPr>
+            <a:r>
+              <a:rPr lang="en-US" sz="1800" b="0" dirty="0">
+                <a:effectLst/>
+                <a:ea typeface="Times New Roman" panose="02020603050405020304" pitchFamily="18" charset="0"/>
+              </a:rPr>
+              <a:t>Sort the dataset based on the sum of the coordinates</a:t>
             </a:r>
           </a:p>
           <a:p>
-            <a:r>
-              <a:rPr lang="en-US" dirty="0"/>
-              <a:t>Pellentesque habitant morbi tristique senectus et netus et malesuada fames ac turpis egestas. Proin pharetra nonummy pede. Mauris et orci.</a:t>
-            </a:r>
+            <a:pPr marL="342900" lvl="0" indent="-342900" algn="just">
+              <a:spcBef>
+                <a:spcPts val="900"/>
+              </a:spcBef>
+              <a:spcAft>
+                <a:spcPts val="400"/>
+              </a:spcAft>
+              <a:buFont typeface="+mj-lt"/>
+              <a:buAutoNum type="arabicPeriod"/>
+            </a:pPr>
+            <a:r>
+              <a:rPr lang="en-US" sz="1800" b="0" dirty="0">
+                <a:effectLst/>
+                <a:ea typeface="Times New Roman" panose="02020603050405020304" pitchFamily="18" charset="0"/>
+              </a:rPr>
+              <a:t>Initialize the first point of the sorted dataset as skyline point.</a:t>
+            </a:r>
+            <a:endParaRPr lang="el-GR" sz="1800" b="1" dirty="0">
+              <a:effectLst/>
+              <a:ea typeface="Times New Roman" panose="02020603050405020304" pitchFamily="18" charset="0"/>
+            </a:endParaRPr>
           </a:p>
           <a:p>
-            <a:endParaRPr lang="en-US" dirty="0"/>
+            <a:pPr marL="342900" lvl="0" indent="-342900" algn="just">
+              <a:spcBef>
+                <a:spcPts val="900"/>
+              </a:spcBef>
+              <a:spcAft>
+                <a:spcPts val="400"/>
+              </a:spcAft>
+              <a:buFont typeface="+mj-lt"/>
+              <a:buAutoNum type="arabicPeriod"/>
+            </a:pPr>
+            <a:r>
+              <a:rPr lang="en-US" sz="1800" b="0" dirty="0">
+                <a:effectLst/>
+                <a:ea typeface="Times New Roman" panose="02020603050405020304" pitchFamily="18" charset="0"/>
+              </a:rPr>
+              <a:t>Read the next point </a:t>
+            </a:r>
+            <a:r>
+              <a:rPr lang="en-US" sz="1800" b="0" i="1" dirty="0">
+                <a:effectLst/>
+                <a:ea typeface="Times New Roman" panose="02020603050405020304" pitchFamily="18" charset="0"/>
+              </a:rPr>
+              <a:t>p </a:t>
+            </a:r>
+            <a:r>
+              <a:rPr lang="en-US" sz="1800" b="0" dirty="0">
+                <a:effectLst/>
+                <a:ea typeface="Times New Roman" panose="02020603050405020304" pitchFamily="18" charset="0"/>
+              </a:rPr>
+              <a:t>from the dataset.</a:t>
+            </a:r>
+            <a:endParaRPr lang="el-GR" sz="1800" b="1" dirty="0">
+              <a:effectLst/>
+              <a:ea typeface="Times New Roman" panose="02020603050405020304" pitchFamily="18" charset="0"/>
+            </a:endParaRPr>
           </a:p>
           <a:p>
-            <a:endParaRPr lang="en-US" dirty="0"/>
+            <a:pPr marL="342900" lvl="0" indent="-342900" algn="just">
+              <a:spcBef>
+                <a:spcPts val="900"/>
+              </a:spcBef>
+              <a:spcAft>
+                <a:spcPts val="400"/>
+              </a:spcAft>
+              <a:buFont typeface="+mj-lt"/>
+              <a:buAutoNum type="arabicPeriod"/>
+            </a:pPr>
+            <a:r>
+              <a:rPr lang="en-US" sz="1800" b="0" dirty="0">
+                <a:effectLst/>
+                <a:ea typeface="Times New Roman" panose="02020603050405020304" pitchFamily="18" charset="0"/>
+              </a:rPr>
+              <a:t>If point </a:t>
+            </a:r>
+            <a:r>
+              <a:rPr lang="en-US" sz="1800" b="0" i="1" dirty="0">
+                <a:effectLst/>
+                <a:ea typeface="Times New Roman" panose="02020603050405020304" pitchFamily="18" charset="0"/>
+              </a:rPr>
+              <a:t>p </a:t>
+            </a:r>
+            <a:r>
+              <a:rPr lang="en-US" sz="1800" b="0" dirty="0">
+                <a:effectLst/>
+                <a:ea typeface="Times New Roman" panose="02020603050405020304" pitchFamily="18" charset="0"/>
+              </a:rPr>
+              <a:t>dominates one of the current skyline points, remove this skyline point from the set.</a:t>
+            </a:r>
+            <a:endParaRPr lang="el-GR" sz="1800" b="1" dirty="0">
+              <a:effectLst/>
+              <a:ea typeface="Times New Roman" panose="02020603050405020304" pitchFamily="18" charset="0"/>
+            </a:endParaRPr>
+          </a:p>
+          <a:p>
+            <a:pPr marL="342900" lvl="0" indent="-342900" algn="just">
+              <a:spcBef>
+                <a:spcPts val="900"/>
+              </a:spcBef>
+              <a:spcAft>
+                <a:spcPts val="400"/>
+              </a:spcAft>
+              <a:buFont typeface="+mj-lt"/>
+              <a:buAutoNum type="arabicPeriod"/>
+            </a:pPr>
+            <a:r>
+              <a:rPr lang="en-US" sz="1800" b="0" dirty="0">
+                <a:effectLst/>
+                <a:ea typeface="Times New Roman" panose="02020603050405020304" pitchFamily="18" charset="0"/>
+              </a:rPr>
+              <a:t>If point </a:t>
+            </a:r>
+            <a:r>
+              <a:rPr lang="en-US" sz="1800" b="0" i="1" dirty="0">
+                <a:effectLst/>
+                <a:ea typeface="Times New Roman" panose="02020603050405020304" pitchFamily="18" charset="0"/>
+              </a:rPr>
+              <a:t>p </a:t>
+            </a:r>
+            <a:r>
+              <a:rPr lang="en-US" sz="1800" b="0" dirty="0">
+                <a:effectLst/>
+                <a:ea typeface="Times New Roman" panose="02020603050405020304" pitchFamily="18" charset="0"/>
+              </a:rPr>
+              <a:t>is not dominated by any point from the skyline set, insert in into the skyline set.</a:t>
+            </a:r>
+            <a:endParaRPr lang="el-GR" sz="1800" b="1" dirty="0">
+              <a:effectLst/>
+              <a:ea typeface="Times New Roman" panose="02020603050405020304" pitchFamily="18" charset="0"/>
+            </a:endParaRPr>
+          </a:p>
+          <a:p>
+            <a:pPr marL="342900" lvl="0" indent="-342900" algn="just">
+              <a:spcBef>
+                <a:spcPts val="900"/>
+              </a:spcBef>
+              <a:spcAft>
+                <a:spcPts val="400"/>
+              </a:spcAft>
+              <a:buFont typeface="+mj-lt"/>
+              <a:buAutoNum type="arabicPeriod"/>
+            </a:pPr>
+            <a:r>
+              <a:rPr lang="en-US" sz="1800" b="0" dirty="0">
+                <a:effectLst/>
+                <a:ea typeface="Times New Roman" panose="02020603050405020304" pitchFamily="18" charset="0"/>
+              </a:rPr>
+              <a:t>Go to step-3 until there are no other points to read from the dataset.</a:t>
+            </a:r>
+            <a:endParaRPr lang="el-GR" sz="1800" b="1" dirty="0">
+              <a:effectLst/>
+              <a:ea typeface="Times New Roman" panose="02020603050405020304" pitchFamily="18" charset="0"/>
+            </a:endParaRPr>
+          </a:p>
+          <a:p>
+            <a:pPr marL="342900" lvl="0" indent="-342900" algn="just">
+              <a:spcBef>
+                <a:spcPts val="900"/>
+              </a:spcBef>
+              <a:spcAft>
+                <a:spcPts val="400"/>
+              </a:spcAft>
+              <a:buFont typeface="+mj-lt"/>
+              <a:buAutoNum type="arabicPeriod"/>
+            </a:pPr>
+            <a:r>
+              <a:rPr lang="en-US" sz="1800" b="0" dirty="0">
+                <a:effectLst/>
+                <a:ea typeface="Times New Roman" panose="02020603050405020304" pitchFamily="18" charset="0"/>
+              </a:rPr>
+              <a:t>Return the skyline set.</a:t>
+            </a:r>
+            <a:endParaRPr lang="el-GR" sz="1800" b="1" dirty="0">
+              <a:effectLst/>
+              <a:ea typeface="Times New Roman" panose="02020603050405020304" pitchFamily="18" charset="0"/>
+            </a:endParaRPr>
           </a:p>
         </p:txBody>
       </p:sp>
@@ -34673,7 +35354,7 @@
     </p:spTree>
     <p:extLst>
       <p:ext uri="{BB962C8B-B14F-4D97-AF65-F5344CB8AC3E}">
-        <p14:creationId xmlns:p14="http://schemas.microsoft.com/office/powerpoint/2010/main" val="3607270498"/>
+        <p14:creationId xmlns:p14="http://schemas.microsoft.com/office/powerpoint/2010/main" val="365677538"/>
       </p:ext>
     </p:extLst>
   </p:cSld>
@@ -34696,6 +35377,504 @@
 </file>
 
 <file path=ppt/slides/slide6.xml><?xml version="1.0" encoding="utf-8"?>
+<p:sld xmlns:a="http://schemas.openxmlformats.org/drawingml/2006/main" xmlns:r="http://schemas.openxmlformats.org/officeDocument/2006/relationships" xmlns:p="http://schemas.openxmlformats.org/presentationml/2006/main">
+  <p:cSld>
+    <p:spTree>
+      <p:nvGrpSpPr>
+        <p:cNvPr id="1" name=""/>
+        <p:cNvGrpSpPr/>
+        <p:nvPr/>
+      </p:nvGrpSpPr>
+      <p:grpSpPr>
+        <a:xfrm>
+          <a:off x="0" y="0"/>
+          <a:ext cx="0" cy="0"/>
+          <a:chOff x="0" y="0"/>
+          <a:chExt cx="0" cy="0"/>
+        </a:xfrm>
+      </p:grpSpPr>
+      <p:sp>
+        <p:nvSpPr>
+          <p:cNvPr id="4" name="Title 3">
+            <a:extLst>
+              <a:ext uri="{FF2B5EF4-FFF2-40B4-BE49-F238E27FC236}">
+                <a16:creationId xmlns:a16="http://schemas.microsoft.com/office/drawing/2014/main" id="{315E3981-F0D7-482C-A8E0-6A57700BECA7}"/>
+              </a:ext>
+            </a:extLst>
+          </p:cNvPr>
+          <p:cNvSpPr>
+            <a:spLocks noGrp="1"/>
+          </p:cNvSpPr>
+          <p:nvPr>
+            <p:ph type="title"/>
+          </p:nvPr>
+        </p:nvSpPr>
+        <p:spPr/>
+        <p:txBody>
+          <a:bodyPr/>
+          <a:lstStyle/>
+          <a:p>
+            <a:r>
+              <a:rPr lang="en-US" dirty="0"/>
+              <a:t>Example</a:t>
+            </a:r>
+          </a:p>
+        </p:txBody>
+      </p:sp>
+      <p:sp>
+        <p:nvSpPr>
+          <p:cNvPr id="2" name="Slide Number Placeholder 1">
+            <a:extLst>
+              <a:ext uri="{FF2B5EF4-FFF2-40B4-BE49-F238E27FC236}">
+                <a16:creationId xmlns:a16="http://schemas.microsoft.com/office/drawing/2014/main" id="{520FC4EE-F318-4344-9E3C-B950ADB63865}"/>
+              </a:ext>
+            </a:extLst>
+          </p:cNvPr>
+          <p:cNvSpPr>
+            <a:spLocks noGrp="1"/>
+          </p:cNvSpPr>
+          <p:nvPr>
+            <p:ph type="sldNum" sz="quarter" idx="12"/>
+          </p:nvPr>
+        </p:nvSpPr>
+        <p:spPr/>
+        <p:txBody>
+          <a:bodyPr/>
+          <a:lstStyle/>
+          <a:p>
+            <a:fld id="{C263D6C4-4840-40CC-AC84-17E24B3B7BDE}" type="slidenum">
+              <a:rPr lang="en-US" smtClean="0"/>
+              <a:pPr/>
+              <a:t>6</a:t>
+            </a:fld>
+            <a:endParaRPr lang="en-US" dirty="0"/>
+          </a:p>
+        </p:txBody>
+      </p:sp>
+      <p:sp>
+        <p:nvSpPr>
+          <p:cNvPr id="8" name="Text Placeholder 7">
+            <a:extLst>
+              <a:ext uri="{FF2B5EF4-FFF2-40B4-BE49-F238E27FC236}">
+                <a16:creationId xmlns:a16="http://schemas.microsoft.com/office/drawing/2014/main" id="{47DC4E62-1A34-4F98-A451-214F1808519C}"/>
+              </a:ext>
+            </a:extLst>
+          </p:cNvPr>
+          <p:cNvSpPr>
+            <a:spLocks noGrp="1"/>
+          </p:cNvSpPr>
+          <p:nvPr>
+            <p:ph type="body" sz="quarter" idx="2"/>
+          </p:nvPr>
+        </p:nvSpPr>
+        <p:spPr>
+          <a:xfrm>
+            <a:off x="5108824" y="1971185"/>
+            <a:ext cx="5157787" cy="3806054"/>
+          </a:xfrm>
+        </p:spPr>
+        <p:txBody>
+          <a:bodyPr>
+            <a:normAutofit lnSpcReduction="10000"/>
+          </a:bodyPr>
+          <a:lstStyle/>
+          <a:p>
+            <a:pPr marL="342900" lvl="0" indent="-342900" algn="just">
+              <a:spcBef>
+                <a:spcPts val="900"/>
+              </a:spcBef>
+              <a:spcAft>
+                <a:spcPts val="400"/>
+              </a:spcAft>
+              <a:buFont typeface="+mj-lt"/>
+              <a:buAutoNum type="arabicPeriod"/>
+            </a:pPr>
+            <a:r>
+              <a:rPr lang="en-US" sz="1800" b="0" dirty="0">
+                <a:effectLst/>
+                <a:ea typeface="Times New Roman" panose="02020603050405020304" pitchFamily="18" charset="0"/>
+              </a:rPr>
+              <a:t>Sort the dataset based on the sum of the coordinates</a:t>
+            </a:r>
+          </a:p>
+          <a:p>
+            <a:pPr marL="342900" lvl="0" indent="-342900" algn="just">
+              <a:spcBef>
+                <a:spcPts val="900"/>
+              </a:spcBef>
+              <a:spcAft>
+                <a:spcPts val="400"/>
+              </a:spcAft>
+              <a:buFont typeface="+mj-lt"/>
+              <a:buAutoNum type="arabicPeriod"/>
+            </a:pPr>
+            <a:r>
+              <a:rPr lang="en-US" sz="1800" b="0" dirty="0">
+                <a:effectLst/>
+                <a:ea typeface="Times New Roman" panose="02020603050405020304" pitchFamily="18" charset="0"/>
+              </a:rPr>
+              <a:t>Initialize the first point of the sorted dataset as skyline point.</a:t>
+            </a:r>
+            <a:endParaRPr lang="el-GR" sz="1800" b="1" dirty="0">
+              <a:effectLst/>
+              <a:ea typeface="Times New Roman" panose="02020603050405020304" pitchFamily="18" charset="0"/>
+            </a:endParaRPr>
+          </a:p>
+          <a:p>
+            <a:pPr marL="342900" lvl="0" indent="-342900" algn="just">
+              <a:spcBef>
+                <a:spcPts val="900"/>
+              </a:spcBef>
+              <a:spcAft>
+                <a:spcPts val="400"/>
+              </a:spcAft>
+              <a:buFont typeface="+mj-lt"/>
+              <a:buAutoNum type="arabicPeriod"/>
+            </a:pPr>
+            <a:r>
+              <a:rPr lang="en-US" sz="1800" b="0" dirty="0">
+                <a:effectLst/>
+                <a:ea typeface="Times New Roman" panose="02020603050405020304" pitchFamily="18" charset="0"/>
+              </a:rPr>
+              <a:t>Read the next point </a:t>
+            </a:r>
+            <a:r>
+              <a:rPr lang="en-US" sz="1800" b="0" i="1" dirty="0">
+                <a:effectLst/>
+                <a:ea typeface="Times New Roman" panose="02020603050405020304" pitchFamily="18" charset="0"/>
+              </a:rPr>
+              <a:t>p </a:t>
+            </a:r>
+            <a:r>
+              <a:rPr lang="en-US" sz="1800" b="0" dirty="0">
+                <a:effectLst/>
+                <a:ea typeface="Times New Roman" panose="02020603050405020304" pitchFamily="18" charset="0"/>
+              </a:rPr>
+              <a:t>from the dataset.</a:t>
+            </a:r>
+            <a:endParaRPr lang="el-GR" sz="1800" b="1" dirty="0">
+              <a:effectLst/>
+              <a:ea typeface="Times New Roman" panose="02020603050405020304" pitchFamily="18" charset="0"/>
+            </a:endParaRPr>
+          </a:p>
+          <a:p>
+            <a:pPr marL="342900" lvl="0" indent="-342900" algn="just">
+              <a:spcBef>
+                <a:spcPts val="900"/>
+              </a:spcBef>
+              <a:spcAft>
+                <a:spcPts val="400"/>
+              </a:spcAft>
+              <a:buFont typeface="+mj-lt"/>
+              <a:buAutoNum type="arabicPeriod"/>
+            </a:pPr>
+            <a:r>
+              <a:rPr lang="en-US" sz="1800" b="0" dirty="0">
+                <a:effectLst/>
+                <a:ea typeface="Times New Roman" panose="02020603050405020304" pitchFamily="18" charset="0"/>
+              </a:rPr>
+              <a:t>If point </a:t>
+            </a:r>
+            <a:r>
+              <a:rPr lang="en-US" sz="1800" b="0" i="1" dirty="0">
+                <a:effectLst/>
+                <a:ea typeface="Times New Roman" panose="02020603050405020304" pitchFamily="18" charset="0"/>
+              </a:rPr>
+              <a:t>p </a:t>
+            </a:r>
+            <a:r>
+              <a:rPr lang="en-US" sz="1800" b="0" dirty="0">
+                <a:effectLst/>
+                <a:ea typeface="Times New Roman" panose="02020603050405020304" pitchFamily="18" charset="0"/>
+              </a:rPr>
+              <a:t>dominates one of the current skyline points, remove this skyline point from the set.</a:t>
+            </a:r>
+            <a:endParaRPr lang="el-GR" sz="1800" b="1" dirty="0">
+              <a:effectLst/>
+              <a:ea typeface="Times New Roman" panose="02020603050405020304" pitchFamily="18" charset="0"/>
+            </a:endParaRPr>
+          </a:p>
+          <a:p>
+            <a:pPr marL="342900" lvl="0" indent="-342900" algn="just">
+              <a:spcBef>
+                <a:spcPts val="900"/>
+              </a:spcBef>
+              <a:spcAft>
+                <a:spcPts val="400"/>
+              </a:spcAft>
+              <a:buFont typeface="+mj-lt"/>
+              <a:buAutoNum type="arabicPeriod"/>
+            </a:pPr>
+            <a:r>
+              <a:rPr lang="en-US" sz="1800" b="0" dirty="0">
+                <a:effectLst/>
+                <a:ea typeface="Times New Roman" panose="02020603050405020304" pitchFamily="18" charset="0"/>
+              </a:rPr>
+              <a:t>If point </a:t>
+            </a:r>
+            <a:r>
+              <a:rPr lang="en-US" sz="1800" b="0" i="1" dirty="0">
+                <a:effectLst/>
+                <a:ea typeface="Times New Roman" panose="02020603050405020304" pitchFamily="18" charset="0"/>
+              </a:rPr>
+              <a:t>p </a:t>
+            </a:r>
+            <a:r>
+              <a:rPr lang="en-US" sz="1800" b="0" dirty="0">
+                <a:effectLst/>
+                <a:ea typeface="Times New Roman" panose="02020603050405020304" pitchFamily="18" charset="0"/>
+              </a:rPr>
+              <a:t>is not dominated by any point from the skyline set, insert in into the skyline set.</a:t>
+            </a:r>
+            <a:endParaRPr lang="el-GR" sz="1800" b="1" dirty="0">
+              <a:effectLst/>
+              <a:ea typeface="Times New Roman" panose="02020603050405020304" pitchFamily="18" charset="0"/>
+            </a:endParaRPr>
+          </a:p>
+          <a:p>
+            <a:pPr marL="342900" lvl="0" indent="-342900" algn="just">
+              <a:spcBef>
+                <a:spcPts val="900"/>
+              </a:spcBef>
+              <a:spcAft>
+                <a:spcPts val="400"/>
+              </a:spcAft>
+              <a:buFont typeface="+mj-lt"/>
+              <a:buAutoNum type="arabicPeriod"/>
+            </a:pPr>
+            <a:r>
+              <a:rPr lang="en-US" sz="1800" b="0" dirty="0">
+                <a:effectLst/>
+                <a:ea typeface="Times New Roman" panose="02020603050405020304" pitchFamily="18" charset="0"/>
+              </a:rPr>
+              <a:t>Go to step-3 until there are no other points to read from the dataset.</a:t>
+            </a:r>
+            <a:endParaRPr lang="el-GR" sz="1800" b="1" dirty="0">
+              <a:effectLst/>
+              <a:ea typeface="Times New Roman" panose="02020603050405020304" pitchFamily="18" charset="0"/>
+            </a:endParaRPr>
+          </a:p>
+          <a:p>
+            <a:pPr marL="342900" lvl="0" indent="-342900" algn="just">
+              <a:spcBef>
+                <a:spcPts val="900"/>
+              </a:spcBef>
+              <a:spcAft>
+                <a:spcPts val="400"/>
+              </a:spcAft>
+              <a:buFont typeface="+mj-lt"/>
+              <a:buAutoNum type="arabicPeriod"/>
+            </a:pPr>
+            <a:r>
+              <a:rPr lang="en-US" sz="1800" b="0" dirty="0">
+                <a:effectLst/>
+                <a:ea typeface="Times New Roman" panose="02020603050405020304" pitchFamily="18" charset="0"/>
+              </a:rPr>
+              <a:t>Return the skyline set.</a:t>
+            </a:r>
+            <a:endParaRPr lang="el-GR" sz="1800" b="1" dirty="0">
+              <a:effectLst/>
+              <a:ea typeface="Times New Roman" panose="02020603050405020304" pitchFamily="18" charset="0"/>
+            </a:endParaRPr>
+          </a:p>
+        </p:txBody>
+      </p:sp>
+      <p:sp>
+        <p:nvSpPr>
+          <p:cNvPr id="16" name="TextBox 15">
+            <a:extLst>
+              <a:ext uri="{FF2B5EF4-FFF2-40B4-BE49-F238E27FC236}">
+                <a16:creationId xmlns:a16="http://schemas.microsoft.com/office/drawing/2014/main" id="{6E9C669F-25DE-441B-66D9-A361F6749E30}"/>
+              </a:ext>
+            </a:extLst>
+          </p:cNvPr>
+          <p:cNvSpPr txBox="1"/>
+          <p:nvPr/>
+        </p:nvSpPr>
+        <p:spPr>
+          <a:xfrm>
+            <a:off x="5587999" y="6218535"/>
+            <a:ext cx="5393266" cy="461665"/>
+          </a:xfrm>
+          <a:prstGeom prst="rect">
+            <a:avLst/>
+          </a:prstGeom>
+          <a:noFill/>
+        </p:spPr>
+        <p:txBody>
+          <a:bodyPr wrap="square" rtlCol="0">
+            <a:spAutoFit/>
+          </a:bodyPr>
+          <a:lstStyle/>
+          <a:p>
+            <a:r>
+              <a:rPr lang="el-GR" sz="1200" dirty="0">
+                <a:solidFill>
+                  <a:schemeClr val="bg1"/>
+                </a:solidFill>
+              </a:rPr>
+              <a:t>*</a:t>
+            </a:r>
+            <a:r>
+              <a:rPr lang="en-US" sz="1200" dirty="0">
+                <a:solidFill>
+                  <a:schemeClr val="bg1"/>
+                </a:solidFill>
+              </a:rPr>
+              <a:t>One point </a:t>
+            </a:r>
+            <a:r>
+              <a:rPr lang="en-US" sz="1200" i="1" dirty="0">
+                <a:solidFill>
+                  <a:schemeClr val="bg1"/>
+                </a:solidFill>
+              </a:rPr>
+              <a:t>p </a:t>
+            </a:r>
+            <a:r>
+              <a:rPr lang="en-US" sz="1200" b="1" dirty="0">
+                <a:solidFill>
+                  <a:schemeClr val="bg1"/>
+                </a:solidFill>
+              </a:rPr>
+              <a:t>dominates </a:t>
+            </a:r>
+            <a:r>
+              <a:rPr lang="en-US" sz="1200" dirty="0">
+                <a:solidFill>
+                  <a:schemeClr val="bg1"/>
+                </a:solidFill>
+              </a:rPr>
+              <a:t>another point </a:t>
+            </a:r>
+            <a:r>
+              <a:rPr lang="en-US" sz="1200" i="1" dirty="0">
+                <a:solidFill>
+                  <a:schemeClr val="bg1"/>
+                </a:solidFill>
+              </a:rPr>
+              <a:t>q</a:t>
+            </a:r>
+            <a:r>
+              <a:rPr lang="en-US" sz="1200" dirty="0">
+                <a:solidFill>
+                  <a:schemeClr val="bg1"/>
+                </a:solidFill>
+              </a:rPr>
+              <a:t>, when p is not worse than </a:t>
+            </a:r>
+            <a:r>
+              <a:rPr lang="en-US" sz="1200" i="1" dirty="0">
+                <a:solidFill>
+                  <a:schemeClr val="bg1"/>
+                </a:solidFill>
+              </a:rPr>
+              <a:t>q </a:t>
+            </a:r>
+            <a:r>
+              <a:rPr lang="en-US" sz="1200" dirty="0">
+                <a:solidFill>
+                  <a:schemeClr val="bg1"/>
+                </a:solidFill>
+              </a:rPr>
+              <a:t>in any of the d-dimensions, or </a:t>
+            </a:r>
+            <a:r>
+              <a:rPr lang="en-US" sz="1200" i="1" dirty="0">
+                <a:solidFill>
+                  <a:schemeClr val="bg1"/>
+                </a:solidFill>
+              </a:rPr>
+              <a:t>p </a:t>
+            </a:r>
+            <a:r>
+              <a:rPr lang="en-US" sz="1200" dirty="0">
+                <a:solidFill>
+                  <a:schemeClr val="bg1"/>
+                </a:solidFill>
+              </a:rPr>
+              <a:t>is better than</a:t>
+            </a:r>
+            <a:r>
+              <a:rPr lang="en-US" sz="1200" i="1" dirty="0">
+                <a:solidFill>
+                  <a:schemeClr val="bg1"/>
+                </a:solidFill>
+              </a:rPr>
+              <a:t> q </a:t>
+            </a:r>
+            <a:r>
+              <a:rPr lang="en-US" sz="1200" dirty="0">
+                <a:solidFill>
+                  <a:schemeClr val="bg1"/>
+                </a:solidFill>
+              </a:rPr>
+              <a:t> in at least one of the d-dimensions.</a:t>
+            </a:r>
+            <a:endParaRPr lang="en-150" sz="1200" b="1" dirty="0">
+              <a:solidFill>
+                <a:schemeClr val="bg1"/>
+              </a:solidFill>
+            </a:endParaRPr>
+          </a:p>
+        </p:txBody>
+      </p:sp>
+      <p:pic>
+        <p:nvPicPr>
+          <p:cNvPr id="5" name="Εικόνα 4">
+            <a:extLst>
+              <a:ext uri="{FF2B5EF4-FFF2-40B4-BE49-F238E27FC236}">
+                <a16:creationId xmlns:a16="http://schemas.microsoft.com/office/drawing/2014/main" id="{889B4665-B069-D150-C478-1F4633C1FAA6}"/>
+              </a:ext>
+            </a:extLst>
+          </p:cNvPr>
+          <p:cNvPicPr>
+            <a:picLocks noChangeAspect="1"/>
+          </p:cNvPicPr>
+          <p:nvPr/>
+        </p:nvPicPr>
+        <p:blipFill>
+          <a:blip r:embed="rId2"/>
+          <a:stretch>
+            <a:fillRect/>
+          </a:stretch>
+        </p:blipFill>
+        <p:spPr>
+          <a:xfrm>
+            <a:off x="444500" y="1438903"/>
+            <a:ext cx="4267480" cy="5153900"/>
+          </a:xfrm>
+          <a:prstGeom prst="rect">
+            <a:avLst/>
+          </a:prstGeom>
+        </p:spPr>
+      </p:pic>
+    </p:spTree>
+    <p:extLst>
+      <p:ext uri="{BB962C8B-B14F-4D97-AF65-F5344CB8AC3E}">
+        <p14:creationId xmlns:p14="http://schemas.microsoft.com/office/powerpoint/2010/main" val="698637163"/>
+      </p:ext>
+    </p:extLst>
+  </p:cSld>
+  <p:clrMapOvr>
+    <a:masterClrMapping/>
+  </p:clrMapOvr>
+  <mc:AlternateContent xmlns:mc="http://schemas.openxmlformats.org/markup-compatibility/2006" xmlns:p14="http://schemas.microsoft.com/office/powerpoint/2010/main">
+    <mc:Choice Requires="p14">
+      <p:transition spd="med" p14:dur="700">
+        <p:fade/>
+      </p:transition>
+    </mc:Choice>
+    <mc:Fallback xmlns="">
+      <p:transition spd="med">
+        <p:fade/>
+      </p:transition>
+    </mc:Fallback>
+  </mc:AlternateContent>
+</p:sld>
+</file>
+
+<file path=ppt/slides/slide7.xml><?xml version="1.0" encoding="utf-8"?>
 <p:sld xmlns:a="http://schemas.openxmlformats.org/drawingml/2006/main" xmlns:r="http://schemas.openxmlformats.org/officeDocument/2006/relationships" xmlns:p="http://schemas.openxmlformats.org/presentationml/2006/main">
   <p:cSld>
     <p:spTree>
@@ -34776,7 +35955,7 @@
             <a:fld id="{C263D6C4-4840-40CC-AC84-17E24B3B7BDE}" type="slidenum">
               <a:rPr lang="en-US" smtClean="0"/>
               <a:pPr/>
-              <a:t>6</a:t>
+              <a:t>7</a:t>
             </a:fld>
             <a:endParaRPr lang="en-US" dirty="0"/>
           </a:p>
@@ -34807,7 +35986,7 @@
 </p:sld>
 </file>
 
-<file path=ppt/slides/slide7.xml><?xml version="1.0" encoding="utf-8"?>
+<file path=ppt/slides/slide8.xml><?xml version="1.0" encoding="utf-8"?>
 <p:sld xmlns:a="http://schemas.openxmlformats.org/drawingml/2006/main" xmlns:r="http://schemas.openxmlformats.org/officeDocument/2006/relationships" xmlns:p="http://schemas.openxmlformats.org/presentationml/2006/main">
   <p:cSld>
     <p:spTree>
@@ -34876,7 +36055,7 @@
             <a:fld id="{C263D6C4-4840-40CC-AC84-17E24B3B7BDE}" type="slidenum">
               <a:rPr lang="en-US" smtClean="0"/>
               <a:pPr/>
-              <a:t>7</a:t>
+              <a:t>8</a:t>
             </a:fld>
             <a:endParaRPr lang="en-US" dirty="0"/>
           </a:p>
@@ -35535,7 +36714,7 @@
 </p:sld>
 </file>
 
-<file path=ppt/slides/slide8.xml><?xml version="1.0" encoding="utf-8"?>
+<file path=ppt/slides/slide9.xml><?xml version="1.0" encoding="utf-8"?>
 <p:sld xmlns:a="http://schemas.openxmlformats.org/drawingml/2006/main" xmlns:r="http://schemas.openxmlformats.org/officeDocument/2006/relationships" xmlns:p="http://schemas.openxmlformats.org/presentationml/2006/main">
   <p:cSld>
     <p:spTree>
@@ -35610,7 +36789,7 @@
             <a:fld id="{C263D6C4-4840-40CC-AC84-17E24B3B7BDE}" type="slidenum">
               <a:rPr lang="en-US" noProof="0" smtClean="0"/>
               <a:pPr/>
-              <a:t>8</a:t>
+              <a:t>9</a:t>
             </a:fld>
             <a:endParaRPr lang="en-US" noProof="0" dirty="0"/>
           </a:p>
@@ -35896,687 +37075,6 @@
     <p:extLst>
       <p:ext uri="{BB962C8B-B14F-4D97-AF65-F5344CB8AC3E}">
         <p14:creationId xmlns:p14="http://schemas.microsoft.com/office/powerpoint/2010/main" val="3520210473"/>
-      </p:ext>
-    </p:extLst>
-  </p:cSld>
-  <p:clrMapOvr>
-    <a:masterClrMapping/>
-  </p:clrMapOvr>
-</p:sld>
-</file>
-
-<file path=ppt/slides/slide9.xml><?xml version="1.0" encoding="utf-8"?>
-<p:sld xmlns:a="http://schemas.openxmlformats.org/drawingml/2006/main" xmlns:r="http://schemas.openxmlformats.org/officeDocument/2006/relationships" xmlns:p="http://schemas.openxmlformats.org/presentationml/2006/main">
-  <p:cSld>
-    <p:spTree>
-      <p:nvGrpSpPr>
-        <p:cNvPr id="1" name=""/>
-        <p:cNvGrpSpPr/>
-        <p:nvPr/>
-      </p:nvGrpSpPr>
-      <p:grpSpPr>
-        <a:xfrm>
-          <a:off x="0" y="0"/>
-          <a:ext cx="0" cy="0"/>
-          <a:chOff x="0" y="0"/>
-          <a:chExt cx="0" cy="0"/>
-        </a:xfrm>
-      </p:grpSpPr>
-      <p:sp>
-        <p:nvSpPr>
-          <p:cNvPr id="2" name="Τίτλος 1">
-            <a:extLst>
-              <a:ext uri="{FF2B5EF4-FFF2-40B4-BE49-F238E27FC236}">
-                <a16:creationId xmlns:a16="http://schemas.microsoft.com/office/drawing/2014/main" id="{A6F23DA2-8C28-CC7D-B19C-5A54995DFB0A}"/>
-              </a:ext>
-            </a:extLst>
-          </p:cNvPr>
-          <p:cNvSpPr>
-            <a:spLocks noGrp="1"/>
-          </p:cNvSpPr>
-          <p:nvPr>
-            <p:ph type="title"/>
-          </p:nvPr>
-        </p:nvSpPr>
-        <p:spPr>
-          <a:xfrm>
-            <a:off x="444500" y="542925"/>
-            <a:ext cx="11214100" cy="535531"/>
-          </a:xfrm>
-        </p:spPr>
-        <p:txBody>
-          <a:bodyPr/>
-          <a:lstStyle/>
-          <a:p>
-            <a:r>
-              <a:rPr lang="en-US" dirty="0"/>
-              <a:t>Top 3 points example</a:t>
-            </a:r>
-            <a:endParaRPr lang="el-GR" dirty="0"/>
-          </a:p>
-        </p:txBody>
-      </p:sp>
-      <p:sp>
-        <p:nvSpPr>
-          <p:cNvPr id="3" name="Θέση αριθμού διαφάνειας 2">
-            <a:extLst>
-              <a:ext uri="{FF2B5EF4-FFF2-40B4-BE49-F238E27FC236}">
-                <a16:creationId xmlns:a16="http://schemas.microsoft.com/office/drawing/2014/main" id="{D641B237-C610-F2A4-99F9-5C44C21A7B66}"/>
-              </a:ext>
-            </a:extLst>
-          </p:cNvPr>
-          <p:cNvSpPr>
-            <a:spLocks noGrp="1"/>
-          </p:cNvSpPr>
-          <p:nvPr>
-            <p:ph type="sldNum" sz="quarter" idx="12"/>
-          </p:nvPr>
-        </p:nvSpPr>
-        <p:spPr/>
-        <p:txBody>
-          <a:bodyPr/>
-          <a:lstStyle/>
-          <a:p>
-            <a:fld id="{C263D6C4-4840-40CC-AC84-17E24B3B7BDE}" type="slidenum">
-              <a:rPr lang="en-US" noProof="0" smtClean="0"/>
-              <a:pPr/>
-              <a:t>9</a:t>
-            </a:fld>
-            <a:endParaRPr lang="en-US" noProof="0" dirty="0"/>
-          </a:p>
-        </p:txBody>
-      </p:sp>
-      <p:pic>
-        <p:nvPicPr>
-          <p:cNvPr id="9" name="Εικόνα 8">
-            <a:extLst>
-              <a:ext uri="{FF2B5EF4-FFF2-40B4-BE49-F238E27FC236}">
-                <a16:creationId xmlns:a16="http://schemas.microsoft.com/office/drawing/2014/main" id="{0D157B8C-BFA1-28D7-B5FE-ACD766EC772A}"/>
-              </a:ext>
-            </a:extLst>
-          </p:cNvPr>
-          <p:cNvPicPr>
-            <a:picLocks noChangeAspect="1"/>
-          </p:cNvPicPr>
-          <p:nvPr/>
-        </p:nvPicPr>
-        <p:blipFill>
-          <a:blip r:embed="rId2"/>
-          <a:srcRect/>
-          <a:stretch/>
-        </p:blipFill>
-        <p:spPr>
-          <a:xfrm>
-            <a:off x="444500" y="1350793"/>
-            <a:ext cx="6703357" cy="5433248"/>
-          </a:xfrm>
-          <a:prstGeom prst="rect">
-            <a:avLst/>
-          </a:prstGeom>
-        </p:spPr>
-      </p:pic>
-      <p:sp>
-        <p:nvSpPr>
-          <p:cNvPr id="10" name="TextBox 9">
-            <a:extLst>
-              <a:ext uri="{FF2B5EF4-FFF2-40B4-BE49-F238E27FC236}">
-                <a16:creationId xmlns:a16="http://schemas.microsoft.com/office/drawing/2014/main" id="{9CEF2B1F-6A04-E030-3B9B-D56E893BAF76}"/>
-              </a:ext>
-            </a:extLst>
-          </p:cNvPr>
-          <p:cNvSpPr txBox="1"/>
-          <p:nvPr/>
-        </p:nvSpPr>
-        <p:spPr>
-          <a:xfrm>
-            <a:off x="7496734" y="1350793"/>
-            <a:ext cx="4623548" cy="4803879"/>
-          </a:xfrm>
-          <a:prstGeom prst="rect">
-            <a:avLst/>
-          </a:prstGeom>
-          <a:noFill/>
-        </p:spPr>
-        <p:txBody>
-          <a:bodyPr wrap="square" rtlCol="0">
-            <a:spAutoFit/>
-          </a:bodyPr>
-          <a:lstStyle/>
-          <a:p>
-            <a:pPr marL="342900" lvl="0" indent="-342900" algn="just">
-              <a:spcBef>
-                <a:spcPts val="900"/>
-              </a:spcBef>
-              <a:spcAft>
-                <a:spcPts val="400"/>
-              </a:spcAft>
-              <a:buFont typeface="+mj-lt"/>
-              <a:buAutoNum type="arabicPeriod" startAt="6"/>
-            </a:pPr>
-            <a:r>
-              <a:rPr lang="en-US" sz="1400" b="0" dirty="0">
-                <a:solidFill>
-                  <a:schemeClr val="bg1"/>
-                </a:solidFill>
-                <a:effectLst/>
-                <a:ea typeface="Times New Roman" panose="02020603050405020304" pitchFamily="18" charset="0"/>
-              </a:rPr>
-              <a:t>Sort the </a:t>
-            </a:r>
-            <a:r>
-              <a:rPr lang="en-US" sz="1400" b="0" i="1" dirty="0">
-                <a:solidFill>
-                  <a:schemeClr val="accent1">
-                    <a:lumMod val="40000"/>
-                    <a:lumOff val="60000"/>
-                  </a:schemeClr>
-                </a:solidFill>
-                <a:effectLst/>
-                <a:ea typeface="Times New Roman" panose="02020603050405020304" pitchFamily="18" charset="0"/>
-              </a:rPr>
-              <a:t>candidate_points</a:t>
-            </a:r>
-            <a:r>
-              <a:rPr lang="en-US" sz="1400" b="0" dirty="0">
-                <a:solidFill>
-                  <a:schemeClr val="accent1">
-                    <a:lumMod val="40000"/>
-                    <a:lumOff val="60000"/>
-                  </a:schemeClr>
-                </a:solidFill>
-                <a:effectLst/>
-                <a:ea typeface="Times New Roman" panose="02020603050405020304" pitchFamily="18" charset="0"/>
-              </a:rPr>
-              <a:t> </a:t>
-            </a:r>
-            <a:r>
-              <a:rPr lang="en-US" sz="1400" b="0" dirty="0">
-                <a:solidFill>
-                  <a:schemeClr val="bg1"/>
-                </a:solidFill>
-                <a:effectLst/>
-                <a:ea typeface="Times New Roman" panose="02020603050405020304" pitchFamily="18" charset="0"/>
-              </a:rPr>
-              <a:t>list by the number of dominations in descending order</a:t>
-            </a:r>
-            <a:endParaRPr lang="el-GR" sz="1400" b="1" dirty="0">
-              <a:solidFill>
-                <a:schemeClr val="bg1"/>
-              </a:solidFill>
-              <a:effectLst/>
-              <a:ea typeface="Times New Roman" panose="02020603050405020304" pitchFamily="18" charset="0"/>
-            </a:endParaRPr>
-          </a:p>
-          <a:p>
-            <a:pPr marL="342900" lvl="0" indent="-342900" algn="just">
-              <a:spcBef>
-                <a:spcPts val="900"/>
-              </a:spcBef>
-              <a:spcAft>
-                <a:spcPts val="400"/>
-              </a:spcAft>
-              <a:buFont typeface="+mj-lt"/>
-              <a:buAutoNum type="arabicPeriod" startAt="6"/>
-            </a:pPr>
-            <a:r>
-              <a:rPr lang="en-US" sz="1400" b="0" dirty="0">
-                <a:solidFill>
-                  <a:schemeClr val="bg1"/>
-                </a:solidFill>
-                <a:effectLst/>
-                <a:ea typeface="Times New Roman" panose="02020603050405020304" pitchFamily="18" charset="0"/>
-              </a:rPr>
-              <a:t>Get the first element </a:t>
-            </a:r>
-            <a:r>
-              <a:rPr lang="en-US" sz="1400" b="0" i="1" dirty="0">
-                <a:solidFill>
-                  <a:schemeClr val="bg1"/>
-                </a:solidFill>
-                <a:effectLst/>
-                <a:ea typeface="Times New Roman" panose="02020603050405020304" pitchFamily="18" charset="0"/>
-              </a:rPr>
-              <a:t>top_point</a:t>
-            </a:r>
-            <a:r>
-              <a:rPr lang="en-US" sz="1400" b="0" dirty="0">
-                <a:solidFill>
-                  <a:schemeClr val="bg1"/>
-                </a:solidFill>
-                <a:effectLst/>
-                <a:ea typeface="Times New Roman" panose="02020603050405020304" pitchFamily="18" charset="0"/>
-              </a:rPr>
-              <a:t> of the </a:t>
-            </a:r>
-            <a:r>
-              <a:rPr lang="en-US" sz="1400" b="0" i="1" dirty="0">
-                <a:solidFill>
-                  <a:schemeClr val="accent1">
-                    <a:lumMod val="40000"/>
-                    <a:lumOff val="60000"/>
-                  </a:schemeClr>
-                </a:solidFill>
-                <a:effectLst/>
-                <a:ea typeface="Times New Roman" panose="02020603050405020304" pitchFamily="18" charset="0"/>
-              </a:rPr>
-              <a:t>candidate_points</a:t>
-            </a:r>
-            <a:r>
-              <a:rPr lang="en-US" sz="1400" b="0" dirty="0">
-                <a:solidFill>
-                  <a:schemeClr val="accent1">
-                    <a:lumMod val="40000"/>
-                    <a:lumOff val="60000"/>
-                  </a:schemeClr>
-                </a:solidFill>
-                <a:effectLst/>
-                <a:ea typeface="Times New Roman" panose="02020603050405020304" pitchFamily="18" charset="0"/>
-              </a:rPr>
-              <a:t> </a:t>
-            </a:r>
-            <a:r>
-              <a:rPr lang="en-US" sz="1400" b="0" dirty="0">
-                <a:solidFill>
-                  <a:schemeClr val="bg1"/>
-                </a:solidFill>
-                <a:effectLst/>
-                <a:ea typeface="Times New Roman" panose="02020603050405020304" pitchFamily="18" charset="0"/>
-              </a:rPr>
-              <a:t>list, add it to the </a:t>
-            </a:r>
-            <a:r>
-              <a:rPr lang="en-US" sz="1400" b="0" i="1" dirty="0">
-                <a:solidFill>
-                  <a:srgbClr val="92D050"/>
-                </a:solidFill>
-                <a:effectLst/>
-                <a:ea typeface="Times New Roman" panose="02020603050405020304" pitchFamily="18" charset="0"/>
-              </a:rPr>
-              <a:t>top_points</a:t>
-            </a:r>
-            <a:r>
-              <a:rPr lang="en-US" sz="1400" b="0" dirty="0">
-                <a:solidFill>
-                  <a:srgbClr val="92D050"/>
-                </a:solidFill>
-                <a:effectLst/>
-                <a:ea typeface="Times New Roman" panose="02020603050405020304" pitchFamily="18" charset="0"/>
-              </a:rPr>
-              <a:t> </a:t>
-            </a:r>
-            <a:r>
-              <a:rPr lang="en-US" sz="1400" b="0" dirty="0">
-                <a:solidFill>
-                  <a:schemeClr val="bg1"/>
-                </a:solidFill>
-                <a:effectLst/>
-                <a:ea typeface="Times New Roman" panose="02020603050405020304" pitchFamily="18" charset="0"/>
-              </a:rPr>
-              <a:t>list and remove it from the dataset </a:t>
-            </a:r>
-            <a:r>
-              <a:rPr lang="en-US" sz="1400" b="0" i="1" dirty="0">
-                <a:solidFill>
-                  <a:schemeClr val="bg1"/>
-                </a:solidFill>
-                <a:effectLst/>
-                <a:ea typeface="Times New Roman" panose="02020603050405020304" pitchFamily="18" charset="0"/>
-              </a:rPr>
-              <a:t>points</a:t>
-            </a:r>
-            <a:endParaRPr lang="el-GR" sz="1400" b="1" dirty="0">
-              <a:solidFill>
-                <a:schemeClr val="bg1"/>
-              </a:solidFill>
-              <a:effectLst/>
-              <a:ea typeface="Times New Roman" panose="02020603050405020304" pitchFamily="18" charset="0"/>
-            </a:endParaRPr>
-          </a:p>
-          <a:p>
-            <a:pPr marL="342900" lvl="0" indent="-342900" algn="just">
-              <a:spcBef>
-                <a:spcPts val="900"/>
-              </a:spcBef>
-              <a:spcAft>
-                <a:spcPts val="400"/>
-              </a:spcAft>
-              <a:buFont typeface="+mj-lt"/>
-              <a:buAutoNum type="arabicPeriod" startAt="6"/>
-            </a:pPr>
-            <a:r>
-              <a:rPr lang="en-US" sz="1400" b="0" dirty="0">
-                <a:solidFill>
-                  <a:schemeClr val="bg1"/>
-                </a:solidFill>
-                <a:effectLst/>
-                <a:ea typeface="Times New Roman" panose="02020603050405020304" pitchFamily="18" charset="0"/>
-              </a:rPr>
-              <a:t>Create a list </a:t>
-            </a:r>
-            <a:r>
-              <a:rPr lang="en-US" sz="1400" b="0" i="1" dirty="0">
-                <a:solidFill>
-                  <a:schemeClr val="accent6">
-                    <a:lumMod val="60000"/>
-                    <a:lumOff val="40000"/>
-                  </a:schemeClr>
-                </a:solidFill>
-                <a:effectLst/>
-                <a:ea typeface="Times New Roman" panose="02020603050405020304" pitchFamily="18" charset="0"/>
-              </a:rPr>
-              <a:t>dominated_points (red rectangle)</a:t>
-            </a:r>
-            <a:r>
-              <a:rPr lang="en-US" sz="1400" b="0" dirty="0">
-                <a:solidFill>
-                  <a:schemeClr val="accent6">
-                    <a:lumMod val="60000"/>
-                    <a:lumOff val="40000"/>
-                  </a:schemeClr>
-                </a:solidFill>
-                <a:effectLst/>
-                <a:ea typeface="Times New Roman" panose="02020603050405020304" pitchFamily="18" charset="0"/>
-              </a:rPr>
-              <a:t> </a:t>
-            </a:r>
-            <a:r>
-              <a:rPr lang="en-US" sz="1400" b="0" dirty="0">
-                <a:solidFill>
-                  <a:schemeClr val="bg1"/>
-                </a:solidFill>
-                <a:effectLst/>
-                <a:ea typeface="Times New Roman" panose="02020603050405020304" pitchFamily="18" charset="0"/>
-              </a:rPr>
-              <a:t>that contains all the points dominated by the </a:t>
-            </a:r>
-            <a:r>
-              <a:rPr lang="en-US" sz="1400" b="0" i="1" dirty="0">
-                <a:solidFill>
-                  <a:schemeClr val="bg1"/>
-                </a:solidFill>
-                <a:effectLst/>
-                <a:ea typeface="Times New Roman" panose="02020603050405020304" pitchFamily="18" charset="0"/>
-              </a:rPr>
-              <a:t>top_point</a:t>
-            </a:r>
-            <a:r>
-              <a:rPr lang="en-US" sz="1400" b="0" dirty="0">
-                <a:solidFill>
-                  <a:schemeClr val="bg1"/>
-                </a:solidFill>
-                <a:effectLst/>
-                <a:ea typeface="Times New Roman" panose="02020603050405020304" pitchFamily="18" charset="0"/>
-              </a:rPr>
-              <a:t> excluding itself and the points in the list </a:t>
-            </a:r>
-            <a:r>
-              <a:rPr lang="en-US" sz="1400" b="0" i="1" dirty="0">
-                <a:solidFill>
-                  <a:srgbClr val="92D050"/>
-                </a:solidFill>
-                <a:effectLst/>
-                <a:ea typeface="Times New Roman" panose="02020603050405020304" pitchFamily="18" charset="0"/>
-              </a:rPr>
-              <a:t>top_points</a:t>
-            </a:r>
-            <a:r>
-              <a:rPr lang="en-US" sz="1400" b="0" dirty="0">
-                <a:solidFill>
-                  <a:schemeClr val="bg1"/>
-                </a:solidFill>
-                <a:effectLst/>
-                <a:ea typeface="Times New Roman" panose="02020603050405020304" pitchFamily="18" charset="0"/>
-              </a:rPr>
-              <a:t>.</a:t>
-            </a:r>
-            <a:endParaRPr lang="el-GR" sz="1400" b="1" dirty="0">
-              <a:solidFill>
-                <a:schemeClr val="bg1"/>
-              </a:solidFill>
-              <a:effectLst/>
-              <a:ea typeface="Times New Roman" panose="02020603050405020304" pitchFamily="18" charset="0"/>
-            </a:endParaRPr>
-          </a:p>
-          <a:p>
-            <a:pPr marL="342900" lvl="0" indent="-342900" algn="just">
-              <a:spcBef>
-                <a:spcPts val="900"/>
-              </a:spcBef>
-              <a:spcAft>
-                <a:spcPts val="400"/>
-              </a:spcAft>
-              <a:buFont typeface="+mj-lt"/>
-              <a:buAutoNum type="arabicPeriod" startAt="6"/>
-            </a:pPr>
-            <a:r>
-              <a:rPr lang="en-US" sz="1400" b="0" dirty="0">
-                <a:solidFill>
-                  <a:schemeClr val="bg1"/>
-                </a:solidFill>
-                <a:effectLst/>
-                <a:ea typeface="Times New Roman" panose="02020603050405020304" pitchFamily="18" charset="0"/>
-              </a:rPr>
-              <a:t>Compute the skyline points of the </a:t>
-            </a:r>
-            <a:r>
-              <a:rPr lang="en-US" sz="1400" b="0" i="1" dirty="0">
-                <a:solidFill>
-                  <a:schemeClr val="accent6">
-                    <a:lumMod val="60000"/>
-                    <a:lumOff val="40000"/>
-                  </a:schemeClr>
-                </a:solidFill>
-                <a:effectLst/>
-                <a:ea typeface="Times New Roman" panose="02020603050405020304" pitchFamily="18" charset="0"/>
-              </a:rPr>
-              <a:t>dominated_points</a:t>
-            </a:r>
-            <a:r>
-              <a:rPr lang="en-US" sz="1400" b="0" dirty="0">
-                <a:solidFill>
-                  <a:schemeClr val="accent6">
-                    <a:lumMod val="60000"/>
-                    <a:lumOff val="40000"/>
-                  </a:schemeClr>
-                </a:solidFill>
-                <a:effectLst/>
-                <a:ea typeface="Times New Roman" panose="02020603050405020304" pitchFamily="18" charset="0"/>
-              </a:rPr>
-              <a:t> </a:t>
-            </a:r>
-            <a:r>
-              <a:rPr lang="en-US" sz="1400" b="0" dirty="0">
-                <a:solidFill>
-                  <a:schemeClr val="bg1"/>
-                </a:solidFill>
-                <a:effectLst/>
-                <a:ea typeface="Times New Roman" panose="02020603050405020304" pitchFamily="18" charset="0"/>
-              </a:rPr>
-              <a:t>list, using the algorithm described on task 1 and count the number of dominations for each one of them</a:t>
-            </a:r>
-            <a:endParaRPr lang="el-GR" sz="1400" b="1" dirty="0">
-              <a:solidFill>
-                <a:schemeClr val="bg1"/>
-              </a:solidFill>
-              <a:effectLst/>
-              <a:ea typeface="Times New Roman" panose="02020603050405020304" pitchFamily="18" charset="0"/>
-            </a:endParaRPr>
-          </a:p>
-          <a:p>
-            <a:pPr marL="342900" lvl="0" indent="-342900" algn="just">
-              <a:spcBef>
-                <a:spcPts val="900"/>
-              </a:spcBef>
-              <a:spcAft>
-                <a:spcPts val="400"/>
-              </a:spcAft>
-              <a:buFont typeface="+mj-lt"/>
-              <a:buAutoNum type="arabicPeriod" startAt="6"/>
-            </a:pPr>
-            <a:r>
-              <a:rPr lang="en-US" sz="1400" b="0" dirty="0">
-                <a:solidFill>
-                  <a:schemeClr val="bg1"/>
-                </a:solidFill>
-                <a:effectLst/>
-                <a:ea typeface="Times New Roman" panose="02020603050405020304" pitchFamily="18" charset="0"/>
-              </a:rPr>
-              <a:t>Add the skylines points of the </a:t>
-            </a:r>
-            <a:r>
-              <a:rPr lang="en-US" sz="1400" b="0" i="1" dirty="0">
-                <a:solidFill>
-                  <a:schemeClr val="accent6">
-                    <a:lumMod val="60000"/>
-                    <a:lumOff val="40000"/>
-                  </a:schemeClr>
-                </a:solidFill>
-                <a:effectLst/>
-                <a:ea typeface="Times New Roman" panose="02020603050405020304" pitchFamily="18" charset="0"/>
-              </a:rPr>
-              <a:t>dominated_points </a:t>
-            </a:r>
-            <a:r>
-              <a:rPr lang="en-US" sz="1400" b="0" dirty="0">
-                <a:solidFill>
-                  <a:schemeClr val="bg1"/>
-                </a:solidFill>
-                <a:effectLst/>
-                <a:ea typeface="Times New Roman" panose="02020603050405020304" pitchFamily="18" charset="0"/>
-              </a:rPr>
-              <a:t>list along with their dominations in the </a:t>
-            </a:r>
-            <a:r>
-              <a:rPr lang="en-US" sz="1400" b="0" i="1" dirty="0">
-                <a:solidFill>
-                  <a:schemeClr val="accent1">
-                    <a:lumMod val="40000"/>
-                    <a:lumOff val="60000"/>
-                  </a:schemeClr>
-                </a:solidFill>
-                <a:effectLst/>
-                <a:ea typeface="Times New Roman" panose="02020603050405020304" pitchFamily="18" charset="0"/>
-              </a:rPr>
-              <a:t>candidate_points</a:t>
-            </a:r>
-            <a:r>
-              <a:rPr lang="en-US" sz="1400" b="0" dirty="0">
-                <a:solidFill>
-                  <a:schemeClr val="accent1">
-                    <a:lumMod val="40000"/>
-                    <a:lumOff val="60000"/>
-                  </a:schemeClr>
-                </a:solidFill>
-                <a:effectLst/>
-                <a:ea typeface="Times New Roman" panose="02020603050405020304" pitchFamily="18" charset="0"/>
-              </a:rPr>
-              <a:t> </a:t>
-            </a:r>
-            <a:r>
-              <a:rPr lang="en-US" sz="1400" b="0" dirty="0">
-                <a:solidFill>
-                  <a:schemeClr val="bg1"/>
-                </a:solidFill>
-                <a:effectLst/>
-                <a:ea typeface="Times New Roman" panose="02020603050405020304" pitchFamily="18" charset="0"/>
-              </a:rPr>
-              <a:t>list</a:t>
-            </a:r>
-          </a:p>
-          <a:p>
-            <a:pPr marL="342900" indent="-342900" algn="just">
-              <a:spcBef>
-                <a:spcPts val="900"/>
-              </a:spcBef>
-              <a:spcAft>
-                <a:spcPts val="400"/>
-              </a:spcAft>
-              <a:buFont typeface="+mj-lt"/>
-              <a:buAutoNum type="arabicPeriod" startAt="6"/>
-            </a:pPr>
-            <a:r>
-              <a:rPr lang="en-US" sz="1400" b="0" dirty="0">
-                <a:solidFill>
-                  <a:schemeClr val="bg1"/>
-                </a:solidFill>
-                <a:effectLst/>
-                <a:ea typeface="Times New Roman" panose="02020603050405020304" pitchFamily="18" charset="0"/>
-              </a:rPr>
-              <a:t>If the length of the </a:t>
-            </a:r>
-            <a:r>
-              <a:rPr lang="en-US" sz="1400" b="0" i="1" dirty="0">
-                <a:solidFill>
-                  <a:schemeClr val="accent1">
-                    <a:lumMod val="40000"/>
-                    <a:lumOff val="60000"/>
-                  </a:schemeClr>
-                </a:solidFill>
-                <a:effectLst/>
-                <a:ea typeface="Times New Roman" panose="02020603050405020304" pitchFamily="18" charset="0"/>
-              </a:rPr>
-              <a:t>candidate_points</a:t>
-            </a:r>
-            <a:r>
-              <a:rPr lang="en-US" sz="1400" b="0" dirty="0">
-                <a:solidFill>
-                  <a:schemeClr val="accent1">
-                    <a:lumMod val="40000"/>
-                    <a:lumOff val="60000"/>
-                  </a:schemeClr>
-                </a:solidFill>
-                <a:effectLst/>
-                <a:ea typeface="Times New Roman" panose="02020603050405020304" pitchFamily="18" charset="0"/>
-              </a:rPr>
-              <a:t> </a:t>
-            </a:r>
-            <a:r>
-              <a:rPr lang="en-US" sz="1400" b="0" dirty="0">
-                <a:solidFill>
-                  <a:schemeClr val="bg1"/>
-                </a:solidFill>
-                <a:effectLst/>
-                <a:ea typeface="Times New Roman" panose="02020603050405020304" pitchFamily="18" charset="0"/>
-              </a:rPr>
-              <a:t>list is zero or we got the top k points then return </a:t>
-            </a:r>
-            <a:r>
-              <a:rPr lang="en-US" sz="1400" b="0" i="1" dirty="0">
-                <a:solidFill>
-                  <a:srgbClr val="92D050"/>
-                </a:solidFill>
-                <a:effectLst/>
-                <a:ea typeface="Times New Roman" panose="02020603050405020304" pitchFamily="18" charset="0"/>
-              </a:rPr>
-              <a:t>top_points</a:t>
-            </a:r>
-            <a:r>
-              <a:rPr lang="en-US" sz="1400" b="0" dirty="0">
-                <a:solidFill>
-                  <a:srgbClr val="92D050"/>
-                </a:solidFill>
-                <a:effectLst/>
-                <a:ea typeface="Times New Roman" panose="02020603050405020304" pitchFamily="18" charset="0"/>
-              </a:rPr>
-              <a:t> </a:t>
-            </a:r>
-            <a:r>
-              <a:rPr lang="en-US" sz="1400" b="0" dirty="0">
-                <a:solidFill>
-                  <a:schemeClr val="bg1"/>
-                </a:solidFill>
-                <a:effectLst/>
-                <a:ea typeface="Times New Roman" panose="02020603050405020304" pitchFamily="18" charset="0"/>
-              </a:rPr>
-              <a:t>list else go to step 6</a:t>
-            </a:r>
-          </a:p>
-        </p:txBody>
-      </p:sp>
-    </p:spTree>
-    <p:extLst>
-      <p:ext uri="{BB962C8B-B14F-4D97-AF65-F5344CB8AC3E}">
-        <p14:creationId xmlns:p14="http://schemas.microsoft.com/office/powerpoint/2010/main" val="1382447623"/>
       </p:ext>
     </p:extLst>
   </p:cSld>
@@ -37378,6 +37876,14 @@
 </file>
 
 <file path=customXml/item1.xml><?xml version="1.0" encoding="utf-8"?>
+<p:properties xmlns:p="http://schemas.microsoft.com/office/2006/metadata/properties" xmlns:xsi="http://www.w3.org/2001/XMLSchema-instance" xmlns:pc="http://schemas.microsoft.com/office/infopath/2007/PartnerControls">
+  <documentManagement>
+    <MediaServiceKeyPoints xmlns="71af3243-3dd4-4a8d-8c0d-dd76da1f02a5" xsi:nil="true"/>
+  </documentManagement>
+</p:properties>
+</file>
+
+<file path=customXml/item2.xml><?xml version="1.0" encoding="utf-8"?>
 <ct:contentTypeSchema xmlns:ct="http://schemas.microsoft.com/office/2006/metadata/contentType" xmlns:ma="http://schemas.microsoft.com/office/2006/metadata/properties/metaAttributes" ct:_="" ma:_="" ma:contentTypeName="Document" ma:contentTypeID="0x01010079F111ED35F8CC479449609E8A0923A6" ma:contentTypeVersion="11" ma:contentTypeDescription="Create a new document." ma:contentTypeScope="" ma:versionID="96291512c1ee715ab617f4c07df79fc1">
   <xsd:schema xmlns:xsd="http://www.w3.org/2001/XMLSchema" xmlns:xs="http://www.w3.org/2001/XMLSchema" xmlns:p="http://schemas.microsoft.com/office/2006/metadata/properties" xmlns:ns2="71af3243-3dd4-4a8d-8c0d-dd76da1f02a5" xmlns:ns3="16c05727-aa75-4e4a-9b5f-8a80a1165891" targetNamespace="http://schemas.microsoft.com/office/2006/metadata/properties" ma:root="true" ma:fieldsID="8256c27c40ca5c40ce1cf6c44f0205df" ns2:_="" ns3:_="">
     <xsd:import namespace="71af3243-3dd4-4a8d-8c0d-dd76da1f02a5"/>
@@ -37588,14 +38094,6 @@
 </ct:contentTypeSchema>
 </file>
 
-<file path=customXml/item2.xml><?xml version="1.0" encoding="utf-8"?>
-<p:properties xmlns:p="http://schemas.microsoft.com/office/2006/metadata/properties" xmlns:xsi="http://www.w3.org/2001/XMLSchema-instance" xmlns:pc="http://schemas.microsoft.com/office/infopath/2007/PartnerControls">
-  <documentManagement>
-    <MediaServiceKeyPoints xmlns="71af3243-3dd4-4a8d-8c0d-dd76da1f02a5" xsi:nil="true"/>
-  </documentManagement>
-</p:properties>
-</file>
-
 <file path=customXml/item3.xml><?xml version="1.0" encoding="utf-8"?>
 <?mso-contentType ?>
 <FormTemplates xmlns="http://schemas.microsoft.com/sharepoint/v3/contenttype/forms">
@@ -37606,6 +38104,23 @@
 </file>
 
 <file path=customXml/itemProps1.xml><?xml version="1.0" encoding="utf-8"?>
+<ds:datastoreItem xmlns:ds="http://schemas.openxmlformats.org/officeDocument/2006/customXml" ds:itemID="{F5757914-1161-4661-9696-421FD6935CDD}">
+  <ds:schemaRefs>
+    <ds:schemaRef ds:uri="http://schemas.microsoft.com/office/2006/documentManagement/types"/>
+    <ds:schemaRef ds:uri="http://schemas.microsoft.com/office/infopath/2007/PartnerControls"/>
+    <ds:schemaRef ds:uri="http://purl.org/dc/terms/"/>
+    <ds:schemaRef ds:uri="http://purl.org/dc/dcmitype/"/>
+    <ds:schemaRef ds:uri="16c05727-aa75-4e4a-9b5f-8a80a1165891"/>
+    <ds:schemaRef ds:uri="http://www.w3.org/XML/1998/namespace"/>
+    <ds:schemaRef ds:uri="71af3243-3dd4-4a8d-8c0d-dd76da1f02a5"/>
+    <ds:schemaRef ds:uri="http://schemas.openxmlformats.org/package/2006/metadata/core-properties"/>
+    <ds:schemaRef ds:uri="http://schemas.microsoft.com/office/2006/metadata/properties"/>
+    <ds:schemaRef ds:uri="http://purl.org/dc/elements/1.1/"/>
+  </ds:schemaRefs>
+</ds:datastoreItem>
+</file>
+
+<file path=customXml/itemProps2.xml><?xml version="1.0" encoding="utf-8"?>
 <ds:datastoreItem xmlns:ds="http://schemas.openxmlformats.org/officeDocument/2006/customXml" ds:itemID="{4C103400-4A22-4E35-B588-4C4D42638959}">
   <ds:schemaRefs>
     <ds:schemaRef ds:uri="http://schemas.microsoft.com/office/2006/metadata/contentType"/>
@@ -37624,23 +38139,6 @@
 </ds:datastoreItem>
 </file>
 
-<file path=customXml/itemProps2.xml><?xml version="1.0" encoding="utf-8"?>
-<ds:datastoreItem xmlns:ds="http://schemas.openxmlformats.org/officeDocument/2006/customXml" ds:itemID="{F5757914-1161-4661-9696-421FD6935CDD}">
-  <ds:schemaRefs>
-    <ds:schemaRef ds:uri="http://schemas.microsoft.com/office/2006/documentManagement/types"/>
-    <ds:schemaRef ds:uri="http://schemas.microsoft.com/office/infopath/2007/PartnerControls"/>
-    <ds:schemaRef ds:uri="http://purl.org/dc/terms/"/>
-    <ds:schemaRef ds:uri="http://purl.org/dc/dcmitype/"/>
-    <ds:schemaRef ds:uri="16c05727-aa75-4e4a-9b5f-8a80a1165891"/>
-    <ds:schemaRef ds:uri="http://www.w3.org/XML/1998/namespace"/>
-    <ds:schemaRef ds:uri="71af3243-3dd4-4a8d-8c0d-dd76da1f02a5"/>
-    <ds:schemaRef ds:uri="http://schemas.openxmlformats.org/package/2006/metadata/core-properties"/>
-    <ds:schemaRef ds:uri="http://schemas.microsoft.com/office/2006/metadata/properties"/>
-    <ds:schemaRef ds:uri="http://purl.org/dc/elements/1.1/"/>
-  </ds:schemaRefs>
-</ds:datastoreItem>
-</file>
-
 <file path=customXml/itemProps3.xml><?xml version="1.0" encoding="utf-8"?>
 <ds:datastoreItem xmlns:ds="http://schemas.openxmlformats.org/officeDocument/2006/customXml" ds:itemID="{5B26E0C9-B2AA-42E6-97B6-E1B7D9EAF129}">
   <ds:schemaRefs>

--- a/reports/report_presentation.pptx
+++ b/reports/report_presentation.pptx
@@ -649,7 +649,7 @@
           <a:p>
             <a:fld id="{1CA5457B-CDAE-4DEB-AEC8-C82DE2312E37}" type="datetimeFigureOut">
               <a:rPr lang="en-US" smtClean="0"/>
-              <a:t>1/23/2023</a:t>
+              <a:t>1/24/2023</a:t>
             </a:fld>
             <a:endParaRPr lang="en-US" dirty="0"/>
           </a:p>
@@ -826,7 +826,7 @@
           <a:p>
             <a:fld id="{090B78EA-28CE-41D8-9043-90E391E5F567}" type="datetimeFigureOut">
               <a:rPr lang="en-US" noProof="0" smtClean="0"/>
-              <a:t>1/23/2023</a:t>
+              <a:t>1/24/2023</a:t>
             </a:fld>
             <a:endParaRPr lang="en-US" noProof="0" dirty="0"/>
           </a:p>
@@ -32522,7 +32522,7 @@
                   <a:schemeClr val="bg1"/>
                 </a:solidFill>
               </a:rPr>
-              <a:t>This was expected because the top k points in a correlated dataset are at the biggening of the axes and they are found easier by the algorithm</a:t>
+              <a:t>This was expected because the top k points in a correlated dataset are at the beginning of the axes and they are found easier by the algorithm</a:t>
             </a:r>
             <a:endParaRPr lang="en-150" dirty="0">
               <a:solidFill>
@@ -32677,14 +32677,14 @@
           <p:nvPr>
             <p:extLst>
               <p:ext uri="{D42A27DB-BD31-4B8C-83A1-F6EECF244321}">
-                <p14:modId xmlns:p14="http://schemas.microsoft.com/office/powerpoint/2010/main" val="442806602"/>
+                <p14:modId xmlns:p14="http://schemas.microsoft.com/office/powerpoint/2010/main" val="3767604304"/>
               </p:ext>
             </p:extLst>
           </p:nvPr>
         </p:nvGraphicFramePr>
         <p:xfrm>
-          <a:off x="749986" y="1938278"/>
-          <a:ext cx="10692028" cy="2125642"/>
+          <a:off x="545686" y="1938277"/>
+          <a:ext cx="11100628" cy="2708466"/>
         </p:xfrm>
         <a:graphic>
           <a:graphicData uri="http://schemas.openxmlformats.org/drawingml/2006/table">
@@ -32693,70 +32693,70 @@
                 <a:tableStyleId>{5C22544A-7EE6-4342-B048-85BDC9FD1C3A}</a:tableStyleId>
               </a:tblPr>
               <a:tblGrid>
-                <a:gridCol w="878263">
+                <a:gridCol w="911826">
                   <a:extLst>
                     <a:ext uri="{9D8B030D-6E8A-4147-A177-3AD203B41FA5}">
                       <a16:colId xmlns:a16="http://schemas.microsoft.com/office/drawing/2014/main" val="2893099783"/>
                     </a:ext>
                   </a:extLst>
                 </a:gridCol>
-                <a:gridCol w="878263">
+                <a:gridCol w="911826">
                   <a:extLst>
                     <a:ext uri="{9D8B030D-6E8A-4147-A177-3AD203B41FA5}">
                       <a16:colId xmlns:a16="http://schemas.microsoft.com/office/drawing/2014/main" val="330325661"/>
                     </a:ext>
                   </a:extLst>
                 </a:gridCol>
-                <a:gridCol w="878263">
+                <a:gridCol w="911826">
                   <a:extLst>
                     <a:ext uri="{9D8B030D-6E8A-4147-A177-3AD203B41FA5}">
                       <a16:colId xmlns:a16="http://schemas.microsoft.com/office/drawing/2014/main" val="692082129"/>
                     </a:ext>
                   </a:extLst>
                 </a:gridCol>
-                <a:gridCol w="878263">
+                <a:gridCol w="911826">
                   <a:extLst>
                     <a:ext uri="{9D8B030D-6E8A-4147-A177-3AD203B41FA5}">
                       <a16:colId xmlns:a16="http://schemas.microsoft.com/office/drawing/2014/main" val="648059550"/>
                     </a:ext>
                   </a:extLst>
                 </a:gridCol>
-                <a:gridCol w="878263">
+                <a:gridCol w="911826">
                   <a:extLst>
                     <a:ext uri="{9D8B030D-6E8A-4147-A177-3AD203B41FA5}">
                       <a16:colId xmlns:a16="http://schemas.microsoft.com/office/drawing/2014/main" val="411218156"/>
                     </a:ext>
                   </a:extLst>
                 </a:gridCol>
-                <a:gridCol w="878263">
+                <a:gridCol w="911826">
                   <a:extLst>
                     <a:ext uri="{9D8B030D-6E8A-4147-A177-3AD203B41FA5}">
                       <a16:colId xmlns:a16="http://schemas.microsoft.com/office/drawing/2014/main" val="3911425865"/>
                     </a:ext>
                   </a:extLst>
                 </a:gridCol>
-                <a:gridCol w="1083246">
+                <a:gridCol w="1124643">
                   <a:extLst>
                     <a:ext uri="{9D8B030D-6E8A-4147-A177-3AD203B41FA5}">
                       <a16:colId xmlns:a16="http://schemas.microsoft.com/office/drawing/2014/main" val="1054482326"/>
                     </a:ext>
                   </a:extLst>
                 </a:gridCol>
-                <a:gridCol w="1410589">
+                <a:gridCol w="1464495">
                   <a:extLst>
                     <a:ext uri="{9D8B030D-6E8A-4147-A177-3AD203B41FA5}">
                       <a16:colId xmlns:a16="http://schemas.microsoft.com/office/drawing/2014/main" val="261775198"/>
                     </a:ext>
                   </a:extLst>
                 </a:gridCol>
-                <a:gridCol w="2050352">
+                <a:gridCol w="2128708">
                   <a:extLst>
                     <a:ext uri="{9D8B030D-6E8A-4147-A177-3AD203B41FA5}">
                       <a16:colId xmlns:a16="http://schemas.microsoft.com/office/drawing/2014/main" val="546627320"/>
                     </a:ext>
                   </a:extLst>
                 </a:gridCol>
-                <a:gridCol w="878263">
+                <a:gridCol w="911826">
                   <a:extLst>
                     <a:ext uri="{9D8B030D-6E8A-4147-A177-3AD203B41FA5}">
                       <a16:colId xmlns:a16="http://schemas.microsoft.com/office/drawing/2014/main" val="2483069743"/>
@@ -32764,7 +32764,7 @@
                   </a:extLst>
                 </a:gridCol>
               </a:tblGrid>
-              <a:tr h="841939">
+              <a:tr h="1072788">
                 <a:tc>
                   <a:txBody>
                     <a:bodyPr/>
@@ -33020,7 +33020,7 @@
                   </a:ext>
                 </a:extLst>
               </a:tr>
-              <a:tr h="427901">
+              <a:tr h="545226">
                 <a:tc>
                   <a:txBody>
                     <a:bodyPr/>
@@ -33255,7 +33255,7 @@
                   </a:ext>
                 </a:extLst>
               </a:tr>
-              <a:tr h="427901">
+              <a:tr h="545226">
                 <a:tc>
                   <a:txBody>
                     <a:bodyPr/>
@@ -33490,7 +33490,7 @@
                   </a:ext>
                 </a:extLst>
               </a:tr>
-              <a:tr h="427901">
+              <a:tr h="545226">
                 <a:tc>
                   <a:txBody>
                     <a:bodyPr/>
@@ -33787,7 +33787,7 @@
         </p:nvSpPr>
         <p:spPr>
           <a:xfrm>
-            <a:off x="634170" y="4277411"/>
+            <a:off x="444500" y="4766789"/>
             <a:ext cx="10807844" cy="369332"/>
           </a:xfrm>
           <a:prstGeom prst="rect">
@@ -34095,134 +34095,182 @@
       </p:sp>
       <p:sp>
         <p:nvSpPr>
-          <p:cNvPr id="7" name="Text Placeholder 6">
+          <p:cNvPr id="16" name="TextBox 15">
             <a:extLst>
               <a:ext uri="{FF2B5EF4-FFF2-40B4-BE49-F238E27FC236}">
-                <a16:creationId xmlns:a16="http://schemas.microsoft.com/office/drawing/2014/main" id="{B74126B4-1E6C-4FFF-9282-40E18A85A07F}"/>
+                <a16:creationId xmlns:a16="http://schemas.microsoft.com/office/drawing/2014/main" id="{53F5C02F-0C57-6CDC-35E1-2D5302C5986C}"/>
               </a:ext>
             </a:extLst>
           </p:cNvPr>
-          <p:cNvSpPr>
-            <a:spLocks noGrp="1"/>
-          </p:cNvSpPr>
-          <p:nvPr>
-            <p:ph type="body" sz="quarter" idx="1"/>
-          </p:nvPr>
+          <p:cNvSpPr txBox="1"/>
+          <p:nvPr/>
         </p:nvSpPr>
-        <p:spPr/>
+        <p:spPr>
+          <a:xfrm>
+            <a:off x="444500" y="1701800"/>
+            <a:ext cx="11590867" cy="4247317"/>
+          </a:xfrm>
+          <a:prstGeom prst="rect">
+            <a:avLst/>
+          </a:prstGeom>
+          <a:noFill/>
+        </p:spPr>
         <p:txBody>
-          <a:bodyPr/>
+          <a:bodyPr wrap="square" rtlCol="0">
+            <a:spAutoFit/>
+          </a:bodyPr>
           <a:lstStyle/>
           <a:p>
-            <a:r>
-              <a:rPr lang="en-US" dirty="0"/>
-              <a:t>Lorem ipsum dolor sit amet</a:t>
-            </a:r>
-          </a:p>
-        </p:txBody>
-      </p:sp>
-      <p:sp>
-        <p:nvSpPr>
-          <p:cNvPr id="5" name="Text Placeholder 4">
-            <a:extLst>
-              <a:ext uri="{FF2B5EF4-FFF2-40B4-BE49-F238E27FC236}">
-                <a16:creationId xmlns:a16="http://schemas.microsoft.com/office/drawing/2014/main" id="{E0C87788-476B-4620-8002-A5C1177AD6C1}"/>
-              </a:ext>
-            </a:extLst>
-          </p:cNvPr>
-          <p:cNvSpPr>
-            <a:spLocks noGrp="1"/>
-          </p:cNvSpPr>
-          <p:nvPr>
-            <p:ph type="body" sz="quarter" idx="3"/>
-          </p:nvPr>
-        </p:nvSpPr>
-        <p:spPr/>
-        <p:txBody>
-          <a:bodyPr/>
-          <a:lstStyle/>
-          <a:p>
-            <a:r>
-              <a:rPr lang="en-US" dirty="0"/>
-              <a:t>Lorem ipsum dolor sit amet</a:t>
-            </a:r>
-          </a:p>
-        </p:txBody>
-      </p:sp>
-      <p:sp>
-        <p:nvSpPr>
-          <p:cNvPr id="8" name="Text Placeholder 7">
-            <a:extLst>
-              <a:ext uri="{FF2B5EF4-FFF2-40B4-BE49-F238E27FC236}">
-                <a16:creationId xmlns:a16="http://schemas.microsoft.com/office/drawing/2014/main" id="{47DC4E62-1A34-4F98-A451-214F1808519C}"/>
-              </a:ext>
-            </a:extLst>
-          </p:cNvPr>
-          <p:cNvSpPr>
-            <a:spLocks noGrp="1"/>
-          </p:cNvSpPr>
-          <p:nvPr>
-            <p:ph type="body" sz="quarter" idx="2"/>
-          </p:nvPr>
-        </p:nvSpPr>
-        <p:spPr/>
-        <p:txBody>
-          <a:bodyPr/>
-          <a:lstStyle/>
-          <a:p>
-            <a:r>
-              <a:rPr lang="en-US" dirty="0"/>
-              <a:t>Lorem ipsum dolor sit amet, consectetuer adipiscing elit. Maecenas porttitor congue massa. Fusce posuere, magna sed pulvinar ultricies, purus lectus malesuada libero, sit amet commodo magna eros quis urna. Nunc viverra imperdiet enim. Fusce est. Vivamus a tellus.</a:t>
+            <a:pPr marL="285750" indent="-285750">
+              <a:buFont typeface="Arial" panose="020B0604020202020204" pitchFamily="34" charset="0"/>
+              <a:buChar char="•"/>
+            </a:pPr>
+            <a:r>
+              <a:rPr lang="en-US" dirty="0">
+                <a:solidFill>
+                  <a:schemeClr val="bg1"/>
+                </a:solidFill>
+              </a:rPr>
+              <a:t>For 1M data points and above, the execution time increases rapidly.</a:t>
             </a:r>
           </a:p>
           <a:p>
-            <a:r>
-              <a:rPr lang="en-US" dirty="0"/>
-              <a:t>Pellentesque habitant morbi tristique senectus et netus et malesuada fames ac turpis egestas. Proin pharetra nonummy pede. Mauris et orci.</a:t>
-            </a:r>
+            <a:pPr marL="285750" indent="-285750">
+              <a:buFont typeface="Arial" panose="020B0604020202020204" pitchFamily="34" charset="0"/>
+              <a:buChar char="•"/>
+            </a:pPr>
+            <a:endParaRPr lang="en-US" dirty="0">
+              <a:solidFill>
+                <a:schemeClr val="bg1"/>
+              </a:solidFill>
+            </a:endParaRPr>
           </a:p>
           <a:p>
-            <a:endParaRPr lang="en-US" dirty="0"/>
+            <a:pPr marL="285750" indent="-285750">
+              <a:buFont typeface="Arial" panose="020B0604020202020204" pitchFamily="34" charset="0"/>
+              <a:buChar char="•"/>
+            </a:pPr>
+            <a:r>
+              <a:rPr lang="en-US" dirty="0">
+                <a:solidFill>
+                  <a:schemeClr val="bg1"/>
+                </a:solidFill>
+              </a:rPr>
+              <a:t>Task 2 is the most time-consuming algorithm and his execution time increases linearly with the increase of the dataset size.</a:t>
+            </a:r>
           </a:p>
           <a:p>
-            <a:endParaRPr lang="en-US" dirty="0"/>
-          </a:p>
-        </p:txBody>
-      </p:sp>
-      <p:sp>
-        <p:nvSpPr>
-          <p:cNvPr id="6" name="Text Placeholder 5">
-            <a:extLst>
-              <a:ext uri="{FF2B5EF4-FFF2-40B4-BE49-F238E27FC236}">
-                <a16:creationId xmlns:a16="http://schemas.microsoft.com/office/drawing/2014/main" id="{000A9570-5EF6-4AFB-9FCA-7C8998E3FEB1}"/>
-              </a:ext>
-            </a:extLst>
-          </p:cNvPr>
-          <p:cNvSpPr>
-            <a:spLocks noGrp="1"/>
-          </p:cNvSpPr>
-          <p:nvPr>
-            <p:ph type="body" sz="quarter" idx="4"/>
-          </p:nvPr>
-        </p:nvSpPr>
-        <p:spPr/>
-        <p:txBody>
-          <a:bodyPr/>
-          <a:lstStyle/>
-          <a:p>
-            <a:r>
-              <a:rPr lang="en-US" dirty="0"/>
-              <a:t>Lorem ipsum dolor sit amet, consectetuer adipiscing elit. Maecenas porttitor congue massa. Fusce posuere, magna sed pulvinar ultricies, purus lectus malesuada libero, sit amet commodo magna eros quis urna. Nunc viverra imperdiet enim. Fusce est. Vivamus a tellus.</a:t>
-            </a:r>
+            <a:pPr marL="285750" indent="-285750">
+              <a:buFont typeface="Arial" panose="020B0604020202020204" pitchFamily="34" charset="0"/>
+              <a:buChar char="•"/>
+            </a:pPr>
+            <a:endParaRPr lang="en-US" dirty="0">
+              <a:solidFill>
+                <a:schemeClr val="bg1"/>
+              </a:solidFill>
+            </a:endParaRPr>
           </a:p>
           <a:p>
-            <a:r>
-              <a:rPr lang="en-US" dirty="0"/>
-              <a:t>Pellentesque habitant morbi tristique senectus et netus et malesuada fames ac turpis egestas. Proin pharetra nonummy pede. Mauris et orci.</a:t>
+            <a:pPr marL="285750" indent="-285750">
+              <a:buFont typeface="Arial" panose="020B0604020202020204" pitchFamily="34" charset="0"/>
+              <a:buChar char="•"/>
+            </a:pPr>
+            <a:r>
+              <a:rPr lang="en-US" dirty="0">
+                <a:solidFill>
+                  <a:schemeClr val="bg1"/>
+                </a:solidFill>
+              </a:rPr>
+              <a:t>Correlated distribution has the lowest execution time.</a:t>
             </a:r>
           </a:p>
           <a:p>
-            <a:endParaRPr lang="en-US" dirty="0"/>
+            <a:pPr marL="285750" indent="-285750">
+              <a:buFont typeface="Arial" panose="020B0604020202020204" pitchFamily="34" charset="0"/>
+              <a:buChar char="•"/>
+            </a:pPr>
+            <a:endParaRPr lang="en-US" dirty="0">
+              <a:solidFill>
+                <a:schemeClr val="bg1"/>
+              </a:solidFill>
+            </a:endParaRPr>
+          </a:p>
+          <a:p>
+            <a:pPr marL="285750" indent="-285750">
+              <a:buFont typeface="Arial" panose="020B0604020202020204" pitchFamily="34" charset="0"/>
+              <a:buChar char="•"/>
+            </a:pPr>
+            <a:r>
+              <a:rPr lang="en-US" dirty="0">
+                <a:solidFill>
+                  <a:schemeClr val="bg1"/>
+                </a:solidFill>
+              </a:rPr>
+              <a:t>The increase of the dimensionality of the dataset drives to exponential growth of the total execution time, and especially for Task 2.</a:t>
+            </a:r>
+            <a:endParaRPr lang="en-150" dirty="0">
+              <a:solidFill>
+                <a:schemeClr val="bg1"/>
+              </a:solidFill>
+            </a:endParaRPr>
+          </a:p>
+          <a:p>
+            <a:endParaRPr lang="en-US" dirty="0">
+              <a:solidFill>
+                <a:schemeClr val="bg1"/>
+              </a:solidFill>
+            </a:endParaRPr>
+          </a:p>
+          <a:p>
+            <a:pPr marL="285750" indent="-285750">
+              <a:buFont typeface="Arial" panose="020B0604020202020204" pitchFamily="34" charset="0"/>
+              <a:buChar char="•"/>
+            </a:pPr>
+            <a:endParaRPr lang="en-US" dirty="0">
+              <a:solidFill>
+                <a:schemeClr val="bg1"/>
+              </a:solidFill>
+            </a:endParaRPr>
+          </a:p>
+          <a:p>
+            <a:pPr marL="285750" indent="-285750">
+              <a:buFont typeface="Arial" panose="020B0604020202020204" pitchFamily="34" charset="0"/>
+              <a:buChar char="•"/>
+            </a:pPr>
+            <a:endParaRPr lang="en-US" dirty="0">
+              <a:solidFill>
+                <a:schemeClr val="bg1"/>
+              </a:solidFill>
+            </a:endParaRPr>
+          </a:p>
+          <a:p>
+            <a:endParaRPr lang="en-US" dirty="0">
+              <a:solidFill>
+                <a:schemeClr val="bg1"/>
+              </a:solidFill>
+            </a:endParaRPr>
+          </a:p>
+          <a:p>
+            <a:pPr marL="285750" indent="-285750">
+              <a:buFont typeface="Arial" panose="020B0604020202020204" pitchFamily="34" charset="0"/>
+              <a:buChar char="•"/>
+            </a:pPr>
+            <a:endParaRPr lang="en-US" dirty="0">
+              <a:solidFill>
+                <a:schemeClr val="bg1"/>
+              </a:solidFill>
+            </a:endParaRPr>
+          </a:p>
+          <a:p>
+            <a:pPr marL="285750" indent="-285750">
+              <a:buFont typeface="Arial" panose="020B0604020202020204" pitchFamily="34" charset="0"/>
+              <a:buChar char="•"/>
+            </a:pPr>
+            <a:endParaRPr lang="en-150" dirty="0">
+              <a:solidFill>
+                <a:schemeClr val="bg1"/>
+              </a:solidFill>
+            </a:endParaRPr>
           </a:p>
         </p:txBody>
       </p:sp>
@@ -37876,14 +37924,6 @@
 </file>
 
 <file path=customXml/item1.xml><?xml version="1.0" encoding="utf-8"?>
-<p:properties xmlns:p="http://schemas.microsoft.com/office/2006/metadata/properties" xmlns:xsi="http://www.w3.org/2001/XMLSchema-instance" xmlns:pc="http://schemas.microsoft.com/office/infopath/2007/PartnerControls">
-  <documentManagement>
-    <MediaServiceKeyPoints xmlns="71af3243-3dd4-4a8d-8c0d-dd76da1f02a5" xsi:nil="true"/>
-  </documentManagement>
-</p:properties>
-</file>
-
-<file path=customXml/item2.xml><?xml version="1.0" encoding="utf-8"?>
 <ct:contentTypeSchema xmlns:ct="http://schemas.microsoft.com/office/2006/metadata/contentType" xmlns:ma="http://schemas.microsoft.com/office/2006/metadata/properties/metaAttributes" ct:_="" ma:_="" ma:contentTypeName="Document" ma:contentTypeID="0x01010079F111ED35F8CC479449609E8A0923A6" ma:contentTypeVersion="11" ma:contentTypeDescription="Create a new document." ma:contentTypeScope="" ma:versionID="96291512c1ee715ab617f4c07df79fc1">
   <xsd:schema xmlns:xsd="http://www.w3.org/2001/XMLSchema" xmlns:xs="http://www.w3.org/2001/XMLSchema" xmlns:p="http://schemas.microsoft.com/office/2006/metadata/properties" xmlns:ns2="71af3243-3dd4-4a8d-8c0d-dd76da1f02a5" xmlns:ns3="16c05727-aa75-4e4a-9b5f-8a80a1165891" targetNamespace="http://schemas.microsoft.com/office/2006/metadata/properties" ma:root="true" ma:fieldsID="8256c27c40ca5c40ce1cf6c44f0205df" ns2:_="" ns3:_="">
     <xsd:import namespace="71af3243-3dd4-4a8d-8c0d-dd76da1f02a5"/>
@@ -38094,6 +38134,14 @@
 </ct:contentTypeSchema>
 </file>
 
+<file path=customXml/item2.xml><?xml version="1.0" encoding="utf-8"?>
+<p:properties xmlns:p="http://schemas.microsoft.com/office/2006/metadata/properties" xmlns:xsi="http://www.w3.org/2001/XMLSchema-instance" xmlns:pc="http://schemas.microsoft.com/office/infopath/2007/PartnerControls">
+  <documentManagement>
+    <MediaServiceKeyPoints xmlns="71af3243-3dd4-4a8d-8c0d-dd76da1f02a5" xsi:nil="true"/>
+  </documentManagement>
+</p:properties>
+</file>
+
 <file path=customXml/item3.xml><?xml version="1.0" encoding="utf-8"?>
 <?mso-contentType ?>
 <FormTemplates xmlns="http://schemas.microsoft.com/sharepoint/v3/contenttype/forms">
@@ -38104,23 +38152,6 @@
 </file>
 
 <file path=customXml/itemProps1.xml><?xml version="1.0" encoding="utf-8"?>
-<ds:datastoreItem xmlns:ds="http://schemas.openxmlformats.org/officeDocument/2006/customXml" ds:itemID="{F5757914-1161-4661-9696-421FD6935CDD}">
-  <ds:schemaRefs>
-    <ds:schemaRef ds:uri="http://schemas.microsoft.com/office/2006/documentManagement/types"/>
-    <ds:schemaRef ds:uri="http://schemas.microsoft.com/office/infopath/2007/PartnerControls"/>
-    <ds:schemaRef ds:uri="http://purl.org/dc/terms/"/>
-    <ds:schemaRef ds:uri="http://purl.org/dc/dcmitype/"/>
-    <ds:schemaRef ds:uri="16c05727-aa75-4e4a-9b5f-8a80a1165891"/>
-    <ds:schemaRef ds:uri="http://www.w3.org/XML/1998/namespace"/>
-    <ds:schemaRef ds:uri="71af3243-3dd4-4a8d-8c0d-dd76da1f02a5"/>
-    <ds:schemaRef ds:uri="http://schemas.openxmlformats.org/package/2006/metadata/core-properties"/>
-    <ds:schemaRef ds:uri="http://schemas.microsoft.com/office/2006/metadata/properties"/>
-    <ds:schemaRef ds:uri="http://purl.org/dc/elements/1.1/"/>
-  </ds:schemaRefs>
-</ds:datastoreItem>
-</file>
-
-<file path=customXml/itemProps2.xml><?xml version="1.0" encoding="utf-8"?>
 <ds:datastoreItem xmlns:ds="http://schemas.openxmlformats.org/officeDocument/2006/customXml" ds:itemID="{4C103400-4A22-4E35-B588-4C4D42638959}">
   <ds:schemaRefs>
     <ds:schemaRef ds:uri="http://schemas.microsoft.com/office/2006/metadata/contentType"/>
@@ -38139,6 +38170,23 @@
 </ds:datastoreItem>
 </file>
 
+<file path=customXml/itemProps2.xml><?xml version="1.0" encoding="utf-8"?>
+<ds:datastoreItem xmlns:ds="http://schemas.openxmlformats.org/officeDocument/2006/customXml" ds:itemID="{F5757914-1161-4661-9696-421FD6935CDD}">
+  <ds:schemaRefs>
+    <ds:schemaRef ds:uri="http://schemas.microsoft.com/office/2006/documentManagement/types"/>
+    <ds:schemaRef ds:uri="http://schemas.microsoft.com/office/infopath/2007/PartnerControls"/>
+    <ds:schemaRef ds:uri="http://purl.org/dc/terms/"/>
+    <ds:schemaRef ds:uri="http://purl.org/dc/dcmitype/"/>
+    <ds:schemaRef ds:uri="16c05727-aa75-4e4a-9b5f-8a80a1165891"/>
+    <ds:schemaRef ds:uri="http://www.w3.org/XML/1998/namespace"/>
+    <ds:schemaRef ds:uri="71af3243-3dd4-4a8d-8c0d-dd76da1f02a5"/>
+    <ds:schemaRef ds:uri="http://schemas.openxmlformats.org/package/2006/metadata/core-properties"/>
+    <ds:schemaRef ds:uri="http://schemas.microsoft.com/office/2006/metadata/properties"/>
+    <ds:schemaRef ds:uri="http://purl.org/dc/elements/1.1/"/>
+  </ds:schemaRefs>
+</ds:datastoreItem>
+</file>
+
 <file path=customXml/itemProps3.xml><?xml version="1.0" encoding="utf-8"?>
 <ds:datastoreItem xmlns:ds="http://schemas.openxmlformats.org/officeDocument/2006/customXml" ds:itemID="{5B26E0C9-B2AA-42E6-97B6-E1B7D9EAF129}">
   <ds:schemaRefs>

--- a/reports/report_presentation.pptx
+++ b/reports/report_presentation.pptx
@@ -12,7 +12,7 @@
   </p:handoutMasterIdLst>
   <p:sldIdLst>
     <p:sldId id="256" r:id="rId5"/>
-    <p:sldId id="258" r:id="rId6"/>
+    <p:sldId id="308" r:id="rId6"/>
     <p:sldId id="293" r:id="rId7"/>
     <p:sldId id="257" r:id="rId8"/>
     <p:sldId id="306" r:id="rId9"/>
@@ -1091,6 +1091,2243 @@
     </a:lvl9pPr>
   </p:notesStyle>
 </p:notesMaster>
+</file>
+
+<file path=ppt/notesSlides/notesSlide1.xml><?xml version="1.0" encoding="utf-8"?>
+<p:notes xmlns:a="http://schemas.openxmlformats.org/drawingml/2006/main" xmlns:r="http://schemas.openxmlformats.org/officeDocument/2006/relationships" xmlns:p="http://schemas.openxmlformats.org/presentationml/2006/main">
+  <p:cSld>
+    <p:spTree>
+      <p:nvGrpSpPr>
+        <p:cNvPr id="1" name=""/>
+        <p:cNvGrpSpPr/>
+        <p:nvPr/>
+      </p:nvGrpSpPr>
+      <p:grpSpPr>
+        <a:xfrm>
+          <a:off x="0" y="0"/>
+          <a:ext cx="0" cy="0"/>
+          <a:chOff x="0" y="0"/>
+          <a:chExt cx="0" cy="0"/>
+        </a:xfrm>
+      </p:grpSpPr>
+      <p:sp>
+        <p:nvSpPr>
+          <p:cNvPr id="2" name="Θέση εικόνας διαφάνειας 1"/>
+          <p:cNvSpPr>
+            <a:spLocks noGrp="1" noRot="1" noChangeAspect="1"/>
+          </p:cNvSpPr>
+          <p:nvPr>
+            <p:ph type="sldImg"/>
+          </p:nvPr>
+        </p:nvSpPr>
+        <p:spPr/>
+      </p:sp>
+      <p:sp>
+        <p:nvSpPr>
+          <p:cNvPr id="3" name="Θέση σημειώσεων 2"/>
+          <p:cNvSpPr>
+            <a:spLocks noGrp="1"/>
+          </p:cNvSpPr>
+          <p:nvPr>
+            <p:ph type="body" idx="1"/>
+          </p:nvPr>
+        </p:nvSpPr>
+        <p:spPr/>
+        <p:txBody>
+          <a:bodyPr/>
+          <a:lstStyle/>
+          <a:p>
+            <a:r>
+              <a:rPr lang="el-GR" dirty="0"/>
+              <a:t>Σε αυτό το </a:t>
+            </a:r>
+            <a:r>
+              <a:rPr lang="en-US" dirty="0"/>
+              <a:t>project </a:t>
+            </a:r>
+            <a:r>
+              <a:rPr lang="el-GR" dirty="0"/>
+              <a:t>ασχοληθήκαμε με την ανάλυση πολυδιάστατων δεδομένων και ειδικότερα με την ανίχνευση ενδιαφέρων σημείων ανάμεσα τους.</a:t>
+            </a:r>
+          </a:p>
+          <a:p>
+            <a:r>
+              <a:rPr lang="el-GR" dirty="0"/>
+              <a:t>Συγκεκριμένα, υλοποιήσαμε έναν αλγόριθμο σε </a:t>
+            </a:r>
+            <a:r>
+              <a:rPr lang="en-US" dirty="0" err="1"/>
+              <a:t>scala</a:t>
+            </a:r>
+            <a:r>
+              <a:rPr lang="en-US" dirty="0"/>
+              <a:t> </a:t>
+            </a:r>
+            <a:r>
+              <a:rPr lang="el-GR" dirty="0"/>
+              <a:t>με την χρήση του </a:t>
+            </a:r>
+            <a:r>
+              <a:rPr lang="en-US" dirty="0"/>
+              <a:t>spark </a:t>
+            </a:r>
+            <a:r>
+              <a:rPr lang="el-GR" dirty="0"/>
+              <a:t>για την εύρεση του </a:t>
+            </a:r>
+            <a:r>
+              <a:rPr lang="en-US" dirty="0"/>
+              <a:t>skyline</a:t>
+            </a:r>
+            <a:r>
+              <a:rPr lang="el-GR" dirty="0"/>
+              <a:t> (δηλαδή των σημείων που δεν κυριαρχούνται* από κανένα άλλο), των </a:t>
+            </a:r>
+            <a:r>
+              <a:rPr lang="en-US" dirty="0"/>
+              <a:t>k </a:t>
+            </a:r>
+            <a:r>
+              <a:rPr lang="el-GR" dirty="0"/>
+              <a:t>καλύτερων σημείων όσο αφορά την κυριαρχία τους και των </a:t>
+            </a:r>
+            <a:r>
+              <a:rPr lang="en-US" dirty="0"/>
+              <a:t>k </a:t>
+            </a:r>
+            <a:r>
+              <a:rPr lang="el-GR" dirty="0"/>
+              <a:t>καλύτερων σημείων του </a:t>
+            </a:r>
+            <a:r>
+              <a:rPr lang="en-US" dirty="0"/>
+              <a:t>skyline </a:t>
+            </a:r>
+            <a:r>
+              <a:rPr lang="el-GR" dirty="0"/>
+              <a:t>όσο αφορά την κυριαρχία τους.</a:t>
+            </a:r>
+          </a:p>
+          <a:p>
+            <a:endParaRPr lang="en-US" dirty="0"/>
+          </a:p>
+          <a:p>
+            <a:r>
+              <a:rPr lang="en-US" dirty="0"/>
+              <a:t>To </a:t>
+            </a:r>
+            <a:r>
+              <a:rPr lang="en-US" dirty="0" err="1"/>
+              <a:t>qr</a:t>
+            </a:r>
+            <a:r>
+              <a:rPr lang="en-US" dirty="0"/>
+              <a:t> code </a:t>
+            </a:r>
+            <a:r>
+              <a:rPr lang="el-GR" dirty="0"/>
+              <a:t>οδηγεί στον πυγαίο κώδικα της εργασίας.</a:t>
+            </a:r>
+            <a:endParaRPr lang="en-US" dirty="0"/>
+          </a:p>
+          <a:p>
+            <a:endParaRPr lang="el-GR" dirty="0"/>
+          </a:p>
+          <a:p>
+            <a:r>
+              <a:rPr lang="el-GR" dirty="0"/>
+              <a:t>*Τι σημαίνει κυριαρχία; Ένα σημείο </a:t>
+            </a:r>
+            <a:r>
+              <a:rPr lang="en-US" dirty="0"/>
+              <a:t>p </a:t>
+            </a:r>
+            <a:r>
+              <a:rPr lang="el-GR" dirty="0"/>
+              <a:t>κυριαρχεί ένα άλλο σημείο </a:t>
+            </a:r>
+            <a:r>
+              <a:rPr lang="en-US" dirty="0"/>
+              <a:t>q </a:t>
+            </a:r>
+            <a:r>
+              <a:rPr lang="el-GR" dirty="0"/>
+              <a:t>όταν όλες οι συντεταγμένες του </a:t>
+            </a:r>
+            <a:r>
+              <a:rPr lang="en-US" dirty="0"/>
+              <a:t>q </a:t>
+            </a:r>
+            <a:r>
+              <a:rPr lang="el-GR" dirty="0"/>
+              <a:t>είναι μεγαλύτερες ή ίσες από αυτές του </a:t>
+            </a:r>
+            <a:r>
+              <a:rPr lang="en-US" dirty="0"/>
+              <a:t>p</a:t>
+            </a:r>
+            <a:r>
+              <a:rPr lang="el-GR" dirty="0"/>
+              <a:t>, με τουλάχιστον μία από αυτές να είναι αυστηρά μεγαλύτερη</a:t>
+            </a:r>
+          </a:p>
+        </p:txBody>
+      </p:sp>
+      <p:sp>
+        <p:nvSpPr>
+          <p:cNvPr id="4" name="Θέση αριθμού διαφάνειας 3"/>
+          <p:cNvSpPr>
+            <a:spLocks noGrp="1"/>
+          </p:cNvSpPr>
+          <p:nvPr>
+            <p:ph type="sldNum" sz="quarter" idx="5"/>
+          </p:nvPr>
+        </p:nvSpPr>
+        <p:spPr/>
+        <p:txBody>
+          <a:bodyPr/>
+          <a:lstStyle/>
+          <a:p>
+            <a:fld id="{1734D747-9380-41EE-9946-EC9EC0CA5D1E}" type="slidenum">
+              <a:rPr lang="en-US" noProof="0" smtClean="0"/>
+              <a:t>2</a:t>
+            </a:fld>
+            <a:endParaRPr lang="en-US" noProof="0" dirty="0"/>
+          </a:p>
+        </p:txBody>
+      </p:sp>
+    </p:spTree>
+    <p:extLst>
+      <p:ext uri="{BB962C8B-B14F-4D97-AF65-F5344CB8AC3E}">
+        <p14:creationId xmlns:p14="http://schemas.microsoft.com/office/powerpoint/2010/main" val="1841679414"/>
+      </p:ext>
+    </p:extLst>
+  </p:cSld>
+  <p:clrMapOvr>
+    <a:masterClrMapping/>
+  </p:clrMapOvr>
+</p:notes>
+</file>
+
+<file path=ppt/notesSlides/notesSlide10.xml><?xml version="1.0" encoding="utf-8"?>
+<p:notes xmlns:a="http://schemas.openxmlformats.org/drawingml/2006/main" xmlns:r="http://schemas.openxmlformats.org/officeDocument/2006/relationships" xmlns:p="http://schemas.openxmlformats.org/presentationml/2006/main">
+  <p:cSld>
+    <p:spTree>
+      <p:nvGrpSpPr>
+        <p:cNvPr id="1" name=""/>
+        <p:cNvGrpSpPr/>
+        <p:nvPr/>
+      </p:nvGrpSpPr>
+      <p:grpSpPr>
+        <a:xfrm>
+          <a:off x="0" y="0"/>
+          <a:ext cx="0" cy="0"/>
+          <a:chOff x="0" y="0"/>
+          <a:chExt cx="0" cy="0"/>
+        </a:xfrm>
+      </p:grpSpPr>
+      <p:sp>
+        <p:nvSpPr>
+          <p:cNvPr id="2" name="Θέση εικόνας διαφάνειας 1"/>
+          <p:cNvSpPr>
+            <a:spLocks noGrp="1" noRot="1" noChangeAspect="1"/>
+          </p:cNvSpPr>
+          <p:nvPr>
+            <p:ph type="sldImg"/>
+          </p:nvPr>
+        </p:nvSpPr>
+        <p:spPr/>
+      </p:sp>
+      <p:sp>
+        <p:nvSpPr>
+          <p:cNvPr id="3" name="Θέση σημειώσεων 2"/>
+          <p:cNvSpPr>
+            <a:spLocks noGrp="1"/>
+          </p:cNvSpPr>
+          <p:nvPr>
+            <p:ph type="body" idx="1"/>
+          </p:nvPr>
+        </p:nvSpPr>
+        <p:spPr/>
+        <p:txBody>
+          <a:bodyPr/>
+          <a:lstStyle/>
+          <a:p>
+            <a:r>
+              <a:rPr lang="el-GR" dirty="0"/>
+              <a:t>Και καταλήγουμε σε αυτά τα </a:t>
+            </a:r>
+            <a:r>
+              <a:rPr lang="en-US" dirty="0"/>
+              <a:t>top </a:t>
+            </a:r>
+            <a:r>
+              <a:rPr lang="el-GR" dirty="0"/>
+              <a:t>3 σημεία που φαίνονται στην εικόνα ως πράσινα.</a:t>
+            </a:r>
+          </a:p>
+        </p:txBody>
+      </p:sp>
+      <p:sp>
+        <p:nvSpPr>
+          <p:cNvPr id="4" name="Θέση αριθμού διαφάνειας 3"/>
+          <p:cNvSpPr>
+            <a:spLocks noGrp="1"/>
+          </p:cNvSpPr>
+          <p:nvPr>
+            <p:ph type="sldNum" sz="quarter" idx="5"/>
+          </p:nvPr>
+        </p:nvSpPr>
+        <p:spPr/>
+        <p:txBody>
+          <a:bodyPr/>
+          <a:lstStyle/>
+          <a:p>
+            <a:fld id="{1734D747-9380-41EE-9946-EC9EC0CA5D1E}" type="slidenum">
+              <a:rPr lang="en-US" noProof="0" smtClean="0"/>
+              <a:t>12</a:t>
+            </a:fld>
+            <a:endParaRPr lang="en-US" noProof="0" dirty="0"/>
+          </a:p>
+        </p:txBody>
+      </p:sp>
+    </p:spTree>
+    <p:extLst>
+      <p:ext uri="{BB962C8B-B14F-4D97-AF65-F5344CB8AC3E}">
+        <p14:creationId xmlns:p14="http://schemas.microsoft.com/office/powerpoint/2010/main" val="2902090332"/>
+      </p:ext>
+    </p:extLst>
+  </p:cSld>
+  <p:clrMapOvr>
+    <a:masterClrMapping/>
+  </p:clrMapOvr>
+</p:notes>
+</file>
+
+<file path=ppt/notesSlides/notesSlide11.xml><?xml version="1.0" encoding="utf-8"?>
+<p:notes xmlns:a="http://schemas.openxmlformats.org/drawingml/2006/main" xmlns:r="http://schemas.openxmlformats.org/officeDocument/2006/relationships" xmlns:p="http://schemas.openxmlformats.org/presentationml/2006/main">
+  <p:cSld>
+    <p:spTree>
+      <p:nvGrpSpPr>
+        <p:cNvPr id="1" name=""/>
+        <p:cNvGrpSpPr/>
+        <p:nvPr/>
+      </p:nvGrpSpPr>
+      <p:grpSpPr>
+        <a:xfrm>
+          <a:off x="0" y="0"/>
+          <a:ext cx="0" cy="0"/>
+          <a:chOff x="0" y="0"/>
+          <a:chExt cx="0" cy="0"/>
+        </a:xfrm>
+      </p:grpSpPr>
+      <p:sp>
+        <p:nvSpPr>
+          <p:cNvPr id="2" name="Θέση εικόνας διαφάνειας 1"/>
+          <p:cNvSpPr>
+            <a:spLocks noGrp="1" noRot="1" noChangeAspect="1"/>
+          </p:cNvSpPr>
+          <p:nvPr>
+            <p:ph type="sldImg"/>
+          </p:nvPr>
+        </p:nvSpPr>
+        <p:spPr/>
+      </p:sp>
+      <p:sp>
+        <p:nvSpPr>
+          <p:cNvPr id="3" name="Θέση σημειώσεων 2"/>
+          <p:cNvSpPr>
+            <a:spLocks noGrp="1"/>
+          </p:cNvSpPr>
+          <p:nvPr>
+            <p:ph type="body" idx="1"/>
+          </p:nvPr>
+        </p:nvSpPr>
+        <p:spPr/>
+        <p:txBody>
+          <a:bodyPr/>
+          <a:lstStyle/>
+          <a:p>
+            <a:endParaRPr lang="el-GR" dirty="0"/>
+          </a:p>
+          <a:p>
+            <a:r>
+              <a:rPr lang="el-GR" dirty="0"/>
+              <a:t>Αυτό το </a:t>
+            </a:r>
+            <a:r>
+              <a:rPr lang="en-US" dirty="0"/>
+              <a:t>task </a:t>
+            </a:r>
+            <a:r>
+              <a:rPr lang="el-GR" dirty="0"/>
+              <a:t>στην ουσία το έχουμε είδη περιγράψει ενώ περιγράφαμε τον </a:t>
+            </a:r>
+            <a:r>
+              <a:rPr lang="en-US" dirty="0" err="1"/>
+              <a:t>topk</a:t>
+            </a:r>
+            <a:r>
+              <a:rPr lang="en-US" dirty="0"/>
+              <a:t> </a:t>
+            </a:r>
+            <a:r>
+              <a:rPr lang="el-GR" dirty="0"/>
+              <a:t>αλγόριθμο.</a:t>
+            </a:r>
+          </a:p>
+          <a:p>
+            <a:r>
+              <a:rPr lang="el-GR" dirty="0"/>
+              <a:t>Αυτό που κάναμε είναι να βρούμε το </a:t>
+            </a:r>
+            <a:r>
+              <a:rPr lang="en-US" dirty="0"/>
+              <a:t>skyline</a:t>
+            </a:r>
+            <a:r>
+              <a:rPr lang="el-GR" dirty="0"/>
+              <a:t> και τα </a:t>
+            </a:r>
+            <a:r>
+              <a:rPr lang="en-US" dirty="0"/>
+              <a:t>dominations </a:t>
+            </a:r>
+            <a:r>
+              <a:rPr lang="el-GR" dirty="0"/>
+              <a:t>του κάθε σημείου του, ταξινομούμε κατά φθίνουσα σειρά με βάση τα </a:t>
+            </a:r>
+            <a:r>
+              <a:rPr lang="en-US" dirty="0"/>
+              <a:t>dominations </a:t>
+            </a:r>
+            <a:r>
+              <a:rPr lang="el-GR" dirty="0"/>
+              <a:t>και παίρνουμε ως αποτέλεσμα, τα πρώτα </a:t>
+            </a:r>
+            <a:r>
+              <a:rPr lang="en-US" dirty="0"/>
+              <a:t>k </a:t>
+            </a:r>
+            <a:r>
+              <a:rPr lang="el-GR" dirty="0"/>
+              <a:t>στοιχεία.</a:t>
+            </a:r>
+          </a:p>
+          <a:p>
+            <a:endParaRPr lang="el-GR" dirty="0"/>
+          </a:p>
+          <a:p>
+            <a:r>
+              <a:rPr lang="el-GR" dirty="0"/>
+              <a:t>Για περισσότερες πληροφορίες πάνω στο πως υλοποιήσαμε τους αλγορίθμους αυτούς σε </a:t>
+            </a:r>
+            <a:r>
+              <a:rPr lang="en-US" dirty="0" err="1"/>
+              <a:t>scala</a:t>
+            </a:r>
+            <a:r>
+              <a:rPr lang="en-US" dirty="0"/>
+              <a:t> </a:t>
+            </a:r>
+            <a:r>
+              <a:rPr lang="el-GR" dirty="0"/>
+              <a:t>με </a:t>
+            </a:r>
+            <a:r>
+              <a:rPr lang="en-US" dirty="0"/>
+              <a:t>spark </a:t>
+            </a:r>
+            <a:r>
+              <a:rPr lang="el-GR" dirty="0"/>
+              <a:t>μπορείτε να ρίξετε μία ματιά στο </a:t>
+            </a:r>
+            <a:r>
+              <a:rPr lang="en-US" dirty="0"/>
+              <a:t>repository </a:t>
+            </a:r>
+            <a:r>
+              <a:rPr lang="el-GR" dirty="0"/>
+              <a:t>που έχουμε στο </a:t>
+            </a:r>
+            <a:r>
+              <a:rPr lang="en-US" dirty="0" err="1"/>
+              <a:t>github</a:t>
+            </a:r>
+            <a:r>
+              <a:rPr lang="el-GR" dirty="0"/>
+              <a:t>.</a:t>
+            </a:r>
+          </a:p>
+        </p:txBody>
+      </p:sp>
+      <p:sp>
+        <p:nvSpPr>
+          <p:cNvPr id="4" name="Θέση αριθμού διαφάνειας 3"/>
+          <p:cNvSpPr>
+            <a:spLocks noGrp="1"/>
+          </p:cNvSpPr>
+          <p:nvPr>
+            <p:ph type="sldNum" sz="quarter" idx="5"/>
+          </p:nvPr>
+        </p:nvSpPr>
+        <p:spPr/>
+        <p:txBody>
+          <a:bodyPr/>
+          <a:lstStyle/>
+          <a:p>
+            <a:fld id="{1734D747-9380-41EE-9946-EC9EC0CA5D1E}" type="slidenum">
+              <a:rPr lang="en-US" noProof="0" smtClean="0"/>
+              <a:t>14</a:t>
+            </a:fld>
+            <a:endParaRPr lang="en-US" noProof="0" dirty="0"/>
+          </a:p>
+        </p:txBody>
+      </p:sp>
+    </p:spTree>
+    <p:extLst>
+      <p:ext uri="{BB962C8B-B14F-4D97-AF65-F5344CB8AC3E}">
+        <p14:creationId xmlns:p14="http://schemas.microsoft.com/office/powerpoint/2010/main" val="3523718851"/>
+      </p:ext>
+    </p:extLst>
+  </p:cSld>
+  <p:clrMapOvr>
+    <a:masterClrMapping/>
+  </p:clrMapOvr>
+</p:notes>
+</file>
+
+<file path=ppt/notesSlides/notesSlide12.xml><?xml version="1.0" encoding="utf-8"?>
+<p:notes xmlns:a="http://schemas.openxmlformats.org/drawingml/2006/main" xmlns:r="http://schemas.openxmlformats.org/officeDocument/2006/relationships" xmlns:p="http://schemas.openxmlformats.org/presentationml/2006/main">
+  <p:cSld>
+    <p:spTree>
+      <p:nvGrpSpPr>
+        <p:cNvPr id="1" name=""/>
+        <p:cNvGrpSpPr/>
+        <p:nvPr/>
+      </p:nvGrpSpPr>
+      <p:grpSpPr>
+        <a:xfrm>
+          <a:off x="0" y="0"/>
+          <a:ext cx="0" cy="0"/>
+          <a:chOff x="0" y="0"/>
+          <a:chExt cx="0" cy="0"/>
+        </a:xfrm>
+      </p:grpSpPr>
+      <p:sp>
+        <p:nvSpPr>
+          <p:cNvPr id="2" name="Θέση εικόνας διαφάνειας 1"/>
+          <p:cNvSpPr>
+            <a:spLocks noGrp="1" noRot="1" noChangeAspect="1"/>
+          </p:cNvSpPr>
+          <p:nvPr>
+            <p:ph type="sldImg"/>
+          </p:nvPr>
+        </p:nvSpPr>
+        <p:spPr/>
+      </p:sp>
+      <p:sp>
+        <p:nvSpPr>
+          <p:cNvPr id="3" name="Θέση σημειώσεων 2"/>
+          <p:cNvSpPr>
+            <a:spLocks noGrp="1"/>
+          </p:cNvSpPr>
+          <p:nvPr>
+            <p:ph type="body" idx="1"/>
+          </p:nvPr>
+        </p:nvSpPr>
+        <p:spPr/>
+        <p:txBody>
+          <a:bodyPr/>
+          <a:lstStyle/>
+          <a:p>
+            <a:endParaRPr lang="el-GR" dirty="0"/>
+          </a:p>
+        </p:txBody>
+      </p:sp>
+      <p:sp>
+        <p:nvSpPr>
+          <p:cNvPr id="4" name="Θέση αριθμού διαφάνειας 3"/>
+          <p:cNvSpPr>
+            <a:spLocks noGrp="1"/>
+          </p:cNvSpPr>
+          <p:nvPr>
+            <p:ph type="sldNum" sz="quarter" idx="5"/>
+          </p:nvPr>
+        </p:nvSpPr>
+        <p:spPr/>
+        <p:txBody>
+          <a:bodyPr/>
+          <a:lstStyle/>
+          <a:p>
+            <a:fld id="{1734D747-9380-41EE-9946-EC9EC0CA5D1E}" type="slidenum">
+              <a:rPr lang="en-US" noProof="0" smtClean="0"/>
+              <a:t>23</a:t>
+            </a:fld>
+            <a:endParaRPr lang="en-US" noProof="0" dirty="0"/>
+          </a:p>
+        </p:txBody>
+      </p:sp>
+    </p:spTree>
+    <p:extLst>
+      <p:ext uri="{BB962C8B-B14F-4D97-AF65-F5344CB8AC3E}">
+        <p14:creationId xmlns:p14="http://schemas.microsoft.com/office/powerpoint/2010/main" val="2788968335"/>
+      </p:ext>
+    </p:extLst>
+  </p:cSld>
+  <p:clrMapOvr>
+    <a:masterClrMapping/>
+  </p:clrMapOvr>
+</p:notes>
+</file>
+
+<file path=ppt/notesSlides/notesSlide2.xml><?xml version="1.0" encoding="utf-8"?>
+<p:notes xmlns:a="http://schemas.openxmlformats.org/drawingml/2006/main" xmlns:r="http://schemas.openxmlformats.org/officeDocument/2006/relationships" xmlns:p="http://schemas.openxmlformats.org/presentationml/2006/main">
+  <p:cSld>
+    <p:spTree>
+      <p:nvGrpSpPr>
+        <p:cNvPr id="1" name=""/>
+        <p:cNvGrpSpPr/>
+        <p:nvPr/>
+      </p:nvGrpSpPr>
+      <p:grpSpPr>
+        <a:xfrm>
+          <a:off x="0" y="0"/>
+          <a:ext cx="0" cy="0"/>
+          <a:chOff x="0" y="0"/>
+          <a:chExt cx="0" cy="0"/>
+        </a:xfrm>
+      </p:grpSpPr>
+      <p:sp>
+        <p:nvSpPr>
+          <p:cNvPr id="2" name="Θέση εικόνας διαφάνειας 1"/>
+          <p:cNvSpPr>
+            <a:spLocks noGrp="1" noRot="1" noChangeAspect="1"/>
+          </p:cNvSpPr>
+          <p:nvPr>
+            <p:ph type="sldImg"/>
+          </p:nvPr>
+        </p:nvSpPr>
+        <p:spPr/>
+      </p:sp>
+      <p:sp>
+        <p:nvSpPr>
+          <p:cNvPr id="3" name="Θέση σημειώσεων 2"/>
+          <p:cNvSpPr>
+            <a:spLocks noGrp="1"/>
+          </p:cNvSpPr>
+          <p:nvPr>
+            <p:ph type="body" idx="1"/>
+          </p:nvPr>
+        </p:nvSpPr>
+        <p:spPr/>
+        <p:txBody>
+          <a:bodyPr/>
+          <a:lstStyle/>
+          <a:p>
+            <a:r>
+              <a:rPr lang="el-GR" dirty="0"/>
+              <a:t>Για την εργασία αυτή, υλοποιήσαμε κάποιους αλγορίθμους για την παραγωγή</a:t>
+            </a:r>
+            <a:r>
+              <a:rPr lang="en-US" dirty="0"/>
+              <a:t> dataset</a:t>
+            </a:r>
+            <a:r>
+              <a:rPr lang="el-GR" dirty="0"/>
+              <a:t> με</a:t>
+            </a:r>
+            <a:r>
+              <a:rPr lang="en-US" dirty="0"/>
+              <a:t> correlated, anti-correlated, uniform &amp; gaussian</a:t>
+            </a:r>
+            <a:r>
+              <a:rPr lang="el-GR" dirty="0"/>
+              <a:t> κατανομές</a:t>
+            </a:r>
+            <a:r>
+              <a:rPr lang="en-US" dirty="0"/>
+              <a:t>.</a:t>
+            </a:r>
+            <a:r>
+              <a:rPr lang="el-GR" dirty="0"/>
+              <a:t> </a:t>
+            </a:r>
+            <a:endParaRPr lang="en-US" dirty="0"/>
+          </a:p>
+          <a:p>
+            <a:r>
+              <a:rPr lang="el-GR" dirty="0"/>
+              <a:t>Δημιουργήσαμε 3 </a:t>
+            </a:r>
+            <a:r>
+              <a:rPr lang="en-US" dirty="0"/>
+              <a:t>script </a:t>
+            </a:r>
+            <a:r>
+              <a:rPr lang="el-GR" dirty="0"/>
+              <a:t>σε </a:t>
+            </a:r>
+            <a:r>
+              <a:rPr lang="en-US" dirty="0"/>
+              <a:t>python</a:t>
+            </a:r>
+            <a:r>
+              <a:rPr lang="el-GR" dirty="0"/>
+              <a:t>, ένα για κάθε κατανομή (η </a:t>
+            </a:r>
+            <a:r>
+              <a:rPr lang="en-US" dirty="0"/>
+              <a:t>correlated &amp; anti-correlated </a:t>
+            </a:r>
+            <a:r>
+              <a:rPr lang="el-GR" dirty="0"/>
+              <a:t>παράγονται από το ίδιο </a:t>
+            </a:r>
+            <a:r>
+              <a:rPr lang="en-US" dirty="0"/>
+              <a:t>script</a:t>
+            </a:r>
+            <a:r>
+              <a:rPr lang="el-GR" dirty="0"/>
+              <a:t> με τον ίδιο τρόπο απλά έχουν διαφορετική κλίση, η μία θετική και η άλλη αρνητική</a:t>
+            </a:r>
+            <a:r>
+              <a:rPr lang="en-US" dirty="0"/>
+              <a:t>)</a:t>
+            </a:r>
+            <a:r>
+              <a:rPr lang="el-GR" dirty="0"/>
+              <a:t>. </a:t>
+            </a:r>
+          </a:p>
+          <a:p>
+            <a:r>
+              <a:rPr lang="el-GR" dirty="0"/>
+              <a:t>Τα </a:t>
+            </a:r>
+            <a:r>
+              <a:rPr lang="en-US" dirty="0"/>
+              <a:t>script </a:t>
+            </a:r>
+            <a:r>
+              <a:rPr lang="el-GR" dirty="0"/>
+              <a:t>έχουν την δυνατότητα να φτιάξουν δεδομένα με</a:t>
+            </a:r>
+            <a:r>
+              <a:rPr lang="en-US" dirty="0"/>
+              <a:t> </a:t>
+            </a:r>
+            <a:r>
+              <a:rPr lang="el-GR" dirty="0"/>
+              <a:t>διάσταση που καθορίζεται από τον χρήστη. </a:t>
+            </a:r>
+          </a:p>
+          <a:p>
+            <a:endParaRPr lang="el-GR" dirty="0"/>
+          </a:p>
+          <a:p>
+            <a:r>
+              <a:rPr lang="el-GR" dirty="0"/>
+              <a:t>Το </a:t>
+            </a:r>
+            <a:r>
+              <a:rPr lang="en-US" dirty="0" err="1"/>
+              <a:t>qr</a:t>
+            </a:r>
+            <a:r>
+              <a:rPr lang="en-US" dirty="0"/>
+              <a:t> code </a:t>
+            </a:r>
+            <a:r>
+              <a:rPr lang="el-GR" dirty="0"/>
+              <a:t>οδηγεί στον πηγαίο κώδικα αυτών των </a:t>
+            </a:r>
+            <a:r>
+              <a:rPr lang="en-US" dirty="0"/>
+              <a:t>script</a:t>
+            </a:r>
+            <a:r>
+              <a:rPr lang="el-GR" dirty="0"/>
+              <a:t>.</a:t>
+            </a:r>
+          </a:p>
+        </p:txBody>
+      </p:sp>
+      <p:sp>
+        <p:nvSpPr>
+          <p:cNvPr id="4" name="Θέση αριθμού διαφάνειας 3"/>
+          <p:cNvSpPr>
+            <a:spLocks noGrp="1"/>
+          </p:cNvSpPr>
+          <p:nvPr>
+            <p:ph type="sldNum" sz="quarter" idx="5"/>
+          </p:nvPr>
+        </p:nvSpPr>
+        <p:spPr/>
+        <p:txBody>
+          <a:bodyPr/>
+          <a:lstStyle/>
+          <a:p>
+            <a:fld id="{1734D747-9380-41EE-9946-EC9EC0CA5D1E}" type="slidenum">
+              <a:rPr lang="en-US" noProof="0" smtClean="0"/>
+              <a:t>3</a:t>
+            </a:fld>
+            <a:endParaRPr lang="en-US" noProof="0" dirty="0"/>
+          </a:p>
+        </p:txBody>
+      </p:sp>
+    </p:spTree>
+    <p:extLst>
+      <p:ext uri="{BB962C8B-B14F-4D97-AF65-F5344CB8AC3E}">
+        <p14:creationId xmlns:p14="http://schemas.microsoft.com/office/powerpoint/2010/main" val="1721624072"/>
+      </p:ext>
+    </p:extLst>
+  </p:cSld>
+  <p:clrMapOvr>
+    <a:masterClrMapping/>
+  </p:clrMapOvr>
+</p:notes>
+</file>
+
+<file path=ppt/notesSlides/notesSlide3.xml><?xml version="1.0" encoding="utf-8"?>
+<p:notes xmlns:a="http://schemas.openxmlformats.org/drawingml/2006/main" xmlns:r="http://schemas.openxmlformats.org/officeDocument/2006/relationships" xmlns:p="http://schemas.openxmlformats.org/presentationml/2006/main">
+  <p:cSld>
+    <p:spTree>
+      <p:nvGrpSpPr>
+        <p:cNvPr id="1" name=""/>
+        <p:cNvGrpSpPr/>
+        <p:nvPr/>
+      </p:nvGrpSpPr>
+      <p:grpSpPr>
+        <a:xfrm>
+          <a:off x="0" y="0"/>
+          <a:ext cx="0" cy="0"/>
+          <a:chOff x="0" y="0"/>
+          <a:chExt cx="0" cy="0"/>
+        </a:xfrm>
+      </p:grpSpPr>
+      <p:sp>
+        <p:nvSpPr>
+          <p:cNvPr id="2" name="Θέση εικόνας διαφάνειας 1"/>
+          <p:cNvSpPr>
+            <a:spLocks noGrp="1" noRot="1" noChangeAspect="1"/>
+          </p:cNvSpPr>
+          <p:nvPr>
+            <p:ph type="sldImg"/>
+          </p:nvPr>
+        </p:nvSpPr>
+        <p:spPr/>
+      </p:sp>
+      <p:sp>
+        <p:nvSpPr>
+          <p:cNvPr id="3" name="Θέση σημειώσεων 2"/>
+          <p:cNvSpPr>
+            <a:spLocks noGrp="1"/>
+          </p:cNvSpPr>
+          <p:nvPr>
+            <p:ph type="body" idx="1"/>
+          </p:nvPr>
+        </p:nvSpPr>
+        <p:spPr/>
+        <p:txBody>
+          <a:bodyPr/>
+          <a:lstStyle/>
+          <a:p>
+            <a:r>
+              <a:rPr lang="el-GR" dirty="0"/>
+              <a:t>Για να βρούμε τα σημεία του </a:t>
+            </a:r>
+            <a:r>
+              <a:rPr lang="en-US" dirty="0"/>
+              <a:t>skyline</a:t>
+            </a:r>
+            <a:r>
+              <a:rPr lang="el-GR" dirty="0"/>
+              <a:t>, υλοποιήσαμε τον αλγόριθμο που περιγράφεται στην διαφάνεια.</a:t>
+            </a:r>
+          </a:p>
+          <a:p>
+            <a:r>
+              <a:rPr lang="el-GR" dirty="0"/>
+              <a:t>Αρχικά υπολογίζουμε το άθροισμα όλων των συντεταγμένων των σημείων του </a:t>
+            </a:r>
+            <a:r>
+              <a:rPr lang="en-US" dirty="0"/>
+              <a:t>dataset</a:t>
+            </a:r>
+            <a:r>
+              <a:rPr lang="el-GR" dirty="0"/>
+              <a:t> και τα ταξινομούμε με βάση αυτή σε αύξουσα σειρά.</a:t>
+            </a:r>
+          </a:p>
+          <a:p>
+            <a:r>
+              <a:rPr lang="el-GR" dirty="0"/>
+              <a:t>Το πρώτο σημείο με το μικρότερο άθροισμα θα είναι σίγουρα σημείο του </a:t>
+            </a:r>
+            <a:r>
+              <a:rPr lang="en-US" dirty="0"/>
+              <a:t>skyline</a:t>
+            </a:r>
+            <a:r>
+              <a:rPr lang="el-GR" dirty="0"/>
+              <a:t> οπότε το κρατάμε ως </a:t>
+            </a:r>
+            <a:r>
+              <a:rPr lang="en-US" dirty="0"/>
+              <a:t>skyline </a:t>
+            </a:r>
+            <a:r>
+              <a:rPr lang="el-GR" dirty="0"/>
+              <a:t>σημείο.</a:t>
+            </a:r>
+          </a:p>
+          <a:p>
+            <a:r>
+              <a:rPr lang="el-GR" dirty="0"/>
+              <a:t>Στην συνέχεια περνάμε από τα όλα τα υπόλοιπα σημεία του </a:t>
+            </a:r>
+            <a:r>
+              <a:rPr lang="en-US" dirty="0"/>
+              <a:t>dataset</a:t>
+            </a:r>
+            <a:r>
+              <a:rPr lang="el-GR" dirty="0"/>
+              <a:t> και κάνουμε τους εξής ελέγχουν για το κάθε ένα :</a:t>
+            </a:r>
+          </a:p>
+          <a:p>
+            <a:r>
+              <a:rPr lang="el-GR" dirty="0"/>
+              <a:t>	* Αν το σημείο κυριαρχεί κάποιου από τα </a:t>
+            </a:r>
+            <a:r>
+              <a:rPr lang="en-US" dirty="0"/>
+              <a:t>skyline </a:t>
+            </a:r>
+            <a:r>
+              <a:rPr lang="el-GR" dirty="0"/>
+              <a:t>σημεία που έχουμε μαζέψει, αφαιρούμε το σημείο που κυριαρχεί από τα </a:t>
+            </a:r>
+            <a:r>
+              <a:rPr lang="en-US" dirty="0"/>
+              <a:t>skyline</a:t>
+            </a:r>
+          </a:p>
+          <a:p>
+            <a:r>
+              <a:rPr lang="en-US" dirty="0"/>
+              <a:t>	* A</a:t>
+            </a:r>
+            <a:r>
+              <a:rPr lang="el-GR" dirty="0"/>
+              <a:t>ν</a:t>
+            </a:r>
+            <a:r>
+              <a:rPr lang="en-US" dirty="0"/>
+              <a:t> </a:t>
+            </a:r>
+            <a:r>
+              <a:rPr lang="el-GR" dirty="0"/>
+              <a:t>το σημείο κυριαρχείτε από κάποιο από τα </a:t>
+            </a:r>
+            <a:r>
+              <a:rPr lang="en-US" dirty="0"/>
+              <a:t>skyline </a:t>
+            </a:r>
+            <a:r>
+              <a:rPr lang="el-GR" dirty="0"/>
+              <a:t>σημεία που έχουμε μαζέψει, δεν το κρατάμε ως </a:t>
+            </a:r>
+            <a:r>
+              <a:rPr lang="en-US" dirty="0"/>
+              <a:t>skyline </a:t>
+            </a:r>
+            <a:r>
+              <a:rPr lang="el-GR" dirty="0"/>
+              <a:t>και πάμε στο επόμενο αλλιώς το κρατάμε ως </a:t>
+            </a:r>
+            <a:r>
+              <a:rPr lang="en-US" dirty="0"/>
+              <a:t>skyline </a:t>
+            </a:r>
+            <a:r>
+              <a:rPr lang="el-GR" dirty="0"/>
+              <a:t>σημείο</a:t>
+            </a:r>
+          </a:p>
+          <a:p>
+            <a:r>
+              <a:rPr lang="el-GR" dirty="0"/>
+              <a:t>Επαναλαμβάνουμε αυτούς τους ελέγχους για όλα τα σημεία του </a:t>
+            </a:r>
+            <a:r>
+              <a:rPr lang="en-US" dirty="0"/>
+              <a:t>dataset </a:t>
+            </a:r>
+            <a:r>
+              <a:rPr lang="el-GR" dirty="0"/>
+              <a:t>και στο τέλος καταλήγουμε με το </a:t>
+            </a:r>
+            <a:r>
+              <a:rPr lang="en-US" dirty="0"/>
+              <a:t>skyline</a:t>
+            </a:r>
+          </a:p>
+          <a:p>
+            <a:endParaRPr lang="en-US" dirty="0"/>
+          </a:p>
+          <a:p>
+            <a:r>
+              <a:rPr lang="el-GR" dirty="0"/>
+              <a:t>Για να κάνουμε αυτόν τον αλγόριθμο </a:t>
+            </a:r>
+            <a:r>
+              <a:rPr lang="en-US" dirty="0"/>
+              <a:t>distributed</a:t>
+            </a:r>
+            <a:r>
+              <a:rPr lang="el-GR" dirty="0"/>
+              <a:t> και να τρέχει παράλληλα στα </a:t>
+            </a:r>
+            <a:r>
+              <a:rPr lang="en-US" dirty="0"/>
+              <a:t>node</a:t>
+            </a:r>
+            <a:r>
+              <a:rPr lang="el-GR" dirty="0"/>
+              <a:t> του </a:t>
+            </a:r>
+            <a:r>
+              <a:rPr lang="en-US" dirty="0"/>
+              <a:t>spark</a:t>
+            </a:r>
+            <a:r>
+              <a:rPr lang="el-GR" dirty="0"/>
+              <a:t>, κάναμε το εξής :</a:t>
+            </a:r>
+          </a:p>
+          <a:p>
+            <a:r>
+              <a:rPr lang="el-GR" dirty="0"/>
+              <a:t>Αφού φορτώσαμε τα δεδομένα σε </a:t>
+            </a:r>
+            <a:r>
+              <a:rPr lang="en-US" dirty="0"/>
+              <a:t>RDD,</a:t>
+            </a:r>
+            <a:r>
+              <a:rPr lang="el-GR" dirty="0"/>
+              <a:t> τρέχουμε τον αλγόριθμο αυτό ξεχωριστά σε κάθε </a:t>
+            </a:r>
+            <a:r>
+              <a:rPr lang="en-US" dirty="0"/>
+              <a:t>partition </a:t>
+            </a:r>
+            <a:r>
+              <a:rPr lang="el-GR" dirty="0"/>
+              <a:t>με την εντολή </a:t>
+            </a:r>
+            <a:r>
+              <a:rPr lang="en-US" dirty="0" err="1"/>
+              <a:t>mapPartitions</a:t>
+            </a:r>
+            <a:r>
+              <a:rPr lang="el-GR" dirty="0"/>
+              <a:t> και έτσι καταλήγουμε με τα </a:t>
+            </a:r>
+            <a:r>
+              <a:rPr lang="en-US" dirty="0"/>
+              <a:t>skyline </a:t>
+            </a:r>
+            <a:r>
+              <a:rPr lang="el-GR" dirty="0"/>
+              <a:t>σημεία του κάθε </a:t>
+            </a:r>
+            <a:r>
+              <a:rPr lang="en-US" dirty="0"/>
+              <a:t>partition. </a:t>
+            </a:r>
+            <a:r>
+              <a:rPr lang="el-GR" dirty="0"/>
+              <a:t>Στην συνέχεια τα κάνουμε </a:t>
+            </a:r>
+            <a:r>
+              <a:rPr lang="en-US" dirty="0"/>
+              <a:t>collect</a:t>
+            </a:r>
+            <a:r>
+              <a:rPr lang="el-GR" dirty="0"/>
+              <a:t> και ξανά τρέχουμε τον αλγόριθμο με αυτά τα σημεία. Έτσι καταλήγουμε με το τελικό </a:t>
+            </a:r>
+            <a:r>
+              <a:rPr lang="en-US" dirty="0"/>
+              <a:t>skyline</a:t>
+            </a:r>
+            <a:r>
+              <a:rPr lang="el-GR" dirty="0"/>
+              <a:t> του συνόλου των δεδομένων.</a:t>
+            </a:r>
+          </a:p>
+        </p:txBody>
+      </p:sp>
+      <p:sp>
+        <p:nvSpPr>
+          <p:cNvPr id="4" name="Θέση αριθμού διαφάνειας 3"/>
+          <p:cNvSpPr>
+            <a:spLocks noGrp="1"/>
+          </p:cNvSpPr>
+          <p:nvPr>
+            <p:ph type="sldNum" sz="quarter" idx="5"/>
+          </p:nvPr>
+        </p:nvSpPr>
+        <p:spPr/>
+        <p:txBody>
+          <a:bodyPr/>
+          <a:lstStyle/>
+          <a:p>
+            <a:fld id="{1734D747-9380-41EE-9946-EC9EC0CA5D1E}" type="slidenum">
+              <a:rPr lang="en-US" noProof="0" smtClean="0"/>
+              <a:t>5</a:t>
+            </a:fld>
+            <a:endParaRPr lang="en-US" noProof="0" dirty="0"/>
+          </a:p>
+        </p:txBody>
+      </p:sp>
+    </p:spTree>
+    <p:extLst>
+      <p:ext uri="{BB962C8B-B14F-4D97-AF65-F5344CB8AC3E}">
+        <p14:creationId xmlns:p14="http://schemas.microsoft.com/office/powerpoint/2010/main" val="1140453754"/>
+      </p:ext>
+    </p:extLst>
+  </p:cSld>
+  <p:clrMapOvr>
+    <a:masterClrMapping/>
+  </p:clrMapOvr>
+</p:notes>
+</file>
+
+<file path=ppt/notesSlides/notesSlide4.xml><?xml version="1.0" encoding="utf-8"?>
+<p:notes xmlns:a="http://schemas.openxmlformats.org/drawingml/2006/main" xmlns:r="http://schemas.openxmlformats.org/officeDocument/2006/relationships" xmlns:p="http://schemas.openxmlformats.org/presentationml/2006/main">
+  <p:cSld>
+    <p:spTree>
+      <p:nvGrpSpPr>
+        <p:cNvPr id="1" name=""/>
+        <p:cNvGrpSpPr/>
+        <p:nvPr/>
+      </p:nvGrpSpPr>
+      <p:grpSpPr>
+        <a:xfrm>
+          <a:off x="0" y="0"/>
+          <a:ext cx="0" cy="0"/>
+          <a:chOff x="0" y="0"/>
+          <a:chExt cx="0" cy="0"/>
+        </a:xfrm>
+      </p:grpSpPr>
+      <p:sp>
+        <p:nvSpPr>
+          <p:cNvPr id="2" name="Θέση εικόνας διαφάνειας 1"/>
+          <p:cNvSpPr>
+            <a:spLocks noGrp="1" noRot="1" noChangeAspect="1"/>
+          </p:cNvSpPr>
+          <p:nvPr>
+            <p:ph type="sldImg"/>
+          </p:nvPr>
+        </p:nvSpPr>
+        <p:spPr/>
+      </p:sp>
+      <p:sp>
+        <p:nvSpPr>
+          <p:cNvPr id="3" name="Θέση σημειώσεων 2"/>
+          <p:cNvSpPr>
+            <a:spLocks noGrp="1"/>
+          </p:cNvSpPr>
+          <p:nvPr>
+            <p:ph type="body" idx="1"/>
+          </p:nvPr>
+        </p:nvSpPr>
+        <p:spPr/>
+        <p:txBody>
+          <a:bodyPr/>
+          <a:lstStyle/>
+          <a:p>
+            <a:endParaRPr lang="el-GR" dirty="0"/>
+          </a:p>
+          <a:p>
+            <a:r>
+              <a:rPr lang="el-GR" dirty="0"/>
+              <a:t>Εδώ μπορούμε να δούμε ένα παράδειγμα του αλγορίθμου.</a:t>
+            </a:r>
+          </a:p>
+          <a:p>
+            <a:r>
+              <a:rPr lang="el-GR" dirty="0"/>
+              <a:t>Στο διάγραμμα βλέπουμε τα αθροίσματα των συντεταγμένων κάθε σημείου.</a:t>
+            </a:r>
+          </a:p>
+          <a:p>
+            <a:r>
+              <a:rPr lang="el-GR" dirty="0"/>
+              <a:t>Ξεκινάμε από το σημείο με άθροισμα </a:t>
+            </a:r>
+            <a:r>
+              <a:rPr lang="en-US" dirty="0"/>
+              <a:t>4 </a:t>
+            </a:r>
+            <a:r>
+              <a:rPr lang="el-GR" dirty="0"/>
+              <a:t>και το βάζουμε ως </a:t>
+            </a:r>
+            <a:r>
+              <a:rPr lang="en-US" dirty="0"/>
+              <a:t>skyline </a:t>
+            </a:r>
+            <a:r>
+              <a:rPr lang="el-GR" dirty="0"/>
+              <a:t>γιατί έχει το μικρότερο άθροισμα.</a:t>
+            </a:r>
+          </a:p>
+          <a:p>
+            <a:r>
+              <a:rPr lang="el-GR" dirty="0"/>
+              <a:t>Στην συνέχεια πάμε στο επόμενο σημείο που έχει άθροισμα 6. Εδώ έχουμε δύο σημεία αλλά δεν έχει σημασία σε ποιο θα πάμε πρώτα καθώς ο αλγόριθμος ταξινομεί με βάση μόνο το άθροισμα των συντεταγμένων, οπότε είναι τυχαίο σε ποια θέση στην λίστα θα είναι τα δύο αυτά σημεία.</a:t>
+            </a:r>
+          </a:p>
+          <a:p>
+            <a:r>
+              <a:rPr lang="el-GR" dirty="0"/>
+              <a:t>Έστω ότι πάμε πρώτα στο πάνω σημείο με άθροισμα 6, τότε βλέπουμε ότι κυριαρχείται από ένα από τα σημεία του </a:t>
+            </a:r>
+            <a:r>
+              <a:rPr lang="en-US" dirty="0"/>
+              <a:t>skyline </a:t>
+            </a:r>
+            <a:r>
+              <a:rPr lang="el-GR" dirty="0"/>
+              <a:t>και επομένως πάμε στο επόμενο, το οποίο δεν κυριαρχείτε και έτσι το κρατάμε ως δεύτερο </a:t>
+            </a:r>
+            <a:r>
+              <a:rPr lang="en-US" dirty="0"/>
+              <a:t>skyline </a:t>
+            </a:r>
+            <a:r>
+              <a:rPr lang="el-GR" dirty="0"/>
+              <a:t>σημείο.</a:t>
+            </a:r>
+          </a:p>
+          <a:p>
+            <a:r>
+              <a:rPr lang="el-GR" dirty="0"/>
+              <a:t>Συνεχίζουμε έτσι από το μικρότερο στο μεγαλύτερο άθροισμα και καταλήγουμε με τα δύο πράσινα σημεία ως </a:t>
+            </a:r>
+            <a:r>
+              <a:rPr lang="en-US" dirty="0"/>
+              <a:t>skyline.</a:t>
+            </a:r>
+            <a:endParaRPr lang="el-GR" dirty="0"/>
+          </a:p>
+        </p:txBody>
+      </p:sp>
+      <p:sp>
+        <p:nvSpPr>
+          <p:cNvPr id="4" name="Θέση αριθμού διαφάνειας 3"/>
+          <p:cNvSpPr>
+            <a:spLocks noGrp="1"/>
+          </p:cNvSpPr>
+          <p:nvPr>
+            <p:ph type="sldNum" sz="quarter" idx="5"/>
+          </p:nvPr>
+        </p:nvSpPr>
+        <p:spPr/>
+        <p:txBody>
+          <a:bodyPr/>
+          <a:lstStyle/>
+          <a:p>
+            <a:fld id="{1734D747-9380-41EE-9946-EC9EC0CA5D1E}" type="slidenum">
+              <a:rPr lang="en-US" noProof="0" smtClean="0"/>
+              <a:t>6</a:t>
+            </a:fld>
+            <a:endParaRPr lang="en-US" noProof="0" dirty="0"/>
+          </a:p>
+        </p:txBody>
+      </p:sp>
+    </p:spTree>
+    <p:extLst>
+      <p:ext uri="{BB962C8B-B14F-4D97-AF65-F5344CB8AC3E}">
+        <p14:creationId xmlns:p14="http://schemas.microsoft.com/office/powerpoint/2010/main" val="1542719137"/>
+      </p:ext>
+    </p:extLst>
+  </p:cSld>
+  <p:clrMapOvr>
+    <a:masterClrMapping/>
+  </p:clrMapOvr>
+</p:notes>
+</file>
+
+<file path=ppt/notesSlides/notesSlide5.xml><?xml version="1.0" encoding="utf-8"?>
+<p:notes xmlns:a="http://schemas.openxmlformats.org/drawingml/2006/main" xmlns:r="http://schemas.openxmlformats.org/officeDocument/2006/relationships" xmlns:p="http://schemas.openxmlformats.org/presentationml/2006/main">
+  <p:cSld>
+    <p:spTree>
+      <p:nvGrpSpPr>
+        <p:cNvPr id="1" name=""/>
+        <p:cNvGrpSpPr/>
+        <p:nvPr/>
+      </p:nvGrpSpPr>
+      <p:grpSpPr>
+        <a:xfrm>
+          <a:off x="0" y="0"/>
+          <a:ext cx="0" cy="0"/>
+          <a:chOff x="0" y="0"/>
+          <a:chExt cx="0" cy="0"/>
+        </a:xfrm>
+      </p:grpSpPr>
+      <p:sp>
+        <p:nvSpPr>
+          <p:cNvPr id="2" name="Θέση εικόνας διαφάνειας 1"/>
+          <p:cNvSpPr>
+            <a:spLocks noGrp="1" noRot="1" noChangeAspect="1"/>
+          </p:cNvSpPr>
+          <p:nvPr>
+            <p:ph type="sldImg"/>
+          </p:nvPr>
+        </p:nvSpPr>
+        <p:spPr/>
+      </p:sp>
+      <p:sp>
+        <p:nvSpPr>
+          <p:cNvPr id="3" name="Θέση σημειώσεων 2"/>
+          <p:cNvSpPr>
+            <a:spLocks noGrp="1"/>
+          </p:cNvSpPr>
+          <p:nvPr>
+            <p:ph type="body" idx="1"/>
+          </p:nvPr>
+        </p:nvSpPr>
+        <p:spPr/>
+        <p:txBody>
+          <a:bodyPr/>
+          <a:lstStyle/>
+          <a:p>
+            <a:endParaRPr lang="el-GR" dirty="0"/>
+          </a:p>
+        </p:txBody>
+      </p:sp>
+      <p:sp>
+        <p:nvSpPr>
+          <p:cNvPr id="4" name="Θέση αριθμού διαφάνειας 3"/>
+          <p:cNvSpPr>
+            <a:spLocks noGrp="1"/>
+          </p:cNvSpPr>
+          <p:nvPr>
+            <p:ph type="sldNum" sz="quarter" idx="5"/>
+          </p:nvPr>
+        </p:nvSpPr>
+        <p:spPr/>
+        <p:txBody>
+          <a:bodyPr/>
+          <a:lstStyle/>
+          <a:p>
+            <a:fld id="{1734D747-9380-41EE-9946-EC9EC0CA5D1E}" type="slidenum">
+              <a:rPr lang="en-US" noProof="0" smtClean="0"/>
+              <a:t>7</a:t>
+            </a:fld>
+            <a:endParaRPr lang="en-US" noProof="0" dirty="0"/>
+          </a:p>
+        </p:txBody>
+      </p:sp>
+    </p:spTree>
+    <p:extLst>
+      <p:ext uri="{BB962C8B-B14F-4D97-AF65-F5344CB8AC3E}">
+        <p14:creationId xmlns:p14="http://schemas.microsoft.com/office/powerpoint/2010/main" val="1234269590"/>
+      </p:ext>
+    </p:extLst>
+  </p:cSld>
+  <p:clrMapOvr>
+    <a:masterClrMapping/>
+  </p:clrMapOvr>
+</p:notes>
+</file>
+
+<file path=ppt/notesSlides/notesSlide6.xml><?xml version="1.0" encoding="utf-8"?>
+<p:notes xmlns:a="http://schemas.openxmlformats.org/drawingml/2006/main" xmlns:r="http://schemas.openxmlformats.org/officeDocument/2006/relationships" xmlns:p="http://schemas.openxmlformats.org/presentationml/2006/main">
+  <p:cSld>
+    <p:spTree>
+      <p:nvGrpSpPr>
+        <p:cNvPr id="1" name=""/>
+        <p:cNvGrpSpPr/>
+        <p:nvPr/>
+      </p:nvGrpSpPr>
+      <p:grpSpPr>
+        <a:xfrm>
+          <a:off x="0" y="0"/>
+          <a:ext cx="0" cy="0"/>
+          <a:chOff x="0" y="0"/>
+          <a:chExt cx="0" cy="0"/>
+        </a:xfrm>
+      </p:grpSpPr>
+      <p:sp>
+        <p:nvSpPr>
+          <p:cNvPr id="2" name="Θέση εικόνας διαφάνειας 1"/>
+          <p:cNvSpPr>
+            <a:spLocks noGrp="1" noRot="1" noChangeAspect="1"/>
+          </p:cNvSpPr>
+          <p:nvPr>
+            <p:ph type="sldImg"/>
+          </p:nvPr>
+        </p:nvSpPr>
+        <p:spPr/>
+      </p:sp>
+      <p:sp>
+        <p:nvSpPr>
+          <p:cNvPr id="3" name="Θέση σημειώσεων 2"/>
+          <p:cNvSpPr>
+            <a:spLocks noGrp="1"/>
+          </p:cNvSpPr>
+          <p:nvPr>
+            <p:ph type="body" idx="1"/>
+          </p:nvPr>
+        </p:nvSpPr>
+        <p:spPr/>
+        <p:txBody>
+          <a:bodyPr/>
+          <a:lstStyle/>
+          <a:p>
+            <a:r>
+              <a:rPr lang="el-GR" dirty="0"/>
+              <a:t>Για τον υπολογισμό των </a:t>
+            </a:r>
+            <a:r>
+              <a:rPr lang="en-US" dirty="0"/>
+              <a:t>top k </a:t>
+            </a:r>
+            <a:r>
+              <a:rPr lang="el-GR" dirty="0"/>
+              <a:t>σημείων ως προς την κυριαρχία τους, υλοποιήσαμε έναν αλγόριθμο που συμπεριλαμβάνει και τον αλγόριθμο του </a:t>
+            </a:r>
+            <a:r>
+              <a:rPr lang="en-US" dirty="0"/>
+              <a:t>skyline </a:t>
+            </a:r>
+            <a:r>
+              <a:rPr lang="el-GR" dirty="0"/>
+              <a:t>που είδαμε πριν</a:t>
+            </a:r>
+            <a:r>
+              <a:rPr lang="en-US" dirty="0"/>
+              <a:t>.</a:t>
+            </a:r>
+            <a:endParaRPr lang="el-GR" dirty="0"/>
+          </a:p>
+          <a:p>
+            <a:endParaRPr lang="en-US" dirty="0"/>
+          </a:p>
+          <a:p>
+            <a:r>
+              <a:rPr lang="el-GR" dirty="0"/>
+              <a:t>Αρχικά ξεκινάμε υπολογίζοντας το </a:t>
+            </a:r>
+            <a:r>
+              <a:rPr lang="en-US" dirty="0"/>
+              <a:t>skyline </a:t>
+            </a:r>
+            <a:r>
+              <a:rPr lang="el-GR" dirty="0"/>
+              <a:t>του </a:t>
+            </a:r>
+            <a:r>
+              <a:rPr lang="en-US" dirty="0"/>
+              <a:t>dataset </a:t>
+            </a:r>
+            <a:r>
+              <a:rPr lang="el-GR" dirty="0"/>
+              <a:t>και στην συνέχεια μετράμε τα </a:t>
+            </a:r>
+            <a:r>
+              <a:rPr lang="en-US" dirty="0"/>
+              <a:t>dominations </a:t>
+            </a:r>
+            <a:r>
+              <a:rPr lang="el-GR" dirty="0"/>
+              <a:t>για κάθε ένα από τα σημεία του </a:t>
+            </a:r>
+            <a:r>
+              <a:rPr lang="en-US" dirty="0"/>
+              <a:t>skyline</a:t>
+            </a:r>
+            <a:r>
+              <a:rPr lang="el-GR" dirty="0"/>
+              <a:t>. </a:t>
+            </a:r>
+          </a:p>
+          <a:p>
+            <a:endParaRPr lang="el-GR" dirty="0"/>
+          </a:p>
+          <a:p>
+            <a:r>
+              <a:rPr lang="el-GR" dirty="0"/>
+              <a:t>Δημιουργούμε δύο κενές λίστες, μία με τα </a:t>
+            </a:r>
+            <a:r>
+              <a:rPr lang="en-US" dirty="0" err="1"/>
+              <a:t>topK</a:t>
+            </a:r>
+            <a:r>
+              <a:rPr lang="en-US" dirty="0"/>
+              <a:t> </a:t>
+            </a:r>
+            <a:r>
+              <a:rPr lang="el-GR" dirty="0"/>
+              <a:t>σημεία και μία με υποψήφια σημεία για να μπουν στην </a:t>
+            </a:r>
+            <a:r>
+              <a:rPr lang="en-US" dirty="0" err="1"/>
+              <a:t>topK</a:t>
+            </a:r>
+            <a:r>
+              <a:rPr lang="en-US" dirty="0"/>
+              <a:t> </a:t>
+            </a:r>
+            <a:r>
+              <a:rPr lang="el-GR" dirty="0"/>
+              <a:t>λίστα.</a:t>
+            </a:r>
+          </a:p>
+          <a:p>
+            <a:r>
+              <a:rPr lang="el-GR" dirty="0"/>
+              <a:t>Αρχικά γεμίζουμε τα υποψήφια σημεία με το </a:t>
+            </a:r>
+            <a:r>
+              <a:rPr lang="en-US" dirty="0"/>
+              <a:t>skyline</a:t>
+            </a:r>
+            <a:r>
+              <a:rPr lang="el-GR" dirty="0"/>
+              <a:t> που υπολογίσαμε.</a:t>
+            </a:r>
+          </a:p>
+          <a:p>
+            <a:endParaRPr lang="el-GR" dirty="0"/>
+          </a:p>
+          <a:p>
+            <a:r>
+              <a:rPr lang="el-GR" dirty="0"/>
+              <a:t>Ταξινομούμε τα υποψήφια σημεία κατά φθίνουσα σειρά, αφαιρούμε το πρώτο στοιχείο και το βάζουμε στην λίστα με τα </a:t>
+            </a:r>
+            <a:r>
+              <a:rPr lang="en-US" dirty="0" err="1"/>
+              <a:t>topK</a:t>
+            </a:r>
+            <a:r>
+              <a:rPr lang="el-GR" dirty="0"/>
+              <a:t>. </a:t>
+            </a:r>
+          </a:p>
+          <a:p>
+            <a:r>
+              <a:rPr lang="el-GR" dirty="0"/>
+              <a:t>Σε αυτή τη φάση το σημείο που βάλαμε στην </a:t>
+            </a:r>
+            <a:r>
+              <a:rPr lang="en-US" dirty="0" err="1"/>
+              <a:t>topK</a:t>
+            </a:r>
+            <a:r>
+              <a:rPr lang="en-US" dirty="0"/>
+              <a:t> </a:t>
+            </a:r>
+            <a:r>
+              <a:rPr lang="el-GR" dirty="0"/>
+              <a:t>λίστα, είναι το σημείο του </a:t>
+            </a:r>
+            <a:r>
+              <a:rPr lang="en-US" dirty="0"/>
+              <a:t>skyline </a:t>
+            </a:r>
+            <a:r>
+              <a:rPr lang="el-GR" dirty="0"/>
+              <a:t>με τα περισσότερα </a:t>
+            </a:r>
+            <a:r>
+              <a:rPr lang="en-US" dirty="0"/>
+              <a:t>dominations </a:t>
+            </a:r>
+            <a:r>
+              <a:rPr lang="el-GR" dirty="0"/>
+              <a:t>το οποίο θα είναι πάντα και το </a:t>
+            </a:r>
+            <a:r>
+              <a:rPr lang="en-US" dirty="0"/>
+              <a:t>top 1 </a:t>
+            </a:r>
+            <a:r>
+              <a:rPr lang="el-GR" dirty="0"/>
+              <a:t>στοιχείο.</a:t>
+            </a:r>
+          </a:p>
+          <a:p>
+            <a:endParaRPr lang="el-GR" dirty="0"/>
+          </a:p>
+          <a:p>
+            <a:r>
+              <a:rPr lang="el-GR" dirty="0"/>
+              <a:t>Εκμεταλλευόμενοι το γεγονός ότι τα </a:t>
+            </a:r>
+            <a:r>
+              <a:rPr lang="en-US" dirty="0"/>
+              <a:t>top </a:t>
+            </a:r>
+            <a:r>
+              <a:rPr lang="el-GR" dirty="0"/>
+              <a:t>σημεία είναι στα σημεία του </a:t>
+            </a:r>
+            <a:r>
+              <a:rPr lang="en-US" dirty="0"/>
+              <a:t>skyline </a:t>
+            </a:r>
+            <a:r>
+              <a:rPr lang="el-GR" dirty="0"/>
+              <a:t>με τα περισσότερα </a:t>
+            </a:r>
+            <a:r>
+              <a:rPr lang="en-US" dirty="0"/>
+              <a:t>domination </a:t>
+            </a:r>
+            <a:r>
+              <a:rPr lang="el-GR" dirty="0"/>
+              <a:t>αλλά και στην περιοχή αυτών, συνεχίζουμε υπολογίζοντας το τοπικό </a:t>
+            </a:r>
+            <a:r>
+              <a:rPr lang="en-US" dirty="0"/>
+              <a:t>skyline </a:t>
+            </a:r>
+            <a:r>
+              <a:rPr lang="el-GR" dirty="0"/>
+              <a:t>των σημείων που κάνει </a:t>
+            </a:r>
+            <a:r>
+              <a:rPr lang="en-US" dirty="0"/>
+              <a:t>dominate </a:t>
+            </a:r>
+            <a:r>
+              <a:rPr lang="el-GR" dirty="0"/>
+              <a:t>το </a:t>
+            </a:r>
+            <a:r>
+              <a:rPr lang="en-US" dirty="0"/>
+              <a:t>top </a:t>
+            </a:r>
+            <a:r>
+              <a:rPr lang="el-GR" dirty="0"/>
+              <a:t>σημείο που κρατήσαμε πριν. Υπολογίζουμε τα </a:t>
+            </a:r>
+            <a:r>
+              <a:rPr lang="en-US" dirty="0"/>
+              <a:t>dominations </a:t>
+            </a:r>
+            <a:r>
+              <a:rPr lang="el-GR" dirty="0"/>
+              <a:t>του τοπικού αυτού </a:t>
+            </a:r>
+            <a:r>
+              <a:rPr lang="en-US" dirty="0"/>
+              <a:t>skyline </a:t>
+            </a:r>
+            <a:r>
+              <a:rPr lang="el-GR" dirty="0"/>
+              <a:t>και τα προσθέτουμε στην λίστα με τα υποψήφια σημεία.</a:t>
+            </a:r>
+          </a:p>
+          <a:p>
+            <a:endParaRPr lang="el-GR" dirty="0"/>
+          </a:p>
+          <a:p>
+            <a:r>
+              <a:rPr lang="el-GR" dirty="0"/>
+              <a:t>Η διαδικασία αυτή, ξεκάνοντας με την ταξινόμηση των υποψήφιων σημείων, επαναλαμβάνεται ως ότου έχουμε τα </a:t>
+            </a:r>
+            <a:r>
+              <a:rPr lang="en-US" dirty="0"/>
+              <a:t>top k </a:t>
+            </a:r>
+            <a:r>
+              <a:rPr lang="el-GR" dirty="0"/>
+              <a:t>που θέλουμε ή ως ότου δεν υπάρχουν άλλα υποψήφια σημεία. </a:t>
+            </a:r>
+          </a:p>
+          <a:p>
+            <a:endParaRPr lang="el-GR" dirty="0"/>
+          </a:p>
+          <a:p>
+            <a:r>
+              <a:rPr lang="el-GR" dirty="0"/>
+              <a:t>Συνοψίζοντας, η διαδικασία είναι :</a:t>
+            </a:r>
+          </a:p>
+          <a:p>
+            <a:r>
+              <a:rPr lang="el-GR" dirty="0"/>
+              <a:t>	*η φθίνουσα ταξινόμηση των υποψήφιων σημείων </a:t>
+            </a:r>
+          </a:p>
+          <a:p>
+            <a:r>
+              <a:rPr lang="el-GR" dirty="0"/>
+              <a:t>	*η εισαγωγή του πρώτου από τα υποψήφια σημεία στα </a:t>
+            </a:r>
+            <a:r>
+              <a:rPr lang="en-US" dirty="0" err="1"/>
+              <a:t>topK</a:t>
+            </a:r>
+            <a:endParaRPr lang="el-GR" dirty="0"/>
+          </a:p>
+          <a:p>
+            <a:r>
+              <a:rPr lang="el-GR" dirty="0"/>
+              <a:t>	*ο υπολογισμός του τοπικού </a:t>
+            </a:r>
+            <a:r>
+              <a:rPr lang="en-US" dirty="0"/>
+              <a:t>skyline </a:t>
+            </a:r>
+            <a:r>
+              <a:rPr lang="el-GR" dirty="0"/>
+              <a:t>για το </a:t>
+            </a:r>
+            <a:r>
+              <a:rPr lang="en-US" dirty="0"/>
+              <a:t>top </a:t>
+            </a:r>
+            <a:r>
+              <a:rPr lang="el-GR" dirty="0"/>
+              <a:t>σημείο αυτό</a:t>
+            </a:r>
+          </a:p>
+          <a:p>
+            <a:r>
+              <a:rPr lang="el-GR" dirty="0"/>
+              <a:t>	*ο υπολογισμός των </a:t>
+            </a:r>
+            <a:r>
+              <a:rPr lang="en-US" dirty="0"/>
+              <a:t>dominations </a:t>
+            </a:r>
+            <a:r>
+              <a:rPr lang="el-GR" dirty="0"/>
+              <a:t>για το τοπικό </a:t>
+            </a:r>
+            <a:r>
+              <a:rPr lang="en-US" dirty="0"/>
+              <a:t>skyline </a:t>
+            </a:r>
+            <a:endParaRPr lang="el-GR" dirty="0"/>
+          </a:p>
+          <a:p>
+            <a:r>
+              <a:rPr lang="el-GR" dirty="0"/>
+              <a:t>	*και η εισαγωγή του τοπικού </a:t>
+            </a:r>
+            <a:r>
+              <a:rPr lang="en-US" dirty="0"/>
+              <a:t>skyline</a:t>
+            </a:r>
+            <a:r>
+              <a:rPr lang="el-GR" dirty="0"/>
+              <a:t> στα υποψήφια σημεία</a:t>
+            </a:r>
+          </a:p>
+          <a:p>
+            <a:endParaRPr lang="el-GR" dirty="0"/>
+          </a:p>
+        </p:txBody>
+      </p:sp>
+      <p:sp>
+        <p:nvSpPr>
+          <p:cNvPr id="4" name="Θέση αριθμού διαφάνειας 3"/>
+          <p:cNvSpPr>
+            <a:spLocks noGrp="1"/>
+          </p:cNvSpPr>
+          <p:nvPr>
+            <p:ph type="sldNum" sz="quarter" idx="5"/>
+          </p:nvPr>
+        </p:nvSpPr>
+        <p:spPr/>
+        <p:txBody>
+          <a:bodyPr/>
+          <a:lstStyle/>
+          <a:p>
+            <a:fld id="{1734D747-9380-41EE-9946-EC9EC0CA5D1E}" type="slidenum">
+              <a:rPr lang="en-US" noProof="0" smtClean="0"/>
+              <a:t>8</a:t>
+            </a:fld>
+            <a:endParaRPr lang="en-US" noProof="0" dirty="0"/>
+          </a:p>
+        </p:txBody>
+      </p:sp>
+    </p:spTree>
+    <p:extLst>
+      <p:ext uri="{BB962C8B-B14F-4D97-AF65-F5344CB8AC3E}">
+        <p14:creationId xmlns:p14="http://schemas.microsoft.com/office/powerpoint/2010/main" val="1244897713"/>
+      </p:ext>
+    </p:extLst>
+  </p:cSld>
+  <p:clrMapOvr>
+    <a:masterClrMapping/>
+  </p:clrMapOvr>
+</p:notes>
+</file>
+
+<file path=ppt/notesSlides/notesSlide7.xml><?xml version="1.0" encoding="utf-8"?>
+<p:notes xmlns:a="http://schemas.openxmlformats.org/drawingml/2006/main" xmlns:r="http://schemas.openxmlformats.org/officeDocument/2006/relationships" xmlns:p="http://schemas.openxmlformats.org/presentationml/2006/main">
+  <p:cSld>
+    <p:spTree>
+      <p:nvGrpSpPr>
+        <p:cNvPr id="1" name=""/>
+        <p:cNvGrpSpPr/>
+        <p:nvPr/>
+      </p:nvGrpSpPr>
+      <p:grpSpPr>
+        <a:xfrm>
+          <a:off x="0" y="0"/>
+          <a:ext cx="0" cy="0"/>
+          <a:chOff x="0" y="0"/>
+          <a:chExt cx="0" cy="0"/>
+        </a:xfrm>
+      </p:grpSpPr>
+      <p:sp>
+        <p:nvSpPr>
+          <p:cNvPr id="2" name="Θέση εικόνας διαφάνειας 1"/>
+          <p:cNvSpPr>
+            <a:spLocks noGrp="1" noRot="1" noChangeAspect="1"/>
+          </p:cNvSpPr>
+          <p:nvPr>
+            <p:ph type="sldImg"/>
+          </p:nvPr>
+        </p:nvSpPr>
+        <p:spPr/>
+      </p:sp>
+      <p:sp>
+        <p:nvSpPr>
+          <p:cNvPr id="3" name="Θέση σημειώσεων 2"/>
+          <p:cNvSpPr>
+            <a:spLocks noGrp="1"/>
+          </p:cNvSpPr>
+          <p:nvPr>
+            <p:ph type="body" idx="1"/>
+          </p:nvPr>
+        </p:nvSpPr>
+        <p:spPr/>
+        <p:txBody>
+          <a:bodyPr/>
+          <a:lstStyle/>
+          <a:p>
+            <a:endParaRPr lang="el-GR" dirty="0"/>
+          </a:p>
+          <a:p>
+            <a:r>
+              <a:rPr lang="el-GR" dirty="0"/>
+              <a:t>Εδώ βλέπουμε ένα παράδειγμα για τον υπολογισμό των καλύτερων τριών σημείων.</a:t>
+            </a:r>
+          </a:p>
+          <a:p>
+            <a:endParaRPr lang="el-GR" dirty="0"/>
+          </a:p>
+          <a:p>
+            <a:r>
+              <a:rPr lang="el-GR" dirty="0"/>
+              <a:t>Με βάση τον </a:t>
+            </a:r>
+            <a:r>
+              <a:rPr lang="en-US" dirty="0"/>
+              <a:t>skyline </a:t>
+            </a:r>
+            <a:r>
+              <a:rPr lang="el-GR" dirty="0"/>
+              <a:t>αλγόριθμο βρίσκουμε τ</a:t>
+            </a:r>
+            <a:r>
+              <a:rPr lang="en-US" dirty="0"/>
+              <a:t>o skyline</a:t>
+            </a:r>
+            <a:r>
+              <a:rPr lang="el-GR" dirty="0"/>
+              <a:t>, υπολογίζουμε τα </a:t>
+            </a:r>
+            <a:r>
+              <a:rPr lang="en-US" dirty="0"/>
+              <a:t>domination </a:t>
+            </a:r>
+            <a:r>
+              <a:rPr lang="el-GR" dirty="0"/>
+              <a:t>του κάθε στοιχείου του και τα βάζουμε στην λίστα με τα υποψήφια σημεία.</a:t>
+            </a:r>
+          </a:p>
+          <a:p>
+            <a:r>
+              <a:rPr lang="el-GR" dirty="0"/>
+              <a:t>Στην εικόνα τα υποψήφια σημεία, φαίνονται με μπλε.</a:t>
+            </a:r>
+          </a:p>
+          <a:p>
+            <a:r>
+              <a:rPr lang="el-GR" dirty="0"/>
+              <a:t>Οι αριθμοί που φαίνονται είναι ο αριθμός των </a:t>
+            </a:r>
+            <a:r>
+              <a:rPr lang="en-US" dirty="0"/>
+              <a:t>dominations</a:t>
+            </a:r>
+            <a:endParaRPr lang="el-GR" dirty="0"/>
+          </a:p>
+        </p:txBody>
+      </p:sp>
+      <p:sp>
+        <p:nvSpPr>
+          <p:cNvPr id="4" name="Θέση αριθμού διαφάνειας 3"/>
+          <p:cNvSpPr>
+            <a:spLocks noGrp="1"/>
+          </p:cNvSpPr>
+          <p:nvPr>
+            <p:ph type="sldNum" sz="quarter" idx="5"/>
+          </p:nvPr>
+        </p:nvSpPr>
+        <p:spPr/>
+        <p:txBody>
+          <a:bodyPr/>
+          <a:lstStyle/>
+          <a:p>
+            <a:fld id="{1734D747-9380-41EE-9946-EC9EC0CA5D1E}" type="slidenum">
+              <a:rPr lang="en-US" noProof="0" smtClean="0"/>
+              <a:t>9</a:t>
+            </a:fld>
+            <a:endParaRPr lang="en-US" noProof="0" dirty="0"/>
+          </a:p>
+        </p:txBody>
+      </p:sp>
+    </p:spTree>
+    <p:extLst>
+      <p:ext uri="{BB962C8B-B14F-4D97-AF65-F5344CB8AC3E}">
+        <p14:creationId xmlns:p14="http://schemas.microsoft.com/office/powerpoint/2010/main" val="402878737"/>
+      </p:ext>
+    </p:extLst>
+  </p:cSld>
+  <p:clrMapOvr>
+    <a:masterClrMapping/>
+  </p:clrMapOvr>
+</p:notes>
+</file>
+
+<file path=ppt/notesSlides/notesSlide8.xml><?xml version="1.0" encoding="utf-8"?>
+<p:notes xmlns:a="http://schemas.openxmlformats.org/drawingml/2006/main" xmlns:r="http://schemas.openxmlformats.org/officeDocument/2006/relationships" xmlns:p="http://schemas.openxmlformats.org/presentationml/2006/main">
+  <p:cSld>
+    <p:spTree>
+      <p:nvGrpSpPr>
+        <p:cNvPr id="1" name=""/>
+        <p:cNvGrpSpPr/>
+        <p:nvPr/>
+      </p:nvGrpSpPr>
+      <p:grpSpPr>
+        <a:xfrm>
+          <a:off x="0" y="0"/>
+          <a:ext cx="0" cy="0"/>
+          <a:chOff x="0" y="0"/>
+          <a:chExt cx="0" cy="0"/>
+        </a:xfrm>
+      </p:grpSpPr>
+      <p:sp>
+        <p:nvSpPr>
+          <p:cNvPr id="2" name="Θέση εικόνας διαφάνειας 1"/>
+          <p:cNvSpPr>
+            <a:spLocks noGrp="1" noRot="1" noChangeAspect="1"/>
+          </p:cNvSpPr>
+          <p:nvPr>
+            <p:ph type="sldImg"/>
+          </p:nvPr>
+        </p:nvSpPr>
+        <p:spPr/>
+      </p:sp>
+      <p:sp>
+        <p:nvSpPr>
+          <p:cNvPr id="3" name="Θέση σημειώσεων 2"/>
+          <p:cNvSpPr>
+            <a:spLocks noGrp="1"/>
+          </p:cNvSpPr>
+          <p:nvPr>
+            <p:ph type="body" idx="1"/>
+          </p:nvPr>
+        </p:nvSpPr>
+        <p:spPr/>
+        <p:txBody>
+          <a:bodyPr/>
+          <a:lstStyle/>
+          <a:p>
+            <a:endParaRPr lang="el-GR" dirty="0"/>
+          </a:p>
+          <a:p>
+            <a:r>
+              <a:rPr lang="el-GR" dirty="0"/>
+              <a:t>Το επόμενο βήμα είναι να αφαιρέσουμε το σημείο με τα περισσότερα </a:t>
+            </a:r>
+            <a:r>
+              <a:rPr lang="en-US" dirty="0"/>
+              <a:t>dominations</a:t>
+            </a:r>
+            <a:r>
+              <a:rPr lang="el-GR" dirty="0"/>
+              <a:t> από τα υποψήφια σημεία</a:t>
+            </a:r>
+            <a:r>
+              <a:rPr lang="en-US" dirty="0"/>
+              <a:t> </a:t>
+            </a:r>
+            <a:r>
+              <a:rPr lang="el-GR" dirty="0"/>
+              <a:t>και το βάζουμε στα </a:t>
+            </a:r>
+            <a:r>
+              <a:rPr lang="en-US" dirty="0" err="1"/>
+              <a:t>topK</a:t>
+            </a:r>
+            <a:r>
+              <a:rPr lang="el-GR" dirty="0"/>
+              <a:t>.</a:t>
+            </a:r>
+          </a:p>
+          <a:p>
+            <a:r>
+              <a:rPr lang="el-GR" dirty="0"/>
+              <a:t>Τα </a:t>
+            </a:r>
+            <a:r>
+              <a:rPr lang="en-US" dirty="0" err="1"/>
+              <a:t>topK</a:t>
+            </a:r>
+            <a:r>
+              <a:rPr lang="en-US" dirty="0"/>
+              <a:t> </a:t>
+            </a:r>
+            <a:r>
+              <a:rPr lang="el-GR" dirty="0"/>
+              <a:t>φαίνονται στην εικόνα με πράσινο.</a:t>
+            </a:r>
+          </a:p>
+          <a:p>
+            <a:r>
+              <a:rPr lang="el-GR" dirty="0"/>
+              <a:t>Στην συνέχεια, παίρνουμε τα </a:t>
+            </a:r>
+            <a:r>
+              <a:rPr lang="en-US" dirty="0"/>
+              <a:t>dominated </a:t>
+            </a:r>
+            <a:r>
+              <a:rPr lang="el-GR" dirty="0"/>
+              <a:t>σημεία από αυτό το </a:t>
+            </a:r>
+            <a:r>
+              <a:rPr lang="en-US" dirty="0"/>
+              <a:t>top</a:t>
+            </a:r>
+            <a:r>
+              <a:rPr lang="el-GR" dirty="0"/>
+              <a:t>, τα οποία είναι μέσα στο κόκκινο παραλληλόγραμμο που φαίνεται στην εικόνα</a:t>
+            </a:r>
+            <a:r>
+              <a:rPr lang="en-US" dirty="0"/>
+              <a:t>.</a:t>
+            </a:r>
+            <a:endParaRPr lang="el-GR" dirty="0"/>
+          </a:p>
+          <a:p>
+            <a:r>
+              <a:rPr lang="el-GR" dirty="0"/>
+              <a:t>Από αυτήν την περιοχή βρίσκουμε τα </a:t>
+            </a:r>
+            <a:r>
+              <a:rPr lang="en-US" dirty="0"/>
+              <a:t>skyline </a:t>
+            </a:r>
+            <a:r>
+              <a:rPr lang="el-GR" dirty="0"/>
+              <a:t>σημεία</a:t>
+            </a:r>
+            <a:r>
+              <a:rPr lang="en-US" dirty="0"/>
+              <a:t> </a:t>
+            </a:r>
+            <a:r>
+              <a:rPr lang="el-GR" dirty="0"/>
+              <a:t>και τα </a:t>
+            </a:r>
+            <a:r>
+              <a:rPr lang="en-US" dirty="0"/>
+              <a:t>dominations </a:t>
+            </a:r>
+            <a:r>
+              <a:rPr lang="el-GR" dirty="0"/>
+              <a:t>τους και τα βάζουμε στα υποψήφια σημεία</a:t>
+            </a:r>
+            <a:r>
+              <a:rPr lang="en-US" dirty="0"/>
+              <a:t> </a:t>
+            </a:r>
+            <a:r>
+              <a:rPr lang="el-GR" dirty="0"/>
+              <a:t>τα οποία υπενθυμίζω είναι τα μπλε στην εικόνα.</a:t>
+            </a:r>
+          </a:p>
+          <a:p>
+            <a:endParaRPr lang="el-GR" dirty="0"/>
+          </a:p>
+          <a:p>
+            <a:endParaRPr lang="el-GR" dirty="0"/>
+          </a:p>
+        </p:txBody>
+      </p:sp>
+      <p:sp>
+        <p:nvSpPr>
+          <p:cNvPr id="4" name="Θέση αριθμού διαφάνειας 3"/>
+          <p:cNvSpPr>
+            <a:spLocks noGrp="1"/>
+          </p:cNvSpPr>
+          <p:nvPr>
+            <p:ph type="sldNum" sz="quarter" idx="5"/>
+          </p:nvPr>
+        </p:nvSpPr>
+        <p:spPr/>
+        <p:txBody>
+          <a:bodyPr/>
+          <a:lstStyle/>
+          <a:p>
+            <a:fld id="{1734D747-9380-41EE-9946-EC9EC0CA5D1E}" type="slidenum">
+              <a:rPr lang="en-US" noProof="0" smtClean="0"/>
+              <a:t>10</a:t>
+            </a:fld>
+            <a:endParaRPr lang="en-US" noProof="0" dirty="0"/>
+          </a:p>
+        </p:txBody>
+      </p:sp>
+    </p:spTree>
+    <p:extLst>
+      <p:ext uri="{BB962C8B-B14F-4D97-AF65-F5344CB8AC3E}">
+        <p14:creationId xmlns:p14="http://schemas.microsoft.com/office/powerpoint/2010/main" val="1933939798"/>
+      </p:ext>
+    </p:extLst>
+  </p:cSld>
+  <p:clrMapOvr>
+    <a:masterClrMapping/>
+  </p:clrMapOvr>
+</p:notes>
+</file>
+
+<file path=ppt/notesSlides/notesSlide9.xml><?xml version="1.0" encoding="utf-8"?>
+<p:notes xmlns:a="http://schemas.openxmlformats.org/drawingml/2006/main" xmlns:r="http://schemas.openxmlformats.org/officeDocument/2006/relationships" xmlns:p="http://schemas.openxmlformats.org/presentationml/2006/main">
+  <p:cSld>
+    <p:spTree>
+      <p:nvGrpSpPr>
+        <p:cNvPr id="1" name=""/>
+        <p:cNvGrpSpPr/>
+        <p:nvPr/>
+      </p:nvGrpSpPr>
+      <p:grpSpPr>
+        <a:xfrm>
+          <a:off x="0" y="0"/>
+          <a:ext cx="0" cy="0"/>
+          <a:chOff x="0" y="0"/>
+          <a:chExt cx="0" cy="0"/>
+        </a:xfrm>
+      </p:grpSpPr>
+      <p:sp>
+        <p:nvSpPr>
+          <p:cNvPr id="2" name="Θέση εικόνας διαφάνειας 1"/>
+          <p:cNvSpPr>
+            <a:spLocks noGrp="1" noRot="1" noChangeAspect="1"/>
+          </p:cNvSpPr>
+          <p:nvPr>
+            <p:ph type="sldImg"/>
+          </p:nvPr>
+        </p:nvSpPr>
+        <p:spPr/>
+      </p:sp>
+      <p:sp>
+        <p:nvSpPr>
+          <p:cNvPr id="3" name="Θέση σημειώσεων 2"/>
+          <p:cNvSpPr>
+            <a:spLocks noGrp="1"/>
+          </p:cNvSpPr>
+          <p:nvPr>
+            <p:ph type="body" idx="1"/>
+          </p:nvPr>
+        </p:nvSpPr>
+        <p:spPr/>
+        <p:txBody>
+          <a:bodyPr/>
+          <a:lstStyle/>
+          <a:p>
+            <a:r>
+              <a:rPr lang="el-GR" dirty="0"/>
+              <a:t>Συνεχίζουμε, παίρνοντας ξανά το υποψήφιο στοιχείο με τα περισσότερα </a:t>
+            </a:r>
+            <a:r>
+              <a:rPr lang="en-US" dirty="0"/>
+              <a:t>domination </a:t>
+            </a:r>
+            <a:r>
+              <a:rPr lang="el-GR" dirty="0"/>
+              <a:t>και το βάζουμε στα </a:t>
+            </a:r>
+            <a:r>
+              <a:rPr lang="en-US" dirty="0" err="1"/>
+              <a:t>topK</a:t>
+            </a:r>
+            <a:r>
+              <a:rPr lang="en-US" dirty="0"/>
+              <a:t>.</a:t>
+            </a:r>
+          </a:p>
+          <a:p>
+            <a:r>
+              <a:rPr lang="el-GR" dirty="0"/>
+              <a:t>Επαναλαμβάνουμε την διαδικασία όπως περιγράψαμε και πριν…</a:t>
+            </a:r>
+          </a:p>
+        </p:txBody>
+      </p:sp>
+      <p:sp>
+        <p:nvSpPr>
+          <p:cNvPr id="4" name="Θέση αριθμού διαφάνειας 3"/>
+          <p:cNvSpPr>
+            <a:spLocks noGrp="1"/>
+          </p:cNvSpPr>
+          <p:nvPr>
+            <p:ph type="sldNum" sz="quarter" idx="5"/>
+          </p:nvPr>
+        </p:nvSpPr>
+        <p:spPr/>
+        <p:txBody>
+          <a:bodyPr/>
+          <a:lstStyle/>
+          <a:p>
+            <a:fld id="{1734D747-9380-41EE-9946-EC9EC0CA5D1E}" type="slidenum">
+              <a:rPr lang="en-US" noProof="0" smtClean="0"/>
+              <a:t>11</a:t>
+            </a:fld>
+            <a:endParaRPr lang="en-US" noProof="0" dirty="0"/>
+          </a:p>
+        </p:txBody>
+      </p:sp>
+    </p:spTree>
+    <p:extLst>
+      <p:ext uri="{BB962C8B-B14F-4D97-AF65-F5344CB8AC3E}">
+        <p14:creationId xmlns:p14="http://schemas.microsoft.com/office/powerpoint/2010/main" val="578775319"/>
+      </p:ext>
+    </p:extLst>
+  </p:cSld>
+  <p:clrMapOvr>
+    <a:masterClrMapping/>
+  </p:clrMapOvr>
+</p:notes>
 </file>
 
 <file path=ppt/slideLayouts/slideLayout1.xml><?xml version="1.0" encoding="utf-8"?>
@@ -26070,7 +28307,7 @@
           <p:nvPr/>
         </p:nvPicPr>
         <p:blipFill>
-          <a:blip r:embed="rId2"/>
+          <a:blip r:embed="rId3"/>
           <a:srcRect/>
           <a:stretch/>
         </p:blipFill>
@@ -26751,7 +28988,7 @@
           <p:nvPr/>
         </p:nvPicPr>
         <p:blipFill>
-          <a:blip r:embed="rId2"/>
+          <a:blip r:embed="rId3"/>
           <a:srcRect/>
           <a:stretch/>
         </p:blipFill>
@@ -27457,7 +29694,7 @@
           <p:nvPr/>
         </p:nvPicPr>
         <p:blipFill>
-          <a:blip r:embed="rId2"/>
+          <a:blip r:embed="rId3"/>
           <a:srcRect/>
           <a:stretch/>
         </p:blipFill>
@@ -28350,7 +30587,7 @@
           <p:nvPr/>
         </p:nvPicPr>
         <p:blipFill>
-          <a:blip r:embed="rId2"/>
+          <a:blip r:embed="rId3"/>
           <a:stretch>
             <a:fillRect/>
           </a:stretch>
@@ -32368,10 +34605,84 @@
           </a:p>
         </p:txBody>
       </p:sp>
+      <p:pic>
+        <p:nvPicPr>
+          <p:cNvPr id="4" name="Εικόνα 3">
+            <a:extLst>
+              <a:ext uri="{FF2B5EF4-FFF2-40B4-BE49-F238E27FC236}">
+                <a16:creationId xmlns:a16="http://schemas.microsoft.com/office/drawing/2014/main" id="{8EB9772D-4AD8-FA29-378A-D0C70E848139}"/>
+              </a:ext>
+            </a:extLst>
+          </p:cNvPr>
+          <p:cNvPicPr>
+            <a:picLocks noChangeAspect="1"/>
+          </p:cNvPicPr>
+          <p:nvPr/>
+        </p:nvPicPr>
+        <p:blipFill>
+          <a:blip r:embed="rId3"/>
+          <a:stretch>
+            <a:fillRect/>
+          </a:stretch>
+        </p:blipFill>
+        <p:spPr>
+          <a:xfrm>
+            <a:off x="8354196" y="3921854"/>
+            <a:ext cx="2575783" cy="2575783"/>
+          </a:xfrm>
+          <a:prstGeom prst="rect">
+            <a:avLst/>
+          </a:prstGeom>
+        </p:spPr>
+      </p:pic>
+      <p:sp>
+        <p:nvSpPr>
+          <p:cNvPr id="5" name="TextBox 4">
+            <a:extLst>
+              <a:ext uri="{FF2B5EF4-FFF2-40B4-BE49-F238E27FC236}">
+                <a16:creationId xmlns:a16="http://schemas.microsoft.com/office/drawing/2014/main" id="{AEF165D7-8DB1-29D8-FE1D-242F2DBC1CA3}"/>
+              </a:ext>
+            </a:extLst>
+          </p:cNvPr>
+          <p:cNvSpPr txBox="1"/>
+          <p:nvPr/>
+        </p:nvSpPr>
+        <p:spPr>
+          <a:xfrm>
+            <a:off x="8562304" y="3552522"/>
+            <a:ext cx="2159566" cy="369332"/>
+          </a:xfrm>
+          <a:prstGeom prst="rect">
+            <a:avLst/>
+          </a:prstGeom>
+          <a:noFill/>
+        </p:spPr>
+        <p:txBody>
+          <a:bodyPr wrap="none" rtlCol="0">
+            <a:spAutoFit/>
+          </a:bodyPr>
+          <a:lstStyle/>
+          <a:p>
+            <a:r>
+              <a:rPr lang="en-US" dirty="0">
+                <a:solidFill>
+                  <a:schemeClr val="bg1"/>
+                </a:solidFill>
+              </a:rPr>
+              <a:t>Check source code</a:t>
+            </a:r>
+            <a:endParaRPr lang="el-GR" dirty="0">
+              <a:solidFill>
+                <a:schemeClr val="bg1"/>
+              </a:solidFill>
+            </a:endParaRPr>
+          </a:p>
+        </p:txBody>
+      </p:sp>
     </p:spTree>
     <p:extLst>
       <p:ext uri="{BB962C8B-B14F-4D97-AF65-F5344CB8AC3E}">
-        <p14:creationId xmlns:p14="http://schemas.microsoft.com/office/powerpoint/2010/main" val="3733486012"/>
+        <p14:creationId xmlns:p14="http://schemas.microsoft.com/office/powerpoint/2010/main" val="335090143"/>
       </p:ext>
     </p:extLst>
   </p:cSld>
@@ -34131,7 +36442,7 @@
                   <a:schemeClr val="bg1"/>
                 </a:solidFill>
               </a:rPr>
-              <a:t>For 1M data points and above, the execution time increases rapidly.</a:t>
+              <a:t>The execution time of all the processes seems to have a linear relationship with the sample size</a:t>
             </a:r>
           </a:p>
           <a:p>
@@ -34156,7 +36467,7 @@
                   <a:schemeClr val="bg1"/>
                 </a:solidFill>
               </a:rPr>
-              <a:t>Task 2 is the most time-consuming algorithm and his execution time increases linearly with the increase of the dataset size.</a:t>
+              <a:t>Task 2 is the most time-consuming algorithm and its execution time seems to increase linearly with the increase of the dataset size.</a:t>
             </a:r>
           </a:p>
           <a:p>
@@ -34181,7 +36492,7 @@
                   <a:schemeClr val="bg1"/>
                 </a:solidFill>
               </a:rPr>
-              <a:t>Correlated distribution has the lowest execution time.</a:t>
+              <a:t>Correlated distribution has the lowest execution time due to its nature.</a:t>
             </a:r>
           </a:p>
           <a:p>
@@ -34206,20 +36517,8 @@
                   <a:schemeClr val="bg1"/>
                 </a:solidFill>
               </a:rPr>
-              <a:t>The increase of the dimensionality of the dataset drives to exponential growth of the total execution time, and especially for Task 2.</a:t>
-            </a:r>
-            <a:endParaRPr lang="en-150" dirty="0">
-              <a:solidFill>
-                <a:schemeClr val="bg1"/>
-              </a:solidFill>
-            </a:endParaRPr>
-          </a:p>
-          <a:p>
-            <a:endParaRPr lang="en-US" dirty="0">
-              <a:solidFill>
-                <a:schemeClr val="bg1"/>
-              </a:solidFill>
-            </a:endParaRPr>
+              <a:t>The increase of the dimensionality of the dataset drives to exponential growth of the execution time of all the tasks, and especially for Task 2. The execution time of the dataset generation seems to still have a linear relationship with the increase of the dimensionality.</a:t>
+            </a:r>
           </a:p>
           <a:p>
             <a:pPr marL="285750" indent="-285750">
@@ -34515,15 +36814,15 @@
           <p:nvPr/>
         </p:nvPicPr>
         <p:blipFill>
-          <a:blip r:embed="rId2"/>
+          <a:blip r:embed="rId3"/>
           <a:stretch>
             <a:fillRect/>
           </a:stretch>
         </p:blipFill>
         <p:spPr>
           <a:xfrm>
-            <a:off x="518311" y="1352321"/>
-            <a:ext cx="4932377" cy="4153358"/>
+            <a:off x="263604" y="1352320"/>
+            <a:ext cx="5561296" cy="4682946"/>
           </a:xfrm>
           <a:prstGeom prst="rect">
             <a:avLst/>
@@ -34546,7 +36845,7 @@
         </p:nvSpPr>
         <p:spPr>
           <a:xfrm>
-            <a:off x="5679019" y="3223912"/>
+            <a:off x="6051549" y="1412834"/>
             <a:ext cx="4650316" cy="1631721"/>
           </a:xfrm>
           <a:prstGeom prst="rect">
@@ -34738,17 +37037,93 @@
             <a:pPr marL="0" indent="0" algn="just">
               <a:buNone/>
             </a:pPr>
+            <a:endParaRPr lang="el-GR" sz="1800" dirty="0">
+              <a:solidFill>
+                <a:schemeClr val="bg1"/>
+              </a:solidFill>
+            </a:endParaRPr>
+          </a:p>
+          <a:p>
+            <a:pPr marL="0" indent="0" algn="just">
+              <a:buNone/>
+            </a:pPr>
+            <a:endParaRPr lang="el-GR" sz="1800" dirty="0">
+              <a:solidFill>
+                <a:schemeClr val="bg1"/>
+              </a:solidFill>
+            </a:endParaRPr>
+          </a:p>
+          <a:p>
+            <a:pPr marL="0" indent="0" algn="just">
+              <a:buNone/>
+            </a:pPr>
             <a:r>
               <a:rPr lang="en-US" sz="1800" dirty="0">
                 <a:solidFill>
                   <a:schemeClr val="bg1"/>
                 </a:solidFill>
               </a:rPr>
-              <a:t>We produced 4 datasets for 4 different distributions (correlated, uniform, normal, anti-correlated) for d dimensions. The left figure shows examples for each distribution for 2-d data.</a:t>
+              <a:t>We produced many datasets for 4 different distributions (correlated, uniform, normal, anti-correlated) for d dimensions. The left figure shows examples for each distribution for 2-d data.</a:t>
+            </a:r>
+            <a:endParaRPr lang="el-GR" sz="1800" dirty="0">
+              <a:solidFill>
+                <a:schemeClr val="bg1"/>
+              </a:solidFill>
+            </a:endParaRPr>
+          </a:p>
+          <a:p>
+            <a:pPr marL="0" indent="0" algn="ctr">
+              <a:buNone/>
+            </a:pPr>
+            <a:r>
+              <a:rPr lang="el-GR" sz="1800" dirty="0">
+                <a:solidFill>
+                  <a:schemeClr val="bg1"/>
+                </a:solidFill>
+              </a:rPr>
+              <a:t>                                       </a:t>
+            </a:r>
+            <a:r>
+              <a:rPr lang="en-US" sz="1800" dirty="0">
+                <a:solidFill>
+                  <a:schemeClr val="bg1"/>
+                </a:solidFill>
+              </a:rPr>
+              <a:t>Check source code</a:t>
             </a:r>
           </a:p>
         </p:txBody>
       </p:sp>
+      <p:pic>
+        <p:nvPicPr>
+          <p:cNvPr id="3" name="Εικόνα 2">
+            <a:extLst>
+              <a:ext uri="{FF2B5EF4-FFF2-40B4-BE49-F238E27FC236}">
+                <a16:creationId xmlns:a16="http://schemas.microsoft.com/office/drawing/2014/main" id="{88C4C2A6-E738-2C81-BAD8-EA49AF778870}"/>
+              </a:ext>
+            </a:extLst>
+          </p:cNvPr>
+          <p:cNvPicPr>
+            <a:picLocks noChangeAspect="1"/>
+          </p:cNvPicPr>
+          <p:nvPr/>
+        </p:nvPicPr>
+        <p:blipFill>
+          <a:blip r:embed="rId4"/>
+          <a:stretch>
+            <a:fillRect/>
+          </a:stretch>
+        </p:blipFill>
+        <p:spPr>
+          <a:xfrm>
+            <a:off x="8376707" y="3891371"/>
+            <a:ext cx="2598645" cy="2606266"/>
+          </a:xfrm>
+          <a:prstGeom prst="rect">
+            <a:avLst/>
+          </a:prstGeom>
+        </p:spPr>
+      </p:pic>
     </p:spTree>
     <p:extLst>
       <p:ext uri="{BB962C8B-B14F-4D97-AF65-F5344CB8AC3E}">
@@ -35244,7 +37619,7 @@
           <p:nvPr/>
         </p:nvPicPr>
         <p:blipFill>
-          <a:blip r:embed="rId2"/>
+          <a:blip r:embed="rId3"/>
           <a:stretch>
             <a:fillRect/>
           </a:stretch>
@@ -35882,7 +38257,7 @@
           <p:nvPr/>
         </p:nvPicPr>
         <p:blipFill>
-          <a:blip r:embed="rId2"/>
+          <a:blip r:embed="rId3"/>
           <a:stretch>
             <a:fillRect/>
           </a:stretch>
@@ -36692,7 +39067,7 @@
           <p:nvPr/>
         </p:nvPicPr>
         <p:blipFill>
-          <a:blip r:embed="rId2"/>
+          <a:blip r:embed="rId3"/>
           <a:stretch>
             <a:fillRect/>
           </a:stretch>
@@ -36722,7 +39097,7 @@
           <p:nvPr/>
         </p:nvPicPr>
         <p:blipFill>
-          <a:blip r:embed="rId3"/>
+          <a:blip r:embed="rId4"/>
           <a:stretch>
             <a:fillRect/>
           </a:stretch>
@@ -36858,7 +39233,7 @@
           <p:nvPr/>
         </p:nvPicPr>
         <p:blipFill>
-          <a:blip r:embed="rId2"/>
+          <a:blip r:embed="rId3"/>
           <a:stretch>
             <a:fillRect/>
           </a:stretch>
@@ -37924,6 +40299,14 @@
 </file>
 
 <file path=customXml/item1.xml><?xml version="1.0" encoding="utf-8"?>
+<p:properties xmlns:p="http://schemas.microsoft.com/office/2006/metadata/properties" xmlns:xsi="http://www.w3.org/2001/XMLSchema-instance" xmlns:pc="http://schemas.microsoft.com/office/infopath/2007/PartnerControls">
+  <documentManagement>
+    <MediaServiceKeyPoints xmlns="71af3243-3dd4-4a8d-8c0d-dd76da1f02a5" xsi:nil="true"/>
+  </documentManagement>
+</p:properties>
+</file>
+
+<file path=customXml/item2.xml><?xml version="1.0" encoding="utf-8"?>
 <ct:contentTypeSchema xmlns:ct="http://schemas.microsoft.com/office/2006/metadata/contentType" xmlns:ma="http://schemas.microsoft.com/office/2006/metadata/properties/metaAttributes" ct:_="" ma:_="" ma:contentTypeName="Document" ma:contentTypeID="0x01010079F111ED35F8CC479449609E8A0923A6" ma:contentTypeVersion="11" ma:contentTypeDescription="Create a new document." ma:contentTypeScope="" ma:versionID="96291512c1ee715ab617f4c07df79fc1">
   <xsd:schema xmlns:xsd="http://www.w3.org/2001/XMLSchema" xmlns:xs="http://www.w3.org/2001/XMLSchema" xmlns:p="http://schemas.microsoft.com/office/2006/metadata/properties" xmlns:ns2="71af3243-3dd4-4a8d-8c0d-dd76da1f02a5" xmlns:ns3="16c05727-aa75-4e4a-9b5f-8a80a1165891" targetNamespace="http://schemas.microsoft.com/office/2006/metadata/properties" ma:root="true" ma:fieldsID="8256c27c40ca5c40ce1cf6c44f0205df" ns2:_="" ns3:_="">
     <xsd:import namespace="71af3243-3dd4-4a8d-8c0d-dd76da1f02a5"/>
@@ -38134,14 +40517,6 @@
 </ct:contentTypeSchema>
 </file>
 
-<file path=customXml/item2.xml><?xml version="1.0" encoding="utf-8"?>
-<p:properties xmlns:p="http://schemas.microsoft.com/office/2006/metadata/properties" xmlns:xsi="http://www.w3.org/2001/XMLSchema-instance" xmlns:pc="http://schemas.microsoft.com/office/infopath/2007/PartnerControls">
-  <documentManagement>
-    <MediaServiceKeyPoints xmlns="71af3243-3dd4-4a8d-8c0d-dd76da1f02a5" xsi:nil="true"/>
-  </documentManagement>
-</p:properties>
-</file>
-
 <file path=customXml/item3.xml><?xml version="1.0" encoding="utf-8"?>
 <?mso-contentType ?>
 <FormTemplates xmlns="http://schemas.microsoft.com/sharepoint/v3/contenttype/forms">
@@ -38152,6 +40527,23 @@
 </file>
 
 <file path=customXml/itemProps1.xml><?xml version="1.0" encoding="utf-8"?>
+<ds:datastoreItem xmlns:ds="http://schemas.openxmlformats.org/officeDocument/2006/customXml" ds:itemID="{F5757914-1161-4661-9696-421FD6935CDD}">
+  <ds:schemaRefs>
+    <ds:schemaRef ds:uri="http://schemas.microsoft.com/office/2006/documentManagement/types"/>
+    <ds:schemaRef ds:uri="http://schemas.microsoft.com/office/infopath/2007/PartnerControls"/>
+    <ds:schemaRef ds:uri="http://purl.org/dc/terms/"/>
+    <ds:schemaRef ds:uri="http://purl.org/dc/dcmitype/"/>
+    <ds:schemaRef ds:uri="16c05727-aa75-4e4a-9b5f-8a80a1165891"/>
+    <ds:schemaRef ds:uri="http://www.w3.org/XML/1998/namespace"/>
+    <ds:schemaRef ds:uri="71af3243-3dd4-4a8d-8c0d-dd76da1f02a5"/>
+    <ds:schemaRef ds:uri="http://schemas.openxmlformats.org/package/2006/metadata/core-properties"/>
+    <ds:schemaRef ds:uri="http://schemas.microsoft.com/office/2006/metadata/properties"/>
+    <ds:schemaRef ds:uri="http://purl.org/dc/elements/1.1/"/>
+  </ds:schemaRefs>
+</ds:datastoreItem>
+</file>
+
+<file path=customXml/itemProps2.xml><?xml version="1.0" encoding="utf-8"?>
 <ds:datastoreItem xmlns:ds="http://schemas.openxmlformats.org/officeDocument/2006/customXml" ds:itemID="{4C103400-4A22-4E35-B588-4C4D42638959}">
   <ds:schemaRefs>
     <ds:schemaRef ds:uri="http://schemas.microsoft.com/office/2006/metadata/contentType"/>
@@ -38170,23 +40562,6 @@
 </ds:datastoreItem>
 </file>
 
-<file path=customXml/itemProps2.xml><?xml version="1.0" encoding="utf-8"?>
-<ds:datastoreItem xmlns:ds="http://schemas.openxmlformats.org/officeDocument/2006/customXml" ds:itemID="{F5757914-1161-4661-9696-421FD6935CDD}">
-  <ds:schemaRefs>
-    <ds:schemaRef ds:uri="http://schemas.microsoft.com/office/2006/documentManagement/types"/>
-    <ds:schemaRef ds:uri="http://schemas.microsoft.com/office/infopath/2007/PartnerControls"/>
-    <ds:schemaRef ds:uri="http://purl.org/dc/terms/"/>
-    <ds:schemaRef ds:uri="http://purl.org/dc/dcmitype/"/>
-    <ds:schemaRef ds:uri="16c05727-aa75-4e4a-9b5f-8a80a1165891"/>
-    <ds:schemaRef ds:uri="http://www.w3.org/XML/1998/namespace"/>
-    <ds:schemaRef ds:uri="71af3243-3dd4-4a8d-8c0d-dd76da1f02a5"/>
-    <ds:schemaRef ds:uri="http://schemas.openxmlformats.org/package/2006/metadata/core-properties"/>
-    <ds:schemaRef ds:uri="http://schemas.microsoft.com/office/2006/metadata/properties"/>
-    <ds:schemaRef ds:uri="http://purl.org/dc/elements/1.1/"/>
-  </ds:schemaRefs>
-</ds:datastoreItem>
-</file>
-
 <file path=customXml/itemProps3.xml><?xml version="1.0" encoding="utf-8"?>
 <ds:datastoreItem xmlns:ds="http://schemas.openxmlformats.org/officeDocument/2006/customXml" ds:itemID="{5B26E0C9-B2AA-42E6-97B6-E1B7D9EAF129}">
   <ds:schemaRefs>

--- a/reports/report_presentation.pptx
+++ b/reports/report_presentation.pptx
@@ -649,7 +649,7 @@
           <a:p>
             <a:fld id="{1CA5457B-CDAE-4DEB-AEC8-C82DE2312E37}" type="datetimeFigureOut">
               <a:rPr lang="en-US" smtClean="0"/>
-              <a:t>1/24/2023</a:t>
+              <a:t>1/25/2023</a:t>
             </a:fld>
             <a:endParaRPr lang="en-US" dirty="0"/>
           </a:p>
@@ -826,7 +826,7 @@
           <a:p>
             <a:fld id="{090B78EA-28CE-41D8-9043-90E391E5F567}" type="datetimeFigureOut">
               <a:rPr lang="en-US" noProof="0" smtClean="0"/>
-              <a:t>1/24/2023</a:t>
+              <a:t>1/25/2023</a:t>
             </a:fld>
             <a:endParaRPr lang="en-US" noProof="0" dirty="0"/>
           </a:p>
@@ -1958,13 +1958,13 @@
             </a:r>
             <a:r>
               <a:rPr lang="el-GR" dirty="0"/>
-              <a:t> και τα ταξινομούμε με βάση αυτή σε αύξουσα σειρά.</a:t>
+              <a:t> και τα ταξινομούμε με βάση αυτό σε αύξουσα σειρά.</a:t>
             </a:r>
           </a:p>
           <a:p>
             <a:r>
               <a:rPr lang="el-GR" dirty="0"/>
-              <a:t>Το πρώτο σημείο με το μικρότερο άθροισμα θα είναι σίγουρα σημείο του </a:t>
+              <a:t>Το πρώτο σημείο με το μικρότερο άθροισμα θα είναι πιθανόν σημείο του </a:t>
             </a:r>
             <a:r>
               <a:rPr lang="en-US" dirty="0"/>
@@ -1986,7 +1986,7 @@
           <a:p>
             <a:r>
               <a:rPr lang="el-GR" dirty="0"/>
-              <a:t>Στην συνέχεια περνάμε από τα όλα τα υπόλοιπα σημεία του </a:t>
+              <a:t>Στην συνέχεια περνάμε από τα υπόλοιπα σημεία του </a:t>
             </a:r>
             <a:r>
               <a:rPr lang="en-US" dirty="0"/>
@@ -2000,7 +2000,7 @@
           <a:p>
             <a:r>
               <a:rPr lang="el-GR" dirty="0"/>
-              <a:t>	* Αν το σημείο κυριαρχεί κάποιου από τα </a:t>
+              <a:t>	* Αν το σημείο κυριαρχεί κάποιο από τα </a:t>
             </a:r>
             <a:r>
               <a:rPr lang="en-US" dirty="0"/>
@@ -2008,7 +2008,64 @@
             </a:r>
             <a:r>
               <a:rPr lang="el-GR" dirty="0"/>
-              <a:t>σημεία που έχουμε μαζέψει, αφαιρούμε το σημείο που κυριαρχεί από τα </a:t>
+              <a:t>σημεία που έχουμε μαζέψει, το αφαιρούμε</a:t>
+            </a:r>
+            <a:endParaRPr lang="en-US" dirty="0"/>
+          </a:p>
+          <a:p>
+            <a:r>
+              <a:rPr lang="en-US" dirty="0"/>
+              <a:t>	* A</a:t>
+            </a:r>
+            <a:r>
+              <a:rPr lang="el-GR" dirty="0"/>
+              <a:t>ν</a:t>
+            </a:r>
+            <a:r>
+              <a:rPr lang="en-US" dirty="0"/>
+              <a:t> </a:t>
+            </a:r>
+            <a:r>
+              <a:rPr lang="el-GR" dirty="0"/>
+              <a:t>το σημείο κυριαρχείτε από κάποιο από τα </a:t>
+            </a:r>
+            <a:r>
+              <a:rPr lang="en-US" dirty="0"/>
+              <a:t>skyline </a:t>
+            </a:r>
+            <a:r>
+              <a:rPr lang="el-GR" dirty="0"/>
+              <a:t>σημεία που έχουμε μαζέψει, δεν το κρατάμε ως </a:t>
+            </a:r>
+            <a:r>
+              <a:rPr lang="en-US" dirty="0"/>
+              <a:t>skyline </a:t>
+            </a:r>
+            <a:r>
+              <a:rPr lang="el-GR" dirty="0"/>
+              <a:t>και πάμε στο επόμενο αλλιώς το κρατάμε ως </a:t>
+            </a:r>
+            <a:r>
+              <a:rPr lang="en-US" dirty="0"/>
+              <a:t>skyline </a:t>
+            </a:r>
+            <a:r>
+              <a:rPr lang="el-GR" dirty="0"/>
+              <a:t>σημείο</a:t>
+            </a:r>
+          </a:p>
+          <a:p>
+            <a:r>
+              <a:rPr lang="el-GR" dirty="0"/>
+              <a:t>Επαναλαμβάνουμε αυτούς τους ελέγχους για όλα τα σημεία του </a:t>
+            </a:r>
+            <a:r>
+              <a:rPr lang="en-US" dirty="0"/>
+              <a:t>dataset </a:t>
+            </a:r>
+            <a:r>
+              <a:rPr lang="el-GR" dirty="0"/>
+              <a:t>και στο τέλος καταλήγουμε με το </a:t>
             </a:r>
             <a:r>
               <a:rPr lang="en-US" dirty="0"/>
@@ -2016,21 +2073,50 @@
             </a:r>
           </a:p>
           <a:p>
+            <a:endParaRPr lang="en-US" dirty="0"/>
+          </a:p>
+          <a:p>
+            <a:r>
+              <a:rPr lang="el-GR" dirty="0"/>
+              <a:t>Ο τρόπος που υλοποιήσαμε τον αλγόριθμο αυτό για το </a:t>
+            </a:r>
             <a:r>
               <a:rPr lang="en-US" dirty="0"/>
-              <a:t>	* A</a:t>
+              <a:t>spark</a:t>
             </a:r>
             <a:r>
               <a:rPr lang="el-GR" dirty="0"/>
-              <a:t>ν</a:t>
+              <a:t> είναι ο εξής :</a:t>
+            </a:r>
+          </a:p>
+          <a:p>
+            <a:r>
+              <a:rPr lang="el-GR" dirty="0"/>
+              <a:t>Αφού φορτώσουμε τα δεδομένα σε </a:t>
             </a:r>
             <a:r>
               <a:rPr lang="en-US" dirty="0"/>
-              <a:t> </a:t>
+              <a:t>RDD,</a:t>
             </a:r>
             <a:r>
               <a:rPr lang="el-GR" dirty="0"/>
-              <a:t>το σημείο κυριαρχείτε από κάποιο από τα </a:t>
+              <a:t> τρέχουμε τον αλγόριθμο αυτό ξεχωριστά σε κάθε </a:t>
+            </a:r>
+            <a:r>
+              <a:rPr lang="en-US" dirty="0"/>
+              <a:t>partition </a:t>
+            </a:r>
+            <a:r>
+              <a:rPr lang="el-GR" dirty="0"/>
+              <a:t>με την εντολή </a:t>
+            </a:r>
+            <a:r>
+              <a:rPr lang="en-US" dirty="0" err="1"/>
+              <a:t>mapPartitions</a:t>
+            </a:r>
+            <a:r>
+              <a:rPr lang="el-GR" dirty="0"/>
+              <a:t> και έτσι καταλήγουμε με τα </a:t>
             </a:r>
             <a:r>
               <a:rPr lang="en-US" dirty="0"/>
@@ -2038,117 +2124,15 @@
             </a:r>
             <a:r>
               <a:rPr lang="el-GR" dirty="0"/>
-              <a:t>σημεία που έχουμε μαζέψει, δεν το κρατάμε ως </a:t>
-            </a:r>
-            <a:r>
-              <a:rPr lang="en-US" dirty="0"/>
-              <a:t>skyline </a:t>
-            </a:r>
-            <a:r>
-              <a:rPr lang="el-GR" dirty="0"/>
-              <a:t>και πάμε στο επόμενο αλλιώς το κρατάμε ως </a:t>
-            </a:r>
-            <a:r>
-              <a:rPr lang="en-US" dirty="0"/>
-              <a:t>skyline </a:t>
-            </a:r>
-            <a:r>
-              <a:rPr lang="el-GR" dirty="0"/>
-              <a:t>σημείο</a:t>
-            </a:r>
-          </a:p>
-          <a:p>
-            <a:r>
-              <a:rPr lang="el-GR" dirty="0"/>
-              <a:t>Επαναλαμβάνουμε αυτούς τους ελέγχους για όλα τα σημεία του </a:t>
-            </a:r>
-            <a:r>
-              <a:rPr lang="en-US" dirty="0"/>
-              <a:t>dataset </a:t>
-            </a:r>
-            <a:r>
-              <a:rPr lang="el-GR" dirty="0"/>
-              <a:t>και στο τέλος καταλήγουμε με το </a:t>
-            </a:r>
-            <a:r>
-              <a:rPr lang="en-US" dirty="0"/>
-              <a:t>skyline</a:t>
-            </a:r>
-          </a:p>
-          <a:p>
-            <a:endParaRPr lang="en-US" dirty="0"/>
-          </a:p>
-          <a:p>
-            <a:r>
-              <a:rPr lang="el-GR" dirty="0"/>
-              <a:t>Για να κάνουμε αυτόν τον αλγόριθμο </a:t>
-            </a:r>
-            <a:r>
-              <a:rPr lang="en-US" dirty="0"/>
-              <a:t>distributed</a:t>
-            </a:r>
-            <a:r>
-              <a:rPr lang="el-GR" dirty="0"/>
-              <a:t> και να τρέχει παράλληλα στα </a:t>
-            </a:r>
-            <a:r>
-              <a:rPr lang="en-US" dirty="0"/>
-              <a:t>node</a:t>
-            </a:r>
-            <a:r>
-              <a:rPr lang="el-GR" dirty="0"/>
-              <a:t> του </a:t>
-            </a:r>
-            <a:r>
-              <a:rPr lang="en-US" dirty="0"/>
-              <a:t>spark</a:t>
-            </a:r>
-            <a:r>
-              <a:rPr lang="el-GR" dirty="0"/>
-              <a:t>, κάναμε το εξής :</a:t>
-            </a:r>
-          </a:p>
-          <a:p>
-            <a:r>
-              <a:rPr lang="el-GR" dirty="0"/>
-              <a:t>Αφού φορτώσαμε τα δεδομένα σε </a:t>
-            </a:r>
-            <a:r>
-              <a:rPr lang="en-US" dirty="0"/>
-              <a:t>RDD,</a:t>
-            </a:r>
-            <a:r>
-              <a:rPr lang="el-GR" dirty="0"/>
-              <a:t> τρέχουμε τον αλγόριθμο αυτό ξεχωριστά σε κάθε </a:t>
-            </a:r>
-            <a:r>
-              <a:rPr lang="en-US" dirty="0"/>
-              <a:t>partition </a:t>
-            </a:r>
-            <a:r>
-              <a:rPr lang="el-GR" dirty="0"/>
-              <a:t>με την εντολή </a:t>
-            </a:r>
-            <a:r>
-              <a:rPr lang="en-US" dirty="0" err="1"/>
-              <a:t>mapPartitions</a:t>
-            </a:r>
-            <a:r>
-              <a:rPr lang="el-GR" dirty="0"/>
-              <a:t> και έτσι καταλήγουμε με τα </a:t>
-            </a:r>
-            <a:r>
-              <a:rPr lang="en-US" dirty="0"/>
-              <a:t>skyline </a:t>
-            </a:r>
-            <a:r>
-              <a:rPr lang="el-GR" dirty="0"/>
               <a:t>σημεία του κάθε </a:t>
             </a:r>
             <a:r>
               <a:rPr lang="en-US" dirty="0"/>
               <a:t>partition. </a:t>
             </a:r>
+            <a:endParaRPr lang="el-GR" dirty="0"/>
+          </a:p>
+          <a:p>
             <a:r>
               <a:rPr lang="el-GR" dirty="0"/>
               <a:t>Στην συνέχεια τα κάνουμε </a:t>
@@ -2159,7 +2143,13 @@
             </a:r>
             <a:r>
               <a:rPr lang="el-GR" dirty="0"/>
-              <a:t> και ξανά τρέχουμε τον αλγόριθμο με αυτά τα σημεία. Έτσι καταλήγουμε με το τελικό </a:t>
+              <a:t> και ξανά τρέχουμε τον αλγόριθμο σε αυτά τα σημεία που μαζέψαμε. </a:t>
+            </a:r>
+          </a:p>
+          <a:p>
+            <a:r>
+              <a:rPr lang="el-GR" dirty="0"/>
+              <a:t>Έτσι καταλήγουμε με το τελικό </a:t>
             </a:r>
             <a:r>
               <a:rPr lang="en-US" dirty="0"/>
@@ -2297,11 +2287,19 @@
           <a:p>
             <a:r>
               <a:rPr lang="el-GR" dirty="0"/>
-              <a:t>Έστω ότι πάμε πρώτα στο πάνω σημείο με άθροισμα 6, τότε βλέπουμε ότι κυριαρχείται από ένα από τα σημεία του </a:t>
+              <a:t>Έστω ότι πάμε πρώτα στο πάνω σημείο με άθροισμα 6, τότε βλέπουμε ότι κυριαρχείται από ένα το σημεία του </a:t>
             </a:r>
             <a:r>
               <a:rPr lang="en-US" dirty="0"/>
-              <a:t>skyline </a:t>
+              <a:t>skyline</a:t>
+            </a:r>
+            <a:r>
+              <a:rPr lang="el-GR" dirty="0"/>
+              <a:t> που μαζέψαμε πριν</a:t>
+            </a:r>
+            <a:r>
+              <a:rPr lang="en-US" dirty="0"/>
+              <a:t> </a:t>
             </a:r>
             <a:r>
               <a:rPr lang="el-GR" dirty="0"/>
@@ -2720,7 +2718,13 @@
             </a:r>
             <a:r>
               <a:rPr lang="el-GR" dirty="0"/>
-              <a:t>σημείο που κρατήσαμε πριν. Υπολογίζουμε τα </a:t>
+              <a:t>σημείο που κρατήσαμε πριν. </a:t>
+            </a:r>
+          </a:p>
+          <a:p>
+            <a:r>
+              <a:rPr lang="el-GR" dirty="0"/>
+              <a:t>Υπολογίζουμε τα </a:t>
             </a:r>
             <a:r>
               <a:rPr lang="en-US" dirty="0"/>
@@ -2758,84 +2762,6 @@
           </a:p>
           <a:p>
             <a:endParaRPr lang="el-GR" dirty="0"/>
-          </a:p>
-          <a:p>
-            <a:r>
-              <a:rPr lang="el-GR" dirty="0"/>
-              <a:t>Συνοψίζοντας, η διαδικασία είναι :</a:t>
-            </a:r>
-          </a:p>
-          <a:p>
-            <a:r>
-              <a:rPr lang="el-GR" dirty="0"/>
-              <a:t>	*η φθίνουσα ταξινόμηση των υποψήφιων σημείων </a:t>
-            </a:r>
-          </a:p>
-          <a:p>
-            <a:r>
-              <a:rPr lang="el-GR" dirty="0"/>
-              <a:t>	*η εισαγωγή του πρώτου από τα υποψήφια σημεία στα </a:t>
-            </a:r>
-            <a:r>
-              <a:rPr lang="en-US" dirty="0" err="1"/>
-              <a:t>topK</a:t>
-            </a:r>
-            <a:endParaRPr lang="el-GR" dirty="0"/>
-          </a:p>
-          <a:p>
-            <a:r>
-              <a:rPr lang="el-GR" dirty="0"/>
-              <a:t>	*ο υπολογισμός του τοπικού </a:t>
-            </a:r>
-            <a:r>
-              <a:rPr lang="en-US" dirty="0"/>
-              <a:t>skyline </a:t>
-            </a:r>
-            <a:r>
-              <a:rPr lang="el-GR" dirty="0"/>
-              <a:t>για το </a:t>
-            </a:r>
-            <a:r>
-              <a:rPr lang="en-US" dirty="0"/>
-              <a:t>top </a:t>
-            </a:r>
-            <a:r>
-              <a:rPr lang="el-GR" dirty="0"/>
-              <a:t>σημείο αυτό</a:t>
-            </a:r>
-          </a:p>
-          <a:p>
-            <a:r>
-              <a:rPr lang="el-GR" dirty="0"/>
-              <a:t>	*ο υπολογισμός των </a:t>
-            </a:r>
-            <a:r>
-              <a:rPr lang="en-US" dirty="0"/>
-              <a:t>dominations </a:t>
-            </a:r>
-            <a:r>
-              <a:rPr lang="el-GR" dirty="0"/>
-              <a:t>για το τοπικό </a:t>
-            </a:r>
-            <a:r>
-              <a:rPr lang="en-US" dirty="0"/>
-              <a:t>skyline </a:t>
-            </a:r>
-            <a:endParaRPr lang="el-GR" dirty="0"/>
-          </a:p>
-          <a:p>
-            <a:r>
-              <a:rPr lang="el-GR" dirty="0"/>
-              <a:t>	*και η εισαγωγή του τοπικού </a:t>
-            </a:r>
-            <a:r>
-              <a:rPr lang="en-US" dirty="0"/>
-              <a:t>skyline</a:t>
-            </a:r>
-            <a:r>
-              <a:rPr lang="el-GR" dirty="0"/>
-              <a:t> στα υποψήφια σημεία</a:t>
-            </a:r>
           </a:p>
           <a:p>
             <a:endParaRPr lang="el-GR" dirty="0"/>
@@ -3083,7 +3009,7 @@
             </a:r>
             <a:r>
               <a:rPr lang="el-GR" dirty="0"/>
-              <a:t>και το βάζουμε στα </a:t>
+              <a:t>και το βάλουμε στα </a:t>
             </a:r>
             <a:r>
               <a:rPr lang="en-US" dirty="0" err="1"/>
